--- a/PROJECT_FILES/hobbyProject_shefeltgood.pptx
+++ b/PROJECT_FILES/hobbyProject_shefeltgood.pptx
@@ -5,19 +5,25 @@
     <p:sldMasterId id="2147483648" r:id="rId1"/>
   </p:sldMasterIdLst>
   <p:sldIdLst>
-    <p:sldId id="258" r:id="rId2"/>
-    <p:sldId id="259" r:id="rId3"/>
-    <p:sldId id="260" r:id="rId4"/>
-    <p:sldId id="261" r:id="rId5"/>
-    <p:sldId id="262" r:id="rId6"/>
-    <p:sldId id="263" r:id="rId7"/>
-    <p:sldId id="264" r:id="rId8"/>
-    <p:sldId id="265" r:id="rId9"/>
-    <p:sldId id="266" r:id="rId10"/>
-    <p:sldId id="267" r:id="rId11"/>
-    <p:sldId id="268" r:id="rId12"/>
-    <p:sldId id="256" r:id="rId13"/>
-    <p:sldId id="257" r:id="rId14"/>
+    <p:sldId id="259" r:id="rId2"/>
+    <p:sldId id="279" r:id="rId3"/>
+    <p:sldId id="277" r:id="rId4"/>
+    <p:sldId id="265" r:id="rId5"/>
+    <p:sldId id="278" r:id="rId6"/>
+    <p:sldId id="269" r:id="rId7"/>
+    <p:sldId id="270" r:id="rId8"/>
+    <p:sldId id="274" r:id="rId9"/>
+    <p:sldId id="275" r:id="rId10"/>
+    <p:sldId id="271" r:id="rId11"/>
+    <p:sldId id="272" r:id="rId12"/>
+    <p:sldId id="273" r:id="rId13"/>
+    <p:sldId id="258" r:id="rId14"/>
+    <p:sldId id="276" r:id="rId15"/>
+    <p:sldId id="262" r:id="rId16"/>
+    <p:sldId id="263" r:id="rId17"/>
+    <p:sldId id="264" r:id="rId18"/>
+    <p:sldId id="267" r:id="rId19"/>
+    <p:sldId id="268" r:id="rId20"/>
   </p:sldIdLst>
   <p:sldSz cx="12192000" cy="6858000"/>
   <p:notesSz cx="6858000" cy="9144000"/>
@@ -273,7 +279,7 @@
           <a:p>
             <a:fld id="{E6DD3015-AB93-40BF-9B4E-CF456472E791}" type="datetimeFigureOut">
               <a:rPr lang="en-GB" smtClean="0"/>
-              <a:t>20/08/2020</a:t>
+              <a:t>21/08/2020</a:t>
             </a:fld>
             <a:endParaRPr lang="en-GB"/>
           </a:p>
@@ -473,7 +479,7 @@
           <a:p>
             <a:fld id="{E6DD3015-AB93-40BF-9B4E-CF456472E791}" type="datetimeFigureOut">
               <a:rPr lang="en-GB" smtClean="0"/>
-              <a:t>20/08/2020</a:t>
+              <a:t>21/08/2020</a:t>
             </a:fld>
             <a:endParaRPr lang="en-GB"/>
           </a:p>
@@ -683,7 +689,7 @@
           <a:p>
             <a:fld id="{E6DD3015-AB93-40BF-9B4E-CF456472E791}" type="datetimeFigureOut">
               <a:rPr lang="en-GB" smtClean="0"/>
-              <a:t>20/08/2020</a:t>
+              <a:t>21/08/2020</a:t>
             </a:fld>
             <a:endParaRPr lang="en-GB"/>
           </a:p>
@@ -883,7 +889,7 @@
           <a:p>
             <a:fld id="{E6DD3015-AB93-40BF-9B4E-CF456472E791}" type="datetimeFigureOut">
               <a:rPr lang="en-GB" smtClean="0"/>
-              <a:t>20/08/2020</a:t>
+              <a:t>21/08/2020</a:t>
             </a:fld>
             <a:endParaRPr lang="en-GB"/>
           </a:p>
@@ -1159,7 +1165,7 @@
           <a:p>
             <a:fld id="{E6DD3015-AB93-40BF-9B4E-CF456472E791}" type="datetimeFigureOut">
               <a:rPr lang="en-GB" smtClean="0"/>
-              <a:t>20/08/2020</a:t>
+              <a:t>21/08/2020</a:t>
             </a:fld>
             <a:endParaRPr lang="en-GB"/>
           </a:p>
@@ -1427,7 +1433,7 @@
           <a:p>
             <a:fld id="{E6DD3015-AB93-40BF-9B4E-CF456472E791}" type="datetimeFigureOut">
               <a:rPr lang="en-GB" smtClean="0"/>
-              <a:t>20/08/2020</a:t>
+              <a:t>21/08/2020</a:t>
             </a:fld>
             <a:endParaRPr lang="en-GB"/>
           </a:p>
@@ -1842,7 +1848,7 @@
           <a:p>
             <a:fld id="{E6DD3015-AB93-40BF-9B4E-CF456472E791}" type="datetimeFigureOut">
               <a:rPr lang="en-GB" smtClean="0"/>
-              <a:t>20/08/2020</a:t>
+              <a:t>21/08/2020</a:t>
             </a:fld>
             <a:endParaRPr lang="en-GB"/>
           </a:p>
@@ -1984,7 +1990,7 @@
           <a:p>
             <a:fld id="{E6DD3015-AB93-40BF-9B4E-CF456472E791}" type="datetimeFigureOut">
               <a:rPr lang="en-GB" smtClean="0"/>
-              <a:t>20/08/2020</a:t>
+              <a:t>21/08/2020</a:t>
             </a:fld>
             <a:endParaRPr lang="en-GB"/>
           </a:p>
@@ -2097,7 +2103,7 @@
           <a:p>
             <a:fld id="{E6DD3015-AB93-40BF-9B4E-CF456472E791}" type="datetimeFigureOut">
               <a:rPr lang="en-GB" smtClean="0"/>
-              <a:t>20/08/2020</a:t>
+              <a:t>21/08/2020</a:t>
             </a:fld>
             <a:endParaRPr lang="en-GB"/>
           </a:p>
@@ -2410,7 +2416,7 @@
           <a:p>
             <a:fld id="{E6DD3015-AB93-40BF-9B4E-CF456472E791}" type="datetimeFigureOut">
               <a:rPr lang="en-GB" smtClean="0"/>
-              <a:t>20/08/2020</a:t>
+              <a:t>21/08/2020</a:t>
             </a:fld>
             <a:endParaRPr lang="en-GB"/>
           </a:p>
@@ -2699,7 +2705,7 @@
           <a:p>
             <a:fld id="{E6DD3015-AB93-40BF-9B4E-CF456472E791}" type="datetimeFigureOut">
               <a:rPr lang="en-GB" smtClean="0"/>
-              <a:t>20/08/2020</a:t>
+              <a:t>21/08/2020</a:t>
             </a:fld>
             <a:endParaRPr lang="en-GB"/>
           </a:p>
@@ -2776,9 +2782,15 @@
 <p:sldMaster xmlns:a="http://schemas.openxmlformats.org/drawingml/2006/main" xmlns:r="http://schemas.openxmlformats.org/officeDocument/2006/relationships" xmlns:p="http://schemas.openxmlformats.org/presentationml/2006/main">
   <p:cSld>
     <p:bg>
-      <p:bgRef idx="1001">
-        <a:schemeClr val="bg1"/>
-      </p:bgRef>
+      <p:bgPr>
+        <a:solidFill>
+          <a:schemeClr val="accent6">
+            <a:lumMod val="20000"/>
+            <a:lumOff val="80000"/>
+          </a:schemeClr>
+        </a:solidFill>
+        <a:effectLst/>
+      </p:bgPr>
     </p:bg>
     <p:spTree>
       <p:nvGrpSpPr>
@@ -2942,7 +2954,7 @@
           <a:p>
             <a:fld id="{E6DD3015-AB93-40BF-9B4E-CF456472E791}" type="datetimeFigureOut">
               <a:rPr lang="en-GB" smtClean="0"/>
-              <a:t>20/08/2020</a:t>
+              <a:t>21/08/2020</a:t>
             </a:fld>
             <a:endParaRPr lang="en-GB"/>
           </a:p>
@@ -3377,9 +3389,7 @@
         </p:nvSpPr>
         <p:spPr/>
         <p:txBody>
-          <a:bodyPr>
-            <a:normAutofit fontScale="90000"/>
-          </a:bodyPr>
+          <a:bodyPr/>
           <a:lstStyle/>
           <a:p>
             <a:r>
@@ -3392,19 +3402,7 @@
                 <a:ea typeface="Calibri" panose="020F0502020204030204" pitchFamily="34" charset="0"/>
                 <a:cs typeface="Symbol" panose="05050102010706020507" pitchFamily="18" charset="2"/>
               </a:rPr>
-              <a:t>Introduction</a:t>
-            </a:r>
-            <a:r>
-              <a:rPr lang="en-GB" sz="4400" dirty="0">
-                <a:solidFill>
-                  <a:srgbClr val="2E2D2C"/>
-                </a:solidFill>
-                <a:effectLst/>
-                <a:latin typeface="Montserrat Light"/>
-                <a:ea typeface="Calibri" panose="020F0502020204030204" pitchFamily="34" charset="0"/>
-                <a:cs typeface="Symbol" panose="05050102010706020507" pitchFamily="18" charset="2"/>
-              </a:rPr>
-              <a:t>: Who are you? How did you approach the specification?</a:t>
+              <a:t>Concept</a:t>
             </a:r>
             <a:br>
               <a:rPr lang="en-GB" sz="4400" dirty="0">
@@ -3421,40 +3419,204 @@
           </a:p>
         </p:txBody>
       </p:sp>
-      <p:sp>
-        <p:nvSpPr>
-          <p:cNvPr id="3" name="Content Placeholder 2">
+      <p:pic>
+        <p:nvPicPr>
+          <p:cNvPr id="5" name="Content Placeholder 4" descr="A group of stuffed animals&#10;&#10;Description automatically generated">
             <a:extLst>
               <a:ext uri="{FF2B5EF4-FFF2-40B4-BE49-F238E27FC236}">
-                <a16:creationId xmlns:a16="http://schemas.microsoft.com/office/drawing/2014/main" id="{142DDB05-701E-4CAD-AA7E-83B1FC04A953}"/>
+                <a16:creationId xmlns:a16="http://schemas.microsoft.com/office/drawing/2014/main" id="{CC229B22-DF51-48DF-BA6F-7DB77BB3FA43}"/>
               </a:ext>
             </a:extLst>
           </p:cNvPr>
-          <p:cNvSpPr>
-            <a:spLocks noGrp="1"/>
-          </p:cNvSpPr>
+          <p:cNvPicPr>
+            <a:picLocks noGrp="1" noChangeAspect="1"/>
+          </p:cNvPicPr>
           <p:nvPr>
             <p:ph idx="1"/>
           </p:nvPr>
+        </p:nvPicPr>
+        <p:blipFill>
+          <a:blip r:embed="rId2">
+            <a:extLst>
+              <a:ext uri="{28A0092B-C50C-407E-A947-70E740481C1C}">
+                <a14:useLocalDpi xmlns:a14="http://schemas.microsoft.com/office/drawing/2010/main" val="0"/>
+              </a:ext>
+            </a:extLst>
+          </a:blip>
+          <a:stretch>
+            <a:fillRect/>
+          </a:stretch>
+        </p:blipFill>
+        <p:spPr>
+          <a:xfrm>
+            <a:off x="838200" y="1690688"/>
+            <a:ext cx="4351338" cy="4351338"/>
+          </a:xfrm>
+        </p:spPr>
+      </p:pic>
+      <p:pic>
+        <p:nvPicPr>
+          <p:cNvPr id="7" name="Picture 6" descr="A picture containing food&#10;&#10;Description automatically generated">
+            <a:extLst>
+              <a:ext uri="{FF2B5EF4-FFF2-40B4-BE49-F238E27FC236}">
+                <a16:creationId xmlns:a16="http://schemas.microsoft.com/office/drawing/2014/main" id="{D0A18233-FAFD-4D7A-B6E8-6B606D76D3D2}"/>
+              </a:ext>
+            </a:extLst>
+          </p:cNvPr>
+          <p:cNvPicPr>
+            <a:picLocks noChangeAspect="1"/>
+          </p:cNvPicPr>
+          <p:nvPr/>
+        </p:nvPicPr>
+        <p:blipFill>
+          <a:blip r:embed="rId3">
+            <a:extLst>
+              <a:ext uri="{28A0092B-C50C-407E-A947-70E740481C1C}">
+                <a14:useLocalDpi xmlns:a14="http://schemas.microsoft.com/office/drawing/2010/main" val="0"/>
+              </a:ext>
+            </a:extLst>
+          </a:blip>
+          <a:stretch>
+            <a:fillRect/>
+          </a:stretch>
+        </p:blipFill>
+        <p:spPr>
+          <a:xfrm>
+            <a:off x="8949132" y="365125"/>
+            <a:ext cx="2857899" cy="2857899"/>
+          </a:xfrm>
+          <a:prstGeom prst="rect">
+            <a:avLst/>
+          </a:prstGeom>
+        </p:spPr>
+      </p:pic>
+      <p:pic>
+        <p:nvPicPr>
+          <p:cNvPr id="9" name="Picture 8" descr="A group of people sitting at a table&#10;&#10;Description automatically generated">
+            <a:extLst>
+              <a:ext uri="{FF2B5EF4-FFF2-40B4-BE49-F238E27FC236}">
+                <a16:creationId xmlns:a16="http://schemas.microsoft.com/office/drawing/2014/main" id="{062F2F87-7BFF-467B-8218-F70C2BC19BF8}"/>
+              </a:ext>
+            </a:extLst>
+          </p:cNvPr>
+          <p:cNvPicPr>
+            <a:picLocks noChangeAspect="1"/>
+          </p:cNvPicPr>
+          <p:nvPr/>
+        </p:nvPicPr>
+        <p:blipFill>
+          <a:blip r:embed="rId4">
+            <a:extLst>
+              <a:ext uri="{28A0092B-C50C-407E-A947-70E740481C1C}">
+                <a14:useLocalDpi xmlns:a14="http://schemas.microsoft.com/office/drawing/2010/main" val="0"/>
+              </a:ext>
+            </a:extLst>
+          </a:blip>
+          <a:stretch>
+            <a:fillRect/>
+          </a:stretch>
+        </p:blipFill>
+        <p:spPr>
+          <a:xfrm>
+            <a:off x="8595449" y="3429000"/>
+            <a:ext cx="3242641" cy="3242641"/>
+          </a:xfrm>
+          <a:prstGeom prst="rect">
+            <a:avLst/>
+          </a:prstGeom>
+        </p:spPr>
+      </p:pic>
+      <p:sp>
+        <p:nvSpPr>
+          <p:cNvPr id="13" name="TextBox 12">
+            <a:extLst>
+              <a:ext uri="{FF2B5EF4-FFF2-40B4-BE49-F238E27FC236}">
+                <a16:creationId xmlns:a16="http://schemas.microsoft.com/office/drawing/2014/main" id="{0C35B373-66D1-4170-8D93-1422598A833A}"/>
+              </a:ext>
+            </a:extLst>
+          </p:cNvPr>
+          <p:cNvSpPr txBox="1"/>
+          <p:nvPr/>
         </p:nvSpPr>
-        <p:spPr/>
+        <p:spPr>
+          <a:xfrm>
+            <a:off x="5418251" y="639083"/>
+            <a:ext cx="3077650" cy="2746457"/>
+          </a:xfrm>
+          <a:prstGeom prst="rect">
+            <a:avLst/>
+          </a:prstGeom>
+          <a:noFill/>
+        </p:spPr>
         <p:txBody>
-          <a:bodyPr>
-            <a:normAutofit/>
+          <a:bodyPr wrap="square">
+            <a:spAutoFit/>
           </a:bodyPr>
           <a:lstStyle/>
           <a:p>
-            <a:pPr marL="0" indent="0">
-              <a:buNone/>
+            <a:pPr marR="294640">
+              <a:lnSpc>
+                <a:spcPct val="107000"/>
+              </a:lnSpc>
+              <a:spcBef>
+                <a:spcPts val="960"/>
+              </a:spcBef>
+              <a:spcAft>
+                <a:spcPts val="1200"/>
+              </a:spcAft>
             </a:pPr>
-            <a:endParaRPr lang="en-GB" dirty="0"/>
+            <a:r>
+              <a:rPr lang="en-US" sz="1800" b="1" dirty="0">
+                <a:solidFill>
+                  <a:srgbClr val="002060"/>
+                </a:solidFill>
+                <a:effectLst/>
+                <a:latin typeface="Montserrat"/>
+                <a:ea typeface="Arial" panose="020B0604020202020204" pitchFamily="34" charset="0"/>
+                <a:cs typeface="Arial" panose="020B0604020202020204" pitchFamily="34" charset="0"/>
+              </a:rPr>
+              <a:t>To create an OOP-based web application, with </a:t>
+            </a:r>
+            <a:r>
+              <a:rPr lang="en-US" sz="1800" b="1" dirty="0" err="1">
+                <a:solidFill>
+                  <a:srgbClr val="002060"/>
+                </a:solidFill>
+                <a:effectLst/>
+                <a:latin typeface="Montserrat"/>
+                <a:ea typeface="Arial" panose="020B0604020202020204" pitchFamily="34" charset="0"/>
+                <a:cs typeface="Arial" panose="020B0604020202020204" pitchFamily="34" charset="0"/>
+              </a:rPr>
+              <a:t>utilisation</a:t>
+            </a:r>
+            <a:r>
+              <a:rPr lang="en-US" sz="1800" b="1" dirty="0">
+                <a:solidFill>
+                  <a:srgbClr val="002060"/>
+                </a:solidFill>
+                <a:effectLst/>
+                <a:latin typeface="Montserrat"/>
+                <a:ea typeface="Arial" panose="020B0604020202020204" pitchFamily="34" charset="0"/>
+                <a:cs typeface="Arial" panose="020B0604020202020204" pitchFamily="34" charset="0"/>
+              </a:rPr>
+              <a:t> of supporting tools, methodologies, and technologies, that encapsulates all fundamental and practical modules covered during training.</a:t>
+            </a:r>
+            <a:endParaRPr lang="en-GB" sz="1800" dirty="0">
+              <a:solidFill>
+                <a:srgbClr val="000000"/>
+              </a:solidFill>
+              <a:effectLst/>
+              <a:latin typeface="Montserrat Light"/>
+              <a:ea typeface="Arial" panose="020B0604020202020204" pitchFamily="34" charset="0"/>
+              <a:cs typeface="Arial" panose="020B0604020202020204" pitchFamily="34" charset="0"/>
+            </a:endParaRPr>
           </a:p>
         </p:txBody>
       </p:sp>
     </p:spTree>
     <p:extLst>
       <p:ext uri="{BB962C8B-B14F-4D97-AF65-F5344CB8AC3E}">
-        <p14:creationId xmlns:p14="http://schemas.microsoft.com/office/powerpoint/2010/main" val="3498733586"/>
+        <p14:creationId xmlns:p14="http://schemas.microsoft.com/office/powerpoint/2010/main" val="2119265373"/>
       </p:ext>
     </p:extLst>
   </p:cSld>
@@ -3481,71 +3643,110 @@
           <a:chExt cx="0" cy="0"/>
         </a:xfrm>
       </p:grpSpPr>
+      <p:pic>
+        <p:nvPicPr>
+          <p:cNvPr id="5" name="Picture 4">
+            <a:extLst>
+              <a:ext uri="{FF2B5EF4-FFF2-40B4-BE49-F238E27FC236}">
+                <a16:creationId xmlns:a16="http://schemas.microsoft.com/office/drawing/2014/main" id="{721ABAF1-01B3-429A-8435-92013B70B395}"/>
+              </a:ext>
+            </a:extLst>
+          </p:cNvPr>
+          <p:cNvPicPr>
+            <a:picLocks noChangeAspect="1"/>
+          </p:cNvPicPr>
+          <p:nvPr/>
+        </p:nvPicPr>
+        <p:blipFill rotWithShape="1">
+          <a:blip r:embed="rId2"/>
+          <a:srcRect l="17174" t="20855" r="5978" b="6065"/>
+          <a:stretch/>
+        </p:blipFill>
+        <p:spPr>
+          <a:xfrm>
+            <a:off x="838200" y="1165502"/>
+            <a:ext cx="9964161" cy="5327373"/>
+          </a:xfrm>
+          <a:prstGeom prst="rect">
+            <a:avLst/>
+          </a:prstGeom>
+        </p:spPr>
+      </p:pic>
       <p:sp>
         <p:nvSpPr>
-          <p:cNvPr id="2" name="Title 1">
+          <p:cNvPr id="3" name="Title 1">
             <a:extLst>
               <a:ext uri="{FF2B5EF4-FFF2-40B4-BE49-F238E27FC236}">
-                <a16:creationId xmlns:a16="http://schemas.microsoft.com/office/drawing/2014/main" id="{F51A67E6-3E8B-4133-94E8-DE76C5D47AE4}"/>
+                <a16:creationId xmlns:a16="http://schemas.microsoft.com/office/drawing/2014/main" id="{5E2872E1-30B8-45F7-9181-94B885CD81AF}"/>
               </a:ext>
             </a:extLst>
           </p:cNvPr>
-          <p:cNvSpPr>
-            <a:spLocks noGrp="1"/>
+          <p:cNvSpPr txBox="1">
+            <a:spLocks/>
           </p:cNvSpPr>
-          <p:nvPr>
-            <p:ph type="title"/>
-          </p:nvPr>
+          <p:nvPr/>
         </p:nvSpPr>
-        <p:spPr/>
+        <p:spPr>
+          <a:xfrm>
+            <a:off x="838200" y="365125"/>
+            <a:ext cx="10515600" cy="1325563"/>
+          </a:xfrm>
+          <a:prstGeom prst="rect">
+            <a:avLst/>
+          </a:prstGeom>
+        </p:spPr>
         <p:txBody>
-          <a:bodyPr>
-            <a:normAutofit fontScale="90000"/>
+          <a:bodyPr vert="horz" lIns="91440" tIns="45720" rIns="91440" bIns="45720" rtlCol="0" anchor="b">
+            <a:normAutofit fontScale="92500" lnSpcReduction="10000"/>
           </a:bodyPr>
-          <a:lstStyle/>
-          <a:p>
+          <a:lstStyle>
+            <a:lvl1pPr algn="ctr" defTabSz="914400" rtl="0" eaLnBrk="1" latinLnBrk="0" hangingPunct="1">
+              <a:lnSpc>
+                <a:spcPct val="90000"/>
+              </a:lnSpc>
+              <a:spcBef>
+                <a:spcPct val="0"/>
+              </a:spcBef>
+              <a:buNone/>
+              <a:defRPr sz="6000" kern="1200">
+                <a:solidFill>
+                  <a:schemeClr val="tx1"/>
+                </a:solidFill>
+                <a:latin typeface="+mj-lt"/>
+                <a:ea typeface="+mj-ea"/>
+                <a:cs typeface="+mj-cs"/>
+              </a:defRPr>
+            </a:lvl1pPr>
+          </a:lstStyle>
+          <a:p>
+            <a:pPr algn="l"/>
             <a:r>
               <a:rPr lang="en-GB" sz="4400" b="1" dirty="0">
                 <a:solidFill>
                   <a:srgbClr val="2E2D2C"/>
                 </a:solidFill>
-                <a:effectLst/>
                 <a:latin typeface="Montserrat"/>
                 <a:ea typeface="Calibri" panose="020F0502020204030204" pitchFamily="34" charset="0"/>
                 <a:cs typeface="Symbol" panose="05050102010706020507" pitchFamily="18" charset="2"/>
               </a:rPr>
-              <a:t>Conclusion</a:t>
+              <a:t>Sprint plan</a:t>
             </a:r>
             <a:r>
               <a:rPr lang="en-GB" sz="4400" b="1" dirty="0">
                 <a:solidFill>
                   <a:srgbClr val="2E2D2C"/>
                 </a:solidFill>
-                <a:effectLst/>
                 <a:latin typeface="Montserrat Light"/>
                 <a:ea typeface="Calibri" panose="020F0502020204030204" pitchFamily="34" charset="0"/>
                 <a:cs typeface="Symbol" panose="05050102010706020507" pitchFamily="18" charset="2"/>
               </a:rPr>
-              <a:t>: </a:t>
-            </a:r>
-            <a:r>
-              <a:rPr lang="en-GB" sz="4400" dirty="0">
-                <a:solidFill>
-                  <a:srgbClr val="2E2D2C"/>
-                </a:solidFill>
-                <a:effectLst/>
-                <a:latin typeface="Montserrat Light"/>
-                <a:ea typeface="Calibri" panose="020F0502020204030204" pitchFamily="34" charset="0"/>
-                <a:cs typeface="Symbol" panose="05050102010706020507" pitchFamily="18" charset="2"/>
-              </a:rPr>
-              <a:t>Reflections on the project, future steps, any other relevant info </a:t>
+              <a:t>:</a:t>
             </a:r>
             <a:br>
               <a:rPr lang="en-GB" sz="4400" dirty="0">
                 <a:solidFill>
                   <a:srgbClr val="2E2D2C"/>
                 </a:solidFill>
-                <a:effectLst/>
                 <a:latin typeface="Segoe UI" panose="020B0502040204020203" pitchFamily="34" charset="0"/>
                 <a:ea typeface="Calibri" panose="020F0502020204030204" pitchFamily="34" charset="0"/>
                 <a:cs typeface="Symbol" panose="05050102010706020507" pitchFamily="18" charset="2"/>
@@ -3555,66 +3756,10 @@
           </a:p>
         </p:txBody>
       </p:sp>
-      <p:sp>
-        <p:nvSpPr>
-          <p:cNvPr id="3" name="Content Placeholder 2">
-            <a:extLst>
-              <a:ext uri="{FF2B5EF4-FFF2-40B4-BE49-F238E27FC236}">
-                <a16:creationId xmlns:a16="http://schemas.microsoft.com/office/drawing/2014/main" id="{142DDB05-701E-4CAD-AA7E-83B1FC04A953}"/>
-              </a:ext>
-            </a:extLst>
-          </p:cNvPr>
-          <p:cNvSpPr>
-            <a:spLocks noGrp="1"/>
-          </p:cNvSpPr>
-          <p:nvPr>
-            <p:ph idx="1"/>
-          </p:nvPr>
-        </p:nvSpPr>
-        <p:spPr/>
-        <p:txBody>
-          <a:bodyPr>
-            <a:normAutofit/>
-          </a:bodyPr>
-          <a:lstStyle/>
-          <a:p>
-            <a:pPr>
-              <a:lnSpc>
-                <a:spcPct val="107000"/>
-              </a:lnSpc>
-              <a:spcAft>
-                <a:spcPts val="800"/>
-              </a:spcAft>
-            </a:pPr>
-            <a:r>
-              <a:rPr lang="en-GB" sz="1800" dirty="0">
-                <a:solidFill>
-                  <a:srgbClr val="2E2D2C"/>
-                </a:solidFill>
-                <a:effectLst/>
-                <a:latin typeface="Montserrat Light"/>
-                <a:ea typeface="Calibri" panose="020F0502020204030204" pitchFamily="34" charset="0"/>
-              </a:rPr>
-              <a:t> </a:t>
-            </a:r>
-            <a:endParaRPr lang="en-GB" sz="1800" dirty="0">
-              <a:solidFill>
-                <a:srgbClr val="2E2D2C"/>
-              </a:solidFill>
-              <a:effectLst/>
-              <a:latin typeface="Segoe UI" panose="020B0502040204020203" pitchFamily="34" charset="0"/>
-              <a:ea typeface="Calibri" panose="020F0502020204030204" pitchFamily="34" charset="0"/>
-            </a:endParaRPr>
-          </a:p>
-          <a:p>
-            <a:endParaRPr lang="en-GB" dirty="0"/>
-          </a:p>
-        </p:txBody>
-      </p:sp>
     </p:spTree>
     <p:extLst>
       <p:ext uri="{BB962C8B-B14F-4D97-AF65-F5344CB8AC3E}">
-        <p14:creationId xmlns:p14="http://schemas.microsoft.com/office/powerpoint/2010/main" val="3809746582"/>
+        <p14:creationId xmlns:p14="http://schemas.microsoft.com/office/powerpoint/2010/main" val="2596030520"/>
       </p:ext>
     </p:extLst>
   </p:cSld>
@@ -3641,6 +3786,843 @@
           <a:chExt cx="0" cy="0"/>
         </a:xfrm>
       </p:grpSpPr>
+      <p:pic>
+        <p:nvPicPr>
+          <p:cNvPr id="3" name="Picture 2">
+            <a:extLst>
+              <a:ext uri="{FF2B5EF4-FFF2-40B4-BE49-F238E27FC236}">
+                <a16:creationId xmlns:a16="http://schemas.microsoft.com/office/drawing/2014/main" id="{6297B557-01A1-4F04-8BD3-52A66006B5AF}"/>
+              </a:ext>
+            </a:extLst>
+          </p:cNvPr>
+          <p:cNvPicPr>
+            <a:picLocks noChangeAspect="1"/>
+          </p:cNvPicPr>
+          <p:nvPr/>
+        </p:nvPicPr>
+        <p:blipFill rotWithShape="1">
+          <a:blip r:embed="rId2"/>
+          <a:srcRect l="19022" t="21630" r="14021" b="5678"/>
+          <a:stretch/>
+        </p:blipFill>
+        <p:spPr>
+          <a:xfrm>
+            <a:off x="821633" y="649357"/>
+            <a:ext cx="8998227" cy="5492424"/>
+          </a:xfrm>
+          <a:prstGeom prst="rect">
+            <a:avLst/>
+          </a:prstGeom>
+        </p:spPr>
+      </p:pic>
+    </p:spTree>
+    <p:extLst>
+      <p:ext uri="{BB962C8B-B14F-4D97-AF65-F5344CB8AC3E}">
+        <p14:creationId xmlns:p14="http://schemas.microsoft.com/office/powerpoint/2010/main" val="2462476870"/>
+      </p:ext>
+    </p:extLst>
+  </p:cSld>
+  <p:clrMapOvr>
+    <a:masterClrMapping/>
+  </p:clrMapOvr>
+</p:sld>
+</file>
+
+<file path=ppt/slides/slide12.xml><?xml version="1.0" encoding="utf-8"?>
+<p:sld xmlns:a="http://schemas.openxmlformats.org/drawingml/2006/main" xmlns:r="http://schemas.openxmlformats.org/officeDocument/2006/relationships" xmlns:p="http://schemas.openxmlformats.org/presentationml/2006/main">
+  <p:cSld>
+    <p:spTree>
+      <p:nvGrpSpPr>
+        <p:cNvPr id="1" name=""/>
+        <p:cNvGrpSpPr/>
+        <p:nvPr/>
+      </p:nvGrpSpPr>
+      <p:grpSpPr>
+        <a:xfrm>
+          <a:off x="0" y="0"/>
+          <a:ext cx="0" cy="0"/>
+          <a:chOff x="0" y="0"/>
+          <a:chExt cx="0" cy="0"/>
+        </a:xfrm>
+      </p:grpSpPr>
+      <p:pic>
+        <p:nvPicPr>
+          <p:cNvPr id="3" name="Picture 2">
+            <a:extLst>
+              <a:ext uri="{FF2B5EF4-FFF2-40B4-BE49-F238E27FC236}">
+                <a16:creationId xmlns:a16="http://schemas.microsoft.com/office/drawing/2014/main" id="{83532F66-B876-4019-85B8-C0B599200085}"/>
+              </a:ext>
+            </a:extLst>
+          </p:cNvPr>
+          <p:cNvPicPr>
+            <a:picLocks noChangeAspect="1"/>
+          </p:cNvPicPr>
+          <p:nvPr/>
+        </p:nvPicPr>
+        <p:blipFill rotWithShape="1">
+          <a:blip r:embed="rId2"/>
+          <a:srcRect l="17609" t="21242" r="1522" b="6065"/>
+          <a:stretch/>
+        </p:blipFill>
+        <p:spPr>
+          <a:xfrm>
+            <a:off x="622852" y="937591"/>
+            <a:ext cx="9859618" cy="4982818"/>
+          </a:xfrm>
+          <a:prstGeom prst="rect">
+            <a:avLst/>
+          </a:prstGeom>
+        </p:spPr>
+      </p:pic>
+    </p:spTree>
+    <p:extLst>
+      <p:ext uri="{BB962C8B-B14F-4D97-AF65-F5344CB8AC3E}">
+        <p14:creationId xmlns:p14="http://schemas.microsoft.com/office/powerpoint/2010/main" val="2812554063"/>
+      </p:ext>
+    </p:extLst>
+  </p:cSld>
+  <p:clrMapOvr>
+    <a:masterClrMapping/>
+  </p:clrMapOvr>
+</p:sld>
+</file>
+
+<file path=ppt/slides/slide13.xml><?xml version="1.0" encoding="utf-8"?>
+<p:sld xmlns:a="http://schemas.openxmlformats.org/drawingml/2006/main" xmlns:r="http://schemas.openxmlformats.org/officeDocument/2006/relationships" xmlns:p="http://schemas.openxmlformats.org/presentationml/2006/main">
+  <p:cSld>
+    <p:spTree>
+      <p:nvGrpSpPr>
+        <p:cNvPr id="1" name=""/>
+        <p:cNvGrpSpPr/>
+        <p:nvPr/>
+      </p:nvGrpSpPr>
+      <p:grpSpPr>
+        <a:xfrm>
+          <a:off x="0" y="0"/>
+          <a:ext cx="0" cy="0"/>
+          <a:chOff x="0" y="0"/>
+          <a:chExt cx="0" cy="0"/>
+        </a:xfrm>
+      </p:grpSpPr>
+      <p:sp>
+        <p:nvSpPr>
+          <p:cNvPr id="2" name="Title 1">
+            <a:extLst>
+              <a:ext uri="{FF2B5EF4-FFF2-40B4-BE49-F238E27FC236}">
+                <a16:creationId xmlns:a16="http://schemas.microsoft.com/office/drawing/2014/main" id="{FF98D62F-68E8-4B03-814B-CF8CF92689CA}"/>
+              </a:ext>
+            </a:extLst>
+          </p:cNvPr>
+          <p:cNvSpPr>
+            <a:spLocks noGrp="1"/>
+          </p:cNvSpPr>
+          <p:nvPr>
+            <p:ph type="title"/>
+          </p:nvPr>
+        </p:nvSpPr>
+        <p:spPr>
+          <a:xfrm>
+            <a:off x="838200" y="1412488"/>
+            <a:ext cx="2899189" cy="4363844"/>
+          </a:xfrm>
+        </p:spPr>
+        <p:txBody>
+          <a:bodyPr anchor="t">
+            <a:normAutofit/>
+          </a:bodyPr>
+          <a:lstStyle/>
+          <a:p>
+            <a:r>
+              <a:rPr lang="en-GB" sz="4000" dirty="0">
+                <a:solidFill>
+                  <a:srgbClr val="FFFFFF"/>
+                </a:solidFill>
+              </a:rPr>
+              <a:t>Introduction</a:t>
+            </a:r>
+            <a:br>
+              <a:rPr lang="en-GB" sz="4000" dirty="0">
+                <a:solidFill>
+                  <a:srgbClr val="FFFFFF"/>
+                </a:solidFill>
+              </a:rPr>
+            </a:br>
+            <a:endParaRPr lang="en-GB" sz="4000" dirty="0">
+              <a:solidFill>
+                <a:srgbClr val="FFFFFF"/>
+              </a:solidFill>
+            </a:endParaRPr>
+          </a:p>
+        </p:txBody>
+      </p:sp>
+      <p:pic>
+        <p:nvPicPr>
+          <p:cNvPr id="5" name="Picture 4">
+            <a:extLst>
+              <a:ext uri="{FF2B5EF4-FFF2-40B4-BE49-F238E27FC236}">
+                <a16:creationId xmlns:a16="http://schemas.microsoft.com/office/drawing/2014/main" id="{688C5814-9D4A-4C66-97CC-ECC17F43E6D7}"/>
+              </a:ext>
+            </a:extLst>
+          </p:cNvPr>
+          <p:cNvPicPr>
+            <a:picLocks noChangeAspect="1"/>
+          </p:cNvPicPr>
+          <p:nvPr/>
+        </p:nvPicPr>
+        <p:blipFill>
+          <a:blip r:embed="rId2"/>
+          <a:stretch>
+            <a:fillRect/>
+          </a:stretch>
+        </p:blipFill>
+        <p:spPr>
+          <a:xfrm>
+            <a:off x="6160799" y="2244179"/>
+            <a:ext cx="1735339" cy="1735339"/>
+          </a:xfrm>
+          <a:prstGeom prst="rect">
+            <a:avLst/>
+          </a:prstGeom>
+        </p:spPr>
+      </p:pic>
+      <p:pic>
+        <p:nvPicPr>
+          <p:cNvPr id="6" name="Picture 5">
+            <a:extLst>
+              <a:ext uri="{FF2B5EF4-FFF2-40B4-BE49-F238E27FC236}">
+                <a16:creationId xmlns:a16="http://schemas.microsoft.com/office/drawing/2014/main" id="{F833BED4-920E-475D-AE92-0AF1171BD3C0}"/>
+              </a:ext>
+            </a:extLst>
+          </p:cNvPr>
+          <p:cNvPicPr>
+            <a:picLocks noChangeAspect="1"/>
+          </p:cNvPicPr>
+          <p:nvPr/>
+        </p:nvPicPr>
+        <p:blipFill>
+          <a:blip r:embed="rId3"/>
+          <a:stretch>
+            <a:fillRect/>
+          </a:stretch>
+        </p:blipFill>
+        <p:spPr>
+          <a:xfrm>
+            <a:off x="9397454" y="692368"/>
+            <a:ext cx="2259260" cy="1269417"/>
+          </a:xfrm>
+          <a:prstGeom prst="rect">
+            <a:avLst/>
+          </a:prstGeom>
+        </p:spPr>
+      </p:pic>
+      <p:pic>
+        <p:nvPicPr>
+          <p:cNvPr id="7" name="Picture 6">
+            <a:extLst>
+              <a:ext uri="{FF2B5EF4-FFF2-40B4-BE49-F238E27FC236}">
+                <a16:creationId xmlns:a16="http://schemas.microsoft.com/office/drawing/2014/main" id="{CAEC07BE-A3FB-4AF1-AC27-F5FDEBAFBF99}"/>
+              </a:ext>
+            </a:extLst>
+          </p:cNvPr>
+          <p:cNvPicPr>
+            <a:picLocks noChangeAspect="1"/>
+          </p:cNvPicPr>
+          <p:nvPr/>
+        </p:nvPicPr>
+        <p:blipFill>
+          <a:blip r:embed="rId4"/>
+          <a:stretch>
+            <a:fillRect/>
+          </a:stretch>
+        </p:blipFill>
+        <p:spPr>
+          <a:xfrm>
+            <a:off x="9290357" y="4839250"/>
+            <a:ext cx="2163112" cy="1343406"/>
+          </a:xfrm>
+          <a:prstGeom prst="rect">
+            <a:avLst/>
+          </a:prstGeom>
+        </p:spPr>
+      </p:pic>
+      <p:pic>
+        <p:nvPicPr>
+          <p:cNvPr id="8" name="Picture 7">
+            <a:extLst>
+              <a:ext uri="{FF2B5EF4-FFF2-40B4-BE49-F238E27FC236}">
+                <a16:creationId xmlns:a16="http://schemas.microsoft.com/office/drawing/2014/main" id="{3D504691-7D99-4E01-9261-D8DE28BE2040}"/>
+              </a:ext>
+            </a:extLst>
+          </p:cNvPr>
+          <p:cNvPicPr>
+            <a:picLocks noChangeAspect="1"/>
+          </p:cNvPicPr>
+          <p:nvPr/>
+        </p:nvPicPr>
+        <p:blipFill>
+          <a:blip r:embed="rId5"/>
+          <a:stretch>
+            <a:fillRect/>
+          </a:stretch>
+        </p:blipFill>
+        <p:spPr>
+          <a:xfrm>
+            <a:off x="408896" y="2881684"/>
+            <a:ext cx="1313733" cy="1313733"/>
+          </a:xfrm>
+          <a:prstGeom prst="rect">
+            <a:avLst/>
+          </a:prstGeom>
+        </p:spPr>
+      </p:pic>
+      <p:pic>
+        <p:nvPicPr>
+          <p:cNvPr id="10" name="Picture 9">
+            <a:extLst>
+              <a:ext uri="{FF2B5EF4-FFF2-40B4-BE49-F238E27FC236}">
+                <a16:creationId xmlns:a16="http://schemas.microsoft.com/office/drawing/2014/main" id="{6C4004A4-B399-4356-A30E-A5FB7BD98895}"/>
+              </a:ext>
+            </a:extLst>
+          </p:cNvPr>
+          <p:cNvPicPr>
+            <a:picLocks noChangeAspect="1"/>
+          </p:cNvPicPr>
+          <p:nvPr/>
+        </p:nvPicPr>
+        <p:blipFill rotWithShape="1">
+          <a:blip r:embed="rId6"/>
+          <a:srcRect l="14904" r="15317"/>
+          <a:stretch/>
+        </p:blipFill>
+        <p:spPr>
+          <a:xfrm>
+            <a:off x="3210825" y="5262833"/>
+            <a:ext cx="1707200" cy="1286433"/>
+          </a:xfrm>
+          <a:prstGeom prst="rect">
+            <a:avLst/>
+          </a:prstGeom>
+        </p:spPr>
+      </p:pic>
+      <p:pic>
+        <p:nvPicPr>
+          <p:cNvPr id="12" name="Picture 11">
+            <a:extLst>
+              <a:ext uri="{FF2B5EF4-FFF2-40B4-BE49-F238E27FC236}">
+                <a16:creationId xmlns:a16="http://schemas.microsoft.com/office/drawing/2014/main" id="{FEFC8409-FF3D-4473-AF4E-7C3106089A7B}"/>
+              </a:ext>
+            </a:extLst>
+          </p:cNvPr>
+          <p:cNvPicPr>
+            <a:picLocks noChangeAspect="1"/>
+          </p:cNvPicPr>
+          <p:nvPr/>
+        </p:nvPicPr>
+        <p:blipFill>
+          <a:blip r:embed="rId7"/>
+          <a:stretch>
+            <a:fillRect/>
+          </a:stretch>
+        </p:blipFill>
+        <p:spPr>
+          <a:xfrm>
+            <a:off x="5793817" y="4807040"/>
+            <a:ext cx="2377352" cy="1462986"/>
+          </a:xfrm>
+          <a:prstGeom prst="rect">
+            <a:avLst/>
+          </a:prstGeom>
+        </p:spPr>
+      </p:pic>
+      <p:pic>
+        <p:nvPicPr>
+          <p:cNvPr id="13" name="Picture 12">
+            <a:extLst>
+              <a:ext uri="{FF2B5EF4-FFF2-40B4-BE49-F238E27FC236}">
+                <a16:creationId xmlns:a16="http://schemas.microsoft.com/office/drawing/2014/main" id="{B529AD31-1364-4249-8B7D-BC8A82582EF2}"/>
+              </a:ext>
+            </a:extLst>
+          </p:cNvPr>
+          <p:cNvPicPr>
+            <a:picLocks noChangeAspect="1"/>
+          </p:cNvPicPr>
+          <p:nvPr/>
+        </p:nvPicPr>
+        <p:blipFill>
+          <a:blip r:embed="rId8"/>
+          <a:stretch>
+            <a:fillRect/>
+          </a:stretch>
+        </p:blipFill>
+        <p:spPr>
+          <a:xfrm>
+            <a:off x="381963" y="4654754"/>
+            <a:ext cx="2133600" cy="2133600"/>
+          </a:xfrm>
+          <a:prstGeom prst="rect">
+            <a:avLst/>
+          </a:prstGeom>
+        </p:spPr>
+      </p:pic>
+      <p:pic>
+        <p:nvPicPr>
+          <p:cNvPr id="14" name="Picture 13">
+            <a:extLst>
+              <a:ext uri="{FF2B5EF4-FFF2-40B4-BE49-F238E27FC236}">
+                <a16:creationId xmlns:a16="http://schemas.microsoft.com/office/drawing/2014/main" id="{2ACE3076-56D5-4510-AC44-1B97964EC4BE}"/>
+              </a:ext>
+            </a:extLst>
+          </p:cNvPr>
+          <p:cNvPicPr>
+            <a:picLocks noChangeAspect="1"/>
+          </p:cNvPicPr>
+          <p:nvPr/>
+        </p:nvPicPr>
+        <p:blipFill>
+          <a:blip r:embed="rId9"/>
+          <a:stretch>
+            <a:fillRect/>
+          </a:stretch>
+        </p:blipFill>
+        <p:spPr>
+          <a:xfrm>
+            <a:off x="2953459" y="3403492"/>
+            <a:ext cx="2377352" cy="1582020"/>
+          </a:xfrm>
+          <a:prstGeom prst="rect">
+            <a:avLst/>
+          </a:prstGeom>
+        </p:spPr>
+      </p:pic>
+      <p:sp>
+        <p:nvSpPr>
+          <p:cNvPr id="17" name="Rectangle 16">
+            <a:extLst>
+              <a:ext uri="{FF2B5EF4-FFF2-40B4-BE49-F238E27FC236}">
+                <a16:creationId xmlns:a16="http://schemas.microsoft.com/office/drawing/2014/main" id="{B4F5DA63-B7C6-41D4-879C-74D367EA8FD4}"/>
+              </a:ext>
+            </a:extLst>
+          </p:cNvPr>
+          <p:cNvSpPr/>
+          <p:nvPr/>
+        </p:nvSpPr>
+        <p:spPr>
+          <a:xfrm>
+            <a:off x="8042635" y="1042099"/>
+            <a:ext cx="790864" cy="4139501"/>
+          </a:xfrm>
+          <a:prstGeom prst="rect">
+            <a:avLst/>
+          </a:prstGeom>
+          <a:solidFill>
+            <a:schemeClr val="bg1"/>
+          </a:solidFill>
+          <a:ln>
+            <a:solidFill>
+              <a:schemeClr val="bg1"/>
+            </a:solidFill>
+          </a:ln>
+        </p:spPr>
+        <p:style>
+          <a:lnRef idx="2">
+            <a:schemeClr val="accent1">
+              <a:shade val="50000"/>
+            </a:schemeClr>
+          </a:lnRef>
+          <a:fillRef idx="1">
+            <a:schemeClr val="accent1"/>
+          </a:fillRef>
+          <a:effectRef idx="0">
+            <a:schemeClr val="accent1"/>
+          </a:effectRef>
+          <a:fontRef idx="minor">
+            <a:schemeClr val="lt1"/>
+          </a:fontRef>
+        </p:style>
+        <p:txBody>
+          <a:bodyPr rtlCol="0" anchor="ctr"/>
+          <a:lstStyle/>
+          <a:p>
+            <a:pPr algn="ctr"/>
+            <a:endParaRPr lang="en-GB"/>
+          </a:p>
+        </p:txBody>
+      </p:sp>
+      <p:pic>
+        <p:nvPicPr>
+          <p:cNvPr id="18" name="Picture 17">
+            <a:extLst>
+              <a:ext uri="{FF2B5EF4-FFF2-40B4-BE49-F238E27FC236}">
+                <a16:creationId xmlns:a16="http://schemas.microsoft.com/office/drawing/2014/main" id="{DAD2C6C5-2107-49F8-9075-80755930DAA4}"/>
+              </a:ext>
+            </a:extLst>
+          </p:cNvPr>
+          <p:cNvPicPr>
+            <a:picLocks noChangeAspect="1"/>
+          </p:cNvPicPr>
+          <p:nvPr/>
+        </p:nvPicPr>
+        <p:blipFill>
+          <a:blip r:embed="rId10"/>
+          <a:stretch>
+            <a:fillRect/>
+          </a:stretch>
+        </p:blipFill>
+        <p:spPr>
+          <a:xfrm>
+            <a:off x="2305810" y="1690688"/>
+            <a:ext cx="1435483" cy="1435483"/>
+          </a:xfrm>
+          <a:prstGeom prst="rect">
+            <a:avLst/>
+          </a:prstGeom>
+        </p:spPr>
+      </p:pic>
+      <p:pic>
+        <p:nvPicPr>
+          <p:cNvPr id="1026" name="Picture 2" descr="Selenium | Brands of the World™ | Download vector logos and logotypes">
+            <a:extLst>
+              <a:ext uri="{FF2B5EF4-FFF2-40B4-BE49-F238E27FC236}">
+                <a16:creationId xmlns:a16="http://schemas.microsoft.com/office/drawing/2014/main" id="{322A7A7D-F3AC-49EF-BE6F-3C572EE32D83}"/>
+              </a:ext>
+            </a:extLst>
+          </p:cNvPr>
+          <p:cNvPicPr>
+            <a:picLocks noChangeAspect="1" noChangeArrowheads="1"/>
+          </p:cNvPicPr>
+          <p:nvPr/>
+        </p:nvPicPr>
+        <p:blipFill>
+          <a:blip r:embed="rId11">
+            <a:extLst>
+              <a:ext uri="{28A0092B-C50C-407E-A947-70E740481C1C}">
+                <a14:useLocalDpi xmlns:a14="http://schemas.microsoft.com/office/drawing/2010/main" val="0"/>
+              </a:ext>
+            </a:extLst>
+          </a:blip>
+          <a:srcRect/>
+          <a:stretch>
+            <a:fillRect/>
+          </a:stretch>
+        </p:blipFill>
+        <p:spPr bwMode="auto">
+          <a:xfrm>
+            <a:off x="9886190" y="2369141"/>
+            <a:ext cx="1857375" cy="1857375"/>
+          </a:xfrm>
+          <a:prstGeom prst="rect">
+            <a:avLst/>
+          </a:prstGeom>
+          <a:noFill/>
+          <a:extLst>
+            <a:ext uri="{909E8E84-426E-40DD-AFC4-6F175D3DCCD1}">
+              <a14:hiddenFill xmlns:a14="http://schemas.microsoft.com/office/drawing/2010/main">
+                <a:solidFill>
+                  <a:srgbClr val="FFFFFF"/>
+                </a:solidFill>
+              </a14:hiddenFill>
+            </a:ext>
+          </a:extLst>
+        </p:spPr>
+      </p:pic>
+      <p:sp>
+        <p:nvSpPr>
+          <p:cNvPr id="22" name="Title 1">
+            <a:extLst>
+              <a:ext uri="{FF2B5EF4-FFF2-40B4-BE49-F238E27FC236}">
+                <a16:creationId xmlns:a16="http://schemas.microsoft.com/office/drawing/2014/main" id="{53B621F1-D116-4284-A3ED-F6A05654C292}"/>
+              </a:ext>
+            </a:extLst>
+          </p:cNvPr>
+          <p:cNvSpPr txBox="1">
+            <a:spLocks/>
+          </p:cNvSpPr>
+          <p:nvPr/>
+        </p:nvSpPr>
+        <p:spPr>
+          <a:xfrm>
+            <a:off x="838200" y="365125"/>
+            <a:ext cx="10515600" cy="1325563"/>
+          </a:xfrm>
+          <a:prstGeom prst="rect">
+            <a:avLst/>
+          </a:prstGeom>
+        </p:spPr>
+        <p:txBody>
+          <a:bodyPr vert="horz" lIns="91440" tIns="45720" rIns="91440" bIns="45720" rtlCol="0" anchor="ctr">
+            <a:normAutofit fontScale="97500"/>
+          </a:bodyPr>
+          <a:lstStyle>
+            <a:lvl1pPr algn="l" defTabSz="914400" rtl="0" eaLnBrk="1" latinLnBrk="0" hangingPunct="1">
+              <a:lnSpc>
+                <a:spcPct val="90000"/>
+              </a:lnSpc>
+              <a:spcBef>
+                <a:spcPct val="0"/>
+              </a:spcBef>
+              <a:buNone/>
+              <a:defRPr sz="4400" kern="1200">
+                <a:solidFill>
+                  <a:schemeClr val="tx1"/>
+                </a:solidFill>
+                <a:latin typeface="+mj-lt"/>
+                <a:ea typeface="+mj-ea"/>
+                <a:cs typeface="+mj-cs"/>
+              </a:defRPr>
+            </a:lvl1pPr>
+          </a:lstStyle>
+          <a:p>
+            <a:r>
+              <a:rPr lang="en-GB" b="1" dirty="0">
+                <a:solidFill>
+                  <a:srgbClr val="2E2D2C"/>
+                </a:solidFill>
+                <a:latin typeface="Montserrat"/>
+                <a:ea typeface="Calibri" panose="020F0502020204030204" pitchFamily="34" charset="0"/>
+                <a:cs typeface="Symbol" panose="05050102010706020507" pitchFamily="18" charset="2"/>
+              </a:rPr>
+              <a:t>Consultant Journey</a:t>
+            </a:r>
+            <a:br>
+              <a:rPr lang="en-GB" dirty="0">
+                <a:solidFill>
+                  <a:srgbClr val="2E2D2C"/>
+                </a:solidFill>
+                <a:latin typeface="Segoe UI" panose="020B0502040204020203" pitchFamily="34" charset="0"/>
+                <a:ea typeface="Calibri" panose="020F0502020204030204" pitchFamily="34" charset="0"/>
+                <a:cs typeface="Symbol" panose="05050102010706020507" pitchFamily="18" charset="2"/>
+              </a:rPr>
+            </a:br>
+            <a:endParaRPr lang="en-GB" dirty="0"/>
+          </a:p>
+        </p:txBody>
+      </p:sp>
+      <p:pic>
+        <p:nvPicPr>
+          <p:cNvPr id="1028" name="Picture 4" descr="Mockito 2.x Migration Session Recording - Droidcon UK 2018 | by Hazem Saleh  | ProAndroidDev">
+            <a:extLst>
+              <a:ext uri="{FF2B5EF4-FFF2-40B4-BE49-F238E27FC236}">
+                <a16:creationId xmlns:a16="http://schemas.microsoft.com/office/drawing/2014/main" id="{28A5A204-2B9F-4A1D-8B89-274258C8E665}"/>
+              </a:ext>
+            </a:extLst>
+          </p:cNvPr>
+          <p:cNvPicPr>
+            <a:picLocks noChangeAspect="1" noChangeArrowheads="1"/>
+          </p:cNvPicPr>
+          <p:nvPr/>
+        </p:nvPicPr>
+        <p:blipFill>
+          <a:blip r:embed="rId12">
+            <a:extLst>
+              <a:ext uri="{28A0092B-C50C-407E-A947-70E740481C1C}">
+                <a14:useLocalDpi xmlns:a14="http://schemas.microsoft.com/office/drawing/2010/main" val="0"/>
+              </a:ext>
+            </a:extLst>
+          </a:blip>
+          <a:srcRect/>
+          <a:stretch>
+            <a:fillRect/>
+          </a:stretch>
+        </p:blipFill>
+        <p:spPr bwMode="auto">
+          <a:xfrm>
+            <a:off x="5385107" y="685166"/>
+            <a:ext cx="3905250" cy="1171575"/>
+          </a:xfrm>
+          <a:prstGeom prst="rect">
+            <a:avLst/>
+          </a:prstGeom>
+          <a:noFill/>
+          <a:extLst>
+            <a:ext uri="{909E8E84-426E-40DD-AFC4-6F175D3DCCD1}">
+              <a14:hiddenFill xmlns:a14="http://schemas.microsoft.com/office/drawing/2010/main">
+                <a:solidFill>
+                  <a:srgbClr val="FFFFFF"/>
+                </a:solidFill>
+              </a14:hiddenFill>
+            </a:ext>
+          </a:extLst>
+        </p:spPr>
+      </p:pic>
+    </p:spTree>
+    <p:extLst>
+      <p:ext uri="{BB962C8B-B14F-4D97-AF65-F5344CB8AC3E}">
+        <p14:creationId xmlns:p14="http://schemas.microsoft.com/office/powerpoint/2010/main" val="2536797278"/>
+      </p:ext>
+    </p:extLst>
+  </p:cSld>
+  <p:clrMapOvr>
+    <a:masterClrMapping/>
+  </p:clrMapOvr>
+</p:sld>
+</file>
+
+<file path=ppt/slides/slide14.xml><?xml version="1.0" encoding="utf-8"?>
+<p:sld xmlns:a="http://schemas.openxmlformats.org/drawingml/2006/main" xmlns:r="http://schemas.openxmlformats.org/officeDocument/2006/relationships" xmlns:p="http://schemas.openxmlformats.org/presentationml/2006/main">
+  <p:cSld>
+    <p:spTree>
+      <p:nvGrpSpPr>
+        <p:cNvPr id="1" name=""/>
+        <p:cNvGrpSpPr/>
+        <p:nvPr/>
+      </p:nvGrpSpPr>
+      <p:grpSpPr>
+        <a:xfrm>
+          <a:off x="0" y="0"/>
+          <a:ext cx="0" cy="0"/>
+          <a:chOff x="0" y="0"/>
+          <a:chExt cx="0" cy="0"/>
+        </a:xfrm>
+      </p:grpSpPr>
+      <p:pic>
+        <p:nvPicPr>
+          <p:cNvPr id="3" name="Picture 2" descr="A picture containing text&#10;&#10;Description automatically generated">
+            <a:extLst>
+              <a:ext uri="{FF2B5EF4-FFF2-40B4-BE49-F238E27FC236}">
+                <a16:creationId xmlns:a16="http://schemas.microsoft.com/office/drawing/2014/main" id="{286CE705-4C77-4854-8CD8-A13905FA334E}"/>
+              </a:ext>
+            </a:extLst>
+          </p:cNvPr>
+          <p:cNvPicPr>
+            <a:picLocks noChangeAspect="1"/>
+          </p:cNvPicPr>
+          <p:nvPr/>
+        </p:nvPicPr>
+        <p:blipFill>
+          <a:blip r:embed="rId2">
+            <a:extLst>
+              <a:ext uri="{28A0092B-C50C-407E-A947-70E740481C1C}">
+                <a14:useLocalDpi xmlns:a14="http://schemas.microsoft.com/office/drawing/2010/main" val="0"/>
+              </a:ext>
+            </a:extLst>
+          </a:blip>
+          <a:stretch>
+            <a:fillRect/>
+          </a:stretch>
+        </p:blipFill>
+        <p:spPr>
+          <a:xfrm>
+            <a:off x="5431668" y="469300"/>
+            <a:ext cx="5372320" cy="5919399"/>
+          </a:xfrm>
+          <a:prstGeom prst="rect">
+            <a:avLst/>
+          </a:prstGeom>
+        </p:spPr>
+      </p:pic>
+      <p:sp>
+        <p:nvSpPr>
+          <p:cNvPr id="4" name="Title 1">
+            <a:extLst>
+              <a:ext uri="{FF2B5EF4-FFF2-40B4-BE49-F238E27FC236}">
+                <a16:creationId xmlns:a16="http://schemas.microsoft.com/office/drawing/2014/main" id="{E00755AA-E3E7-42A0-AF5C-DFD258833F15}"/>
+              </a:ext>
+            </a:extLst>
+          </p:cNvPr>
+          <p:cNvSpPr txBox="1">
+            <a:spLocks/>
+          </p:cNvSpPr>
+          <p:nvPr/>
+        </p:nvSpPr>
+        <p:spPr>
+          <a:xfrm>
+            <a:off x="838200" y="365125"/>
+            <a:ext cx="10515600" cy="1325563"/>
+          </a:xfrm>
+          <a:prstGeom prst="rect">
+            <a:avLst/>
+          </a:prstGeom>
+        </p:spPr>
+        <p:txBody>
+          <a:bodyPr>
+            <a:normAutofit/>
+          </a:bodyPr>
+          <a:lstStyle>
+            <a:lvl1pPr algn="l" defTabSz="914400" rtl="0" eaLnBrk="1" latinLnBrk="0" hangingPunct="1">
+              <a:lnSpc>
+                <a:spcPct val="90000"/>
+              </a:lnSpc>
+              <a:spcBef>
+                <a:spcPct val="0"/>
+              </a:spcBef>
+              <a:buNone/>
+              <a:defRPr sz="4400" kern="1200">
+                <a:solidFill>
+                  <a:schemeClr val="tx1"/>
+                </a:solidFill>
+                <a:latin typeface="+mj-lt"/>
+                <a:ea typeface="+mj-ea"/>
+                <a:cs typeface="+mj-cs"/>
+              </a:defRPr>
+            </a:lvl1pPr>
+          </a:lstStyle>
+          <a:p>
+            <a:r>
+              <a:rPr lang="en-GB" b="1" dirty="0">
+                <a:solidFill>
+                  <a:srgbClr val="2E2D2C"/>
+                </a:solidFill>
+                <a:latin typeface="Montserrat"/>
+                <a:ea typeface="Calibri" panose="020F0502020204030204" pitchFamily="34" charset="0"/>
+                <a:cs typeface="Symbol" panose="05050102010706020507" pitchFamily="18" charset="2"/>
+              </a:rPr>
+              <a:t>Components</a:t>
+            </a:r>
+            <a:r>
+              <a:rPr lang="en-GB" b="1" dirty="0">
+                <a:solidFill>
+                  <a:srgbClr val="2E2D2C"/>
+                </a:solidFill>
+                <a:latin typeface="Montserrat Light"/>
+                <a:ea typeface="Calibri" panose="020F0502020204030204" pitchFamily="34" charset="0"/>
+                <a:cs typeface="Symbol" panose="05050102010706020507" pitchFamily="18" charset="2"/>
+              </a:rPr>
+              <a:t>:</a:t>
+            </a:r>
+            <a:br>
+              <a:rPr lang="en-GB" dirty="0">
+                <a:solidFill>
+                  <a:srgbClr val="2E2D2C"/>
+                </a:solidFill>
+                <a:latin typeface="Segoe UI" panose="020B0502040204020203" pitchFamily="34" charset="0"/>
+                <a:ea typeface="Calibri" panose="020F0502020204030204" pitchFamily="34" charset="0"/>
+                <a:cs typeface="Symbol" panose="05050102010706020507" pitchFamily="18" charset="2"/>
+              </a:rPr>
+            </a:br>
+            <a:endParaRPr lang="en-GB" dirty="0"/>
+          </a:p>
+        </p:txBody>
+      </p:sp>
+    </p:spTree>
+    <p:extLst>
+      <p:ext uri="{BB962C8B-B14F-4D97-AF65-F5344CB8AC3E}">
+        <p14:creationId xmlns:p14="http://schemas.microsoft.com/office/powerpoint/2010/main" val="1464063528"/>
+      </p:ext>
+    </p:extLst>
+  </p:cSld>
+  <p:clrMapOvr>
+    <a:masterClrMapping/>
+  </p:clrMapOvr>
+</p:sld>
+</file>
+
+<file path=ppt/slides/slide15.xml><?xml version="1.0" encoding="utf-8"?>
+<p:sld xmlns:a="http://schemas.openxmlformats.org/drawingml/2006/main" xmlns:r="http://schemas.openxmlformats.org/officeDocument/2006/relationships" xmlns:p="http://schemas.openxmlformats.org/presentationml/2006/main">
+  <p:cSld>
+    <p:spTree>
+      <p:nvGrpSpPr>
+        <p:cNvPr id="1" name=""/>
+        <p:cNvGrpSpPr/>
+        <p:nvPr/>
+      </p:nvGrpSpPr>
+      <p:grpSpPr>
+        <a:xfrm>
+          <a:off x="0" y="0"/>
+          <a:ext cx="0" cy="0"/>
+          <a:chOff x="0" y="0"/>
+          <a:chExt cx="0" cy="0"/>
+        </a:xfrm>
+      </p:grpSpPr>
       <p:sp>
         <p:nvSpPr>
           <p:cNvPr id="2" name="Title 1">
@@ -3660,7 +4642,7 @@
         <p:spPr/>
         <p:txBody>
           <a:bodyPr>
-            <a:normAutofit fontScale="90000"/>
+            <a:normAutofit/>
           </a:bodyPr>
           <a:lstStyle/>
           <a:p>
@@ -3674,7 +4656,209 @@
                 <a:ea typeface="Calibri" panose="020F0502020204030204" pitchFamily="34" charset="0"/>
                 <a:cs typeface="Symbol" panose="05050102010706020507" pitchFamily="18" charset="2"/>
               </a:rPr>
-              <a:t>Questions</a:t>
+              <a:t>Git</a:t>
+            </a:r>
+            <a:br>
+              <a:rPr lang="en-GB" sz="4400" dirty="0">
+                <a:solidFill>
+                  <a:srgbClr val="2E2D2C"/>
+                </a:solidFill>
+                <a:effectLst/>
+                <a:latin typeface="Segoe UI" panose="020B0502040204020203" pitchFamily="34" charset="0"/>
+                <a:ea typeface="Calibri" panose="020F0502020204030204" pitchFamily="34" charset="0"/>
+                <a:cs typeface="Symbol" panose="05050102010706020507" pitchFamily="18" charset="2"/>
+              </a:rPr>
+            </a:br>
+            <a:endParaRPr lang="en-GB" dirty="0"/>
+          </a:p>
+        </p:txBody>
+      </p:sp>
+      <p:pic>
+        <p:nvPicPr>
+          <p:cNvPr id="7" name="Picture 6">
+            <a:extLst>
+              <a:ext uri="{FF2B5EF4-FFF2-40B4-BE49-F238E27FC236}">
+                <a16:creationId xmlns:a16="http://schemas.microsoft.com/office/drawing/2014/main" id="{911BCDD4-035D-4D7A-80E6-9726BE45F8E7}"/>
+              </a:ext>
+            </a:extLst>
+          </p:cNvPr>
+          <p:cNvPicPr>
+            <a:picLocks noChangeAspect="1"/>
+          </p:cNvPicPr>
+          <p:nvPr/>
+        </p:nvPicPr>
+        <p:blipFill>
+          <a:blip r:embed="rId2"/>
+          <a:stretch>
+            <a:fillRect/>
+          </a:stretch>
+        </p:blipFill>
+        <p:spPr>
+          <a:xfrm>
+            <a:off x="954458" y="1297488"/>
+            <a:ext cx="10032410" cy="4564195"/>
+          </a:xfrm>
+          <a:prstGeom prst="rect">
+            <a:avLst/>
+          </a:prstGeom>
+        </p:spPr>
+      </p:pic>
+    </p:spTree>
+    <p:extLst>
+      <p:ext uri="{BB962C8B-B14F-4D97-AF65-F5344CB8AC3E}">
+        <p14:creationId xmlns:p14="http://schemas.microsoft.com/office/powerpoint/2010/main" val="2252094119"/>
+      </p:ext>
+    </p:extLst>
+  </p:cSld>
+  <p:clrMapOvr>
+    <a:masterClrMapping/>
+  </p:clrMapOvr>
+</p:sld>
+</file>
+
+<file path=ppt/slides/slide16.xml><?xml version="1.0" encoding="utf-8"?>
+<p:sld xmlns:a="http://schemas.openxmlformats.org/drawingml/2006/main" xmlns:r="http://schemas.openxmlformats.org/officeDocument/2006/relationships" xmlns:p="http://schemas.openxmlformats.org/presentationml/2006/main">
+  <p:cSld>
+    <p:spTree>
+      <p:nvGrpSpPr>
+        <p:cNvPr id="1" name=""/>
+        <p:cNvGrpSpPr/>
+        <p:nvPr/>
+      </p:nvGrpSpPr>
+      <p:grpSpPr>
+        <a:xfrm>
+          <a:off x="0" y="0"/>
+          <a:ext cx="0" cy="0"/>
+          <a:chOff x="0" y="0"/>
+          <a:chExt cx="0" cy="0"/>
+        </a:xfrm>
+      </p:grpSpPr>
+      <p:sp>
+        <p:nvSpPr>
+          <p:cNvPr id="2" name="Title 1">
+            <a:extLst>
+              <a:ext uri="{FF2B5EF4-FFF2-40B4-BE49-F238E27FC236}">
+                <a16:creationId xmlns:a16="http://schemas.microsoft.com/office/drawing/2014/main" id="{F51A67E6-3E8B-4133-94E8-DE76C5D47AE4}"/>
+              </a:ext>
+            </a:extLst>
+          </p:cNvPr>
+          <p:cNvSpPr>
+            <a:spLocks noGrp="1"/>
+          </p:cNvSpPr>
+          <p:nvPr>
+            <p:ph type="title"/>
+          </p:nvPr>
+        </p:nvSpPr>
+        <p:spPr/>
+        <p:txBody>
+          <a:bodyPr>
+            <a:normAutofit/>
+          </a:bodyPr>
+          <a:lstStyle/>
+          <a:p>
+            <a:r>
+              <a:rPr lang="en-GB" sz="4400" b="1" dirty="0">
+                <a:solidFill>
+                  <a:srgbClr val="2E2D2C"/>
+                </a:solidFill>
+                <a:effectLst/>
+                <a:latin typeface="Montserrat"/>
+                <a:ea typeface="Calibri" panose="020F0502020204030204" pitchFamily="34" charset="0"/>
+                <a:cs typeface="Symbol" panose="05050102010706020507" pitchFamily="18" charset="2"/>
+              </a:rPr>
+              <a:t>Testing</a:t>
+            </a:r>
+            <a:r>
+              <a:rPr lang="en-GB" sz="4400" dirty="0">
+                <a:solidFill>
+                  <a:srgbClr val="2E2D2C"/>
+                </a:solidFill>
+                <a:effectLst/>
+                <a:latin typeface="Montserrat Light"/>
+                <a:ea typeface="Calibri" panose="020F0502020204030204" pitchFamily="34" charset="0"/>
+                <a:cs typeface="Symbol" panose="05050102010706020507" pitchFamily="18" charset="2"/>
+              </a:rPr>
+              <a:t>:</a:t>
+            </a:r>
+            <a:br>
+              <a:rPr lang="en-GB" sz="4400" dirty="0">
+                <a:solidFill>
+                  <a:srgbClr val="2E2D2C"/>
+                </a:solidFill>
+                <a:effectLst/>
+                <a:latin typeface="Segoe UI" panose="020B0502040204020203" pitchFamily="34" charset="0"/>
+                <a:ea typeface="Calibri" panose="020F0502020204030204" pitchFamily="34" charset="0"/>
+                <a:cs typeface="Symbol" panose="05050102010706020507" pitchFamily="18" charset="2"/>
+              </a:rPr>
+            </a:br>
+            <a:endParaRPr lang="en-GB" dirty="0"/>
+          </a:p>
+        </p:txBody>
+      </p:sp>
+    </p:spTree>
+    <p:extLst>
+      <p:ext uri="{BB962C8B-B14F-4D97-AF65-F5344CB8AC3E}">
+        <p14:creationId xmlns:p14="http://schemas.microsoft.com/office/powerpoint/2010/main" val="3537518090"/>
+      </p:ext>
+    </p:extLst>
+  </p:cSld>
+  <p:clrMapOvr>
+    <a:masterClrMapping/>
+  </p:clrMapOvr>
+</p:sld>
+</file>
+
+<file path=ppt/slides/slide17.xml><?xml version="1.0" encoding="utf-8"?>
+<p:sld xmlns:a="http://schemas.openxmlformats.org/drawingml/2006/main" xmlns:r="http://schemas.openxmlformats.org/officeDocument/2006/relationships" xmlns:p="http://schemas.openxmlformats.org/presentationml/2006/main">
+  <p:cSld>
+    <p:spTree>
+      <p:nvGrpSpPr>
+        <p:cNvPr id="1" name=""/>
+        <p:cNvGrpSpPr/>
+        <p:nvPr/>
+      </p:nvGrpSpPr>
+      <p:grpSpPr>
+        <a:xfrm>
+          <a:off x="0" y="0"/>
+          <a:ext cx="0" cy="0"/>
+          <a:chOff x="0" y="0"/>
+          <a:chExt cx="0" cy="0"/>
+        </a:xfrm>
+      </p:grpSpPr>
+      <p:sp>
+        <p:nvSpPr>
+          <p:cNvPr id="2" name="Title 1">
+            <a:extLst>
+              <a:ext uri="{FF2B5EF4-FFF2-40B4-BE49-F238E27FC236}">
+                <a16:creationId xmlns:a16="http://schemas.microsoft.com/office/drawing/2014/main" id="{F51A67E6-3E8B-4133-94E8-DE76C5D47AE4}"/>
+              </a:ext>
+            </a:extLst>
+          </p:cNvPr>
+          <p:cNvSpPr>
+            <a:spLocks noGrp="1"/>
+          </p:cNvSpPr>
+          <p:nvPr>
+            <p:ph type="title"/>
+          </p:nvPr>
+        </p:nvSpPr>
+        <p:spPr/>
+        <p:txBody>
+          <a:bodyPr>
+            <a:normAutofit/>
+          </a:bodyPr>
+          <a:lstStyle/>
+          <a:p>
+            <a:r>
+              <a:rPr lang="en-GB" sz="4400" b="1" dirty="0">
+                <a:solidFill>
+                  <a:srgbClr val="2E2D2C"/>
+                </a:solidFill>
+                <a:effectLst/>
+                <a:latin typeface="Montserrat"/>
+                <a:ea typeface="Calibri" panose="020F0502020204030204" pitchFamily="34" charset="0"/>
+                <a:cs typeface="Symbol" panose="05050102010706020507" pitchFamily="18" charset="2"/>
+              </a:rPr>
+              <a:t>Demonstration</a:t>
             </a:r>
             <a:r>
               <a:rPr lang="en-GB" sz="4400" b="1" dirty="0">
@@ -3686,10 +4870,104 @@
                 <a:ea typeface="Calibri" panose="020F0502020204030204" pitchFamily="34" charset="0"/>
                 <a:cs typeface="Symbol" panose="05050102010706020507" pitchFamily="18" charset="2"/>
               </a:rPr>
-              <a:t>: </a:t>
-            </a:r>
-            <a:r>
-              <a:rPr lang="en-GB" sz="4400" dirty="0">
+              <a:t>:</a:t>
+            </a:r>
+            <a:endParaRPr lang="en-GB" dirty="0"/>
+          </a:p>
+        </p:txBody>
+      </p:sp>
+      <p:sp>
+        <p:nvSpPr>
+          <p:cNvPr id="5" name="Content Placeholder 4">
+            <a:extLst>
+              <a:ext uri="{FF2B5EF4-FFF2-40B4-BE49-F238E27FC236}">
+                <a16:creationId xmlns:a16="http://schemas.microsoft.com/office/drawing/2014/main" id="{D3528D89-A763-4911-B38A-67995D2E8A82}"/>
+              </a:ext>
+            </a:extLst>
+          </p:cNvPr>
+          <p:cNvSpPr>
+            <a:spLocks noGrp="1"/>
+          </p:cNvSpPr>
+          <p:nvPr>
+            <p:ph idx="1"/>
+          </p:nvPr>
+        </p:nvSpPr>
+        <p:spPr/>
+        <p:txBody>
+          <a:bodyPr/>
+          <a:lstStyle/>
+          <a:p>
+            <a:endParaRPr lang="en-GB"/>
+          </a:p>
+        </p:txBody>
+      </p:sp>
+    </p:spTree>
+    <p:extLst>
+      <p:ext uri="{BB962C8B-B14F-4D97-AF65-F5344CB8AC3E}">
+        <p14:creationId xmlns:p14="http://schemas.microsoft.com/office/powerpoint/2010/main" val="1986434441"/>
+      </p:ext>
+    </p:extLst>
+  </p:cSld>
+  <p:clrMapOvr>
+    <a:masterClrMapping/>
+  </p:clrMapOvr>
+</p:sld>
+</file>
+
+<file path=ppt/slides/slide18.xml><?xml version="1.0" encoding="utf-8"?>
+<p:sld xmlns:a="http://schemas.openxmlformats.org/drawingml/2006/main" xmlns:r="http://schemas.openxmlformats.org/officeDocument/2006/relationships" xmlns:p="http://schemas.openxmlformats.org/presentationml/2006/main">
+  <p:cSld>
+    <p:spTree>
+      <p:nvGrpSpPr>
+        <p:cNvPr id="1" name=""/>
+        <p:cNvGrpSpPr/>
+        <p:nvPr/>
+      </p:nvGrpSpPr>
+      <p:grpSpPr>
+        <a:xfrm>
+          <a:off x="0" y="0"/>
+          <a:ext cx="0" cy="0"/>
+          <a:chOff x="0" y="0"/>
+          <a:chExt cx="0" cy="0"/>
+        </a:xfrm>
+      </p:grpSpPr>
+      <p:sp>
+        <p:nvSpPr>
+          <p:cNvPr id="2" name="Title 1">
+            <a:extLst>
+              <a:ext uri="{FF2B5EF4-FFF2-40B4-BE49-F238E27FC236}">
+                <a16:creationId xmlns:a16="http://schemas.microsoft.com/office/drawing/2014/main" id="{F51A67E6-3E8B-4133-94E8-DE76C5D47AE4}"/>
+              </a:ext>
+            </a:extLst>
+          </p:cNvPr>
+          <p:cNvSpPr>
+            <a:spLocks noGrp="1"/>
+          </p:cNvSpPr>
+          <p:nvPr>
+            <p:ph type="title"/>
+          </p:nvPr>
+        </p:nvSpPr>
+        <p:spPr/>
+        <p:txBody>
+          <a:bodyPr>
+            <a:normAutofit/>
+          </a:bodyPr>
+          <a:lstStyle/>
+          <a:p>
+            <a:r>
+              <a:rPr lang="en-GB" sz="4400" b="1" dirty="0">
+                <a:solidFill>
+                  <a:srgbClr val="2E2D2C"/>
+                </a:solidFill>
+                <a:effectLst/>
+                <a:latin typeface="Montserrat"/>
+                <a:ea typeface="Calibri" panose="020F0502020204030204" pitchFamily="34" charset="0"/>
+                <a:cs typeface="Symbol" panose="05050102010706020507" pitchFamily="18" charset="2"/>
+              </a:rPr>
+              <a:t>Conclusion</a:t>
+            </a:r>
+            <a:r>
+              <a:rPr lang="en-GB" sz="4400" b="1" dirty="0">
                 <a:solidFill>
                   <a:srgbClr val="2E2D2C"/>
                 </a:solidFill>
@@ -3698,7 +4976,7 @@
                 <a:ea typeface="Calibri" panose="020F0502020204030204" pitchFamily="34" charset="0"/>
                 <a:cs typeface="Symbol" panose="05050102010706020507" pitchFamily="18" charset="2"/>
               </a:rPr>
-              <a:t>Leave 5 minutes for questions at the end of the presentation</a:t>
+              <a:t>:</a:t>
             </a:r>
             <a:br>
               <a:rPr lang="en-GB" sz="4400" dirty="0">
@@ -3768,6 +5046,153 @@
           </a:p>
           <a:p>
             <a:endParaRPr lang="en-GB" dirty="0"/>
+          </a:p>
+        </p:txBody>
+      </p:sp>
+      <p:pic>
+        <p:nvPicPr>
+          <p:cNvPr id="5" name="Picture 4">
+            <a:extLst>
+              <a:ext uri="{FF2B5EF4-FFF2-40B4-BE49-F238E27FC236}">
+                <a16:creationId xmlns:a16="http://schemas.microsoft.com/office/drawing/2014/main" id="{0ACAF89B-F244-4580-9684-173C6D139B93}"/>
+              </a:ext>
+            </a:extLst>
+          </p:cNvPr>
+          <p:cNvPicPr>
+            <a:picLocks noChangeAspect="1"/>
+          </p:cNvPicPr>
+          <p:nvPr/>
+        </p:nvPicPr>
+        <p:blipFill>
+          <a:blip r:embed="rId2"/>
+          <a:stretch>
+            <a:fillRect/>
+          </a:stretch>
+        </p:blipFill>
+        <p:spPr>
+          <a:xfrm>
+            <a:off x="4666364" y="1999364"/>
+            <a:ext cx="2859272" cy="2859272"/>
+          </a:xfrm>
+          <a:prstGeom prst="rect">
+            <a:avLst/>
+          </a:prstGeom>
+        </p:spPr>
+      </p:pic>
+    </p:spTree>
+    <p:extLst>
+      <p:ext uri="{BB962C8B-B14F-4D97-AF65-F5344CB8AC3E}">
+        <p14:creationId xmlns:p14="http://schemas.microsoft.com/office/powerpoint/2010/main" val="3809746582"/>
+      </p:ext>
+    </p:extLst>
+  </p:cSld>
+  <p:clrMapOvr>
+    <a:masterClrMapping/>
+  </p:clrMapOvr>
+</p:sld>
+</file>
+
+<file path=ppt/slides/slide19.xml><?xml version="1.0" encoding="utf-8"?>
+<p:sld xmlns:a="http://schemas.openxmlformats.org/drawingml/2006/main" xmlns:r="http://schemas.openxmlformats.org/officeDocument/2006/relationships" xmlns:p="http://schemas.openxmlformats.org/presentationml/2006/main">
+  <p:cSld>
+    <p:spTree>
+      <p:nvGrpSpPr>
+        <p:cNvPr id="1" name=""/>
+        <p:cNvGrpSpPr/>
+        <p:nvPr/>
+      </p:nvGrpSpPr>
+      <p:grpSpPr>
+        <a:xfrm>
+          <a:off x="0" y="0"/>
+          <a:ext cx="0" cy="0"/>
+          <a:chOff x="0" y="0"/>
+          <a:chExt cx="0" cy="0"/>
+        </a:xfrm>
+      </p:grpSpPr>
+      <p:sp>
+        <p:nvSpPr>
+          <p:cNvPr id="2" name="Title 1">
+            <a:extLst>
+              <a:ext uri="{FF2B5EF4-FFF2-40B4-BE49-F238E27FC236}">
+                <a16:creationId xmlns:a16="http://schemas.microsoft.com/office/drawing/2014/main" id="{F51A67E6-3E8B-4133-94E8-DE76C5D47AE4}"/>
+              </a:ext>
+            </a:extLst>
+          </p:cNvPr>
+          <p:cNvSpPr>
+            <a:spLocks noGrp="1"/>
+          </p:cNvSpPr>
+          <p:nvPr>
+            <p:ph type="title"/>
+          </p:nvPr>
+        </p:nvSpPr>
+        <p:spPr/>
+        <p:txBody>
+          <a:bodyPr>
+            <a:normAutofit/>
+          </a:bodyPr>
+          <a:lstStyle/>
+          <a:p>
+            <a:r>
+              <a:rPr lang="en-GB" sz="4400" b="1" dirty="0">
+                <a:solidFill>
+                  <a:srgbClr val="2E2D2C"/>
+                </a:solidFill>
+                <a:effectLst/>
+                <a:latin typeface="Montserrat"/>
+                <a:ea typeface="Calibri" panose="020F0502020204030204" pitchFamily="34" charset="0"/>
+                <a:cs typeface="Symbol" panose="05050102010706020507" pitchFamily="18" charset="2"/>
+              </a:rPr>
+              <a:t>Questions</a:t>
+            </a:r>
+            <a:r>
+              <a:rPr lang="en-GB" sz="4400" b="1" dirty="0">
+                <a:solidFill>
+                  <a:srgbClr val="2E2D2C"/>
+                </a:solidFill>
+                <a:effectLst/>
+                <a:latin typeface="Montserrat Light"/>
+                <a:ea typeface="Calibri" panose="020F0502020204030204" pitchFamily="34" charset="0"/>
+                <a:cs typeface="Symbol" panose="05050102010706020507" pitchFamily="18" charset="2"/>
+              </a:rPr>
+              <a:t>:</a:t>
+            </a:r>
+            <a:br>
+              <a:rPr lang="en-GB" sz="4400" dirty="0">
+                <a:solidFill>
+                  <a:srgbClr val="2E2D2C"/>
+                </a:solidFill>
+                <a:effectLst/>
+                <a:latin typeface="Segoe UI" panose="020B0502040204020203" pitchFamily="34" charset="0"/>
+                <a:ea typeface="Calibri" panose="020F0502020204030204" pitchFamily="34" charset="0"/>
+                <a:cs typeface="Symbol" panose="05050102010706020507" pitchFamily="18" charset="2"/>
+              </a:rPr>
+            </a:br>
+            <a:endParaRPr lang="en-GB" dirty="0"/>
+          </a:p>
+        </p:txBody>
+      </p:sp>
+      <p:sp>
+        <p:nvSpPr>
+          <p:cNvPr id="5" name="Content Placeholder 4">
+            <a:extLst>
+              <a:ext uri="{FF2B5EF4-FFF2-40B4-BE49-F238E27FC236}">
+                <a16:creationId xmlns:a16="http://schemas.microsoft.com/office/drawing/2014/main" id="{8E852B83-91A3-42EB-BFE5-C4FF6C8FAB2C}"/>
+              </a:ext>
+            </a:extLst>
+          </p:cNvPr>
+          <p:cNvSpPr>
+            <a:spLocks noGrp="1"/>
+          </p:cNvSpPr>
+          <p:nvPr>
+            <p:ph idx="1"/>
+          </p:nvPr>
+        </p:nvSpPr>
+        <p:spPr/>
+        <p:txBody>
+          <a:bodyPr/>
+          <a:lstStyle/>
+          <a:p>
+            <a:endParaRPr lang="en-GB"/>
           </a:p>
         </p:txBody>
       </p:sp>
@@ -3784,7 +5209,693 @@
 </p:sld>
 </file>
 
-<file path=ppt/slides/slide12.xml><?xml version="1.0" encoding="utf-8"?>
+<file path=ppt/slides/slide2.xml><?xml version="1.0" encoding="utf-8"?>
+<p:sld xmlns:a="http://schemas.openxmlformats.org/drawingml/2006/main" xmlns:r="http://schemas.openxmlformats.org/officeDocument/2006/relationships" xmlns:p="http://schemas.openxmlformats.org/presentationml/2006/main">
+  <p:cSld>
+    <p:spTree>
+      <p:nvGrpSpPr>
+        <p:cNvPr id="1" name=""/>
+        <p:cNvGrpSpPr/>
+        <p:nvPr/>
+      </p:nvGrpSpPr>
+      <p:grpSpPr>
+        <a:xfrm>
+          <a:off x="0" y="0"/>
+          <a:ext cx="0" cy="0"/>
+          <a:chOff x="0" y="0"/>
+          <a:chExt cx="0" cy="0"/>
+        </a:xfrm>
+      </p:grpSpPr>
+      <p:pic>
+        <p:nvPicPr>
+          <p:cNvPr id="4" name="Picture 3">
+            <a:extLst>
+              <a:ext uri="{FF2B5EF4-FFF2-40B4-BE49-F238E27FC236}">
+                <a16:creationId xmlns:a16="http://schemas.microsoft.com/office/drawing/2014/main" id="{3F4269EE-44B5-448E-AD14-70B527614FE6}"/>
+              </a:ext>
+            </a:extLst>
+          </p:cNvPr>
+          <p:cNvPicPr>
+            <a:picLocks noChangeAspect="1"/>
+          </p:cNvPicPr>
+          <p:nvPr/>
+        </p:nvPicPr>
+        <p:blipFill>
+          <a:blip r:embed="rId2"/>
+          <a:stretch>
+            <a:fillRect/>
+          </a:stretch>
+        </p:blipFill>
+        <p:spPr>
+          <a:xfrm>
+            <a:off x="1874756" y="1274695"/>
+            <a:ext cx="8143887" cy="5315318"/>
+          </a:xfrm>
+          <a:prstGeom prst="rect">
+            <a:avLst/>
+          </a:prstGeom>
+        </p:spPr>
+      </p:pic>
+      <p:sp>
+        <p:nvSpPr>
+          <p:cNvPr id="6" name="Title 1">
+            <a:extLst>
+              <a:ext uri="{FF2B5EF4-FFF2-40B4-BE49-F238E27FC236}">
+                <a16:creationId xmlns:a16="http://schemas.microsoft.com/office/drawing/2014/main" id="{ADA9CFC0-7365-48B8-B6FF-5CDAB2D8149D}"/>
+              </a:ext>
+            </a:extLst>
+          </p:cNvPr>
+          <p:cNvSpPr txBox="1">
+            <a:spLocks/>
+          </p:cNvSpPr>
+          <p:nvPr/>
+        </p:nvSpPr>
+        <p:spPr>
+          <a:xfrm>
+            <a:off x="294861" y="201726"/>
+            <a:ext cx="10515600" cy="1325563"/>
+          </a:xfrm>
+          <a:prstGeom prst="rect">
+            <a:avLst/>
+          </a:prstGeom>
+        </p:spPr>
+        <p:txBody>
+          <a:bodyPr>
+            <a:normAutofit/>
+          </a:bodyPr>
+          <a:lstStyle>
+            <a:lvl1pPr algn="l" defTabSz="914400" rtl="0" eaLnBrk="1" latinLnBrk="0" hangingPunct="1">
+              <a:lnSpc>
+                <a:spcPct val="90000"/>
+              </a:lnSpc>
+              <a:spcBef>
+                <a:spcPct val="0"/>
+              </a:spcBef>
+              <a:buNone/>
+              <a:defRPr sz="4400" kern="1200">
+                <a:solidFill>
+                  <a:schemeClr val="tx1"/>
+                </a:solidFill>
+                <a:latin typeface="+mj-lt"/>
+                <a:ea typeface="+mj-ea"/>
+                <a:cs typeface="+mj-cs"/>
+              </a:defRPr>
+            </a:lvl1pPr>
+          </a:lstStyle>
+          <a:p>
+            <a:r>
+              <a:rPr lang="en-GB" b="1" dirty="0">
+                <a:solidFill>
+                  <a:srgbClr val="2E2D2C"/>
+                </a:solidFill>
+                <a:latin typeface="Montserrat"/>
+                <a:ea typeface="Calibri" panose="020F0502020204030204" pitchFamily="34" charset="0"/>
+                <a:cs typeface="Symbol" panose="05050102010706020507" pitchFamily="18" charset="2"/>
+              </a:rPr>
+              <a:t>Website</a:t>
+            </a:r>
+            <a:r>
+              <a:rPr lang="en-GB" b="1" dirty="0">
+                <a:solidFill>
+                  <a:srgbClr val="2E2D2C"/>
+                </a:solidFill>
+                <a:latin typeface="Montserrat Light"/>
+                <a:ea typeface="Calibri" panose="020F0502020204030204" pitchFamily="34" charset="0"/>
+                <a:cs typeface="Symbol" panose="05050102010706020507" pitchFamily="18" charset="2"/>
+              </a:rPr>
+              <a:t>:</a:t>
+            </a:r>
+            <a:br>
+              <a:rPr lang="en-GB" dirty="0">
+                <a:solidFill>
+                  <a:srgbClr val="2E2D2C"/>
+                </a:solidFill>
+                <a:latin typeface="Segoe UI" panose="020B0502040204020203" pitchFamily="34" charset="0"/>
+                <a:ea typeface="Calibri" panose="020F0502020204030204" pitchFamily="34" charset="0"/>
+                <a:cs typeface="Symbol" panose="05050102010706020507" pitchFamily="18" charset="2"/>
+              </a:rPr>
+            </a:br>
+            <a:endParaRPr lang="en-GB" dirty="0"/>
+          </a:p>
+        </p:txBody>
+      </p:sp>
+    </p:spTree>
+    <p:extLst>
+      <p:ext uri="{BB962C8B-B14F-4D97-AF65-F5344CB8AC3E}">
+        <p14:creationId xmlns:p14="http://schemas.microsoft.com/office/powerpoint/2010/main" val="2689901307"/>
+      </p:ext>
+    </p:extLst>
+  </p:cSld>
+  <p:clrMapOvr>
+    <a:masterClrMapping/>
+  </p:clrMapOvr>
+</p:sld>
+</file>
+
+<file path=ppt/slides/slide3.xml><?xml version="1.0" encoding="utf-8"?>
+<p:sld xmlns:a="http://schemas.openxmlformats.org/drawingml/2006/main" xmlns:r="http://schemas.openxmlformats.org/officeDocument/2006/relationships" xmlns:p="http://schemas.openxmlformats.org/presentationml/2006/main">
+  <p:cSld>
+    <p:spTree>
+      <p:nvGrpSpPr>
+        <p:cNvPr id="1" name=""/>
+        <p:cNvGrpSpPr/>
+        <p:nvPr/>
+      </p:nvGrpSpPr>
+      <p:grpSpPr>
+        <a:xfrm>
+          <a:off x="0" y="0"/>
+          <a:ext cx="0" cy="0"/>
+          <a:chOff x="0" y="0"/>
+          <a:chExt cx="0" cy="0"/>
+        </a:xfrm>
+      </p:grpSpPr>
+      <p:pic>
+        <p:nvPicPr>
+          <p:cNvPr id="3" name="Picture 2" descr="A screenshot of a cell phone&#10;&#10;Description automatically generated">
+            <a:extLst>
+              <a:ext uri="{FF2B5EF4-FFF2-40B4-BE49-F238E27FC236}">
+                <a16:creationId xmlns:a16="http://schemas.microsoft.com/office/drawing/2014/main" id="{77195D39-6CED-4D37-8B2E-BB9B57DF29E2}"/>
+              </a:ext>
+            </a:extLst>
+          </p:cNvPr>
+          <p:cNvPicPr>
+            <a:picLocks noChangeAspect="1"/>
+          </p:cNvPicPr>
+          <p:nvPr/>
+        </p:nvPicPr>
+        <p:blipFill rotWithShape="1">
+          <a:blip r:embed="rId2">
+            <a:extLst>
+              <a:ext uri="{28A0092B-C50C-407E-A947-70E740481C1C}">
+                <a14:useLocalDpi xmlns:a14="http://schemas.microsoft.com/office/drawing/2010/main" val="0"/>
+              </a:ext>
+            </a:extLst>
+          </a:blip>
+          <a:srcRect b="54612"/>
+          <a:stretch/>
+        </p:blipFill>
+        <p:spPr>
+          <a:xfrm>
+            <a:off x="201266" y="1383404"/>
+            <a:ext cx="5534025" cy="1863285"/>
+          </a:xfrm>
+          <a:prstGeom prst="rect">
+            <a:avLst/>
+          </a:prstGeom>
+        </p:spPr>
+      </p:pic>
+      <p:sp>
+        <p:nvSpPr>
+          <p:cNvPr id="4" name="Title 1">
+            <a:extLst>
+              <a:ext uri="{FF2B5EF4-FFF2-40B4-BE49-F238E27FC236}">
+                <a16:creationId xmlns:a16="http://schemas.microsoft.com/office/drawing/2014/main" id="{B27D1369-CB53-4CA4-884A-1486C45B5F6F}"/>
+              </a:ext>
+            </a:extLst>
+          </p:cNvPr>
+          <p:cNvSpPr txBox="1">
+            <a:spLocks/>
+          </p:cNvSpPr>
+          <p:nvPr/>
+        </p:nvSpPr>
+        <p:spPr>
+          <a:xfrm>
+            <a:off x="838200" y="365125"/>
+            <a:ext cx="10515600" cy="1325563"/>
+          </a:xfrm>
+          <a:prstGeom prst="rect">
+            <a:avLst/>
+          </a:prstGeom>
+        </p:spPr>
+        <p:txBody>
+          <a:bodyPr>
+            <a:normAutofit/>
+          </a:bodyPr>
+          <a:lstStyle>
+            <a:lvl1pPr algn="l" defTabSz="914400" rtl="0" eaLnBrk="1" latinLnBrk="0" hangingPunct="1">
+              <a:lnSpc>
+                <a:spcPct val="90000"/>
+              </a:lnSpc>
+              <a:spcBef>
+                <a:spcPct val="0"/>
+              </a:spcBef>
+              <a:buNone/>
+              <a:defRPr sz="4400" kern="1200">
+                <a:solidFill>
+                  <a:schemeClr val="tx1"/>
+                </a:solidFill>
+                <a:latin typeface="+mj-lt"/>
+                <a:ea typeface="+mj-ea"/>
+                <a:cs typeface="+mj-cs"/>
+              </a:defRPr>
+            </a:lvl1pPr>
+          </a:lstStyle>
+          <a:p>
+            <a:r>
+              <a:rPr lang="en-GB" b="1" dirty="0">
+                <a:solidFill>
+                  <a:srgbClr val="2E2D2C"/>
+                </a:solidFill>
+                <a:latin typeface="Montserrat"/>
+                <a:ea typeface="Calibri" panose="020F0502020204030204" pitchFamily="34" charset="0"/>
+                <a:cs typeface="Symbol" panose="05050102010706020507" pitchFamily="18" charset="2"/>
+              </a:rPr>
+              <a:t>Database</a:t>
+            </a:r>
+            <a:r>
+              <a:rPr lang="en-GB" b="1" dirty="0">
+                <a:solidFill>
+                  <a:srgbClr val="2E2D2C"/>
+                </a:solidFill>
+                <a:latin typeface="Montserrat Light"/>
+                <a:ea typeface="Calibri" panose="020F0502020204030204" pitchFamily="34" charset="0"/>
+                <a:cs typeface="Symbol" panose="05050102010706020507" pitchFamily="18" charset="2"/>
+              </a:rPr>
+              <a:t>:</a:t>
+            </a:r>
+            <a:br>
+              <a:rPr lang="en-GB" dirty="0">
+                <a:solidFill>
+                  <a:srgbClr val="2E2D2C"/>
+                </a:solidFill>
+                <a:latin typeface="Segoe UI" panose="020B0502040204020203" pitchFamily="34" charset="0"/>
+                <a:ea typeface="Calibri" panose="020F0502020204030204" pitchFamily="34" charset="0"/>
+                <a:cs typeface="Symbol" panose="05050102010706020507" pitchFamily="18" charset="2"/>
+              </a:rPr>
+            </a:br>
+            <a:endParaRPr lang="en-GB" dirty="0"/>
+          </a:p>
+        </p:txBody>
+      </p:sp>
+      <p:pic>
+        <p:nvPicPr>
+          <p:cNvPr id="10" name="Picture 9" descr="A screenshot of a cell phone&#10;&#10;Description automatically generated">
+            <a:extLst>
+              <a:ext uri="{FF2B5EF4-FFF2-40B4-BE49-F238E27FC236}">
+                <a16:creationId xmlns:a16="http://schemas.microsoft.com/office/drawing/2014/main" id="{2F640F26-70C7-4796-83C8-327C7AD18484}"/>
+              </a:ext>
+            </a:extLst>
+          </p:cNvPr>
+          <p:cNvPicPr>
+            <a:picLocks noChangeAspect="1"/>
+          </p:cNvPicPr>
+          <p:nvPr/>
+        </p:nvPicPr>
+        <p:blipFill>
+          <a:blip r:embed="rId3">
+            <a:extLst>
+              <a:ext uri="{28A0092B-C50C-407E-A947-70E740481C1C}">
+                <a14:useLocalDpi xmlns:a14="http://schemas.microsoft.com/office/drawing/2010/main" val="0"/>
+              </a:ext>
+            </a:extLst>
+          </a:blip>
+          <a:stretch>
+            <a:fillRect/>
+          </a:stretch>
+        </p:blipFill>
+        <p:spPr>
+          <a:xfrm>
+            <a:off x="6058520" y="2757793"/>
+            <a:ext cx="5894734" cy="3621429"/>
+          </a:xfrm>
+          <a:prstGeom prst="rect">
+            <a:avLst/>
+          </a:prstGeom>
+        </p:spPr>
+      </p:pic>
+      <p:pic>
+        <p:nvPicPr>
+          <p:cNvPr id="16" name="Picture 15" descr="A screenshot of a cell phone&#10;&#10;Description automatically generated">
+            <a:extLst>
+              <a:ext uri="{FF2B5EF4-FFF2-40B4-BE49-F238E27FC236}">
+                <a16:creationId xmlns:a16="http://schemas.microsoft.com/office/drawing/2014/main" id="{AF7FD180-78A0-4D2C-972D-FD9DCFF5B7BB}"/>
+              </a:ext>
+            </a:extLst>
+          </p:cNvPr>
+          <p:cNvPicPr>
+            <a:picLocks noChangeAspect="1"/>
+          </p:cNvPicPr>
+          <p:nvPr/>
+        </p:nvPicPr>
+        <p:blipFill>
+          <a:blip r:embed="rId4">
+            <a:extLst>
+              <a:ext uri="{28A0092B-C50C-407E-A947-70E740481C1C}">
+                <a14:useLocalDpi xmlns:a14="http://schemas.microsoft.com/office/drawing/2010/main" val="0"/>
+              </a:ext>
+            </a:extLst>
+          </a:blip>
+          <a:stretch>
+            <a:fillRect/>
+          </a:stretch>
+        </p:blipFill>
+        <p:spPr>
+          <a:xfrm>
+            <a:off x="272703" y="3706496"/>
+            <a:ext cx="5629275" cy="1724025"/>
+          </a:xfrm>
+          <a:prstGeom prst="rect">
+            <a:avLst/>
+          </a:prstGeom>
+        </p:spPr>
+      </p:pic>
+      <p:pic>
+        <p:nvPicPr>
+          <p:cNvPr id="18" name="Picture 17" descr="A screenshot of a cell phone&#10;&#10;Description automatically generated">
+            <a:extLst>
+              <a:ext uri="{FF2B5EF4-FFF2-40B4-BE49-F238E27FC236}">
+                <a16:creationId xmlns:a16="http://schemas.microsoft.com/office/drawing/2014/main" id="{2F46DCB2-9612-48A4-8266-C09872387912}"/>
+              </a:ext>
+            </a:extLst>
+          </p:cNvPr>
+          <p:cNvPicPr>
+            <a:picLocks noChangeAspect="1"/>
+          </p:cNvPicPr>
+          <p:nvPr/>
+        </p:nvPicPr>
+        <p:blipFill>
+          <a:blip r:embed="rId5">
+            <a:extLst>
+              <a:ext uri="{28A0092B-C50C-407E-A947-70E740481C1C}">
+                <a14:useLocalDpi xmlns:a14="http://schemas.microsoft.com/office/drawing/2010/main" val="0"/>
+              </a:ext>
+            </a:extLst>
+          </a:blip>
+          <a:stretch>
+            <a:fillRect/>
+          </a:stretch>
+        </p:blipFill>
+        <p:spPr>
+          <a:xfrm>
+            <a:off x="6058520" y="569016"/>
+            <a:ext cx="5819775" cy="1628775"/>
+          </a:xfrm>
+          <a:prstGeom prst="rect">
+            <a:avLst/>
+          </a:prstGeom>
+        </p:spPr>
+      </p:pic>
+    </p:spTree>
+    <p:extLst>
+      <p:ext uri="{BB962C8B-B14F-4D97-AF65-F5344CB8AC3E}">
+        <p14:creationId xmlns:p14="http://schemas.microsoft.com/office/powerpoint/2010/main" val="2058124799"/>
+      </p:ext>
+    </p:extLst>
+  </p:cSld>
+  <p:clrMapOvr>
+    <a:masterClrMapping/>
+  </p:clrMapOvr>
+</p:sld>
+</file>
+
+<file path=ppt/slides/slide4.xml><?xml version="1.0" encoding="utf-8"?>
+<p:sld xmlns:a="http://schemas.openxmlformats.org/drawingml/2006/main" xmlns:r="http://schemas.openxmlformats.org/officeDocument/2006/relationships" xmlns:p="http://schemas.openxmlformats.org/presentationml/2006/main">
+  <p:cSld>
+    <p:spTree>
+      <p:nvGrpSpPr>
+        <p:cNvPr id="1" name=""/>
+        <p:cNvGrpSpPr/>
+        <p:nvPr/>
+      </p:nvGrpSpPr>
+      <p:grpSpPr>
+        <a:xfrm>
+          <a:off x="0" y="0"/>
+          <a:ext cx="0" cy="0"/>
+          <a:chOff x="0" y="0"/>
+          <a:chExt cx="0" cy="0"/>
+        </a:xfrm>
+      </p:grpSpPr>
+      <p:sp>
+        <p:nvSpPr>
+          <p:cNvPr id="2" name="Title 1">
+            <a:extLst>
+              <a:ext uri="{FF2B5EF4-FFF2-40B4-BE49-F238E27FC236}">
+                <a16:creationId xmlns:a16="http://schemas.microsoft.com/office/drawing/2014/main" id="{F51A67E6-3E8B-4133-94E8-DE76C5D47AE4}"/>
+              </a:ext>
+            </a:extLst>
+          </p:cNvPr>
+          <p:cNvSpPr>
+            <a:spLocks noGrp="1"/>
+          </p:cNvSpPr>
+          <p:nvPr>
+            <p:ph type="title"/>
+          </p:nvPr>
+        </p:nvSpPr>
+        <p:spPr/>
+        <p:txBody>
+          <a:bodyPr>
+            <a:normAutofit/>
+          </a:bodyPr>
+          <a:lstStyle/>
+          <a:p>
+            <a:r>
+              <a:rPr lang="en-GB" sz="4400" b="1" dirty="0">
+                <a:solidFill>
+                  <a:srgbClr val="2E2D2C"/>
+                </a:solidFill>
+                <a:effectLst/>
+                <a:latin typeface="Montserrat"/>
+                <a:ea typeface="Calibri" panose="020F0502020204030204" pitchFamily="34" charset="0"/>
+                <a:cs typeface="Symbol" panose="05050102010706020507" pitchFamily="18" charset="2"/>
+              </a:rPr>
+              <a:t>Context</a:t>
+            </a:r>
+            <a:r>
+              <a:rPr lang="en-GB" sz="4400" b="1" dirty="0">
+                <a:solidFill>
+                  <a:srgbClr val="2E2D2C"/>
+                </a:solidFill>
+                <a:effectLst/>
+                <a:latin typeface="Montserrat Light"/>
+                <a:ea typeface="Calibri" panose="020F0502020204030204" pitchFamily="34" charset="0"/>
+                <a:cs typeface="Symbol" panose="05050102010706020507" pitchFamily="18" charset="2"/>
+              </a:rPr>
+              <a:t>:</a:t>
+            </a:r>
+            <a:br>
+              <a:rPr lang="en-GB" sz="4400" dirty="0">
+                <a:solidFill>
+                  <a:srgbClr val="2E2D2C"/>
+                </a:solidFill>
+                <a:effectLst/>
+                <a:latin typeface="Segoe UI" panose="020B0502040204020203" pitchFamily="34" charset="0"/>
+                <a:ea typeface="Calibri" panose="020F0502020204030204" pitchFamily="34" charset="0"/>
+                <a:cs typeface="Symbol" panose="05050102010706020507" pitchFamily="18" charset="2"/>
+              </a:rPr>
+            </a:br>
+            <a:endParaRPr lang="en-GB" dirty="0"/>
+          </a:p>
+        </p:txBody>
+      </p:sp>
+      <p:sp>
+        <p:nvSpPr>
+          <p:cNvPr id="3" name="Content Placeholder 2">
+            <a:extLst>
+              <a:ext uri="{FF2B5EF4-FFF2-40B4-BE49-F238E27FC236}">
+                <a16:creationId xmlns:a16="http://schemas.microsoft.com/office/drawing/2014/main" id="{142DDB05-701E-4CAD-AA7E-83B1FC04A953}"/>
+              </a:ext>
+            </a:extLst>
+          </p:cNvPr>
+          <p:cNvSpPr>
+            <a:spLocks noGrp="1"/>
+          </p:cNvSpPr>
+          <p:nvPr>
+            <p:ph idx="1"/>
+          </p:nvPr>
+        </p:nvSpPr>
+        <p:spPr/>
+        <p:txBody>
+          <a:bodyPr>
+            <a:normAutofit/>
+          </a:bodyPr>
+          <a:lstStyle/>
+          <a:p>
+            <a:pPr marL="0" indent="0">
+              <a:lnSpc>
+                <a:spcPct val="107000"/>
+              </a:lnSpc>
+              <a:spcAft>
+                <a:spcPts val="800"/>
+              </a:spcAft>
+              <a:buNone/>
+            </a:pPr>
+            <a:r>
+              <a:rPr lang="en-GB" sz="1800" dirty="0">
+                <a:solidFill>
+                  <a:srgbClr val="2E2D2C"/>
+                </a:solidFill>
+                <a:effectLst/>
+                <a:latin typeface="Montserrat Light"/>
+                <a:ea typeface="Calibri" panose="020F0502020204030204" pitchFamily="34" charset="0"/>
+              </a:rPr>
+              <a:t> </a:t>
+            </a:r>
+            <a:endParaRPr lang="en-GB" sz="1800" dirty="0">
+              <a:solidFill>
+                <a:srgbClr val="2E2D2C"/>
+              </a:solidFill>
+              <a:effectLst/>
+              <a:latin typeface="Segoe UI" panose="020B0502040204020203" pitchFamily="34" charset="0"/>
+              <a:ea typeface="Calibri" panose="020F0502020204030204" pitchFamily="34" charset="0"/>
+            </a:endParaRPr>
+          </a:p>
+          <a:p>
+            <a:endParaRPr lang="en-GB" dirty="0"/>
+          </a:p>
+        </p:txBody>
+      </p:sp>
+      <p:pic>
+        <p:nvPicPr>
+          <p:cNvPr id="5" name="Picture 4" descr="A close up of text on a white background&#10;&#10;Description automatically generated">
+            <a:extLst>
+              <a:ext uri="{FF2B5EF4-FFF2-40B4-BE49-F238E27FC236}">
+                <a16:creationId xmlns:a16="http://schemas.microsoft.com/office/drawing/2014/main" id="{A65BAE03-113A-46D5-8BC2-C60BEE46227D}"/>
+              </a:ext>
+            </a:extLst>
+          </p:cNvPr>
+          <p:cNvPicPr>
+            <a:picLocks noChangeAspect="1"/>
+          </p:cNvPicPr>
+          <p:nvPr/>
+        </p:nvPicPr>
+        <p:blipFill>
+          <a:blip r:embed="rId2">
+            <a:extLst>
+              <a:ext uri="{28A0092B-C50C-407E-A947-70E740481C1C}">
+                <a14:useLocalDpi xmlns:a14="http://schemas.microsoft.com/office/drawing/2010/main" val="0"/>
+              </a:ext>
+            </a:extLst>
+          </a:blip>
+          <a:stretch>
+            <a:fillRect/>
+          </a:stretch>
+        </p:blipFill>
+        <p:spPr>
+          <a:xfrm>
+            <a:off x="3614737" y="1119188"/>
+            <a:ext cx="4962525" cy="5057775"/>
+          </a:xfrm>
+          <a:prstGeom prst="rect">
+            <a:avLst/>
+          </a:prstGeom>
+        </p:spPr>
+      </p:pic>
+    </p:spTree>
+    <p:extLst>
+      <p:ext uri="{BB962C8B-B14F-4D97-AF65-F5344CB8AC3E}">
+        <p14:creationId xmlns:p14="http://schemas.microsoft.com/office/powerpoint/2010/main" val="1245832418"/>
+      </p:ext>
+    </p:extLst>
+  </p:cSld>
+  <p:clrMapOvr>
+    <a:masterClrMapping/>
+  </p:clrMapOvr>
+</p:sld>
+</file>
+
+<file path=ppt/slides/slide5.xml><?xml version="1.0" encoding="utf-8"?>
+<p:sld xmlns:a="http://schemas.openxmlformats.org/drawingml/2006/main" xmlns:r="http://schemas.openxmlformats.org/officeDocument/2006/relationships" xmlns:p="http://schemas.openxmlformats.org/presentationml/2006/main">
+  <p:cSld>
+    <p:spTree>
+      <p:nvGrpSpPr>
+        <p:cNvPr id="1" name=""/>
+        <p:cNvGrpSpPr/>
+        <p:nvPr/>
+      </p:nvGrpSpPr>
+      <p:grpSpPr>
+        <a:xfrm>
+          <a:off x="0" y="0"/>
+          <a:ext cx="0" cy="0"/>
+          <a:chOff x="0" y="0"/>
+          <a:chExt cx="0" cy="0"/>
+        </a:xfrm>
+      </p:grpSpPr>
+      <p:pic>
+        <p:nvPicPr>
+          <p:cNvPr id="3" name="Picture 2" descr="A close up of text on a white background&#10;&#10;Description automatically generated">
+            <a:extLst>
+              <a:ext uri="{FF2B5EF4-FFF2-40B4-BE49-F238E27FC236}">
+                <a16:creationId xmlns:a16="http://schemas.microsoft.com/office/drawing/2014/main" id="{BAE5A91B-AEBF-41E9-B263-EB912A5018A2}"/>
+              </a:ext>
+            </a:extLst>
+          </p:cNvPr>
+          <p:cNvPicPr>
+            <a:picLocks noChangeAspect="1"/>
+          </p:cNvPicPr>
+          <p:nvPr/>
+        </p:nvPicPr>
+        <p:blipFill>
+          <a:blip r:embed="rId2">
+            <a:extLst>
+              <a:ext uri="{28A0092B-C50C-407E-A947-70E740481C1C}">
+                <a14:useLocalDpi xmlns:a14="http://schemas.microsoft.com/office/drawing/2010/main" val="0"/>
+              </a:ext>
+            </a:extLst>
+          </a:blip>
+          <a:stretch>
+            <a:fillRect/>
+          </a:stretch>
+        </p:blipFill>
+        <p:spPr>
+          <a:xfrm>
+            <a:off x="960782" y="1264959"/>
+            <a:ext cx="3886200" cy="4010025"/>
+          </a:xfrm>
+          <a:prstGeom prst="rect">
+            <a:avLst/>
+          </a:prstGeom>
+        </p:spPr>
+      </p:pic>
+      <p:pic>
+        <p:nvPicPr>
+          <p:cNvPr id="5" name="Picture 4" descr="A close up of a map&#10;&#10;Description automatically generated">
+            <a:extLst>
+              <a:ext uri="{FF2B5EF4-FFF2-40B4-BE49-F238E27FC236}">
+                <a16:creationId xmlns:a16="http://schemas.microsoft.com/office/drawing/2014/main" id="{90B78F73-2B82-4D92-9C77-59CD59E17514}"/>
+              </a:ext>
+            </a:extLst>
+          </p:cNvPr>
+          <p:cNvPicPr>
+            <a:picLocks noChangeAspect="1"/>
+          </p:cNvPicPr>
+          <p:nvPr/>
+        </p:nvPicPr>
+        <p:blipFill>
+          <a:blip r:embed="rId3">
+            <a:extLst>
+              <a:ext uri="{28A0092B-C50C-407E-A947-70E740481C1C}">
+                <a14:useLocalDpi xmlns:a14="http://schemas.microsoft.com/office/drawing/2010/main" val="0"/>
+              </a:ext>
+            </a:extLst>
+          </a:blip>
+          <a:stretch>
+            <a:fillRect/>
+          </a:stretch>
+        </p:blipFill>
+        <p:spPr>
+          <a:xfrm>
+            <a:off x="6096000" y="1423987"/>
+            <a:ext cx="5029200" cy="4010025"/>
+          </a:xfrm>
+          <a:prstGeom prst="rect">
+            <a:avLst/>
+          </a:prstGeom>
+        </p:spPr>
+      </p:pic>
+    </p:spTree>
+    <p:extLst>
+      <p:ext uri="{BB962C8B-B14F-4D97-AF65-F5344CB8AC3E}">
+        <p14:creationId xmlns:p14="http://schemas.microsoft.com/office/powerpoint/2010/main" val="1458186622"/>
+      </p:ext>
+    </p:extLst>
+  </p:cSld>
+  <p:clrMapOvr>
+    <a:masterClrMapping/>
+  </p:clrMapOvr>
+</p:sld>
+</file>
+
+<file path=ppt/slides/slide6.xml><?xml version="1.0" encoding="utf-8"?>
 <p:sld xmlns:a="http://schemas.openxmlformats.org/drawingml/2006/main" xmlns:r="http://schemas.openxmlformats.org/officeDocument/2006/relationships" xmlns:p="http://schemas.openxmlformats.org/presentationml/2006/main">
   <p:cSld>
     <p:spTree>
@@ -5194,7 +7305,7 @@
     </p:spTree>
     <p:extLst>
       <p:ext uri="{BB962C8B-B14F-4D97-AF65-F5344CB8AC3E}">
-        <p14:creationId xmlns:p14="http://schemas.microsoft.com/office/powerpoint/2010/main" val="3635573877"/>
+        <p14:creationId xmlns:p14="http://schemas.microsoft.com/office/powerpoint/2010/main" val="2414079799"/>
       </p:ext>
     </p:extLst>
   </p:cSld>
@@ -5204,7 +7315,7 @@
 </p:sld>
 </file>
 
-<file path=ppt/slides/slide13.xml><?xml version="1.0" encoding="utf-8"?>
+<file path=ppt/slides/slide7.xml><?xml version="1.0" encoding="utf-8"?>
 <p:sld xmlns:a="http://schemas.openxmlformats.org/drawingml/2006/main" xmlns:r="http://schemas.openxmlformats.org/officeDocument/2006/relationships" xmlns:p="http://schemas.openxmlformats.org/presentationml/2006/main">
   <p:cSld>
     <p:spTree>
@@ -5895,924 +8006,7 @@
     </p:spTree>
     <p:extLst>
       <p:ext uri="{BB962C8B-B14F-4D97-AF65-F5344CB8AC3E}">
-        <p14:creationId xmlns:p14="http://schemas.microsoft.com/office/powerpoint/2010/main" val="608677411"/>
-      </p:ext>
-    </p:extLst>
-  </p:cSld>
-  <p:clrMapOvr>
-    <a:masterClrMapping/>
-  </p:clrMapOvr>
-</p:sld>
-</file>
-
-<file path=ppt/slides/slide2.xml><?xml version="1.0" encoding="utf-8"?>
-<p:sld xmlns:a="http://schemas.openxmlformats.org/drawingml/2006/main" xmlns:r="http://schemas.openxmlformats.org/officeDocument/2006/relationships" xmlns:p="http://schemas.openxmlformats.org/presentationml/2006/main">
-  <p:cSld>
-    <p:spTree>
-      <p:nvGrpSpPr>
-        <p:cNvPr id="1" name=""/>
-        <p:cNvGrpSpPr/>
-        <p:nvPr/>
-      </p:nvGrpSpPr>
-      <p:grpSpPr>
-        <a:xfrm>
-          <a:off x="0" y="0"/>
-          <a:ext cx="0" cy="0"/>
-          <a:chOff x="0" y="0"/>
-          <a:chExt cx="0" cy="0"/>
-        </a:xfrm>
-      </p:grpSpPr>
-      <p:sp>
-        <p:nvSpPr>
-          <p:cNvPr id="2" name="Title 1">
-            <a:extLst>
-              <a:ext uri="{FF2B5EF4-FFF2-40B4-BE49-F238E27FC236}">
-                <a16:creationId xmlns:a16="http://schemas.microsoft.com/office/drawing/2014/main" id="{F51A67E6-3E8B-4133-94E8-DE76C5D47AE4}"/>
-              </a:ext>
-            </a:extLst>
-          </p:cNvPr>
-          <p:cNvSpPr>
-            <a:spLocks noGrp="1"/>
-          </p:cNvSpPr>
-          <p:nvPr>
-            <p:ph type="title"/>
-          </p:nvPr>
-        </p:nvSpPr>
-        <p:spPr/>
-        <p:txBody>
-          <a:bodyPr/>
-          <a:lstStyle/>
-          <a:p>
-            <a:r>
-              <a:rPr lang="en-GB" sz="4400" b="1" dirty="0">
-                <a:solidFill>
-                  <a:srgbClr val="2E2D2C"/>
-                </a:solidFill>
-                <a:effectLst/>
-                <a:latin typeface="Montserrat"/>
-                <a:ea typeface="Calibri" panose="020F0502020204030204" pitchFamily="34" charset="0"/>
-                <a:cs typeface="Symbol" panose="05050102010706020507" pitchFamily="18" charset="2"/>
-              </a:rPr>
-              <a:t>Concept</a:t>
-            </a:r>
-            <a:r>
-              <a:rPr lang="en-GB" sz="4400" b="1" dirty="0">
-                <a:solidFill>
-                  <a:srgbClr val="2E2D2C"/>
-                </a:solidFill>
-                <a:effectLst/>
-                <a:latin typeface="Montserrat Light"/>
-                <a:ea typeface="Calibri" panose="020F0502020204030204" pitchFamily="34" charset="0"/>
-                <a:cs typeface="Symbol" panose="05050102010706020507" pitchFamily="18" charset="2"/>
-              </a:rPr>
-              <a:t>: </a:t>
-            </a:r>
-            <a:r>
-              <a:rPr lang="en-GB" sz="4400" dirty="0">
-                <a:solidFill>
-                  <a:srgbClr val="2E2D2C"/>
-                </a:solidFill>
-                <a:effectLst/>
-                <a:latin typeface="Montserrat Light"/>
-                <a:ea typeface="Calibri" panose="020F0502020204030204" pitchFamily="34" charset="0"/>
-                <a:cs typeface="Symbol" panose="05050102010706020507" pitchFamily="18" charset="2"/>
-              </a:rPr>
-              <a:t>What hobby did you use and why? </a:t>
-            </a:r>
-            <a:br>
-              <a:rPr lang="en-GB" sz="4400" dirty="0">
-                <a:solidFill>
-                  <a:srgbClr val="2E2D2C"/>
-                </a:solidFill>
-                <a:effectLst/>
-                <a:latin typeface="Segoe UI" panose="020B0502040204020203" pitchFamily="34" charset="0"/>
-                <a:ea typeface="Calibri" panose="020F0502020204030204" pitchFamily="34" charset="0"/>
-                <a:cs typeface="Symbol" panose="05050102010706020507" pitchFamily="18" charset="2"/>
-              </a:rPr>
-            </a:br>
-            <a:endParaRPr lang="en-GB" dirty="0"/>
-          </a:p>
-        </p:txBody>
-      </p:sp>
-      <p:sp>
-        <p:nvSpPr>
-          <p:cNvPr id="3" name="Content Placeholder 2">
-            <a:extLst>
-              <a:ext uri="{FF2B5EF4-FFF2-40B4-BE49-F238E27FC236}">
-                <a16:creationId xmlns:a16="http://schemas.microsoft.com/office/drawing/2014/main" id="{142DDB05-701E-4CAD-AA7E-83B1FC04A953}"/>
-              </a:ext>
-            </a:extLst>
-          </p:cNvPr>
-          <p:cNvSpPr>
-            <a:spLocks noGrp="1"/>
-          </p:cNvSpPr>
-          <p:nvPr>
-            <p:ph idx="1"/>
-          </p:nvPr>
-        </p:nvSpPr>
-        <p:spPr/>
-        <p:txBody>
-          <a:bodyPr>
-            <a:normAutofit/>
-          </a:bodyPr>
-          <a:lstStyle/>
-          <a:p>
-            <a:endParaRPr lang="en-GB" dirty="0"/>
-          </a:p>
-        </p:txBody>
-      </p:sp>
-    </p:spTree>
-    <p:extLst>
-      <p:ext uri="{BB962C8B-B14F-4D97-AF65-F5344CB8AC3E}">
-        <p14:creationId xmlns:p14="http://schemas.microsoft.com/office/powerpoint/2010/main" val="2119265373"/>
-      </p:ext>
-    </p:extLst>
-  </p:cSld>
-  <p:clrMapOvr>
-    <a:masterClrMapping/>
-  </p:clrMapOvr>
-</p:sld>
-</file>
-
-<file path=ppt/slides/slide3.xml><?xml version="1.0" encoding="utf-8"?>
-<p:sld xmlns:a="http://schemas.openxmlformats.org/drawingml/2006/main" xmlns:r="http://schemas.openxmlformats.org/officeDocument/2006/relationships" xmlns:p="http://schemas.openxmlformats.org/presentationml/2006/main">
-  <p:cSld>
-    <p:spTree>
-      <p:nvGrpSpPr>
-        <p:cNvPr id="1" name=""/>
-        <p:cNvGrpSpPr/>
-        <p:nvPr/>
-      </p:nvGrpSpPr>
-      <p:grpSpPr>
-        <a:xfrm>
-          <a:off x="0" y="0"/>
-          <a:ext cx="0" cy="0"/>
-          <a:chOff x="0" y="0"/>
-          <a:chExt cx="0" cy="0"/>
-        </a:xfrm>
-      </p:grpSpPr>
-      <p:sp>
-        <p:nvSpPr>
-          <p:cNvPr id="2" name="Title 1">
-            <a:extLst>
-              <a:ext uri="{FF2B5EF4-FFF2-40B4-BE49-F238E27FC236}">
-                <a16:creationId xmlns:a16="http://schemas.microsoft.com/office/drawing/2014/main" id="{F51A67E6-3E8B-4133-94E8-DE76C5D47AE4}"/>
-              </a:ext>
-            </a:extLst>
-          </p:cNvPr>
-          <p:cNvSpPr>
-            <a:spLocks noGrp="1"/>
-          </p:cNvSpPr>
-          <p:nvPr>
-            <p:ph type="title"/>
-          </p:nvPr>
-        </p:nvSpPr>
-        <p:spPr/>
-        <p:txBody>
-          <a:bodyPr>
-            <a:normAutofit fontScale="90000"/>
-          </a:bodyPr>
-          <a:lstStyle/>
-          <a:p>
-            <a:r>
-              <a:rPr lang="en-GB" sz="4400" b="1" dirty="0">
-                <a:solidFill>
-                  <a:srgbClr val="2E2D2C"/>
-                </a:solidFill>
-                <a:effectLst/>
-                <a:latin typeface="Montserrat"/>
-                <a:ea typeface="Calibri" panose="020F0502020204030204" pitchFamily="34" charset="0"/>
-                <a:cs typeface="Symbol" panose="05050102010706020507" pitchFamily="18" charset="2"/>
-              </a:rPr>
-              <a:t>Sprint plan</a:t>
-            </a:r>
-            <a:r>
-              <a:rPr lang="en-GB" sz="4400" b="1" dirty="0">
-                <a:solidFill>
-                  <a:srgbClr val="2E2D2C"/>
-                </a:solidFill>
-                <a:effectLst/>
-                <a:latin typeface="Montserrat Light"/>
-                <a:ea typeface="Calibri" panose="020F0502020204030204" pitchFamily="34" charset="0"/>
-                <a:cs typeface="Symbol" panose="05050102010706020507" pitchFamily="18" charset="2"/>
-              </a:rPr>
-              <a:t>:</a:t>
-            </a:r>
-            <a:r>
-              <a:rPr lang="en-GB" sz="4400" dirty="0">
-                <a:solidFill>
-                  <a:srgbClr val="2E2D2C"/>
-                </a:solidFill>
-                <a:effectLst/>
-                <a:latin typeface="Montserrat Light"/>
-                <a:ea typeface="Calibri" panose="020F0502020204030204" pitchFamily="34" charset="0"/>
-                <a:cs typeface="Symbol" panose="05050102010706020507" pitchFamily="18" charset="2"/>
-              </a:rPr>
-              <a:t> What needed to be included? What did you hope to achieve?</a:t>
-            </a:r>
-            <a:br>
-              <a:rPr lang="en-GB" sz="4400" dirty="0">
-                <a:solidFill>
-                  <a:srgbClr val="2E2D2C"/>
-                </a:solidFill>
-                <a:effectLst/>
-                <a:latin typeface="Segoe UI" panose="020B0502040204020203" pitchFamily="34" charset="0"/>
-                <a:ea typeface="Calibri" panose="020F0502020204030204" pitchFamily="34" charset="0"/>
-                <a:cs typeface="Symbol" panose="05050102010706020507" pitchFamily="18" charset="2"/>
-              </a:rPr>
-            </a:br>
-            <a:endParaRPr lang="en-GB" dirty="0"/>
-          </a:p>
-        </p:txBody>
-      </p:sp>
-      <p:sp>
-        <p:nvSpPr>
-          <p:cNvPr id="3" name="Content Placeholder 2">
-            <a:extLst>
-              <a:ext uri="{FF2B5EF4-FFF2-40B4-BE49-F238E27FC236}">
-                <a16:creationId xmlns:a16="http://schemas.microsoft.com/office/drawing/2014/main" id="{142DDB05-701E-4CAD-AA7E-83B1FC04A953}"/>
-              </a:ext>
-            </a:extLst>
-          </p:cNvPr>
-          <p:cNvSpPr>
-            <a:spLocks noGrp="1"/>
-          </p:cNvSpPr>
-          <p:nvPr>
-            <p:ph idx="1"/>
-          </p:nvPr>
-        </p:nvSpPr>
-        <p:spPr/>
-        <p:txBody>
-          <a:bodyPr>
-            <a:normAutofit/>
-          </a:bodyPr>
-          <a:lstStyle/>
-          <a:p>
-            <a:pPr>
-              <a:lnSpc>
-                <a:spcPct val="107000"/>
-              </a:lnSpc>
-              <a:spcAft>
-                <a:spcPts val="800"/>
-              </a:spcAft>
-            </a:pPr>
-            <a:r>
-              <a:rPr lang="en-GB" sz="1800" dirty="0">
-                <a:solidFill>
-                  <a:srgbClr val="2E2D2C"/>
-                </a:solidFill>
-                <a:effectLst/>
-                <a:latin typeface="Montserrat Light"/>
-                <a:ea typeface="Calibri" panose="020F0502020204030204" pitchFamily="34" charset="0"/>
-              </a:rPr>
-              <a:t> </a:t>
-            </a:r>
-            <a:endParaRPr lang="en-GB" sz="1800" dirty="0">
-              <a:solidFill>
-                <a:srgbClr val="2E2D2C"/>
-              </a:solidFill>
-              <a:effectLst/>
-              <a:latin typeface="Segoe UI" panose="020B0502040204020203" pitchFamily="34" charset="0"/>
-              <a:ea typeface="Calibri" panose="020F0502020204030204" pitchFamily="34" charset="0"/>
-            </a:endParaRPr>
-          </a:p>
-          <a:p>
-            <a:endParaRPr lang="en-GB" dirty="0"/>
-          </a:p>
-        </p:txBody>
-      </p:sp>
-    </p:spTree>
-    <p:extLst>
-      <p:ext uri="{BB962C8B-B14F-4D97-AF65-F5344CB8AC3E}">
-        <p14:creationId xmlns:p14="http://schemas.microsoft.com/office/powerpoint/2010/main" val="3081306764"/>
-      </p:ext>
-    </p:extLst>
-  </p:cSld>
-  <p:clrMapOvr>
-    <a:masterClrMapping/>
-  </p:clrMapOvr>
-</p:sld>
-</file>
-
-<file path=ppt/slides/slide4.xml><?xml version="1.0" encoding="utf-8"?>
-<p:sld xmlns:a="http://schemas.openxmlformats.org/drawingml/2006/main" xmlns:r="http://schemas.openxmlformats.org/officeDocument/2006/relationships" xmlns:p="http://schemas.openxmlformats.org/presentationml/2006/main">
-  <p:cSld>
-    <p:spTree>
-      <p:nvGrpSpPr>
-        <p:cNvPr id="1" name=""/>
-        <p:cNvGrpSpPr/>
-        <p:nvPr/>
-      </p:nvGrpSpPr>
-      <p:grpSpPr>
-        <a:xfrm>
-          <a:off x="0" y="0"/>
-          <a:ext cx="0" cy="0"/>
-          <a:chOff x="0" y="0"/>
-          <a:chExt cx="0" cy="0"/>
-        </a:xfrm>
-      </p:grpSpPr>
-      <p:sp>
-        <p:nvSpPr>
-          <p:cNvPr id="2" name="Title 1">
-            <a:extLst>
-              <a:ext uri="{FF2B5EF4-FFF2-40B4-BE49-F238E27FC236}">
-                <a16:creationId xmlns:a16="http://schemas.microsoft.com/office/drawing/2014/main" id="{F51A67E6-3E8B-4133-94E8-DE76C5D47AE4}"/>
-              </a:ext>
-            </a:extLst>
-          </p:cNvPr>
-          <p:cNvSpPr>
-            <a:spLocks noGrp="1"/>
-          </p:cNvSpPr>
-          <p:nvPr>
-            <p:ph type="title"/>
-          </p:nvPr>
-        </p:nvSpPr>
-        <p:spPr/>
-        <p:txBody>
-          <a:bodyPr>
-            <a:normAutofit fontScale="90000"/>
-          </a:bodyPr>
-          <a:lstStyle/>
-          <a:p>
-            <a:r>
-              <a:rPr lang="en-GB" sz="4400" b="1" dirty="0">
-                <a:solidFill>
-                  <a:srgbClr val="2E2D2C"/>
-                </a:solidFill>
-                <a:effectLst/>
-                <a:latin typeface="Montserrat"/>
-                <a:ea typeface="Calibri" panose="020F0502020204030204" pitchFamily="34" charset="0"/>
-                <a:cs typeface="Symbol" panose="05050102010706020507" pitchFamily="18" charset="2"/>
-              </a:rPr>
-              <a:t>Consultant Journey</a:t>
-            </a:r>
-            <a:r>
-              <a:rPr lang="en-GB" sz="4400" b="1" dirty="0">
-                <a:solidFill>
-                  <a:srgbClr val="2E2D2C"/>
-                </a:solidFill>
-                <a:effectLst/>
-                <a:latin typeface="Montserrat Light"/>
-                <a:ea typeface="Calibri" panose="020F0502020204030204" pitchFamily="34" charset="0"/>
-                <a:cs typeface="Symbol" panose="05050102010706020507" pitchFamily="18" charset="2"/>
-              </a:rPr>
-              <a:t>: </a:t>
-            </a:r>
-            <a:r>
-              <a:rPr lang="en-GB" sz="4400" dirty="0">
-                <a:solidFill>
-                  <a:srgbClr val="2E2D2C"/>
-                </a:solidFill>
-                <a:effectLst/>
-                <a:latin typeface="Montserrat Light"/>
-                <a:ea typeface="Calibri" panose="020F0502020204030204" pitchFamily="34" charset="0"/>
-                <a:cs typeface="Symbol" panose="05050102010706020507" pitchFamily="18" charset="2"/>
-              </a:rPr>
-              <a:t>What technologies have you learned for the project?</a:t>
-            </a:r>
-            <a:br>
-              <a:rPr lang="en-GB" sz="4400" dirty="0">
-                <a:solidFill>
-                  <a:srgbClr val="2E2D2C"/>
-                </a:solidFill>
-                <a:effectLst/>
-                <a:latin typeface="Segoe UI" panose="020B0502040204020203" pitchFamily="34" charset="0"/>
-                <a:ea typeface="Calibri" panose="020F0502020204030204" pitchFamily="34" charset="0"/>
-                <a:cs typeface="Symbol" panose="05050102010706020507" pitchFamily="18" charset="2"/>
-              </a:rPr>
-            </a:br>
-            <a:endParaRPr lang="en-GB" dirty="0"/>
-          </a:p>
-        </p:txBody>
-      </p:sp>
-      <p:sp>
-        <p:nvSpPr>
-          <p:cNvPr id="3" name="Content Placeholder 2">
-            <a:extLst>
-              <a:ext uri="{FF2B5EF4-FFF2-40B4-BE49-F238E27FC236}">
-                <a16:creationId xmlns:a16="http://schemas.microsoft.com/office/drawing/2014/main" id="{142DDB05-701E-4CAD-AA7E-83B1FC04A953}"/>
-              </a:ext>
-            </a:extLst>
-          </p:cNvPr>
-          <p:cNvSpPr>
-            <a:spLocks noGrp="1"/>
-          </p:cNvSpPr>
-          <p:nvPr>
-            <p:ph idx="1"/>
-          </p:nvPr>
-        </p:nvSpPr>
-        <p:spPr/>
-        <p:txBody>
-          <a:bodyPr>
-            <a:normAutofit/>
-          </a:bodyPr>
-          <a:lstStyle/>
-          <a:p>
-            <a:pPr>
-              <a:lnSpc>
-                <a:spcPct val="107000"/>
-              </a:lnSpc>
-              <a:spcAft>
-                <a:spcPts val="800"/>
-              </a:spcAft>
-            </a:pPr>
-            <a:r>
-              <a:rPr lang="en-GB" sz="1800" dirty="0">
-                <a:solidFill>
-                  <a:srgbClr val="2E2D2C"/>
-                </a:solidFill>
-                <a:effectLst/>
-                <a:latin typeface="Montserrat Light"/>
-                <a:ea typeface="Calibri" panose="020F0502020204030204" pitchFamily="34" charset="0"/>
-              </a:rPr>
-              <a:t> </a:t>
-            </a:r>
-            <a:endParaRPr lang="en-GB" sz="1800" dirty="0">
-              <a:solidFill>
-                <a:srgbClr val="2E2D2C"/>
-              </a:solidFill>
-              <a:effectLst/>
-              <a:latin typeface="Segoe UI" panose="020B0502040204020203" pitchFamily="34" charset="0"/>
-              <a:ea typeface="Calibri" panose="020F0502020204030204" pitchFamily="34" charset="0"/>
-            </a:endParaRPr>
-          </a:p>
-          <a:p>
-            <a:endParaRPr lang="en-GB" dirty="0"/>
-          </a:p>
-        </p:txBody>
-      </p:sp>
-    </p:spTree>
-    <p:extLst>
-      <p:ext uri="{BB962C8B-B14F-4D97-AF65-F5344CB8AC3E}">
-        <p14:creationId xmlns:p14="http://schemas.microsoft.com/office/powerpoint/2010/main" val="241190902"/>
-      </p:ext>
-    </p:extLst>
-  </p:cSld>
-  <p:clrMapOvr>
-    <a:masterClrMapping/>
-  </p:clrMapOvr>
-</p:sld>
-</file>
-
-<file path=ppt/slides/slide5.xml><?xml version="1.0" encoding="utf-8"?>
-<p:sld xmlns:a="http://schemas.openxmlformats.org/drawingml/2006/main" xmlns:r="http://schemas.openxmlformats.org/officeDocument/2006/relationships" xmlns:p="http://schemas.openxmlformats.org/presentationml/2006/main">
-  <p:cSld>
-    <p:spTree>
-      <p:nvGrpSpPr>
-        <p:cNvPr id="1" name=""/>
-        <p:cNvGrpSpPr/>
-        <p:nvPr/>
-      </p:nvGrpSpPr>
-      <p:grpSpPr>
-        <a:xfrm>
-          <a:off x="0" y="0"/>
-          <a:ext cx="0" cy="0"/>
-          <a:chOff x="0" y="0"/>
-          <a:chExt cx="0" cy="0"/>
-        </a:xfrm>
-      </p:grpSpPr>
-      <p:sp>
-        <p:nvSpPr>
-          <p:cNvPr id="2" name="Title 1">
-            <a:extLst>
-              <a:ext uri="{FF2B5EF4-FFF2-40B4-BE49-F238E27FC236}">
-                <a16:creationId xmlns:a16="http://schemas.microsoft.com/office/drawing/2014/main" id="{F51A67E6-3E8B-4133-94E8-DE76C5D47AE4}"/>
-              </a:ext>
-            </a:extLst>
-          </p:cNvPr>
-          <p:cNvSpPr>
-            <a:spLocks noGrp="1"/>
-          </p:cNvSpPr>
-          <p:nvPr>
-            <p:ph type="title"/>
-          </p:nvPr>
-        </p:nvSpPr>
-        <p:spPr/>
-        <p:txBody>
-          <a:bodyPr>
-            <a:normAutofit fontScale="90000"/>
-          </a:bodyPr>
-          <a:lstStyle/>
-          <a:p>
-            <a:r>
-              <a:rPr lang="en-GB" sz="4400" b="1" dirty="0">
-                <a:solidFill>
-                  <a:srgbClr val="2E2D2C"/>
-                </a:solidFill>
-                <a:effectLst/>
-                <a:latin typeface="Montserrat"/>
-                <a:ea typeface="Calibri" panose="020F0502020204030204" pitchFamily="34" charset="0"/>
-                <a:cs typeface="Symbol" panose="05050102010706020507" pitchFamily="18" charset="2"/>
-              </a:rPr>
-              <a:t>CI</a:t>
-            </a:r>
-            <a:r>
-              <a:rPr lang="en-GB" sz="4400" b="1" dirty="0">
-                <a:solidFill>
-                  <a:srgbClr val="2E2D2C"/>
-                </a:solidFill>
-                <a:effectLst/>
-                <a:latin typeface="Montserrat Light"/>
-                <a:ea typeface="Calibri" panose="020F0502020204030204" pitchFamily="34" charset="0"/>
-                <a:cs typeface="Symbol" panose="05050102010706020507" pitchFamily="18" charset="2"/>
-              </a:rPr>
-              <a:t>: </a:t>
-            </a:r>
-            <a:r>
-              <a:rPr lang="en-GB" sz="4400" dirty="0">
-                <a:solidFill>
-                  <a:srgbClr val="2E2D2C"/>
-                </a:solidFill>
-                <a:effectLst/>
-                <a:latin typeface="Montserrat Light"/>
-                <a:ea typeface="Calibri" panose="020F0502020204030204" pitchFamily="34" charset="0"/>
-                <a:cs typeface="Symbol" panose="05050102010706020507" pitchFamily="18" charset="2"/>
-              </a:rPr>
-              <a:t>How did you set up your CI pipeline and Git?</a:t>
-            </a:r>
-            <a:br>
-              <a:rPr lang="en-GB" sz="4400" dirty="0">
-                <a:solidFill>
-                  <a:srgbClr val="2E2D2C"/>
-                </a:solidFill>
-                <a:effectLst/>
-                <a:latin typeface="Segoe UI" panose="020B0502040204020203" pitchFamily="34" charset="0"/>
-                <a:ea typeface="Calibri" panose="020F0502020204030204" pitchFamily="34" charset="0"/>
-                <a:cs typeface="Symbol" panose="05050102010706020507" pitchFamily="18" charset="2"/>
-              </a:rPr>
-            </a:br>
-            <a:endParaRPr lang="en-GB" dirty="0"/>
-          </a:p>
-        </p:txBody>
-      </p:sp>
-      <p:sp>
-        <p:nvSpPr>
-          <p:cNvPr id="3" name="Content Placeholder 2">
-            <a:extLst>
-              <a:ext uri="{FF2B5EF4-FFF2-40B4-BE49-F238E27FC236}">
-                <a16:creationId xmlns:a16="http://schemas.microsoft.com/office/drawing/2014/main" id="{142DDB05-701E-4CAD-AA7E-83B1FC04A953}"/>
-              </a:ext>
-            </a:extLst>
-          </p:cNvPr>
-          <p:cNvSpPr>
-            <a:spLocks noGrp="1"/>
-          </p:cNvSpPr>
-          <p:nvPr>
-            <p:ph idx="1"/>
-          </p:nvPr>
-        </p:nvSpPr>
-        <p:spPr/>
-        <p:txBody>
-          <a:bodyPr>
-            <a:normAutofit/>
-          </a:bodyPr>
-          <a:lstStyle/>
-          <a:p>
-            <a:pPr>
-              <a:lnSpc>
-                <a:spcPct val="107000"/>
-              </a:lnSpc>
-              <a:spcAft>
-                <a:spcPts val="800"/>
-              </a:spcAft>
-            </a:pPr>
-            <a:r>
-              <a:rPr lang="en-GB" sz="1800" dirty="0">
-                <a:solidFill>
-                  <a:srgbClr val="2E2D2C"/>
-                </a:solidFill>
-                <a:effectLst/>
-                <a:latin typeface="Montserrat Light"/>
-                <a:ea typeface="Calibri" panose="020F0502020204030204" pitchFamily="34" charset="0"/>
-              </a:rPr>
-              <a:t> </a:t>
-            </a:r>
-            <a:endParaRPr lang="en-GB" sz="1800" dirty="0">
-              <a:solidFill>
-                <a:srgbClr val="2E2D2C"/>
-              </a:solidFill>
-              <a:effectLst/>
-              <a:latin typeface="Segoe UI" panose="020B0502040204020203" pitchFamily="34" charset="0"/>
-              <a:ea typeface="Calibri" panose="020F0502020204030204" pitchFamily="34" charset="0"/>
-            </a:endParaRPr>
-          </a:p>
-          <a:p>
-            <a:endParaRPr lang="en-GB" dirty="0"/>
-          </a:p>
-        </p:txBody>
-      </p:sp>
-    </p:spTree>
-    <p:extLst>
-      <p:ext uri="{BB962C8B-B14F-4D97-AF65-F5344CB8AC3E}">
-        <p14:creationId xmlns:p14="http://schemas.microsoft.com/office/powerpoint/2010/main" val="2252094119"/>
-      </p:ext>
-    </p:extLst>
-  </p:cSld>
-  <p:clrMapOvr>
-    <a:masterClrMapping/>
-  </p:clrMapOvr>
-</p:sld>
-</file>
-
-<file path=ppt/slides/slide6.xml><?xml version="1.0" encoding="utf-8"?>
-<p:sld xmlns:a="http://schemas.openxmlformats.org/drawingml/2006/main" xmlns:r="http://schemas.openxmlformats.org/officeDocument/2006/relationships" xmlns:p="http://schemas.openxmlformats.org/presentationml/2006/main">
-  <p:cSld>
-    <p:spTree>
-      <p:nvGrpSpPr>
-        <p:cNvPr id="1" name=""/>
-        <p:cNvGrpSpPr/>
-        <p:nvPr/>
-      </p:nvGrpSpPr>
-      <p:grpSpPr>
-        <a:xfrm>
-          <a:off x="0" y="0"/>
-          <a:ext cx="0" cy="0"/>
-          <a:chOff x="0" y="0"/>
-          <a:chExt cx="0" cy="0"/>
-        </a:xfrm>
-      </p:grpSpPr>
-      <p:sp>
-        <p:nvSpPr>
-          <p:cNvPr id="2" name="Title 1">
-            <a:extLst>
-              <a:ext uri="{FF2B5EF4-FFF2-40B4-BE49-F238E27FC236}">
-                <a16:creationId xmlns:a16="http://schemas.microsoft.com/office/drawing/2014/main" id="{F51A67E6-3E8B-4133-94E8-DE76C5D47AE4}"/>
-              </a:ext>
-            </a:extLst>
-          </p:cNvPr>
-          <p:cNvSpPr>
-            <a:spLocks noGrp="1"/>
-          </p:cNvSpPr>
-          <p:nvPr>
-            <p:ph type="title"/>
-          </p:nvPr>
-        </p:nvSpPr>
-        <p:spPr/>
-        <p:txBody>
-          <a:bodyPr>
-            <a:normAutofit fontScale="90000"/>
-          </a:bodyPr>
-          <a:lstStyle/>
-          <a:p>
-            <a:r>
-              <a:rPr lang="en-GB" sz="4400" b="1" dirty="0">
-                <a:solidFill>
-                  <a:srgbClr val="2E2D2C"/>
-                </a:solidFill>
-                <a:effectLst/>
-                <a:latin typeface="Montserrat"/>
-                <a:ea typeface="Calibri" panose="020F0502020204030204" pitchFamily="34" charset="0"/>
-                <a:cs typeface="Symbol" panose="05050102010706020507" pitchFamily="18" charset="2"/>
-              </a:rPr>
-              <a:t>Testing</a:t>
-            </a:r>
-            <a:r>
-              <a:rPr lang="en-GB" sz="4400" dirty="0">
-                <a:solidFill>
-                  <a:srgbClr val="2E2D2C"/>
-                </a:solidFill>
-                <a:effectLst/>
-                <a:latin typeface="Montserrat Light"/>
-                <a:ea typeface="Calibri" panose="020F0502020204030204" pitchFamily="34" charset="0"/>
-                <a:cs typeface="Symbol" panose="05050102010706020507" pitchFamily="18" charset="2"/>
-              </a:rPr>
-              <a:t>: Coverage, static analysis, red-green-refactor</a:t>
-            </a:r>
-            <a:br>
-              <a:rPr lang="en-GB" sz="4400" dirty="0">
-                <a:solidFill>
-                  <a:srgbClr val="2E2D2C"/>
-                </a:solidFill>
-                <a:effectLst/>
-                <a:latin typeface="Segoe UI" panose="020B0502040204020203" pitchFamily="34" charset="0"/>
-                <a:ea typeface="Calibri" panose="020F0502020204030204" pitchFamily="34" charset="0"/>
-                <a:cs typeface="Symbol" panose="05050102010706020507" pitchFamily="18" charset="2"/>
-              </a:rPr>
-            </a:br>
-            <a:endParaRPr lang="en-GB" dirty="0"/>
-          </a:p>
-        </p:txBody>
-      </p:sp>
-      <p:sp>
-        <p:nvSpPr>
-          <p:cNvPr id="3" name="Content Placeholder 2">
-            <a:extLst>
-              <a:ext uri="{FF2B5EF4-FFF2-40B4-BE49-F238E27FC236}">
-                <a16:creationId xmlns:a16="http://schemas.microsoft.com/office/drawing/2014/main" id="{142DDB05-701E-4CAD-AA7E-83B1FC04A953}"/>
-              </a:ext>
-            </a:extLst>
-          </p:cNvPr>
-          <p:cNvSpPr>
-            <a:spLocks noGrp="1"/>
-          </p:cNvSpPr>
-          <p:nvPr>
-            <p:ph idx="1"/>
-          </p:nvPr>
-        </p:nvSpPr>
-        <p:spPr/>
-        <p:txBody>
-          <a:bodyPr>
-            <a:normAutofit/>
-          </a:bodyPr>
-          <a:lstStyle/>
-          <a:p>
-            <a:pPr>
-              <a:lnSpc>
-                <a:spcPct val="107000"/>
-              </a:lnSpc>
-              <a:spcAft>
-                <a:spcPts val="800"/>
-              </a:spcAft>
-            </a:pPr>
-            <a:r>
-              <a:rPr lang="en-GB" sz="1800" dirty="0">
-                <a:solidFill>
-                  <a:srgbClr val="2E2D2C"/>
-                </a:solidFill>
-                <a:effectLst/>
-                <a:latin typeface="Montserrat Light"/>
-                <a:ea typeface="Calibri" panose="020F0502020204030204" pitchFamily="34" charset="0"/>
-              </a:rPr>
-              <a:t> </a:t>
-            </a:r>
-            <a:endParaRPr lang="en-GB" sz="1800" dirty="0">
-              <a:solidFill>
-                <a:srgbClr val="2E2D2C"/>
-              </a:solidFill>
-              <a:effectLst/>
-              <a:latin typeface="Segoe UI" panose="020B0502040204020203" pitchFamily="34" charset="0"/>
-              <a:ea typeface="Calibri" panose="020F0502020204030204" pitchFamily="34" charset="0"/>
-            </a:endParaRPr>
-          </a:p>
-          <a:p>
-            <a:endParaRPr lang="en-GB" dirty="0"/>
-          </a:p>
-        </p:txBody>
-      </p:sp>
-    </p:spTree>
-    <p:extLst>
-      <p:ext uri="{BB962C8B-B14F-4D97-AF65-F5344CB8AC3E}">
-        <p14:creationId xmlns:p14="http://schemas.microsoft.com/office/powerpoint/2010/main" val="3537518090"/>
-      </p:ext>
-    </p:extLst>
-  </p:cSld>
-  <p:clrMapOvr>
-    <a:masterClrMapping/>
-  </p:clrMapOvr>
-</p:sld>
-</file>
-
-<file path=ppt/slides/slide7.xml><?xml version="1.0" encoding="utf-8"?>
-<p:sld xmlns:a="http://schemas.openxmlformats.org/drawingml/2006/main" xmlns:r="http://schemas.openxmlformats.org/officeDocument/2006/relationships" xmlns:p="http://schemas.openxmlformats.org/presentationml/2006/main">
-  <p:cSld>
-    <p:spTree>
-      <p:nvGrpSpPr>
-        <p:cNvPr id="1" name=""/>
-        <p:cNvGrpSpPr/>
-        <p:nvPr/>
-      </p:nvGrpSpPr>
-      <p:grpSpPr>
-        <a:xfrm>
-          <a:off x="0" y="0"/>
-          <a:ext cx="0" cy="0"/>
-          <a:chOff x="0" y="0"/>
-          <a:chExt cx="0" cy="0"/>
-        </a:xfrm>
-      </p:grpSpPr>
-      <p:sp>
-        <p:nvSpPr>
-          <p:cNvPr id="2" name="Title 1">
-            <a:extLst>
-              <a:ext uri="{FF2B5EF4-FFF2-40B4-BE49-F238E27FC236}">
-                <a16:creationId xmlns:a16="http://schemas.microsoft.com/office/drawing/2014/main" id="{F51A67E6-3E8B-4133-94E8-DE76C5D47AE4}"/>
-              </a:ext>
-            </a:extLst>
-          </p:cNvPr>
-          <p:cNvSpPr>
-            <a:spLocks noGrp="1"/>
-          </p:cNvSpPr>
-          <p:nvPr>
-            <p:ph type="title"/>
-          </p:nvPr>
-        </p:nvSpPr>
-        <p:spPr/>
-        <p:txBody>
-          <a:bodyPr>
-            <a:normAutofit fontScale="90000"/>
-          </a:bodyPr>
-          <a:lstStyle/>
-          <a:p>
-            <a:r>
-              <a:rPr lang="en-GB" sz="4400" b="1" dirty="0">
-                <a:solidFill>
-                  <a:srgbClr val="2E2D2C"/>
-                </a:solidFill>
-                <a:effectLst/>
-                <a:latin typeface="Montserrat"/>
-                <a:ea typeface="Calibri" panose="020F0502020204030204" pitchFamily="34" charset="0"/>
-                <a:cs typeface="Symbol" panose="05050102010706020507" pitchFamily="18" charset="2"/>
-              </a:rPr>
-              <a:t>Demonstration</a:t>
-            </a:r>
-            <a:r>
-              <a:rPr lang="en-GB" sz="4400" b="1" dirty="0">
-                <a:solidFill>
-                  <a:srgbClr val="2E2D2C"/>
-                </a:solidFill>
-                <a:effectLst/>
-                <a:latin typeface="Montserrat Light"/>
-                <a:ea typeface="Calibri" panose="020F0502020204030204" pitchFamily="34" charset="0"/>
-                <a:cs typeface="Symbol" panose="05050102010706020507" pitchFamily="18" charset="2"/>
-              </a:rPr>
-              <a:t>: </a:t>
-            </a:r>
-            <a:r>
-              <a:rPr lang="en-GB" sz="4400" dirty="0">
-                <a:solidFill>
-                  <a:srgbClr val="2E2D2C"/>
-                </a:solidFill>
-                <a:effectLst/>
-                <a:latin typeface="Montserrat Light"/>
-                <a:ea typeface="Calibri" panose="020F0502020204030204" pitchFamily="34" charset="0"/>
-                <a:cs typeface="Symbol" panose="05050102010706020507" pitchFamily="18" charset="2"/>
-              </a:rPr>
-              <a:t>Run through a couple of user stories</a:t>
-            </a:r>
-            <a:br>
-              <a:rPr lang="en-GB" sz="4400" dirty="0">
-                <a:solidFill>
-                  <a:srgbClr val="2E2D2C"/>
-                </a:solidFill>
-                <a:effectLst/>
-                <a:latin typeface="Segoe UI" panose="020B0502040204020203" pitchFamily="34" charset="0"/>
-                <a:ea typeface="Calibri" panose="020F0502020204030204" pitchFamily="34" charset="0"/>
-                <a:cs typeface="Symbol" panose="05050102010706020507" pitchFamily="18" charset="2"/>
-              </a:rPr>
-            </a:br>
-            <a:endParaRPr lang="en-GB" dirty="0"/>
-          </a:p>
-        </p:txBody>
-      </p:sp>
-      <p:sp>
-        <p:nvSpPr>
-          <p:cNvPr id="3" name="Content Placeholder 2">
-            <a:extLst>
-              <a:ext uri="{FF2B5EF4-FFF2-40B4-BE49-F238E27FC236}">
-                <a16:creationId xmlns:a16="http://schemas.microsoft.com/office/drawing/2014/main" id="{142DDB05-701E-4CAD-AA7E-83B1FC04A953}"/>
-              </a:ext>
-            </a:extLst>
-          </p:cNvPr>
-          <p:cNvSpPr>
-            <a:spLocks noGrp="1"/>
-          </p:cNvSpPr>
-          <p:nvPr>
-            <p:ph idx="1"/>
-          </p:nvPr>
-        </p:nvSpPr>
-        <p:spPr/>
-        <p:txBody>
-          <a:bodyPr>
-            <a:normAutofit/>
-          </a:bodyPr>
-          <a:lstStyle/>
-          <a:p>
-            <a:pPr>
-              <a:lnSpc>
-                <a:spcPct val="107000"/>
-              </a:lnSpc>
-              <a:spcAft>
-                <a:spcPts val="800"/>
-              </a:spcAft>
-            </a:pPr>
-            <a:r>
-              <a:rPr lang="en-GB" sz="1800" dirty="0">
-                <a:solidFill>
-                  <a:srgbClr val="2E2D2C"/>
-                </a:solidFill>
-                <a:effectLst/>
-                <a:latin typeface="Montserrat Light"/>
-                <a:ea typeface="Calibri" panose="020F0502020204030204" pitchFamily="34" charset="0"/>
-              </a:rPr>
-              <a:t> </a:t>
-            </a:r>
-            <a:endParaRPr lang="en-GB" sz="1800" dirty="0">
-              <a:solidFill>
-                <a:srgbClr val="2E2D2C"/>
-              </a:solidFill>
-              <a:effectLst/>
-              <a:latin typeface="Segoe UI" panose="020B0502040204020203" pitchFamily="34" charset="0"/>
-              <a:ea typeface="Calibri" panose="020F0502020204030204" pitchFamily="34" charset="0"/>
-            </a:endParaRPr>
-          </a:p>
-          <a:p>
-            <a:endParaRPr lang="en-GB" dirty="0"/>
-          </a:p>
-        </p:txBody>
-      </p:sp>
-    </p:spTree>
-    <p:extLst>
-      <p:ext uri="{BB962C8B-B14F-4D97-AF65-F5344CB8AC3E}">
-        <p14:creationId xmlns:p14="http://schemas.microsoft.com/office/powerpoint/2010/main" val="1986434441"/>
+        <p14:creationId xmlns:p14="http://schemas.microsoft.com/office/powerpoint/2010/main" val="39008754"/>
       </p:ext>
     </p:extLst>
   </p:cSld>
@@ -6839,71 +8033,2889 @@
           <a:chExt cx="0" cy="0"/>
         </a:xfrm>
       </p:grpSpPr>
+      <p:graphicFrame>
+        <p:nvGraphicFramePr>
+          <p:cNvPr id="2" name="Table 1">
+            <a:extLst>
+              <a:ext uri="{FF2B5EF4-FFF2-40B4-BE49-F238E27FC236}">
+                <a16:creationId xmlns:a16="http://schemas.microsoft.com/office/drawing/2014/main" id="{972F606D-813E-4D9E-9FD8-07946CDA8B00}"/>
+              </a:ext>
+            </a:extLst>
+          </p:cNvPr>
+          <p:cNvGraphicFramePr>
+            <a:graphicFrameLocks noGrp="1"/>
+          </p:cNvGraphicFramePr>
+          <p:nvPr>
+            <p:extLst>
+              <p:ext uri="{D42A27DB-BD31-4B8C-83A1-F6EECF244321}">
+                <p14:modId xmlns:p14="http://schemas.microsoft.com/office/powerpoint/2010/main" val="2829294700"/>
+              </p:ext>
+            </p:extLst>
+          </p:nvPr>
+        </p:nvGraphicFramePr>
+        <p:xfrm>
+          <a:off x="581990" y="1218750"/>
+          <a:ext cx="7356060" cy="5208550"/>
+        </p:xfrm>
+        <a:graphic>
+          <a:graphicData uri="http://schemas.openxmlformats.org/drawingml/2006/table">
+            <a:tbl>
+              <a:tblPr/>
+              <a:tblGrid>
+                <a:gridCol w="2997199">
+                  <a:extLst>
+                    <a:ext uri="{9D8B030D-6E8A-4147-A177-3AD203B41FA5}">
+                      <a16:colId xmlns:a16="http://schemas.microsoft.com/office/drawing/2014/main" val="3950196825"/>
+                    </a:ext>
+                  </a:extLst>
+                </a:gridCol>
+                <a:gridCol w="451316">
+                  <a:extLst>
+                    <a:ext uri="{9D8B030D-6E8A-4147-A177-3AD203B41FA5}">
+                      <a16:colId xmlns:a16="http://schemas.microsoft.com/office/drawing/2014/main" val="2052416209"/>
+                    </a:ext>
+                  </a:extLst>
+                </a:gridCol>
+                <a:gridCol w="636471">
+                  <a:extLst>
+                    <a:ext uri="{9D8B030D-6E8A-4147-A177-3AD203B41FA5}">
+                      <a16:colId xmlns:a16="http://schemas.microsoft.com/office/drawing/2014/main" val="3200846012"/>
+                    </a:ext>
+                  </a:extLst>
+                </a:gridCol>
+                <a:gridCol w="3271074">
+                  <a:extLst>
+                    <a:ext uri="{9D8B030D-6E8A-4147-A177-3AD203B41FA5}">
+                      <a16:colId xmlns:a16="http://schemas.microsoft.com/office/drawing/2014/main" val="14271541"/>
+                    </a:ext>
+                  </a:extLst>
+                </a:gridCol>
+              </a:tblGrid>
+              <a:tr h="408043">
+                <a:tc>
+                  <a:txBody>
+                    <a:bodyPr/>
+                    <a:lstStyle/>
+                    <a:p>
+                      <a:pPr algn="ctr" fontAlgn="ctr"/>
+                      <a:r>
+                        <a:rPr lang="en-GB" sz="1000" b="1" i="0" u="none" strike="noStrike">
+                          <a:effectLst/>
+                          <a:latin typeface="Calibri Light" panose="020F0302020204030204" pitchFamily="34" charset="0"/>
+                        </a:rPr>
+                        <a:t>Risk Category</a:t>
+                      </a:r>
+                    </a:p>
+                  </a:txBody>
+                  <a:tcPr marL="9525" marR="9525" marT="9525" marB="0" anchor="ctr">
+                    <a:lnL w="6350" cap="flat" cmpd="sng" algn="ctr">
+                      <a:solidFill>
+                        <a:srgbClr val="000000"/>
+                      </a:solidFill>
+                      <a:prstDash val="solid"/>
+                      <a:round/>
+                      <a:headEnd type="none" w="med" len="med"/>
+                      <a:tailEnd type="none" w="med" len="med"/>
+                    </a:lnL>
+                    <a:lnR w="6350" cap="flat" cmpd="sng" algn="ctr">
+                      <a:solidFill>
+                        <a:srgbClr val="000000"/>
+                      </a:solidFill>
+                      <a:prstDash val="solid"/>
+                      <a:round/>
+                      <a:headEnd type="none" w="med" len="med"/>
+                      <a:tailEnd type="none" w="med" len="med"/>
+                    </a:lnR>
+                    <a:lnT w="6350" cap="flat" cmpd="sng" algn="ctr">
+                      <a:solidFill>
+                        <a:srgbClr val="000000"/>
+                      </a:solidFill>
+                      <a:prstDash val="solid"/>
+                      <a:round/>
+                      <a:headEnd type="none" w="med" len="med"/>
+                      <a:tailEnd type="none" w="med" len="med"/>
+                    </a:lnT>
+                    <a:lnB w="6350" cap="flat" cmpd="sng" algn="ctr">
+                      <a:solidFill>
+                        <a:srgbClr val="000000"/>
+                      </a:solidFill>
+                      <a:prstDash val="solid"/>
+                      <a:round/>
+                      <a:headEnd type="none" w="med" len="med"/>
+                      <a:tailEnd type="none" w="med" len="med"/>
+                    </a:lnB>
+                  </a:tcPr>
+                </a:tc>
+                <a:tc>
+                  <a:txBody>
+                    <a:bodyPr/>
+                    <a:lstStyle/>
+                    <a:p>
+                      <a:pPr algn="ctr" fontAlgn="ctr"/>
+                      <a:r>
+                        <a:rPr lang="en-GB" sz="1000" b="1" i="0" u="none" strike="noStrike">
+                          <a:effectLst/>
+                          <a:latin typeface="Calibri Light" panose="020F0302020204030204" pitchFamily="34" charset="0"/>
+                        </a:rPr>
+                        <a:t>Score</a:t>
+                      </a:r>
+                    </a:p>
+                  </a:txBody>
+                  <a:tcPr marL="9525" marR="9525" marT="9525" marB="0" anchor="ctr">
+                    <a:lnL w="6350" cap="flat" cmpd="sng" algn="ctr">
+                      <a:solidFill>
+                        <a:srgbClr val="000000"/>
+                      </a:solidFill>
+                      <a:prstDash val="solid"/>
+                      <a:round/>
+                      <a:headEnd type="none" w="med" len="med"/>
+                      <a:tailEnd type="none" w="med" len="med"/>
+                    </a:lnL>
+                    <a:lnR w="6350" cap="flat" cmpd="sng" algn="ctr">
+                      <a:solidFill>
+                        <a:srgbClr val="000000"/>
+                      </a:solidFill>
+                      <a:prstDash val="solid"/>
+                      <a:round/>
+                      <a:headEnd type="none" w="med" len="med"/>
+                      <a:tailEnd type="none" w="med" len="med"/>
+                    </a:lnR>
+                    <a:lnT w="6350" cap="flat" cmpd="sng" algn="ctr">
+                      <a:solidFill>
+                        <a:srgbClr val="000000"/>
+                      </a:solidFill>
+                      <a:prstDash val="solid"/>
+                      <a:round/>
+                      <a:headEnd type="none" w="med" len="med"/>
+                      <a:tailEnd type="none" w="med" len="med"/>
+                    </a:lnT>
+                    <a:lnB w="6350" cap="flat" cmpd="sng" algn="ctr">
+                      <a:solidFill>
+                        <a:srgbClr val="000000"/>
+                      </a:solidFill>
+                      <a:prstDash val="solid"/>
+                      <a:round/>
+                      <a:headEnd type="none" w="med" len="med"/>
+                      <a:tailEnd type="none" w="med" len="med"/>
+                    </a:lnB>
+                  </a:tcPr>
+                </a:tc>
+                <a:tc>
+                  <a:txBody>
+                    <a:bodyPr/>
+                    <a:lstStyle/>
+                    <a:p>
+                      <a:pPr algn="ctr" fontAlgn="ctr"/>
+                      <a:r>
+                        <a:rPr lang="en-GB" sz="1000" b="1" i="0" u="none" strike="noStrike">
+                          <a:effectLst/>
+                          <a:latin typeface="Calibri Light" panose="020F0302020204030204" pitchFamily="34" charset="0"/>
+                        </a:rPr>
+                        <a:t>Ranking</a:t>
+                      </a:r>
+                    </a:p>
+                  </a:txBody>
+                  <a:tcPr marL="9525" marR="9525" marT="9525" marB="0" anchor="ctr">
+                    <a:lnL w="6350" cap="flat" cmpd="sng" algn="ctr">
+                      <a:solidFill>
+                        <a:srgbClr val="000000"/>
+                      </a:solidFill>
+                      <a:prstDash val="solid"/>
+                      <a:round/>
+                      <a:headEnd type="none" w="med" len="med"/>
+                      <a:tailEnd type="none" w="med" len="med"/>
+                    </a:lnL>
+                    <a:lnR w="6350" cap="flat" cmpd="sng" algn="ctr">
+                      <a:solidFill>
+                        <a:srgbClr val="000000"/>
+                      </a:solidFill>
+                      <a:prstDash val="solid"/>
+                      <a:round/>
+                      <a:headEnd type="none" w="med" len="med"/>
+                      <a:tailEnd type="none" w="med" len="med"/>
+                    </a:lnR>
+                    <a:lnT w="6350" cap="flat" cmpd="sng" algn="ctr">
+                      <a:solidFill>
+                        <a:srgbClr val="000000"/>
+                      </a:solidFill>
+                      <a:prstDash val="solid"/>
+                      <a:round/>
+                      <a:headEnd type="none" w="med" len="med"/>
+                      <a:tailEnd type="none" w="med" len="med"/>
+                    </a:lnT>
+                    <a:lnB w="6350" cap="flat" cmpd="sng" algn="ctr">
+                      <a:solidFill>
+                        <a:srgbClr val="000000"/>
+                      </a:solidFill>
+                      <a:prstDash val="solid"/>
+                      <a:round/>
+                      <a:headEnd type="none" w="med" len="med"/>
+                      <a:tailEnd type="none" w="med" len="med"/>
+                    </a:lnB>
+                  </a:tcPr>
+                </a:tc>
+                <a:tc>
+                  <a:txBody>
+                    <a:bodyPr/>
+                    <a:lstStyle/>
+                    <a:p>
+                      <a:pPr algn="ctr" fontAlgn="ctr"/>
+                      <a:r>
+                        <a:rPr lang="en-GB" sz="1000" b="1" i="0" u="none" strike="noStrike">
+                          <a:effectLst/>
+                          <a:latin typeface="Calibri Light" panose="020F0302020204030204" pitchFamily="34" charset="0"/>
+                        </a:rPr>
+                        <a:t>Risk Mitigation Strategy</a:t>
+                      </a:r>
+                    </a:p>
+                  </a:txBody>
+                  <a:tcPr marL="9525" marR="9525" marT="9525" marB="0" anchor="ctr">
+                    <a:lnL w="6350" cap="flat" cmpd="sng" algn="ctr">
+                      <a:solidFill>
+                        <a:srgbClr val="000000"/>
+                      </a:solidFill>
+                      <a:prstDash val="solid"/>
+                      <a:round/>
+                      <a:headEnd type="none" w="med" len="med"/>
+                      <a:tailEnd type="none" w="med" len="med"/>
+                    </a:lnL>
+                    <a:lnR w="6350" cap="flat" cmpd="sng" algn="ctr">
+                      <a:solidFill>
+                        <a:srgbClr val="000000"/>
+                      </a:solidFill>
+                      <a:prstDash val="solid"/>
+                      <a:round/>
+                      <a:headEnd type="none" w="med" len="med"/>
+                      <a:tailEnd type="none" w="med" len="med"/>
+                    </a:lnR>
+                    <a:lnT w="6350" cap="flat" cmpd="sng" algn="ctr">
+                      <a:solidFill>
+                        <a:srgbClr val="000000"/>
+                      </a:solidFill>
+                      <a:prstDash val="solid"/>
+                      <a:round/>
+                      <a:headEnd type="none" w="med" len="med"/>
+                      <a:tailEnd type="none" w="med" len="med"/>
+                    </a:lnT>
+                    <a:lnB w="6350" cap="flat" cmpd="sng" algn="ctr">
+                      <a:solidFill>
+                        <a:srgbClr val="000000"/>
+                      </a:solidFill>
+                      <a:prstDash val="solid"/>
+                      <a:round/>
+                      <a:headEnd type="none" w="med" len="med"/>
+                      <a:tailEnd type="none" w="med" len="med"/>
+                    </a:lnB>
+                  </a:tcPr>
+                </a:tc>
+                <a:extLst>
+                  <a:ext uri="{0D108BD9-81ED-4DB2-BD59-A6C34878D82A}">
+                    <a16:rowId xmlns:a16="http://schemas.microsoft.com/office/drawing/2014/main" val="1689556846"/>
+                  </a:ext>
+                </a:extLst>
+              </a:tr>
+              <a:tr h="408043">
+                <a:tc>
+                  <a:txBody>
+                    <a:bodyPr/>
+                    <a:lstStyle/>
+                    <a:p>
+                      <a:pPr algn="l" fontAlgn="t"/>
+                      <a:r>
+                        <a:rPr lang="en-GB" sz="1000" b="1" i="0" u="none" strike="noStrike" dirty="0">
+                          <a:effectLst/>
+                          <a:latin typeface="Calibri Light" panose="020F0302020204030204" pitchFamily="34" charset="0"/>
+                        </a:rPr>
+                        <a:t>1)  Lack of planning</a:t>
+                      </a:r>
+                    </a:p>
+                  </a:txBody>
+                  <a:tcPr marL="9525" marR="9525" marT="9525" marB="0">
+                    <a:lnL w="6350" cap="flat" cmpd="sng" algn="ctr">
+                      <a:solidFill>
+                        <a:srgbClr val="000000"/>
+                      </a:solidFill>
+                      <a:prstDash val="solid"/>
+                      <a:round/>
+                      <a:headEnd type="none" w="med" len="med"/>
+                      <a:tailEnd type="none" w="med" len="med"/>
+                    </a:lnL>
+                    <a:lnR w="6350" cap="flat" cmpd="sng" algn="ctr">
+                      <a:solidFill>
+                        <a:srgbClr val="000000"/>
+                      </a:solidFill>
+                      <a:prstDash val="solid"/>
+                      <a:round/>
+                      <a:headEnd type="none" w="med" len="med"/>
+                      <a:tailEnd type="none" w="med" len="med"/>
+                    </a:lnR>
+                    <a:lnT w="6350" cap="flat" cmpd="sng" algn="ctr">
+                      <a:solidFill>
+                        <a:srgbClr val="000000"/>
+                      </a:solidFill>
+                      <a:prstDash val="solid"/>
+                      <a:round/>
+                      <a:headEnd type="none" w="med" len="med"/>
+                      <a:tailEnd type="none" w="med" len="med"/>
+                    </a:lnT>
+                    <a:lnB w="6350" cap="flat" cmpd="sng" algn="ctr">
+                      <a:solidFill>
+                        <a:srgbClr val="000000"/>
+                      </a:solidFill>
+                      <a:prstDash val="solid"/>
+                      <a:round/>
+                      <a:headEnd type="none" w="med" len="med"/>
+                      <a:tailEnd type="none" w="med" len="med"/>
+                    </a:lnB>
+                  </a:tcPr>
+                </a:tc>
+                <a:tc>
+                  <a:txBody>
+                    <a:bodyPr/>
+                    <a:lstStyle/>
+                    <a:p>
+                      <a:pPr algn="ctr" fontAlgn="t"/>
+                      <a:r>
+                        <a:rPr lang="en-GB" sz="1100" b="0" i="0" u="none" strike="noStrike">
+                          <a:effectLst/>
+                          <a:latin typeface="Calibri Light" panose="020F0302020204030204" pitchFamily="34" charset="0"/>
+                        </a:rPr>
+                        <a:t>8</a:t>
+                      </a:r>
+                    </a:p>
+                  </a:txBody>
+                  <a:tcPr marL="9525" marR="9525" marT="9525" marB="0">
+                    <a:lnL w="6350" cap="flat" cmpd="sng" algn="ctr">
+                      <a:solidFill>
+                        <a:srgbClr val="000000"/>
+                      </a:solidFill>
+                      <a:prstDash val="solid"/>
+                      <a:round/>
+                      <a:headEnd type="none" w="med" len="med"/>
+                      <a:tailEnd type="none" w="med" len="med"/>
+                    </a:lnL>
+                    <a:lnR w="6350" cap="flat" cmpd="sng" algn="ctr">
+                      <a:solidFill>
+                        <a:srgbClr val="000000"/>
+                      </a:solidFill>
+                      <a:prstDash val="solid"/>
+                      <a:round/>
+                      <a:headEnd type="none" w="med" len="med"/>
+                      <a:tailEnd type="none" w="med" len="med"/>
+                    </a:lnR>
+                    <a:lnT w="6350" cap="flat" cmpd="sng" algn="ctr">
+                      <a:solidFill>
+                        <a:srgbClr val="000000"/>
+                      </a:solidFill>
+                      <a:prstDash val="solid"/>
+                      <a:round/>
+                      <a:headEnd type="none" w="med" len="med"/>
+                      <a:tailEnd type="none" w="med" len="med"/>
+                    </a:lnT>
+                    <a:lnB w="6350" cap="flat" cmpd="sng" algn="ctr">
+                      <a:solidFill>
+                        <a:srgbClr val="000000"/>
+                      </a:solidFill>
+                      <a:prstDash val="solid"/>
+                      <a:round/>
+                      <a:headEnd type="none" w="med" len="med"/>
+                      <a:tailEnd type="none" w="med" len="med"/>
+                    </a:lnB>
+                    <a:solidFill>
+                      <a:srgbClr val="99CCFF"/>
+                    </a:solidFill>
+                  </a:tcPr>
+                </a:tc>
+                <a:tc>
+                  <a:txBody>
+                    <a:bodyPr/>
+                    <a:lstStyle/>
+                    <a:p>
+                      <a:pPr algn="ctr" fontAlgn="t"/>
+                      <a:r>
+                        <a:rPr lang="en-GB" sz="1100" b="0" i="0" u="none" strike="noStrike">
+                          <a:effectLst/>
+                          <a:latin typeface="Calibri Light" panose="020F0302020204030204" pitchFamily="34" charset="0"/>
+                        </a:rPr>
+                        <a:t>H</a:t>
+                      </a:r>
+                    </a:p>
+                  </a:txBody>
+                  <a:tcPr marL="9525" marR="9525" marT="9525" marB="0">
+                    <a:lnL w="6350" cap="flat" cmpd="sng" algn="ctr">
+                      <a:solidFill>
+                        <a:srgbClr val="000000"/>
+                      </a:solidFill>
+                      <a:prstDash val="solid"/>
+                      <a:round/>
+                      <a:headEnd type="none" w="med" len="med"/>
+                      <a:tailEnd type="none" w="med" len="med"/>
+                    </a:lnL>
+                    <a:lnR w="6350" cap="flat" cmpd="sng" algn="ctr">
+                      <a:solidFill>
+                        <a:srgbClr val="000000"/>
+                      </a:solidFill>
+                      <a:prstDash val="solid"/>
+                      <a:round/>
+                      <a:headEnd type="none" w="med" len="med"/>
+                      <a:tailEnd type="none" w="med" len="med"/>
+                    </a:lnR>
+                    <a:lnT w="6350" cap="flat" cmpd="sng" algn="ctr">
+                      <a:solidFill>
+                        <a:srgbClr val="000000"/>
+                      </a:solidFill>
+                      <a:prstDash val="solid"/>
+                      <a:round/>
+                      <a:headEnd type="none" w="med" len="med"/>
+                      <a:tailEnd type="none" w="med" len="med"/>
+                    </a:lnT>
+                    <a:lnB w="6350" cap="flat" cmpd="sng" algn="ctr">
+                      <a:solidFill>
+                        <a:srgbClr val="000000"/>
+                      </a:solidFill>
+                      <a:prstDash val="solid"/>
+                      <a:round/>
+                      <a:headEnd type="none" w="med" len="med"/>
+                      <a:tailEnd type="none" w="med" len="med"/>
+                    </a:lnB>
+                    <a:solidFill>
+                      <a:srgbClr val="FF0000"/>
+                    </a:solidFill>
+                  </a:tcPr>
+                </a:tc>
+                <a:tc>
+                  <a:txBody>
+                    <a:bodyPr/>
+                    <a:lstStyle/>
+                    <a:p>
+                      <a:pPr algn="l" fontAlgn="t"/>
+                      <a:r>
+                        <a:rPr lang="en-GB" sz="1000" b="0" i="0" u="none" strike="noStrike">
+                          <a:effectLst/>
+                          <a:latin typeface="Calibri Light" panose="020F0302020204030204" pitchFamily="34" charset="0"/>
+                        </a:rPr>
+                        <a:t>Project plan with Kanban board and continously update.  Establish clear goals.</a:t>
+                      </a:r>
+                    </a:p>
+                  </a:txBody>
+                  <a:tcPr marL="9525" marR="9525" marT="9525" marB="0">
+                    <a:lnL w="6350" cap="flat" cmpd="sng" algn="ctr">
+                      <a:solidFill>
+                        <a:srgbClr val="000000"/>
+                      </a:solidFill>
+                      <a:prstDash val="solid"/>
+                      <a:round/>
+                      <a:headEnd type="none" w="med" len="med"/>
+                      <a:tailEnd type="none" w="med" len="med"/>
+                    </a:lnL>
+                    <a:lnR w="6350" cap="flat" cmpd="sng" algn="ctr">
+                      <a:solidFill>
+                        <a:srgbClr val="000000"/>
+                      </a:solidFill>
+                      <a:prstDash val="solid"/>
+                      <a:round/>
+                      <a:headEnd type="none" w="med" len="med"/>
+                      <a:tailEnd type="none" w="med" len="med"/>
+                    </a:lnR>
+                    <a:lnT w="6350" cap="flat" cmpd="sng" algn="ctr">
+                      <a:solidFill>
+                        <a:srgbClr val="000000"/>
+                      </a:solidFill>
+                      <a:prstDash val="solid"/>
+                      <a:round/>
+                      <a:headEnd type="none" w="med" len="med"/>
+                      <a:tailEnd type="none" w="med" len="med"/>
+                    </a:lnT>
+                    <a:lnB w="6350" cap="flat" cmpd="sng" algn="ctr">
+                      <a:solidFill>
+                        <a:srgbClr val="000000"/>
+                      </a:solidFill>
+                      <a:prstDash val="solid"/>
+                      <a:round/>
+                      <a:headEnd type="none" w="med" len="med"/>
+                      <a:tailEnd type="none" w="med" len="med"/>
+                    </a:lnB>
+                  </a:tcPr>
+                </a:tc>
+                <a:extLst>
+                  <a:ext uri="{0D108BD9-81ED-4DB2-BD59-A6C34878D82A}">
+                    <a16:rowId xmlns:a16="http://schemas.microsoft.com/office/drawing/2014/main" val="635683835"/>
+                  </a:ext>
+                </a:extLst>
+              </a:tr>
+              <a:tr h="408043">
+                <a:tc>
+                  <a:txBody>
+                    <a:bodyPr/>
+                    <a:lstStyle/>
+                    <a:p>
+                      <a:pPr algn="l" fontAlgn="t"/>
+                      <a:r>
+                        <a:rPr lang="en-GB" sz="1000" b="1" i="0" u="none" strike="noStrike">
+                          <a:effectLst/>
+                          <a:latin typeface="Calibri Light" panose="020F0302020204030204" pitchFamily="34" charset="0"/>
+                        </a:rPr>
+                        <a:t>2)  Unrealistic schedule</a:t>
+                      </a:r>
+                    </a:p>
+                  </a:txBody>
+                  <a:tcPr marL="9525" marR="9525" marT="9525" marB="0">
+                    <a:lnL w="6350" cap="flat" cmpd="sng" algn="ctr">
+                      <a:solidFill>
+                        <a:srgbClr val="000000"/>
+                      </a:solidFill>
+                      <a:prstDash val="solid"/>
+                      <a:round/>
+                      <a:headEnd type="none" w="med" len="med"/>
+                      <a:tailEnd type="none" w="med" len="med"/>
+                    </a:lnL>
+                    <a:lnR w="6350" cap="flat" cmpd="sng" algn="ctr">
+                      <a:solidFill>
+                        <a:srgbClr val="000000"/>
+                      </a:solidFill>
+                      <a:prstDash val="solid"/>
+                      <a:round/>
+                      <a:headEnd type="none" w="med" len="med"/>
+                      <a:tailEnd type="none" w="med" len="med"/>
+                    </a:lnR>
+                    <a:lnT w="6350" cap="flat" cmpd="sng" algn="ctr">
+                      <a:solidFill>
+                        <a:srgbClr val="000000"/>
+                      </a:solidFill>
+                      <a:prstDash val="solid"/>
+                      <a:round/>
+                      <a:headEnd type="none" w="med" len="med"/>
+                      <a:tailEnd type="none" w="med" len="med"/>
+                    </a:lnT>
+                    <a:lnB w="6350" cap="flat" cmpd="sng" algn="ctr">
+                      <a:solidFill>
+                        <a:srgbClr val="000000"/>
+                      </a:solidFill>
+                      <a:prstDash val="solid"/>
+                      <a:round/>
+                      <a:headEnd type="none" w="med" len="med"/>
+                      <a:tailEnd type="none" w="med" len="med"/>
+                    </a:lnB>
+                  </a:tcPr>
+                </a:tc>
+                <a:tc>
+                  <a:txBody>
+                    <a:bodyPr/>
+                    <a:lstStyle/>
+                    <a:p>
+                      <a:pPr algn="ctr" fontAlgn="t"/>
+                      <a:r>
+                        <a:rPr lang="en-GB" sz="1100" b="0" i="0" u="none" strike="noStrike">
+                          <a:effectLst/>
+                          <a:latin typeface="Calibri Light" panose="020F0302020204030204" pitchFamily="34" charset="0"/>
+                        </a:rPr>
+                        <a:t>5</a:t>
+                      </a:r>
+                    </a:p>
+                  </a:txBody>
+                  <a:tcPr marL="9525" marR="9525" marT="9525" marB="0">
+                    <a:lnL w="6350" cap="flat" cmpd="sng" algn="ctr">
+                      <a:solidFill>
+                        <a:srgbClr val="000000"/>
+                      </a:solidFill>
+                      <a:prstDash val="solid"/>
+                      <a:round/>
+                      <a:headEnd type="none" w="med" len="med"/>
+                      <a:tailEnd type="none" w="med" len="med"/>
+                    </a:lnL>
+                    <a:lnR w="6350" cap="flat" cmpd="sng" algn="ctr">
+                      <a:solidFill>
+                        <a:srgbClr val="000000"/>
+                      </a:solidFill>
+                      <a:prstDash val="solid"/>
+                      <a:round/>
+                      <a:headEnd type="none" w="med" len="med"/>
+                      <a:tailEnd type="none" w="med" len="med"/>
+                    </a:lnR>
+                    <a:lnT w="6350" cap="flat" cmpd="sng" algn="ctr">
+                      <a:solidFill>
+                        <a:srgbClr val="000000"/>
+                      </a:solidFill>
+                      <a:prstDash val="solid"/>
+                      <a:round/>
+                      <a:headEnd type="none" w="med" len="med"/>
+                      <a:tailEnd type="none" w="med" len="med"/>
+                    </a:lnT>
+                    <a:lnB w="6350" cap="flat" cmpd="sng" algn="ctr">
+                      <a:solidFill>
+                        <a:srgbClr val="000000"/>
+                      </a:solidFill>
+                      <a:prstDash val="solid"/>
+                      <a:round/>
+                      <a:headEnd type="none" w="med" len="med"/>
+                      <a:tailEnd type="none" w="med" len="med"/>
+                    </a:lnB>
+                    <a:solidFill>
+                      <a:srgbClr val="99CCFF"/>
+                    </a:solidFill>
+                  </a:tcPr>
+                </a:tc>
+                <a:tc>
+                  <a:txBody>
+                    <a:bodyPr/>
+                    <a:lstStyle/>
+                    <a:p>
+                      <a:pPr algn="ctr" fontAlgn="t"/>
+                      <a:r>
+                        <a:rPr lang="en-GB" sz="1100" b="0" i="0" u="none" strike="noStrike">
+                          <a:effectLst/>
+                          <a:latin typeface="Calibri Light" panose="020F0302020204030204" pitchFamily="34" charset="0"/>
+                        </a:rPr>
+                        <a:t>M</a:t>
+                      </a:r>
+                    </a:p>
+                  </a:txBody>
+                  <a:tcPr marL="9525" marR="9525" marT="9525" marB="0">
+                    <a:lnL w="6350" cap="flat" cmpd="sng" algn="ctr">
+                      <a:solidFill>
+                        <a:srgbClr val="000000"/>
+                      </a:solidFill>
+                      <a:prstDash val="solid"/>
+                      <a:round/>
+                      <a:headEnd type="none" w="med" len="med"/>
+                      <a:tailEnd type="none" w="med" len="med"/>
+                    </a:lnL>
+                    <a:lnR w="6350" cap="flat" cmpd="sng" algn="ctr">
+                      <a:solidFill>
+                        <a:srgbClr val="000000"/>
+                      </a:solidFill>
+                      <a:prstDash val="solid"/>
+                      <a:round/>
+                      <a:headEnd type="none" w="med" len="med"/>
+                      <a:tailEnd type="none" w="med" len="med"/>
+                    </a:lnR>
+                    <a:lnT w="6350" cap="flat" cmpd="sng" algn="ctr">
+                      <a:solidFill>
+                        <a:srgbClr val="000000"/>
+                      </a:solidFill>
+                      <a:prstDash val="solid"/>
+                      <a:round/>
+                      <a:headEnd type="none" w="med" len="med"/>
+                      <a:tailEnd type="none" w="med" len="med"/>
+                    </a:lnT>
+                    <a:lnB w="6350" cap="flat" cmpd="sng" algn="ctr">
+                      <a:solidFill>
+                        <a:srgbClr val="000000"/>
+                      </a:solidFill>
+                      <a:prstDash val="solid"/>
+                      <a:round/>
+                      <a:headEnd type="none" w="med" len="med"/>
+                      <a:tailEnd type="none" w="med" len="med"/>
+                    </a:lnB>
+                    <a:solidFill>
+                      <a:srgbClr val="FFFF00"/>
+                    </a:solidFill>
+                  </a:tcPr>
+                </a:tc>
+                <a:tc>
+                  <a:txBody>
+                    <a:bodyPr/>
+                    <a:lstStyle/>
+                    <a:p>
+                      <a:pPr algn="l" fontAlgn="t"/>
+                      <a:r>
+                        <a:rPr lang="en-GB" sz="1000" b="0" i="0" u="none" strike="noStrike">
+                          <a:effectLst/>
+                          <a:latin typeface="Calibri Light" panose="020F0302020204030204" pitchFamily="34" charset="0"/>
+                        </a:rPr>
+                        <a:t>Make sure your allow adequate time for planning, design, testing, and documentation.</a:t>
+                      </a:r>
+                    </a:p>
+                  </a:txBody>
+                  <a:tcPr marL="9525" marR="9525" marT="9525" marB="0">
+                    <a:lnL w="6350" cap="flat" cmpd="sng" algn="ctr">
+                      <a:solidFill>
+                        <a:srgbClr val="000000"/>
+                      </a:solidFill>
+                      <a:prstDash val="solid"/>
+                      <a:round/>
+                      <a:headEnd type="none" w="med" len="med"/>
+                      <a:tailEnd type="none" w="med" len="med"/>
+                    </a:lnL>
+                    <a:lnR w="6350" cap="flat" cmpd="sng" algn="ctr">
+                      <a:solidFill>
+                        <a:srgbClr val="000000"/>
+                      </a:solidFill>
+                      <a:prstDash val="solid"/>
+                      <a:round/>
+                      <a:headEnd type="none" w="med" len="med"/>
+                      <a:tailEnd type="none" w="med" len="med"/>
+                    </a:lnR>
+                    <a:lnT w="6350" cap="flat" cmpd="sng" algn="ctr">
+                      <a:solidFill>
+                        <a:srgbClr val="000000"/>
+                      </a:solidFill>
+                      <a:prstDash val="solid"/>
+                      <a:round/>
+                      <a:headEnd type="none" w="med" len="med"/>
+                      <a:tailEnd type="none" w="med" len="med"/>
+                    </a:lnT>
+                    <a:lnB w="6350" cap="flat" cmpd="sng" algn="ctr">
+                      <a:solidFill>
+                        <a:srgbClr val="000000"/>
+                      </a:solidFill>
+                      <a:prstDash val="solid"/>
+                      <a:round/>
+                      <a:headEnd type="none" w="med" len="med"/>
+                      <a:tailEnd type="none" w="med" len="med"/>
+                    </a:lnB>
+                  </a:tcPr>
+                </a:tc>
+                <a:extLst>
+                  <a:ext uri="{0D108BD9-81ED-4DB2-BD59-A6C34878D82A}">
+                    <a16:rowId xmlns:a16="http://schemas.microsoft.com/office/drawing/2014/main" val="2429691033"/>
+                  </a:ext>
+                </a:extLst>
+              </a:tr>
+              <a:tr h="612065">
+                <a:tc>
+                  <a:txBody>
+                    <a:bodyPr/>
+                    <a:lstStyle/>
+                    <a:p>
+                      <a:pPr algn="l" fontAlgn="t"/>
+                      <a:r>
+                        <a:rPr lang="en-GB" sz="1000" b="1" i="0" u="none" strike="noStrike">
+                          <a:effectLst/>
+                          <a:latin typeface="Calibri Light" panose="020F0302020204030204" pitchFamily="34" charset="0"/>
+                        </a:rPr>
+                        <a:t>3) Hardware/ Software failure</a:t>
+                      </a:r>
+                    </a:p>
+                  </a:txBody>
+                  <a:tcPr marL="9525" marR="9525" marT="9525" marB="0">
+                    <a:lnL w="6350" cap="flat" cmpd="sng" algn="ctr">
+                      <a:solidFill>
+                        <a:srgbClr val="000000"/>
+                      </a:solidFill>
+                      <a:prstDash val="solid"/>
+                      <a:round/>
+                      <a:headEnd type="none" w="med" len="med"/>
+                      <a:tailEnd type="none" w="med" len="med"/>
+                    </a:lnL>
+                    <a:lnR w="6350" cap="flat" cmpd="sng" algn="ctr">
+                      <a:solidFill>
+                        <a:srgbClr val="000000"/>
+                      </a:solidFill>
+                      <a:prstDash val="solid"/>
+                      <a:round/>
+                      <a:headEnd type="none" w="med" len="med"/>
+                      <a:tailEnd type="none" w="med" len="med"/>
+                    </a:lnR>
+                    <a:lnT w="6350" cap="flat" cmpd="sng" algn="ctr">
+                      <a:solidFill>
+                        <a:srgbClr val="000000"/>
+                      </a:solidFill>
+                      <a:prstDash val="solid"/>
+                      <a:round/>
+                      <a:headEnd type="none" w="med" len="med"/>
+                      <a:tailEnd type="none" w="med" len="med"/>
+                    </a:lnT>
+                    <a:lnB w="6350" cap="flat" cmpd="sng" algn="ctr">
+                      <a:solidFill>
+                        <a:srgbClr val="000000"/>
+                      </a:solidFill>
+                      <a:prstDash val="solid"/>
+                      <a:round/>
+                      <a:headEnd type="none" w="med" len="med"/>
+                      <a:tailEnd type="none" w="med" len="med"/>
+                    </a:lnB>
+                  </a:tcPr>
+                </a:tc>
+                <a:tc>
+                  <a:txBody>
+                    <a:bodyPr/>
+                    <a:lstStyle/>
+                    <a:p>
+                      <a:pPr algn="ctr" fontAlgn="t"/>
+                      <a:r>
+                        <a:rPr lang="en-GB" sz="1100" b="0" i="0" u="none" strike="noStrike">
+                          <a:effectLst/>
+                          <a:latin typeface="Calibri Light" panose="020F0302020204030204" pitchFamily="34" charset="0"/>
+                        </a:rPr>
+                        <a:t>6</a:t>
+                      </a:r>
+                    </a:p>
+                  </a:txBody>
+                  <a:tcPr marL="9525" marR="9525" marT="9525" marB="0">
+                    <a:lnL w="6350" cap="flat" cmpd="sng" algn="ctr">
+                      <a:solidFill>
+                        <a:srgbClr val="000000"/>
+                      </a:solidFill>
+                      <a:prstDash val="solid"/>
+                      <a:round/>
+                      <a:headEnd type="none" w="med" len="med"/>
+                      <a:tailEnd type="none" w="med" len="med"/>
+                    </a:lnL>
+                    <a:lnR w="6350" cap="flat" cmpd="sng" algn="ctr">
+                      <a:solidFill>
+                        <a:srgbClr val="000000"/>
+                      </a:solidFill>
+                      <a:prstDash val="solid"/>
+                      <a:round/>
+                      <a:headEnd type="none" w="med" len="med"/>
+                      <a:tailEnd type="none" w="med" len="med"/>
+                    </a:lnR>
+                    <a:lnT w="6350" cap="flat" cmpd="sng" algn="ctr">
+                      <a:solidFill>
+                        <a:srgbClr val="000000"/>
+                      </a:solidFill>
+                      <a:prstDash val="solid"/>
+                      <a:round/>
+                      <a:headEnd type="none" w="med" len="med"/>
+                      <a:tailEnd type="none" w="med" len="med"/>
+                    </a:lnT>
+                    <a:lnB w="6350" cap="flat" cmpd="sng" algn="ctr">
+                      <a:solidFill>
+                        <a:srgbClr val="000000"/>
+                      </a:solidFill>
+                      <a:prstDash val="solid"/>
+                      <a:round/>
+                      <a:headEnd type="none" w="med" len="med"/>
+                      <a:tailEnd type="none" w="med" len="med"/>
+                    </a:lnB>
+                    <a:solidFill>
+                      <a:srgbClr val="99CCFF"/>
+                    </a:solidFill>
+                  </a:tcPr>
+                </a:tc>
+                <a:tc>
+                  <a:txBody>
+                    <a:bodyPr/>
+                    <a:lstStyle/>
+                    <a:p>
+                      <a:pPr algn="ctr" fontAlgn="t"/>
+                      <a:r>
+                        <a:rPr lang="en-GB" sz="1100" b="0" i="0" u="none" strike="noStrike">
+                          <a:effectLst/>
+                          <a:latin typeface="Calibri Light" panose="020F0302020204030204" pitchFamily="34" charset="0"/>
+                        </a:rPr>
+                        <a:t>H</a:t>
+                      </a:r>
+                    </a:p>
+                  </a:txBody>
+                  <a:tcPr marL="9525" marR="9525" marT="9525" marB="0">
+                    <a:lnL w="6350" cap="flat" cmpd="sng" algn="ctr">
+                      <a:solidFill>
+                        <a:srgbClr val="000000"/>
+                      </a:solidFill>
+                      <a:prstDash val="solid"/>
+                      <a:round/>
+                      <a:headEnd type="none" w="med" len="med"/>
+                      <a:tailEnd type="none" w="med" len="med"/>
+                    </a:lnL>
+                    <a:lnR w="6350" cap="flat" cmpd="sng" algn="ctr">
+                      <a:solidFill>
+                        <a:srgbClr val="000000"/>
+                      </a:solidFill>
+                      <a:prstDash val="solid"/>
+                      <a:round/>
+                      <a:headEnd type="none" w="med" len="med"/>
+                      <a:tailEnd type="none" w="med" len="med"/>
+                    </a:lnR>
+                    <a:lnT w="6350" cap="flat" cmpd="sng" algn="ctr">
+                      <a:solidFill>
+                        <a:srgbClr val="000000"/>
+                      </a:solidFill>
+                      <a:prstDash val="solid"/>
+                      <a:round/>
+                      <a:headEnd type="none" w="med" len="med"/>
+                      <a:tailEnd type="none" w="med" len="med"/>
+                    </a:lnT>
+                    <a:lnB w="6350" cap="flat" cmpd="sng" algn="ctr">
+                      <a:solidFill>
+                        <a:srgbClr val="000000"/>
+                      </a:solidFill>
+                      <a:prstDash val="solid"/>
+                      <a:round/>
+                      <a:headEnd type="none" w="med" len="med"/>
+                      <a:tailEnd type="none" w="med" len="med"/>
+                    </a:lnB>
+                    <a:solidFill>
+                      <a:srgbClr val="FF0000"/>
+                    </a:solidFill>
+                  </a:tcPr>
+                </a:tc>
+                <a:tc>
+                  <a:txBody>
+                    <a:bodyPr/>
+                    <a:lstStyle/>
+                    <a:p>
+                      <a:pPr algn="l" fontAlgn="t"/>
+                      <a:r>
+                        <a:rPr lang="en-GB" sz="1000" b="0" i="0" u="none" strike="noStrike">
+                          <a:effectLst/>
+                          <a:latin typeface="Calibri Light" panose="020F0302020204030204" pitchFamily="34" charset="0"/>
+                        </a:rPr>
+                        <a:t>Ensure virus software installed and working.  Make sure all software programs are installed and tested early on in the project.</a:t>
+                      </a:r>
+                    </a:p>
+                  </a:txBody>
+                  <a:tcPr marL="9525" marR="9525" marT="9525" marB="0">
+                    <a:lnL w="6350" cap="flat" cmpd="sng" algn="ctr">
+                      <a:solidFill>
+                        <a:srgbClr val="000000"/>
+                      </a:solidFill>
+                      <a:prstDash val="solid"/>
+                      <a:round/>
+                      <a:headEnd type="none" w="med" len="med"/>
+                      <a:tailEnd type="none" w="med" len="med"/>
+                    </a:lnL>
+                    <a:lnR w="6350" cap="flat" cmpd="sng" algn="ctr">
+                      <a:solidFill>
+                        <a:srgbClr val="000000"/>
+                      </a:solidFill>
+                      <a:prstDash val="solid"/>
+                      <a:round/>
+                      <a:headEnd type="none" w="med" len="med"/>
+                      <a:tailEnd type="none" w="med" len="med"/>
+                    </a:lnR>
+                    <a:lnT w="6350" cap="flat" cmpd="sng" algn="ctr">
+                      <a:solidFill>
+                        <a:srgbClr val="000000"/>
+                      </a:solidFill>
+                      <a:prstDash val="solid"/>
+                      <a:round/>
+                      <a:headEnd type="none" w="med" len="med"/>
+                      <a:tailEnd type="none" w="med" len="med"/>
+                    </a:lnT>
+                    <a:lnB w="6350" cap="flat" cmpd="sng" algn="ctr">
+                      <a:solidFill>
+                        <a:srgbClr val="000000"/>
+                      </a:solidFill>
+                      <a:prstDash val="solid"/>
+                      <a:round/>
+                      <a:headEnd type="none" w="med" len="med"/>
+                      <a:tailEnd type="none" w="med" len="med"/>
+                    </a:lnB>
+                  </a:tcPr>
+                </a:tc>
+                <a:extLst>
+                  <a:ext uri="{0D108BD9-81ED-4DB2-BD59-A6C34878D82A}">
+                    <a16:rowId xmlns:a16="http://schemas.microsoft.com/office/drawing/2014/main" val="2747041296"/>
+                  </a:ext>
+                </a:extLst>
+              </a:tr>
+              <a:tr h="612065">
+                <a:tc>
+                  <a:txBody>
+                    <a:bodyPr/>
+                    <a:lstStyle/>
+                    <a:p>
+                      <a:pPr algn="l" fontAlgn="t"/>
+                      <a:r>
+                        <a:rPr lang="en-GB" sz="1000" b="1" i="0" u="none" strike="noStrike">
+                          <a:effectLst/>
+                          <a:latin typeface="Calibri Light" panose="020F0302020204030204" pitchFamily="34" charset="0"/>
+                        </a:rPr>
+                        <a:t>4)  Scope creep</a:t>
+                      </a:r>
+                    </a:p>
+                  </a:txBody>
+                  <a:tcPr marL="9525" marR="9525" marT="9525" marB="0">
+                    <a:lnL w="6350" cap="flat" cmpd="sng" algn="ctr">
+                      <a:solidFill>
+                        <a:srgbClr val="000000"/>
+                      </a:solidFill>
+                      <a:prstDash val="solid"/>
+                      <a:round/>
+                      <a:headEnd type="none" w="med" len="med"/>
+                      <a:tailEnd type="none" w="med" len="med"/>
+                    </a:lnL>
+                    <a:lnR w="6350" cap="flat" cmpd="sng" algn="ctr">
+                      <a:solidFill>
+                        <a:srgbClr val="000000"/>
+                      </a:solidFill>
+                      <a:prstDash val="solid"/>
+                      <a:round/>
+                      <a:headEnd type="none" w="med" len="med"/>
+                      <a:tailEnd type="none" w="med" len="med"/>
+                    </a:lnR>
+                    <a:lnT w="6350" cap="flat" cmpd="sng" algn="ctr">
+                      <a:solidFill>
+                        <a:srgbClr val="000000"/>
+                      </a:solidFill>
+                      <a:prstDash val="solid"/>
+                      <a:round/>
+                      <a:headEnd type="none" w="med" len="med"/>
+                      <a:tailEnd type="none" w="med" len="med"/>
+                    </a:lnT>
+                    <a:lnB w="6350" cap="flat" cmpd="sng" algn="ctr">
+                      <a:solidFill>
+                        <a:srgbClr val="000000"/>
+                      </a:solidFill>
+                      <a:prstDash val="solid"/>
+                      <a:round/>
+                      <a:headEnd type="none" w="med" len="med"/>
+                      <a:tailEnd type="none" w="med" len="med"/>
+                    </a:lnB>
+                  </a:tcPr>
+                </a:tc>
+                <a:tc>
+                  <a:txBody>
+                    <a:bodyPr/>
+                    <a:lstStyle/>
+                    <a:p>
+                      <a:pPr algn="ctr" fontAlgn="t"/>
+                      <a:r>
+                        <a:rPr lang="en-GB" sz="1100" b="0" i="0" u="none" strike="noStrike">
+                          <a:effectLst/>
+                          <a:latin typeface="Calibri Light" panose="020F0302020204030204" pitchFamily="34" charset="0"/>
+                        </a:rPr>
+                        <a:t>7</a:t>
+                      </a:r>
+                    </a:p>
+                  </a:txBody>
+                  <a:tcPr marL="9525" marR="9525" marT="9525" marB="0">
+                    <a:lnL w="6350" cap="flat" cmpd="sng" algn="ctr">
+                      <a:solidFill>
+                        <a:srgbClr val="000000"/>
+                      </a:solidFill>
+                      <a:prstDash val="solid"/>
+                      <a:round/>
+                      <a:headEnd type="none" w="med" len="med"/>
+                      <a:tailEnd type="none" w="med" len="med"/>
+                    </a:lnL>
+                    <a:lnR w="6350" cap="flat" cmpd="sng" algn="ctr">
+                      <a:solidFill>
+                        <a:srgbClr val="000000"/>
+                      </a:solidFill>
+                      <a:prstDash val="solid"/>
+                      <a:round/>
+                      <a:headEnd type="none" w="med" len="med"/>
+                      <a:tailEnd type="none" w="med" len="med"/>
+                    </a:lnR>
+                    <a:lnT w="6350" cap="flat" cmpd="sng" algn="ctr">
+                      <a:solidFill>
+                        <a:srgbClr val="000000"/>
+                      </a:solidFill>
+                      <a:prstDash val="solid"/>
+                      <a:round/>
+                      <a:headEnd type="none" w="med" len="med"/>
+                      <a:tailEnd type="none" w="med" len="med"/>
+                    </a:lnT>
+                    <a:lnB w="6350" cap="flat" cmpd="sng" algn="ctr">
+                      <a:solidFill>
+                        <a:srgbClr val="000000"/>
+                      </a:solidFill>
+                      <a:prstDash val="solid"/>
+                      <a:round/>
+                      <a:headEnd type="none" w="med" len="med"/>
+                      <a:tailEnd type="none" w="med" len="med"/>
+                    </a:lnB>
+                    <a:solidFill>
+                      <a:srgbClr val="99CCFF"/>
+                    </a:solidFill>
+                  </a:tcPr>
+                </a:tc>
+                <a:tc>
+                  <a:txBody>
+                    <a:bodyPr/>
+                    <a:lstStyle/>
+                    <a:p>
+                      <a:pPr algn="ctr" fontAlgn="t"/>
+                      <a:r>
+                        <a:rPr lang="en-GB" sz="1100" b="0" i="0" u="none" strike="noStrike">
+                          <a:effectLst/>
+                          <a:latin typeface="Calibri Light" panose="020F0302020204030204" pitchFamily="34" charset="0"/>
+                        </a:rPr>
+                        <a:t>H</a:t>
+                      </a:r>
+                    </a:p>
+                  </a:txBody>
+                  <a:tcPr marL="9525" marR="9525" marT="9525" marB="0">
+                    <a:lnL w="6350" cap="flat" cmpd="sng" algn="ctr">
+                      <a:solidFill>
+                        <a:srgbClr val="000000"/>
+                      </a:solidFill>
+                      <a:prstDash val="solid"/>
+                      <a:round/>
+                      <a:headEnd type="none" w="med" len="med"/>
+                      <a:tailEnd type="none" w="med" len="med"/>
+                    </a:lnL>
+                    <a:lnR w="6350" cap="flat" cmpd="sng" algn="ctr">
+                      <a:solidFill>
+                        <a:srgbClr val="000000"/>
+                      </a:solidFill>
+                      <a:prstDash val="solid"/>
+                      <a:round/>
+                      <a:headEnd type="none" w="med" len="med"/>
+                      <a:tailEnd type="none" w="med" len="med"/>
+                    </a:lnR>
+                    <a:lnT w="6350" cap="flat" cmpd="sng" algn="ctr">
+                      <a:solidFill>
+                        <a:srgbClr val="000000"/>
+                      </a:solidFill>
+                      <a:prstDash val="solid"/>
+                      <a:round/>
+                      <a:headEnd type="none" w="med" len="med"/>
+                      <a:tailEnd type="none" w="med" len="med"/>
+                    </a:lnT>
+                    <a:lnB w="6350" cap="flat" cmpd="sng" algn="ctr">
+                      <a:solidFill>
+                        <a:srgbClr val="000000"/>
+                      </a:solidFill>
+                      <a:prstDash val="solid"/>
+                      <a:round/>
+                      <a:headEnd type="none" w="med" len="med"/>
+                      <a:tailEnd type="none" w="med" len="med"/>
+                    </a:lnB>
+                    <a:solidFill>
+                      <a:srgbClr val="FF0000"/>
+                    </a:solidFill>
+                  </a:tcPr>
+                </a:tc>
+                <a:tc>
+                  <a:txBody>
+                    <a:bodyPr/>
+                    <a:lstStyle/>
+                    <a:p>
+                      <a:pPr algn="l" fontAlgn="t"/>
+                      <a:r>
+                        <a:rPr lang="en-GB" sz="1000" b="0" i="0" u="none" strike="noStrike" dirty="0">
+                          <a:effectLst/>
+                          <a:latin typeface="Calibri Light" panose="020F0302020204030204" pitchFamily="34" charset="0"/>
+                        </a:rPr>
+                        <a:t>Make sure each stage of the project is well planned and documented, and includes scheduled time for the design process.</a:t>
+                      </a:r>
+                    </a:p>
+                  </a:txBody>
+                  <a:tcPr marL="9525" marR="9525" marT="9525" marB="0">
+                    <a:lnL w="6350" cap="flat" cmpd="sng" algn="ctr">
+                      <a:solidFill>
+                        <a:srgbClr val="000000"/>
+                      </a:solidFill>
+                      <a:prstDash val="solid"/>
+                      <a:round/>
+                      <a:headEnd type="none" w="med" len="med"/>
+                      <a:tailEnd type="none" w="med" len="med"/>
+                    </a:lnL>
+                    <a:lnR w="6350" cap="flat" cmpd="sng" algn="ctr">
+                      <a:solidFill>
+                        <a:srgbClr val="000000"/>
+                      </a:solidFill>
+                      <a:prstDash val="solid"/>
+                      <a:round/>
+                      <a:headEnd type="none" w="med" len="med"/>
+                      <a:tailEnd type="none" w="med" len="med"/>
+                    </a:lnR>
+                    <a:lnT w="6350" cap="flat" cmpd="sng" algn="ctr">
+                      <a:solidFill>
+                        <a:srgbClr val="000000"/>
+                      </a:solidFill>
+                      <a:prstDash val="solid"/>
+                      <a:round/>
+                      <a:headEnd type="none" w="med" len="med"/>
+                      <a:tailEnd type="none" w="med" len="med"/>
+                    </a:lnT>
+                    <a:lnB w="6350" cap="flat" cmpd="sng" algn="ctr">
+                      <a:solidFill>
+                        <a:srgbClr val="000000"/>
+                      </a:solidFill>
+                      <a:prstDash val="solid"/>
+                      <a:round/>
+                      <a:headEnd type="none" w="med" len="med"/>
+                      <a:tailEnd type="none" w="med" len="med"/>
+                    </a:lnB>
+                  </a:tcPr>
+                </a:tc>
+                <a:extLst>
+                  <a:ext uri="{0D108BD9-81ED-4DB2-BD59-A6C34878D82A}">
+                    <a16:rowId xmlns:a16="http://schemas.microsoft.com/office/drawing/2014/main" val="4042288150"/>
+                  </a:ext>
+                </a:extLst>
+              </a:tr>
+              <a:tr h="408043">
+                <a:tc>
+                  <a:txBody>
+                    <a:bodyPr/>
+                    <a:lstStyle/>
+                    <a:p>
+                      <a:pPr algn="l" fontAlgn="t"/>
+                      <a:r>
+                        <a:rPr lang="en-GB" sz="1000" b="1" i="0" u="none" strike="noStrike">
+                          <a:effectLst/>
+                          <a:latin typeface="Calibri Light" panose="020F0302020204030204" pitchFamily="34" charset="0"/>
+                        </a:rPr>
+                        <a:t>5)  Tutor support</a:t>
+                      </a:r>
+                    </a:p>
+                  </a:txBody>
+                  <a:tcPr marL="9525" marR="9525" marT="9525" marB="0">
+                    <a:lnL w="6350" cap="flat" cmpd="sng" algn="ctr">
+                      <a:solidFill>
+                        <a:srgbClr val="000000"/>
+                      </a:solidFill>
+                      <a:prstDash val="solid"/>
+                      <a:round/>
+                      <a:headEnd type="none" w="med" len="med"/>
+                      <a:tailEnd type="none" w="med" len="med"/>
+                    </a:lnL>
+                    <a:lnR w="6350" cap="flat" cmpd="sng" algn="ctr">
+                      <a:solidFill>
+                        <a:srgbClr val="000000"/>
+                      </a:solidFill>
+                      <a:prstDash val="solid"/>
+                      <a:round/>
+                      <a:headEnd type="none" w="med" len="med"/>
+                      <a:tailEnd type="none" w="med" len="med"/>
+                    </a:lnR>
+                    <a:lnT w="6350" cap="flat" cmpd="sng" algn="ctr">
+                      <a:solidFill>
+                        <a:srgbClr val="000000"/>
+                      </a:solidFill>
+                      <a:prstDash val="solid"/>
+                      <a:round/>
+                      <a:headEnd type="none" w="med" len="med"/>
+                      <a:tailEnd type="none" w="med" len="med"/>
+                    </a:lnT>
+                    <a:lnB w="6350" cap="flat" cmpd="sng" algn="ctr">
+                      <a:solidFill>
+                        <a:srgbClr val="000000"/>
+                      </a:solidFill>
+                      <a:prstDash val="solid"/>
+                      <a:round/>
+                      <a:headEnd type="none" w="med" len="med"/>
+                      <a:tailEnd type="none" w="med" len="med"/>
+                    </a:lnB>
+                  </a:tcPr>
+                </a:tc>
+                <a:tc>
+                  <a:txBody>
+                    <a:bodyPr/>
+                    <a:lstStyle/>
+                    <a:p>
+                      <a:pPr algn="ctr" fontAlgn="t"/>
+                      <a:r>
+                        <a:rPr lang="en-GB" sz="1100" b="0" i="0" u="none" strike="noStrike">
+                          <a:effectLst/>
+                          <a:latin typeface="Calibri Light" panose="020F0302020204030204" pitchFamily="34" charset="0"/>
+                        </a:rPr>
+                        <a:t>4</a:t>
+                      </a:r>
+                    </a:p>
+                  </a:txBody>
+                  <a:tcPr marL="9525" marR="9525" marT="9525" marB="0">
+                    <a:lnL w="6350" cap="flat" cmpd="sng" algn="ctr">
+                      <a:solidFill>
+                        <a:srgbClr val="000000"/>
+                      </a:solidFill>
+                      <a:prstDash val="solid"/>
+                      <a:round/>
+                      <a:headEnd type="none" w="med" len="med"/>
+                      <a:tailEnd type="none" w="med" len="med"/>
+                    </a:lnL>
+                    <a:lnR w="6350" cap="flat" cmpd="sng" algn="ctr">
+                      <a:solidFill>
+                        <a:srgbClr val="000000"/>
+                      </a:solidFill>
+                      <a:prstDash val="solid"/>
+                      <a:round/>
+                      <a:headEnd type="none" w="med" len="med"/>
+                      <a:tailEnd type="none" w="med" len="med"/>
+                    </a:lnR>
+                    <a:lnT w="6350" cap="flat" cmpd="sng" algn="ctr">
+                      <a:solidFill>
+                        <a:srgbClr val="000000"/>
+                      </a:solidFill>
+                      <a:prstDash val="solid"/>
+                      <a:round/>
+                      <a:headEnd type="none" w="med" len="med"/>
+                      <a:tailEnd type="none" w="med" len="med"/>
+                    </a:lnT>
+                    <a:lnB w="6350" cap="flat" cmpd="sng" algn="ctr">
+                      <a:solidFill>
+                        <a:srgbClr val="000000"/>
+                      </a:solidFill>
+                      <a:prstDash val="solid"/>
+                      <a:round/>
+                      <a:headEnd type="none" w="med" len="med"/>
+                      <a:tailEnd type="none" w="med" len="med"/>
+                    </a:lnB>
+                    <a:solidFill>
+                      <a:srgbClr val="99CCFF"/>
+                    </a:solidFill>
+                  </a:tcPr>
+                </a:tc>
+                <a:tc>
+                  <a:txBody>
+                    <a:bodyPr/>
+                    <a:lstStyle/>
+                    <a:p>
+                      <a:pPr algn="ctr" fontAlgn="t"/>
+                      <a:r>
+                        <a:rPr lang="en-GB" sz="1100" b="0" i="0" u="none" strike="noStrike">
+                          <a:effectLst/>
+                          <a:latin typeface="Calibri Light" panose="020F0302020204030204" pitchFamily="34" charset="0"/>
+                        </a:rPr>
+                        <a:t>M</a:t>
+                      </a:r>
+                    </a:p>
+                  </a:txBody>
+                  <a:tcPr marL="9525" marR="9525" marT="9525" marB="0">
+                    <a:lnL w="6350" cap="flat" cmpd="sng" algn="ctr">
+                      <a:solidFill>
+                        <a:srgbClr val="000000"/>
+                      </a:solidFill>
+                      <a:prstDash val="solid"/>
+                      <a:round/>
+                      <a:headEnd type="none" w="med" len="med"/>
+                      <a:tailEnd type="none" w="med" len="med"/>
+                    </a:lnL>
+                    <a:lnR w="6350" cap="flat" cmpd="sng" algn="ctr">
+                      <a:solidFill>
+                        <a:srgbClr val="000000"/>
+                      </a:solidFill>
+                      <a:prstDash val="solid"/>
+                      <a:round/>
+                      <a:headEnd type="none" w="med" len="med"/>
+                      <a:tailEnd type="none" w="med" len="med"/>
+                    </a:lnR>
+                    <a:lnT w="6350" cap="flat" cmpd="sng" algn="ctr">
+                      <a:solidFill>
+                        <a:srgbClr val="000000"/>
+                      </a:solidFill>
+                      <a:prstDash val="solid"/>
+                      <a:round/>
+                      <a:headEnd type="none" w="med" len="med"/>
+                      <a:tailEnd type="none" w="med" len="med"/>
+                    </a:lnT>
+                    <a:lnB w="6350" cap="flat" cmpd="sng" algn="ctr">
+                      <a:solidFill>
+                        <a:srgbClr val="000000"/>
+                      </a:solidFill>
+                      <a:prstDash val="solid"/>
+                      <a:round/>
+                      <a:headEnd type="none" w="med" len="med"/>
+                      <a:tailEnd type="none" w="med" len="med"/>
+                    </a:lnB>
+                    <a:solidFill>
+                      <a:srgbClr val="FFFF00"/>
+                    </a:solidFill>
+                  </a:tcPr>
+                </a:tc>
+                <a:tc>
+                  <a:txBody>
+                    <a:bodyPr/>
+                    <a:lstStyle/>
+                    <a:p>
+                      <a:pPr algn="l" fontAlgn="t"/>
+                      <a:r>
+                        <a:rPr lang="en-GB" sz="1000" b="0" i="0" u="none" strike="noStrike">
+                          <a:effectLst/>
+                          <a:latin typeface="Calibri Light" panose="020F0302020204030204" pitchFamily="34" charset="0"/>
+                        </a:rPr>
+                        <a:t>Make sure all channels of communitcation are used to ensure support.</a:t>
+                      </a:r>
+                    </a:p>
+                  </a:txBody>
+                  <a:tcPr marL="9525" marR="9525" marT="9525" marB="0">
+                    <a:lnL w="6350" cap="flat" cmpd="sng" algn="ctr">
+                      <a:solidFill>
+                        <a:srgbClr val="000000"/>
+                      </a:solidFill>
+                      <a:prstDash val="solid"/>
+                      <a:round/>
+                      <a:headEnd type="none" w="med" len="med"/>
+                      <a:tailEnd type="none" w="med" len="med"/>
+                    </a:lnL>
+                    <a:lnR w="6350" cap="flat" cmpd="sng" algn="ctr">
+                      <a:solidFill>
+                        <a:srgbClr val="000000"/>
+                      </a:solidFill>
+                      <a:prstDash val="solid"/>
+                      <a:round/>
+                      <a:headEnd type="none" w="med" len="med"/>
+                      <a:tailEnd type="none" w="med" len="med"/>
+                    </a:lnR>
+                    <a:lnT w="6350" cap="flat" cmpd="sng" algn="ctr">
+                      <a:solidFill>
+                        <a:srgbClr val="000000"/>
+                      </a:solidFill>
+                      <a:prstDash val="solid"/>
+                      <a:round/>
+                      <a:headEnd type="none" w="med" len="med"/>
+                      <a:tailEnd type="none" w="med" len="med"/>
+                    </a:lnT>
+                    <a:lnB w="6350" cap="flat" cmpd="sng" algn="ctr">
+                      <a:solidFill>
+                        <a:srgbClr val="000000"/>
+                      </a:solidFill>
+                      <a:prstDash val="solid"/>
+                      <a:round/>
+                      <a:headEnd type="none" w="med" len="med"/>
+                      <a:tailEnd type="none" w="med" len="med"/>
+                    </a:lnB>
+                  </a:tcPr>
+                </a:tc>
+                <a:extLst>
+                  <a:ext uri="{0D108BD9-81ED-4DB2-BD59-A6C34878D82A}">
+                    <a16:rowId xmlns:a16="http://schemas.microsoft.com/office/drawing/2014/main" val="1199388063"/>
+                  </a:ext>
+                </a:extLst>
+              </a:tr>
+              <a:tr h="612065">
+                <a:tc>
+                  <a:txBody>
+                    <a:bodyPr/>
+                    <a:lstStyle/>
+                    <a:p>
+                      <a:pPr algn="l" fontAlgn="t"/>
+                      <a:r>
+                        <a:rPr lang="en-GB" sz="1000" b="1" i="0" u="none" strike="noStrike">
+                          <a:effectLst/>
+                          <a:latin typeface="Calibri Light" panose="020F0302020204030204" pitchFamily="34" charset="0"/>
+                        </a:rPr>
+                        <a:t>6)  Illness/unexpected events</a:t>
+                      </a:r>
+                    </a:p>
+                  </a:txBody>
+                  <a:tcPr marL="9525" marR="9525" marT="9525" marB="0">
+                    <a:lnL w="6350" cap="flat" cmpd="sng" algn="ctr">
+                      <a:solidFill>
+                        <a:srgbClr val="000000"/>
+                      </a:solidFill>
+                      <a:prstDash val="solid"/>
+                      <a:round/>
+                      <a:headEnd type="none" w="med" len="med"/>
+                      <a:tailEnd type="none" w="med" len="med"/>
+                    </a:lnL>
+                    <a:lnR w="6350" cap="flat" cmpd="sng" algn="ctr">
+                      <a:solidFill>
+                        <a:srgbClr val="000000"/>
+                      </a:solidFill>
+                      <a:prstDash val="solid"/>
+                      <a:round/>
+                      <a:headEnd type="none" w="med" len="med"/>
+                      <a:tailEnd type="none" w="med" len="med"/>
+                    </a:lnR>
+                    <a:lnT w="6350" cap="flat" cmpd="sng" algn="ctr">
+                      <a:solidFill>
+                        <a:srgbClr val="000000"/>
+                      </a:solidFill>
+                      <a:prstDash val="solid"/>
+                      <a:round/>
+                      <a:headEnd type="none" w="med" len="med"/>
+                      <a:tailEnd type="none" w="med" len="med"/>
+                    </a:lnT>
+                    <a:lnB w="6350" cap="flat" cmpd="sng" algn="ctr">
+                      <a:solidFill>
+                        <a:srgbClr val="000000"/>
+                      </a:solidFill>
+                      <a:prstDash val="solid"/>
+                      <a:round/>
+                      <a:headEnd type="none" w="med" len="med"/>
+                      <a:tailEnd type="none" w="med" len="med"/>
+                    </a:lnB>
+                  </a:tcPr>
+                </a:tc>
+                <a:tc>
+                  <a:txBody>
+                    <a:bodyPr/>
+                    <a:lstStyle/>
+                    <a:p>
+                      <a:pPr algn="ctr" fontAlgn="t"/>
+                      <a:r>
+                        <a:rPr lang="en-GB" sz="1100" b="0" i="0" u="none" strike="noStrike">
+                          <a:effectLst/>
+                          <a:latin typeface="Calibri Light" panose="020F0302020204030204" pitchFamily="34" charset="0"/>
+                        </a:rPr>
+                        <a:t>6</a:t>
+                      </a:r>
+                    </a:p>
+                  </a:txBody>
+                  <a:tcPr marL="9525" marR="9525" marT="9525" marB="0">
+                    <a:lnL w="6350" cap="flat" cmpd="sng" algn="ctr">
+                      <a:solidFill>
+                        <a:srgbClr val="000000"/>
+                      </a:solidFill>
+                      <a:prstDash val="solid"/>
+                      <a:round/>
+                      <a:headEnd type="none" w="med" len="med"/>
+                      <a:tailEnd type="none" w="med" len="med"/>
+                    </a:lnL>
+                    <a:lnR w="6350" cap="flat" cmpd="sng" algn="ctr">
+                      <a:solidFill>
+                        <a:srgbClr val="000000"/>
+                      </a:solidFill>
+                      <a:prstDash val="solid"/>
+                      <a:round/>
+                      <a:headEnd type="none" w="med" len="med"/>
+                      <a:tailEnd type="none" w="med" len="med"/>
+                    </a:lnR>
+                    <a:lnT w="6350" cap="flat" cmpd="sng" algn="ctr">
+                      <a:solidFill>
+                        <a:srgbClr val="000000"/>
+                      </a:solidFill>
+                      <a:prstDash val="solid"/>
+                      <a:round/>
+                      <a:headEnd type="none" w="med" len="med"/>
+                      <a:tailEnd type="none" w="med" len="med"/>
+                    </a:lnT>
+                    <a:lnB w="6350" cap="flat" cmpd="sng" algn="ctr">
+                      <a:solidFill>
+                        <a:srgbClr val="000000"/>
+                      </a:solidFill>
+                      <a:prstDash val="solid"/>
+                      <a:round/>
+                      <a:headEnd type="none" w="med" len="med"/>
+                      <a:tailEnd type="none" w="med" len="med"/>
+                    </a:lnB>
+                    <a:solidFill>
+                      <a:srgbClr val="99CCFF"/>
+                    </a:solidFill>
+                  </a:tcPr>
+                </a:tc>
+                <a:tc>
+                  <a:txBody>
+                    <a:bodyPr/>
+                    <a:lstStyle/>
+                    <a:p>
+                      <a:pPr algn="ctr" fontAlgn="t"/>
+                      <a:r>
+                        <a:rPr lang="en-GB" sz="1100" b="0" i="0" u="none" strike="noStrike">
+                          <a:effectLst/>
+                          <a:latin typeface="Calibri Light" panose="020F0302020204030204" pitchFamily="34" charset="0"/>
+                        </a:rPr>
+                        <a:t>H</a:t>
+                      </a:r>
+                    </a:p>
+                  </a:txBody>
+                  <a:tcPr marL="9525" marR="9525" marT="9525" marB="0">
+                    <a:lnL w="6350" cap="flat" cmpd="sng" algn="ctr">
+                      <a:solidFill>
+                        <a:srgbClr val="000000"/>
+                      </a:solidFill>
+                      <a:prstDash val="solid"/>
+                      <a:round/>
+                      <a:headEnd type="none" w="med" len="med"/>
+                      <a:tailEnd type="none" w="med" len="med"/>
+                    </a:lnL>
+                    <a:lnR w="6350" cap="flat" cmpd="sng" algn="ctr">
+                      <a:solidFill>
+                        <a:srgbClr val="000000"/>
+                      </a:solidFill>
+                      <a:prstDash val="solid"/>
+                      <a:round/>
+                      <a:headEnd type="none" w="med" len="med"/>
+                      <a:tailEnd type="none" w="med" len="med"/>
+                    </a:lnR>
+                    <a:lnT w="6350" cap="flat" cmpd="sng" algn="ctr">
+                      <a:solidFill>
+                        <a:srgbClr val="000000"/>
+                      </a:solidFill>
+                      <a:prstDash val="solid"/>
+                      <a:round/>
+                      <a:headEnd type="none" w="med" len="med"/>
+                      <a:tailEnd type="none" w="med" len="med"/>
+                    </a:lnT>
+                    <a:lnB w="6350" cap="flat" cmpd="sng" algn="ctr">
+                      <a:solidFill>
+                        <a:srgbClr val="000000"/>
+                      </a:solidFill>
+                      <a:prstDash val="solid"/>
+                      <a:round/>
+                      <a:headEnd type="none" w="med" len="med"/>
+                      <a:tailEnd type="none" w="med" len="med"/>
+                    </a:lnB>
+                    <a:solidFill>
+                      <a:srgbClr val="FF0000"/>
+                    </a:solidFill>
+                  </a:tcPr>
+                </a:tc>
+                <a:tc>
+                  <a:txBody>
+                    <a:bodyPr/>
+                    <a:lstStyle/>
+                    <a:p>
+                      <a:pPr algn="l" fontAlgn="t"/>
+                      <a:r>
+                        <a:rPr lang="en-GB" sz="1000" b="0" i="0" u="none" strike="noStrike">
+                          <a:effectLst/>
+                          <a:latin typeface="Calibri Light" panose="020F0302020204030204" pitchFamily="34" charset="0"/>
+                        </a:rPr>
+                        <a:t>Plan for disruptions.  Ensure Kanban board is well planned and is adjusted for any unforeseen circumstances.</a:t>
+                      </a:r>
+                    </a:p>
+                  </a:txBody>
+                  <a:tcPr marL="9525" marR="9525" marT="9525" marB="0">
+                    <a:lnL w="6350" cap="flat" cmpd="sng" algn="ctr">
+                      <a:solidFill>
+                        <a:srgbClr val="000000"/>
+                      </a:solidFill>
+                      <a:prstDash val="solid"/>
+                      <a:round/>
+                      <a:headEnd type="none" w="med" len="med"/>
+                      <a:tailEnd type="none" w="med" len="med"/>
+                    </a:lnL>
+                    <a:lnR w="6350" cap="flat" cmpd="sng" algn="ctr">
+                      <a:solidFill>
+                        <a:srgbClr val="000000"/>
+                      </a:solidFill>
+                      <a:prstDash val="solid"/>
+                      <a:round/>
+                      <a:headEnd type="none" w="med" len="med"/>
+                      <a:tailEnd type="none" w="med" len="med"/>
+                    </a:lnR>
+                    <a:lnT w="6350" cap="flat" cmpd="sng" algn="ctr">
+                      <a:solidFill>
+                        <a:srgbClr val="000000"/>
+                      </a:solidFill>
+                      <a:prstDash val="solid"/>
+                      <a:round/>
+                      <a:headEnd type="none" w="med" len="med"/>
+                      <a:tailEnd type="none" w="med" len="med"/>
+                    </a:lnT>
+                    <a:lnB w="6350" cap="flat" cmpd="sng" algn="ctr">
+                      <a:solidFill>
+                        <a:srgbClr val="000000"/>
+                      </a:solidFill>
+                      <a:prstDash val="solid"/>
+                      <a:round/>
+                      <a:headEnd type="none" w="med" len="med"/>
+                      <a:tailEnd type="none" w="med" len="med"/>
+                    </a:lnB>
+                  </a:tcPr>
+                </a:tc>
+                <a:extLst>
+                  <a:ext uri="{0D108BD9-81ED-4DB2-BD59-A6C34878D82A}">
+                    <a16:rowId xmlns:a16="http://schemas.microsoft.com/office/drawing/2014/main" val="3095832553"/>
+                  </a:ext>
+                </a:extLst>
+              </a:tr>
+              <a:tr h="612065">
+                <a:tc>
+                  <a:txBody>
+                    <a:bodyPr/>
+                    <a:lstStyle/>
+                    <a:p>
+                      <a:pPr algn="l" fontAlgn="t"/>
+                      <a:r>
+                        <a:rPr lang="en-GB" sz="1000" b="1" i="0" u="none" strike="noStrike">
+                          <a:effectLst/>
+                          <a:latin typeface="Calibri Light" panose="020F0302020204030204" pitchFamily="34" charset="0"/>
+                        </a:rPr>
+                        <a:t>7)  Broadband/wifi connection</a:t>
+                      </a:r>
+                    </a:p>
+                  </a:txBody>
+                  <a:tcPr marL="9525" marR="9525" marT="9525" marB="0">
+                    <a:lnL w="6350" cap="flat" cmpd="sng" algn="ctr">
+                      <a:solidFill>
+                        <a:srgbClr val="000000"/>
+                      </a:solidFill>
+                      <a:prstDash val="solid"/>
+                      <a:round/>
+                      <a:headEnd type="none" w="med" len="med"/>
+                      <a:tailEnd type="none" w="med" len="med"/>
+                    </a:lnL>
+                    <a:lnR w="6350" cap="flat" cmpd="sng" algn="ctr">
+                      <a:solidFill>
+                        <a:srgbClr val="000000"/>
+                      </a:solidFill>
+                      <a:prstDash val="solid"/>
+                      <a:round/>
+                      <a:headEnd type="none" w="med" len="med"/>
+                      <a:tailEnd type="none" w="med" len="med"/>
+                    </a:lnR>
+                    <a:lnT w="6350" cap="flat" cmpd="sng" algn="ctr">
+                      <a:solidFill>
+                        <a:srgbClr val="000000"/>
+                      </a:solidFill>
+                      <a:prstDash val="solid"/>
+                      <a:round/>
+                      <a:headEnd type="none" w="med" len="med"/>
+                      <a:tailEnd type="none" w="med" len="med"/>
+                    </a:lnT>
+                    <a:lnB w="6350" cap="flat" cmpd="sng" algn="ctr">
+                      <a:solidFill>
+                        <a:srgbClr val="000000"/>
+                      </a:solidFill>
+                      <a:prstDash val="solid"/>
+                      <a:round/>
+                      <a:headEnd type="none" w="med" len="med"/>
+                      <a:tailEnd type="none" w="med" len="med"/>
+                    </a:lnB>
+                  </a:tcPr>
+                </a:tc>
+                <a:tc>
+                  <a:txBody>
+                    <a:bodyPr/>
+                    <a:lstStyle/>
+                    <a:p>
+                      <a:pPr algn="ctr" fontAlgn="t"/>
+                      <a:r>
+                        <a:rPr lang="en-GB" sz="1100" b="0" i="0" u="none" strike="noStrike">
+                          <a:effectLst/>
+                          <a:latin typeface="Calibri Light" panose="020F0302020204030204" pitchFamily="34" charset="0"/>
+                        </a:rPr>
+                        <a:t>7</a:t>
+                      </a:r>
+                    </a:p>
+                  </a:txBody>
+                  <a:tcPr marL="9525" marR="9525" marT="9525" marB="0">
+                    <a:lnL w="6350" cap="flat" cmpd="sng" algn="ctr">
+                      <a:solidFill>
+                        <a:srgbClr val="000000"/>
+                      </a:solidFill>
+                      <a:prstDash val="solid"/>
+                      <a:round/>
+                      <a:headEnd type="none" w="med" len="med"/>
+                      <a:tailEnd type="none" w="med" len="med"/>
+                    </a:lnL>
+                    <a:lnR w="6350" cap="flat" cmpd="sng" algn="ctr">
+                      <a:solidFill>
+                        <a:srgbClr val="000000"/>
+                      </a:solidFill>
+                      <a:prstDash val="solid"/>
+                      <a:round/>
+                      <a:headEnd type="none" w="med" len="med"/>
+                      <a:tailEnd type="none" w="med" len="med"/>
+                    </a:lnR>
+                    <a:lnT w="6350" cap="flat" cmpd="sng" algn="ctr">
+                      <a:solidFill>
+                        <a:srgbClr val="000000"/>
+                      </a:solidFill>
+                      <a:prstDash val="solid"/>
+                      <a:round/>
+                      <a:headEnd type="none" w="med" len="med"/>
+                      <a:tailEnd type="none" w="med" len="med"/>
+                    </a:lnT>
+                    <a:lnB w="6350" cap="flat" cmpd="sng" algn="ctr">
+                      <a:solidFill>
+                        <a:srgbClr val="000000"/>
+                      </a:solidFill>
+                      <a:prstDash val="solid"/>
+                      <a:round/>
+                      <a:headEnd type="none" w="med" len="med"/>
+                      <a:tailEnd type="none" w="med" len="med"/>
+                    </a:lnB>
+                    <a:solidFill>
+                      <a:srgbClr val="99CCFF"/>
+                    </a:solidFill>
+                  </a:tcPr>
+                </a:tc>
+                <a:tc>
+                  <a:txBody>
+                    <a:bodyPr/>
+                    <a:lstStyle/>
+                    <a:p>
+                      <a:pPr algn="ctr" fontAlgn="t"/>
+                      <a:r>
+                        <a:rPr lang="en-GB" sz="1100" b="0" i="0" u="none" strike="noStrike">
+                          <a:effectLst/>
+                          <a:latin typeface="Calibri Light" panose="020F0302020204030204" pitchFamily="34" charset="0"/>
+                        </a:rPr>
+                        <a:t>H</a:t>
+                      </a:r>
+                    </a:p>
+                  </a:txBody>
+                  <a:tcPr marL="9525" marR="9525" marT="9525" marB="0">
+                    <a:lnL w="6350" cap="flat" cmpd="sng" algn="ctr">
+                      <a:solidFill>
+                        <a:srgbClr val="000000"/>
+                      </a:solidFill>
+                      <a:prstDash val="solid"/>
+                      <a:round/>
+                      <a:headEnd type="none" w="med" len="med"/>
+                      <a:tailEnd type="none" w="med" len="med"/>
+                    </a:lnL>
+                    <a:lnR w="6350" cap="flat" cmpd="sng" algn="ctr">
+                      <a:solidFill>
+                        <a:srgbClr val="000000"/>
+                      </a:solidFill>
+                      <a:prstDash val="solid"/>
+                      <a:round/>
+                      <a:headEnd type="none" w="med" len="med"/>
+                      <a:tailEnd type="none" w="med" len="med"/>
+                    </a:lnR>
+                    <a:lnT w="6350" cap="flat" cmpd="sng" algn="ctr">
+                      <a:solidFill>
+                        <a:srgbClr val="000000"/>
+                      </a:solidFill>
+                      <a:prstDash val="solid"/>
+                      <a:round/>
+                      <a:headEnd type="none" w="med" len="med"/>
+                      <a:tailEnd type="none" w="med" len="med"/>
+                    </a:lnT>
+                    <a:lnB w="6350" cap="flat" cmpd="sng" algn="ctr">
+                      <a:solidFill>
+                        <a:srgbClr val="000000"/>
+                      </a:solidFill>
+                      <a:prstDash val="solid"/>
+                      <a:round/>
+                      <a:headEnd type="none" w="med" len="med"/>
+                      <a:tailEnd type="none" w="med" len="med"/>
+                    </a:lnB>
+                    <a:solidFill>
+                      <a:srgbClr val="FF0000"/>
+                    </a:solidFill>
+                  </a:tcPr>
+                </a:tc>
+                <a:tc>
+                  <a:txBody>
+                    <a:bodyPr/>
+                    <a:lstStyle/>
+                    <a:p>
+                      <a:pPr algn="l" fontAlgn="t"/>
+                      <a:r>
+                        <a:rPr lang="en-GB" sz="1000" b="0" i="0" u="none" strike="noStrike">
+                          <a:effectLst/>
+                          <a:latin typeface="Calibri Light" panose="020F0302020204030204" pitchFamily="34" charset="0"/>
+                        </a:rPr>
+                        <a:t>Make sure there is a backup system in place, like a mobile hotspot, or a community space that supplies free wifi connection.</a:t>
+                      </a:r>
+                    </a:p>
+                  </a:txBody>
+                  <a:tcPr marL="9525" marR="9525" marT="9525" marB="0">
+                    <a:lnL w="6350" cap="flat" cmpd="sng" algn="ctr">
+                      <a:solidFill>
+                        <a:srgbClr val="000000"/>
+                      </a:solidFill>
+                      <a:prstDash val="solid"/>
+                      <a:round/>
+                      <a:headEnd type="none" w="med" len="med"/>
+                      <a:tailEnd type="none" w="med" len="med"/>
+                    </a:lnL>
+                    <a:lnR w="6350" cap="flat" cmpd="sng" algn="ctr">
+                      <a:solidFill>
+                        <a:srgbClr val="000000"/>
+                      </a:solidFill>
+                      <a:prstDash val="solid"/>
+                      <a:round/>
+                      <a:headEnd type="none" w="med" len="med"/>
+                      <a:tailEnd type="none" w="med" len="med"/>
+                    </a:lnR>
+                    <a:lnT w="6350" cap="flat" cmpd="sng" algn="ctr">
+                      <a:solidFill>
+                        <a:srgbClr val="000000"/>
+                      </a:solidFill>
+                      <a:prstDash val="solid"/>
+                      <a:round/>
+                      <a:headEnd type="none" w="med" len="med"/>
+                      <a:tailEnd type="none" w="med" len="med"/>
+                    </a:lnT>
+                    <a:lnB w="6350" cap="flat" cmpd="sng" algn="ctr">
+                      <a:solidFill>
+                        <a:srgbClr val="000000"/>
+                      </a:solidFill>
+                      <a:prstDash val="solid"/>
+                      <a:round/>
+                      <a:headEnd type="none" w="med" len="med"/>
+                      <a:tailEnd type="none" w="med" len="med"/>
+                    </a:lnB>
+                  </a:tcPr>
+                </a:tc>
+                <a:extLst>
+                  <a:ext uri="{0D108BD9-81ED-4DB2-BD59-A6C34878D82A}">
+                    <a16:rowId xmlns:a16="http://schemas.microsoft.com/office/drawing/2014/main" val="4135488034"/>
+                  </a:ext>
+                </a:extLst>
+              </a:tr>
+              <a:tr h="240025">
+                <a:tc>
+                  <a:txBody>
+                    <a:bodyPr/>
+                    <a:lstStyle/>
+                    <a:p>
+                      <a:pPr algn="l" fontAlgn="t"/>
+                      <a:r>
+                        <a:rPr lang="en-GB" sz="1000" b="1" i="0" u="none" strike="noStrike">
+                          <a:effectLst/>
+                          <a:latin typeface="Calibri Light" panose="020F0302020204030204" pitchFamily="34" charset="0"/>
+                        </a:rPr>
+                        <a:t>8)  Complexity of communication</a:t>
+                      </a:r>
+                    </a:p>
+                  </a:txBody>
+                  <a:tcPr marL="9525" marR="9525" marT="9525" marB="0">
+                    <a:lnL w="6350" cap="flat" cmpd="sng" algn="ctr">
+                      <a:solidFill>
+                        <a:srgbClr val="000000"/>
+                      </a:solidFill>
+                      <a:prstDash val="solid"/>
+                      <a:round/>
+                      <a:headEnd type="none" w="med" len="med"/>
+                      <a:tailEnd type="none" w="med" len="med"/>
+                    </a:lnL>
+                    <a:lnR w="6350" cap="flat" cmpd="sng" algn="ctr">
+                      <a:solidFill>
+                        <a:srgbClr val="000000"/>
+                      </a:solidFill>
+                      <a:prstDash val="solid"/>
+                      <a:round/>
+                      <a:headEnd type="none" w="med" len="med"/>
+                      <a:tailEnd type="none" w="med" len="med"/>
+                    </a:lnR>
+                    <a:lnT w="6350" cap="flat" cmpd="sng" algn="ctr">
+                      <a:solidFill>
+                        <a:srgbClr val="000000"/>
+                      </a:solidFill>
+                      <a:prstDash val="solid"/>
+                      <a:round/>
+                      <a:headEnd type="none" w="med" len="med"/>
+                      <a:tailEnd type="none" w="med" len="med"/>
+                    </a:lnT>
+                    <a:lnB w="6350" cap="flat" cmpd="sng" algn="ctr">
+                      <a:solidFill>
+                        <a:srgbClr val="000000"/>
+                      </a:solidFill>
+                      <a:prstDash val="solid"/>
+                      <a:round/>
+                      <a:headEnd type="none" w="med" len="med"/>
+                      <a:tailEnd type="none" w="med" len="med"/>
+                    </a:lnB>
+                  </a:tcPr>
+                </a:tc>
+                <a:tc>
+                  <a:txBody>
+                    <a:bodyPr/>
+                    <a:lstStyle/>
+                    <a:p>
+                      <a:pPr algn="ctr" fontAlgn="t"/>
+                      <a:r>
+                        <a:rPr lang="en-GB" sz="1100" b="0" i="0" u="none" strike="noStrike">
+                          <a:effectLst/>
+                          <a:latin typeface="Calibri Light" panose="020F0302020204030204" pitchFamily="34" charset="0"/>
+                        </a:rPr>
+                        <a:t>5</a:t>
+                      </a:r>
+                    </a:p>
+                  </a:txBody>
+                  <a:tcPr marL="9525" marR="9525" marT="9525" marB="0">
+                    <a:lnL w="6350" cap="flat" cmpd="sng" algn="ctr">
+                      <a:solidFill>
+                        <a:srgbClr val="000000"/>
+                      </a:solidFill>
+                      <a:prstDash val="solid"/>
+                      <a:round/>
+                      <a:headEnd type="none" w="med" len="med"/>
+                      <a:tailEnd type="none" w="med" len="med"/>
+                    </a:lnL>
+                    <a:lnR w="6350" cap="flat" cmpd="sng" algn="ctr">
+                      <a:solidFill>
+                        <a:srgbClr val="000000"/>
+                      </a:solidFill>
+                      <a:prstDash val="solid"/>
+                      <a:round/>
+                      <a:headEnd type="none" w="med" len="med"/>
+                      <a:tailEnd type="none" w="med" len="med"/>
+                    </a:lnR>
+                    <a:lnT w="6350" cap="flat" cmpd="sng" algn="ctr">
+                      <a:solidFill>
+                        <a:srgbClr val="000000"/>
+                      </a:solidFill>
+                      <a:prstDash val="solid"/>
+                      <a:round/>
+                      <a:headEnd type="none" w="med" len="med"/>
+                      <a:tailEnd type="none" w="med" len="med"/>
+                    </a:lnT>
+                    <a:lnB w="6350" cap="flat" cmpd="sng" algn="ctr">
+                      <a:solidFill>
+                        <a:srgbClr val="000000"/>
+                      </a:solidFill>
+                      <a:prstDash val="solid"/>
+                      <a:round/>
+                      <a:headEnd type="none" w="med" len="med"/>
+                      <a:tailEnd type="none" w="med" len="med"/>
+                    </a:lnB>
+                    <a:solidFill>
+                      <a:srgbClr val="99CCFF"/>
+                    </a:solidFill>
+                  </a:tcPr>
+                </a:tc>
+                <a:tc>
+                  <a:txBody>
+                    <a:bodyPr/>
+                    <a:lstStyle/>
+                    <a:p>
+                      <a:pPr algn="ctr" fontAlgn="t"/>
+                      <a:r>
+                        <a:rPr lang="en-GB" sz="1100" b="0" i="0" u="none" strike="noStrike">
+                          <a:effectLst/>
+                          <a:latin typeface="Calibri Light" panose="020F0302020204030204" pitchFamily="34" charset="0"/>
+                        </a:rPr>
+                        <a:t>M</a:t>
+                      </a:r>
+                    </a:p>
+                  </a:txBody>
+                  <a:tcPr marL="9525" marR="9525" marT="9525" marB="0">
+                    <a:lnL w="6350" cap="flat" cmpd="sng" algn="ctr">
+                      <a:solidFill>
+                        <a:srgbClr val="000000"/>
+                      </a:solidFill>
+                      <a:prstDash val="solid"/>
+                      <a:round/>
+                      <a:headEnd type="none" w="med" len="med"/>
+                      <a:tailEnd type="none" w="med" len="med"/>
+                    </a:lnL>
+                    <a:lnR w="6350" cap="flat" cmpd="sng" algn="ctr">
+                      <a:solidFill>
+                        <a:srgbClr val="000000"/>
+                      </a:solidFill>
+                      <a:prstDash val="solid"/>
+                      <a:round/>
+                      <a:headEnd type="none" w="med" len="med"/>
+                      <a:tailEnd type="none" w="med" len="med"/>
+                    </a:lnR>
+                    <a:lnT w="6350" cap="flat" cmpd="sng" algn="ctr">
+                      <a:solidFill>
+                        <a:srgbClr val="000000"/>
+                      </a:solidFill>
+                      <a:prstDash val="solid"/>
+                      <a:round/>
+                      <a:headEnd type="none" w="med" len="med"/>
+                      <a:tailEnd type="none" w="med" len="med"/>
+                    </a:lnT>
+                    <a:lnB w="6350" cap="flat" cmpd="sng" algn="ctr">
+                      <a:solidFill>
+                        <a:srgbClr val="000000"/>
+                      </a:solidFill>
+                      <a:prstDash val="solid"/>
+                      <a:round/>
+                      <a:headEnd type="none" w="med" len="med"/>
+                      <a:tailEnd type="none" w="med" len="med"/>
+                    </a:lnB>
+                    <a:solidFill>
+                      <a:srgbClr val="FFFF00"/>
+                    </a:solidFill>
+                  </a:tcPr>
+                </a:tc>
+                <a:tc>
+                  <a:txBody>
+                    <a:bodyPr/>
+                    <a:lstStyle/>
+                    <a:p>
+                      <a:pPr algn="l" fontAlgn="t"/>
+                      <a:r>
+                        <a:rPr lang="en-GB" sz="1000" b="0" i="0" u="none" strike="noStrike">
+                          <a:effectLst/>
+                          <a:latin typeface="Calibri Light" panose="020F0302020204030204" pitchFamily="34" charset="0"/>
+                        </a:rPr>
+                        <a:t>Simplify complex ideas </a:t>
+                      </a:r>
+                    </a:p>
+                  </a:txBody>
+                  <a:tcPr marL="9525" marR="9525" marT="9525" marB="0">
+                    <a:lnL w="6350" cap="flat" cmpd="sng" algn="ctr">
+                      <a:solidFill>
+                        <a:srgbClr val="000000"/>
+                      </a:solidFill>
+                      <a:prstDash val="solid"/>
+                      <a:round/>
+                      <a:headEnd type="none" w="med" len="med"/>
+                      <a:tailEnd type="none" w="med" len="med"/>
+                    </a:lnL>
+                    <a:lnR w="6350" cap="flat" cmpd="sng" algn="ctr">
+                      <a:solidFill>
+                        <a:srgbClr val="000000"/>
+                      </a:solidFill>
+                      <a:prstDash val="solid"/>
+                      <a:round/>
+                      <a:headEnd type="none" w="med" len="med"/>
+                      <a:tailEnd type="none" w="med" len="med"/>
+                    </a:lnR>
+                    <a:lnT w="6350" cap="flat" cmpd="sng" algn="ctr">
+                      <a:solidFill>
+                        <a:srgbClr val="000000"/>
+                      </a:solidFill>
+                      <a:prstDash val="solid"/>
+                      <a:round/>
+                      <a:headEnd type="none" w="med" len="med"/>
+                      <a:tailEnd type="none" w="med" len="med"/>
+                    </a:lnT>
+                    <a:lnB w="6350" cap="flat" cmpd="sng" algn="ctr">
+                      <a:solidFill>
+                        <a:srgbClr val="000000"/>
+                      </a:solidFill>
+                      <a:prstDash val="solid"/>
+                      <a:round/>
+                      <a:headEnd type="none" w="med" len="med"/>
+                      <a:tailEnd type="none" w="med" len="med"/>
+                    </a:lnB>
+                  </a:tcPr>
+                </a:tc>
+                <a:extLst>
+                  <a:ext uri="{0D108BD9-81ED-4DB2-BD59-A6C34878D82A}">
+                    <a16:rowId xmlns:a16="http://schemas.microsoft.com/office/drawing/2014/main" val="1465969344"/>
+                  </a:ext>
+                </a:extLst>
+              </a:tr>
+              <a:tr h="408043">
+                <a:tc>
+                  <a:txBody>
+                    <a:bodyPr/>
+                    <a:lstStyle/>
+                    <a:p>
+                      <a:pPr algn="l" fontAlgn="t"/>
+                      <a:r>
+                        <a:rPr lang="en-GB" sz="1000" b="1" i="0" u="none" strike="noStrike">
+                          <a:effectLst/>
+                          <a:latin typeface="Calibri Light" panose="020F0302020204030204" pitchFamily="34" charset="0"/>
+                        </a:rPr>
+                        <a:t>9) Unrealistic expectations/inexperience</a:t>
+                      </a:r>
+                    </a:p>
+                  </a:txBody>
+                  <a:tcPr marL="9525" marR="9525" marT="9525" marB="0">
+                    <a:lnL w="6350" cap="flat" cmpd="sng" algn="ctr">
+                      <a:solidFill>
+                        <a:srgbClr val="000000"/>
+                      </a:solidFill>
+                      <a:prstDash val="solid"/>
+                      <a:round/>
+                      <a:headEnd type="none" w="med" len="med"/>
+                      <a:tailEnd type="none" w="med" len="med"/>
+                    </a:lnL>
+                    <a:lnR w="6350" cap="flat" cmpd="sng" algn="ctr">
+                      <a:solidFill>
+                        <a:srgbClr val="000000"/>
+                      </a:solidFill>
+                      <a:prstDash val="solid"/>
+                      <a:round/>
+                      <a:headEnd type="none" w="med" len="med"/>
+                      <a:tailEnd type="none" w="med" len="med"/>
+                    </a:lnR>
+                    <a:lnT w="6350" cap="flat" cmpd="sng" algn="ctr">
+                      <a:solidFill>
+                        <a:srgbClr val="000000"/>
+                      </a:solidFill>
+                      <a:prstDash val="solid"/>
+                      <a:round/>
+                      <a:headEnd type="none" w="med" len="med"/>
+                      <a:tailEnd type="none" w="med" len="med"/>
+                    </a:lnT>
+                    <a:lnB w="6350" cap="flat" cmpd="sng" algn="ctr">
+                      <a:solidFill>
+                        <a:srgbClr val="000000"/>
+                      </a:solidFill>
+                      <a:prstDash val="solid"/>
+                      <a:round/>
+                      <a:headEnd type="none" w="med" len="med"/>
+                      <a:tailEnd type="none" w="med" len="med"/>
+                    </a:lnB>
+                  </a:tcPr>
+                </a:tc>
+                <a:tc>
+                  <a:txBody>
+                    <a:bodyPr/>
+                    <a:lstStyle/>
+                    <a:p>
+                      <a:pPr algn="ctr" fontAlgn="t"/>
+                      <a:r>
+                        <a:rPr lang="en-GB" sz="1100" b="0" i="0" u="none" strike="noStrike">
+                          <a:effectLst/>
+                          <a:latin typeface="Calibri Light" panose="020F0302020204030204" pitchFamily="34" charset="0"/>
+                        </a:rPr>
+                        <a:t>3</a:t>
+                      </a:r>
+                    </a:p>
+                  </a:txBody>
+                  <a:tcPr marL="9525" marR="9525" marT="9525" marB="0">
+                    <a:lnL w="6350" cap="flat" cmpd="sng" algn="ctr">
+                      <a:solidFill>
+                        <a:srgbClr val="000000"/>
+                      </a:solidFill>
+                      <a:prstDash val="solid"/>
+                      <a:round/>
+                      <a:headEnd type="none" w="med" len="med"/>
+                      <a:tailEnd type="none" w="med" len="med"/>
+                    </a:lnL>
+                    <a:lnR w="6350" cap="flat" cmpd="sng" algn="ctr">
+                      <a:solidFill>
+                        <a:srgbClr val="000000"/>
+                      </a:solidFill>
+                      <a:prstDash val="solid"/>
+                      <a:round/>
+                      <a:headEnd type="none" w="med" len="med"/>
+                      <a:tailEnd type="none" w="med" len="med"/>
+                    </a:lnR>
+                    <a:lnT w="6350" cap="flat" cmpd="sng" algn="ctr">
+                      <a:solidFill>
+                        <a:srgbClr val="000000"/>
+                      </a:solidFill>
+                      <a:prstDash val="solid"/>
+                      <a:round/>
+                      <a:headEnd type="none" w="med" len="med"/>
+                      <a:tailEnd type="none" w="med" len="med"/>
+                    </a:lnT>
+                    <a:lnB w="6350" cap="flat" cmpd="sng" algn="ctr">
+                      <a:solidFill>
+                        <a:srgbClr val="000000"/>
+                      </a:solidFill>
+                      <a:prstDash val="solid"/>
+                      <a:round/>
+                      <a:headEnd type="none" w="med" len="med"/>
+                      <a:tailEnd type="none" w="med" len="med"/>
+                    </a:lnB>
+                    <a:solidFill>
+                      <a:srgbClr val="99CCFF"/>
+                    </a:solidFill>
+                  </a:tcPr>
+                </a:tc>
+                <a:tc>
+                  <a:txBody>
+                    <a:bodyPr/>
+                    <a:lstStyle/>
+                    <a:p>
+                      <a:pPr algn="ctr" fontAlgn="t"/>
+                      <a:r>
+                        <a:rPr lang="en-GB" sz="1100" b="0" i="0" u="none" strike="noStrike">
+                          <a:effectLst/>
+                          <a:latin typeface="Calibri Light" panose="020F0302020204030204" pitchFamily="34" charset="0"/>
+                        </a:rPr>
+                        <a:t>L</a:t>
+                      </a:r>
+                    </a:p>
+                  </a:txBody>
+                  <a:tcPr marL="9525" marR="9525" marT="9525" marB="0">
+                    <a:lnL w="6350" cap="flat" cmpd="sng" algn="ctr">
+                      <a:solidFill>
+                        <a:srgbClr val="000000"/>
+                      </a:solidFill>
+                      <a:prstDash val="solid"/>
+                      <a:round/>
+                      <a:headEnd type="none" w="med" len="med"/>
+                      <a:tailEnd type="none" w="med" len="med"/>
+                    </a:lnL>
+                    <a:lnR w="6350" cap="flat" cmpd="sng" algn="ctr">
+                      <a:solidFill>
+                        <a:srgbClr val="000000"/>
+                      </a:solidFill>
+                      <a:prstDash val="solid"/>
+                      <a:round/>
+                      <a:headEnd type="none" w="med" len="med"/>
+                      <a:tailEnd type="none" w="med" len="med"/>
+                    </a:lnR>
+                    <a:lnT w="6350" cap="flat" cmpd="sng" algn="ctr">
+                      <a:solidFill>
+                        <a:srgbClr val="000000"/>
+                      </a:solidFill>
+                      <a:prstDash val="solid"/>
+                      <a:round/>
+                      <a:headEnd type="none" w="med" len="med"/>
+                      <a:tailEnd type="none" w="med" len="med"/>
+                    </a:lnT>
+                    <a:lnB w="6350" cap="flat" cmpd="sng" algn="ctr">
+                      <a:solidFill>
+                        <a:srgbClr val="000000"/>
+                      </a:solidFill>
+                      <a:prstDash val="solid"/>
+                      <a:round/>
+                      <a:headEnd type="none" w="med" len="med"/>
+                      <a:tailEnd type="none" w="med" len="med"/>
+                    </a:lnB>
+                    <a:solidFill>
+                      <a:srgbClr val="99CC00"/>
+                    </a:solidFill>
+                  </a:tcPr>
+                </a:tc>
+                <a:tc>
+                  <a:txBody>
+                    <a:bodyPr/>
+                    <a:lstStyle/>
+                    <a:p>
+                      <a:pPr algn="l" fontAlgn="t"/>
+                      <a:r>
+                        <a:rPr lang="en-GB" sz="1000" b="0" i="0" u="none" strike="noStrike">
+                          <a:effectLst/>
+                          <a:latin typeface="Calibri Light" panose="020F0302020204030204" pitchFamily="34" charset="0"/>
+                        </a:rPr>
+                        <a:t>Consider cutting out some program features. Plan skills workshopping time.</a:t>
+                      </a:r>
+                    </a:p>
+                  </a:txBody>
+                  <a:tcPr marL="9525" marR="9525" marT="9525" marB="0">
+                    <a:lnL w="6350" cap="flat" cmpd="sng" algn="ctr">
+                      <a:solidFill>
+                        <a:srgbClr val="000000"/>
+                      </a:solidFill>
+                      <a:prstDash val="solid"/>
+                      <a:round/>
+                      <a:headEnd type="none" w="med" len="med"/>
+                      <a:tailEnd type="none" w="med" len="med"/>
+                    </a:lnL>
+                    <a:lnR w="6350" cap="flat" cmpd="sng" algn="ctr">
+                      <a:solidFill>
+                        <a:srgbClr val="000000"/>
+                      </a:solidFill>
+                      <a:prstDash val="solid"/>
+                      <a:round/>
+                      <a:headEnd type="none" w="med" len="med"/>
+                      <a:tailEnd type="none" w="med" len="med"/>
+                    </a:lnR>
+                    <a:lnT w="6350" cap="flat" cmpd="sng" algn="ctr">
+                      <a:solidFill>
+                        <a:srgbClr val="000000"/>
+                      </a:solidFill>
+                      <a:prstDash val="solid"/>
+                      <a:round/>
+                      <a:headEnd type="none" w="med" len="med"/>
+                      <a:tailEnd type="none" w="med" len="med"/>
+                    </a:lnT>
+                    <a:lnB w="6350" cap="flat" cmpd="sng" algn="ctr">
+                      <a:solidFill>
+                        <a:srgbClr val="000000"/>
+                      </a:solidFill>
+                      <a:prstDash val="solid"/>
+                      <a:round/>
+                      <a:headEnd type="none" w="med" len="med"/>
+                      <a:tailEnd type="none" w="med" len="med"/>
+                    </a:lnB>
+                  </a:tcPr>
+                </a:tc>
+                <a:extLst>
+                  <a:ext uri="{0D108BD9-81ED-4DB2-BD59-A6C34878D82A}">
+                    <a16:rowId xmlns:a16="http://schemas.microsoft.com/office/drawing/2014/main" val="3172810726"/>
+                  </a:ext>
+                </a:extLst>
+              </a:tr>
+              <a:tr h="240025">
+                <a:tc>
+                  <a:txBody>
+                    <a:bodyPr/>
+                    <a:lstStyle/>
+                    <a:p>
+                      <a:pPr algn="l" fontAlgn="t"/>
+                      <a:r>
+                        <a:rPr lang="en-GB" sz="1000" b="1" i="0" u="none" strike="noStrike">
+                          <a:effectLst/>
+                          <a:latin typeface="Calibri Light" panose="020F0302020204030204" pitchFamily="34" charset="0"/>
+                        </a:rPr>
+                        <a:t>10) Natural/manmade disasters</a:t>
+                      </a:r>
+                    </a:p>
+                  </a:txBody>
+                  <a:tcPr marL="9525" marR="9525" marT="9525" marB="0">
+                    <a:lnL w="6350" cap="flat" cmpd="sng" algn="ctr">
+                      <a:solidFill>
+                        <a:srgbClr val="000000"/>
+                      </a:solidFill>
+                      <a:prstDash val="solid"/>
+                      <a:round/>
+                      <a:headEnd type="none" w="med" len="med"/>
+                      <a:tailEnd type="none" w="med" len="med"/>
+                    </a:lnL>
+                    <a:lnR w="6350" cap="flat" cmpd="sng" algn="ctr">
+                      <a:solidFill>
+                        <a:srgbClr val="000000"/>
+                      </a:solidFill>
+                      <a:prstDash val="solid"/>
+                      <a:round/>
+                      <a:headEnd type="none" w="med" len="med"/>
+                      <a:tailEnd type="none" w="med" len="med"/>
+                    </a:lnR>
+                    <a:lnT w="6350" cap="flat" cmpd="sng" algn="ctr">
+                      <a:solidFill>
+                        <a:srgbClr val="000000"/>
+                      </a:solidFill>
+                      <a:prstDash val="solid"/>
+                      <a:round/>
+                      <a:headEnd type="none" w="med" len="med"/>
+                      <a:tailEnd type="none" w="med" len="med"/>
+                    </a:lnT>
+                    <a:lnB w="6350" cap="flat" cmpd="sng" algn="ctr">
+                      <a:solidFill>
+                        <a:srgbClr val="000000"/>
+                      </a:solidFill>
+                      <a:prstDash val="solid"/>
+                      <a:round/>
+                      <a:headEnd type="none" w="med" len="med"/>
+                      <a:tailEnd type="none" w="med" len="med"/>
+                    </a:lnB>
+                  </a:tcPr>
+                </a:tc>
+                <a:tc>
+                  <a:txBody>
+                    <a:bodyPr/>
+                    <a:lstStyle/>
+                    <a:p>
+                      <a:pPr algn="ctr" fontAlgn="t"/>
+                      <a:r>
+                        <a:rPr lang="en-GB" sz="1100" b="0" i="0" u="none" strike="noStrike">
+                          <a:effectLst/>
+                          <a:latin typeface="Calibri Light" panose="020F0302020204030204" pitchFamily="34" charset="0"/>
+                        </a:rPr>
+                        <a:t>3</a:t>
+                      </a:r>
+                    </a:p>
+                  </a:txBody>
+                  <a:tcPr marL="9525" marR="9525" marT="9525" marB="0">
+                    <a:lnL w="6350" cap="flat" cmpd="sng" algn="ctr">
+                      <a:solidFill>
+                        <a:srgbClr val="000000"/>
+                      </a:solidFill>
+                      <a:prstDash val="solid"/>
+                      <a:round/>
+                      <a:headEnd type="none" w="med" len="med"/>
+                      <a:tailEnd type="none" w="med" len="med"/>
+                    </a:lnL>
+                    <a:lnR w="6350" cap="flat" cmpd="sng" algn="ctr">
+                      <a:solidFill>
+                        <a:srgbClr val="000000"/>
+                      </a:solidFill>
+                      <a:prstDash val="solid"/>
+                      <a:round/>
+                      <a:headEnd type="none" w="med" len="med"/>
+                      <a:tailEnd type="none" w="med" len="med"/>
+                    </a:lnR>
+                    <a:lnT w="6350" cap="flat" cmpd="sng" algn="ctr">
+                      <a:solidFill>
+                        <a:srgbClr val="000000"/>
+                      </a:solidFill>
+                      <a:prstDash val="solid"/>
+                      <a:round/>
+                      <a:headEnd type="none" w="med" len="med"/>
+                      <a:tailEnd type="none" w="med" len="med"/>
+                    </a:lnT>
+                    <a:lnB w="6350" cap="flat" cmpd="sng" algn="ctr">
+                      <a:solidFill>
+                        <a:srgbClr val="000000"/>
+                      </a:solidFill>
+                      <a:prstDash val="solid"/>
+                      <a:round/>
+                      <a:headEnd type="none" w="med" len="med"/>
+                      <a:tailEnd type="none" w="med" len="med"/>
+                    </a:lnB>
+                    <a:solidFill>
+                      <a:srgbClr val="99CCFF"/>
+                    </a:solidFill>
+                  </a:tcPr>
+                </a:tc>
+                <a:tc>
+                  <a:txBody>
+                    <a:bodyPr/>
+                    <a:lstStyle/>
+                    <a:p>
+                      <a:pPr algn="ctr" fontAlgn="t"/>
+                      <a:r>
+                        <a:rPr lang="en-GB" sz="1100" b="0" i="0" u="none" strike="noStrike">
+                          <a:effectLst/>
+                          <a:latin typeface="Calibri Light" panose="020F0302020204030204" pitchFamily="34" charset="0"/>
+                        </a:rPr>
+                        <a:t>L</a:t>
+                      </a:r>
+                    </a:p>
+                  </a:txBody>
+                  <a:tcPr marL="9525" marR="9525" marT="9525" marB="0">
+                    <a:lnL w="6350" cap="flat" cmpd="sng" algn="ctr">
+                      <a:solidFill>
+                        <a:srgbClr val="000000"/>
+                      </a:solidFill>
+                      <a:prstDash val="solid"/>
+                      <a:round/>
+                      <a:headEnd type="none" w="med" len="med"/>
+                      <a:tailEnd type="none" w="med" len="med"/>
+                    </a:lnL>
+                    <a:lnR w="6350" cap="flat" cmpd="sng" algn="ctr">
+                      <a:solidFill>
+                        <a:srgbClr val="000000"/>
+                      </a:solidFill>
+                      <a:prstDash val="solid"/>
+                      <a:round/>
+                      <a:headEnd type="none" w="med" len="med"/>
+                      <a:tailEnd type="none" w="med" len="med"/>
+                    </a:lnR>
+                    <a:lnT w="6350" cap="flat" cmpd="sng" algn="ctr">
+                      <a:solidFill>
+                        <a:srgbClr val="000000"/>
+                      </a:solidFill>
+                      <a:prstDash val="solid"/>
+                      <a:round/>
+                      <a:headEnd type="none" w="med" len="med"/>
+                      <a:tailEnd type="none" w="med" len="med"/>
+                    </a:lnT>
+                    <a:lnB w="6350" cap="flat" cmpd="sng" algn="ctr">
+                      <a:solidFill>
+                        <a:srgbClr val="000000"/>
+                      </a:solidFill>
+                      <a:prstDash val="solid"/>
+                      <a:round/>
+                      <a:headEnd type="none" w="med" len="med"/>
+                      <a:tailEnd type="none" w="med" len="med"/>
+                    </a:lnB>
+                    <a:solidFill>
+                      <a:srgbClr val="99CC00"/>
+                    </a:solidFill>
+                  </a:tcPr>
+                </a:tc>
+                <a:tc>
+                  <a:txBody>
+                    <a:bodyPr/>
+                    <a:lstStyle/>
+                    <a:p>
+                      <a:pPr algn="l" fontAlgn="t"/>
+                      <a:r>
+                        <a:rPr lang="en-GB" sz="1000" b="0" i="0" u="none" strike="noStrike">
+                          <a:effectLst/>
+                          <a:latin typeface="Calibri Light" panose="020F0302020204030204" pitchFamily="34" charset="0"/>
+                        </a:rPr>
+                        <a:t>Ensure back-up systems are in place.</a:t>
+                      </a:r>
+                    </a:p>
+                  </a:txBody>
+                  <a:tcPr marL="9525" marR="9525" marT="9525" marB="0">
+                    <a:lnL w="6350" cap="flat" cmpd="sng" algn="ctr">
+                      <a:solidFill>
+                        <a:srgbClr val="000000"/>
+                      </a:solidFill>
+                      <a:prstDash val="solid"/>
+                      <a:round/>
+                      <a:headEnd type="none" w="med" len="med"/>
+                      <a:tailEnd type="none" w="med" len="med"/>
+                    </a:lnL>
+                    <a:lnR w="6350" cap="flat" cmpd="sng" algn="ctr">
+                      <a:solidFill>
+                        <a:srgbClr val="000000"/>
+                      </a:solidFill>
+                      <a:prstDash val="solid"/>
+                      <a:round/>
+                      <a:headEnd type="none" w="med" len="med"/>
+                      <a:tailEnd type="none" w="med" len="med"/>
+                    </a:lnR>
+                    <a:lnT w="6350" cap="flat" cmpd="sng" algn="ctr">
+                      <a:solidFill>
+                        <a:srgbClr val="000000"/>
+                      </a:solidFill>
+                      <a:prstDash val="solid"/>
+                      <a:round/>
+                      <a:headEnd type="none" w="med" len="med"/>
+                      <a:tailEnd type="none" w="med" len="med"/>
+                    </a:lnT>
+                    <a:lnB w="6350" cap="flat" cmpd="sng" algn="ctr">
+                      <a:solidFill>
+                        <a:srgbClr val="000000"/>
+                      </a:solidFill>
+                      <a:prstDash val="solid"/>
+                      <a:round/>
+                      <a:headEnd type="none" w="med" len="med"/>
+                      <a:tailEnd type="none" w="med" len="med"/>
+                    </a:lnB>
+                  </a:tcPr>
+                </a:tc>
+                <a:extLst>
+                  <a:ext uri="{0D108BD9-81ED-4DB2-BD59-A6C34878D82A}">
+                    <a16:rowId xmlns:a16="http://schemas.microsoft.com/office/drawing/2014/main" val="195006248"/>
+                  </a:ext>
+                </a:extLst>
+              </a:tr>
+              <a:tr h="240025">
+                <a:tc>
+                  <a:txBody>
+                    <a:bodyPr/>
+                    <a:lstStyle/>
+                    <a:p>
+                      <a:pPr algn="l" fontAlgn="ctr"/>
+                      <a:r>
+                        <a:rPr lang="en-GB" sz="1000" b="1" i="0" u="none" strike="noStrike">
+                          <a:effectLst/>
+                          <a:latin typeface="Calibri Light" panose="020F0302020204030204" pitchFamily="34" charset="0"/>
+                        </a:rPr>
+                        <a:t> </a:t>
+                      </a:r>
+                    </a:p>
+                  </a:txBody>
+                  <a:tcPr marL="9525" marR="9525" marT="9525" marB="0" anchor="ctr">
+                    <a:lnL w="6350" cap="flat" cmpd="sng" algn="ctr">
+                      <a:solidFill>
+                        <a:srgbClr val="000000"/>
+                      </a:solidFill>
+                      <a:prstDash val="solid"/>
+                      <a:round/>
+                      <a:headEnd type="none" w="med" len="med"/>
+                      <a:tailEnd type="none" w="med" len="med"/>
+                    </a:lnL>
+                    <a:lnR>
+                      <a:noFill/>
+                    </a:lnR>
+                    <a:lnT w="6350" cap="flat" cmpd="sng" algn="ctr">
+                      <a:solidFill>
+                        <a:srgbClr val="000000"/>
+                      </a:solidFill>
+                      <a:prstDash val="solid"/>
+                      <a:round/>
+                      <a:headEnd type="none" w="med" len="med"/>
+                      <a:tailEnd type="none" w="med" len="med"/>
+                    </a:lnT>
+                    <a:lnB w="6350" cap="flat" cmpd="sng" algn="ctr">
+                      <a:solidFill>
+                        <a:srgbClr val="000000"/>
+                      </a:solidFill>
+                      <a:prstDash val="solid"/>
+                      <a:round/>
+                      <a:headEnd type="none" w="med" len="med"/>
+                      <a:tailEnd type="none" w="med" len="med"/>
+                    </a:lnB>
+                    <a:pattFill prst="ltUpDiag">
+                      <a:fgClr>
+                        <a:srgbClr val="000000"/>
+                      </a:fgClr>
+                      <a:bgClr>
+                        <a:srgbClr val="FFFFFF"/>
+                      </a:bgClr>
+                    </a:pattFill>
+                  </a:tcPr>
+                </a:tc>
+                <a:tc>
+                  <a:txBody>
+                    <a:bodyPr/>
+                    <a:lstStyle/>
+                    <a:p>
+                      <a:pPr algn="ctr" fontAlgn="t"/>
+                      <a:r>
+                        <a:rPr lang="en-GB" sz="1100" b="0" i="0" u="none" strike="noStrike">
+                          <a:effectLst/>
+                          <a:latin typeface="Calibri Light" panose="020F0302020204030204" pitchFamily="34" charset="0"/>
+                        </a:rPr>
+                        <a:t>5</a:t>
+                      </a:r>
+                    </a:p>
+                  </a:txBody>
+                  <a:tcPr marL="9525" marR="9525" marT="9525" marB="0">
+                    <a:lnL>
+                      <a:noFill/>
+                    </a:lnL>
+                    <a:lnR w="6350" cap="flat" cmpd="sng" algn="ctr">
+                      <a:solidFill>
+                        <a:srgbClr val="000000"/>
+                      </a:solidFill>
+                      <a:prstDash val="solid"/>
+                      <a:round/>
+                      <a:headEnd type="none" w="med" len="med"/>
+                      <a:tailEnd type="none" w="med" len="med"/>
+                    </a:lnR>
+                    <a:lnT w="6350" cap="flat" cmpd="sng" algn="ctr">
+                      <a:solidFill>
+                        <a:srgbClr val="000000"/>
+                      </a:solidFill>
+                      <a:prstDash val="solid"/>
+                      <a:round/>
+                      <a:headEnd type="none" w="med" len="med"/>
+                      <a:tailEnd type="none" w="med" len="med"/>
+                    </a:lnT>
+                    <a:lnB w="6350" cap="flat" cmpd="sng" algn="ctr">
+                      <a:solidFill>
+                        <a:srgbClr val="000000"/>
+                      </a:solidFill>
+                      <a:prstDash val="solid"/>
+                      <a:round/>
+                      <a:headEnd type="none" w="med" len="med"/>
+                      <a:tailEnd type="none" w="med" len="med"/>
+                    </a:lnB>
+                    <a:solidFill>
+                      <a:srgbClr val="99CCFF"/>
+                    </a:solidFill>
+                  </a:tcPr>
+                </a:tc>
+                <a:tc>
+                  <a:txBody>
+                    <a:bodyPr/>
+                    <a:lstStyle/>
+                    <a:p>
+                      <a:pPr algn="ctr" fontAlgn="t"/>
+                      <a:r>
+                        <a:rPr lang="en-GB" sz="1100" b="0" i="0" u="none" strike="noStrike">
+                          <a:effectLst/>
+                          <a:latin typeface="Calibri Light" panose="020F0302020204030204" pitchFamily="34" charset="0"/>
+                        </a:rPr>
+                        <a:t>M</a:t>
+                      </a:r>
+                    </a:p>
+                  </a:txBody>
+                  <a:tcPr marL="9525" marR="9525" marT="9525" marB="0">
+                    <a:lnL w="6350" cap="flat" cmpd="sng" algn="ctr">
+                      <a:solidFill>
+                        <a:srgbClr val="000000"/>
+                      </a:solidFill>
+                      <a:prstDash val="solid"/>
+                      <a:round/>
+                      <a:headEnd type="none" w="med" len="med"/>
+                      <a:tailEnd type="none" w="med" len="med"/>
+                    </a:lnL>
+                    <a:lnR w="6350" cap="flat" cmpd="sng" algn="ctr">
+                      <a:solidFill>
+                        <a:srgbClr val="000000"/>
+                      </a:solidFill>
+                      <a:prstDash val="solid"/>
+                      <a:round/>
+                      <a:headEnd type="none" w="med" len="med"/>
+                      <a:tailEnd type="none" w="med" len="med"/>
+                    </a:lnR>
+                    <a:lnT w="6350" cap="flat" cmpd="sng" algn="ctr">
+                      <a:solidFill>
+                        <a:srgbClr val="000000"/>
+                      </a:solidFill>
+                      <a:prstDash val="solid"/>
+                      <a:round/>
+                      <a:headEnd type="none" w="med" len="med"/>
+                      <a:tailEnd type="none" w="med" len="med"/>
+                    </a:lnT>
+                    <a:lnB w="6350" cap="flat" cmpd="sng" algn="ctr">
+                      <a:solidFill>
+                        <a:srgbClr val="000000"/>
+                      </a:solidFill>
+                      <a:prstDash val="solid"/>
+                      <a:round/>
+                      <a:headEnd type="none" w="med" len="med"/>
+                      <a:tailEnd type="none" w="med" len="med"/>
+                    </a:lnB>
+                    <a:solidFill>
+                      <a:srgbClr val="FFFF00"/>
+                    </a:solidFill>
+                  </a:tcPr>
+                </a:tc>
+                <a:tc>
+                  <a:txBody>
+                    <a:bodyPr/>
+                    <a:lstStyle/>
+                    <a:p>
+                      <a:pPr algn="l" fontAlgn="ctr"/>
+                      <a:r>
+                        <a:rPr lang="en-GB" sz="1100" b="0" i="0" u="none" strike="noStrike" dirty="0">
+                          <a:effectLst/>
+                          <a:latin typeface="Calibri Light" panose="020F0302020204030204" pitchFamily="34" charset="0"/>
+                        </a:rPr>
+                        <a:t> </a:t>
+                      </a:r>
+                    </a:p>
+                  </a:txBody>
+                  <a:tcPr marL="9525" marR="9525" marT="9525" marB="0" anchor="ctr">
+                    <a:lnL w="6350" cap="flat" cmpd="sng" algn="ctr">
+                      <a:solidFill>
+                        <a:srgbClr val="000000"/>
+                      </a:solidFill>
+                      <a:prstDash val="solid"/>
+                      <a:round/>
+                      <a:headEnd type="none" w="med" len="med"/>
+                      <a:tailEnd type="none" w="med" len="med"/>
+                    </a:lnL>
+                    <a:lnR w="6350" cap="flat" cmpd="sng" algn="ctr">
+                      <a:solidFill>
+                        <a:srgbClr val="000000"/>
+                      </a:solidFill>
+                      <a:prstDash val="solid"/>
+                      <a:round/>
+                      <a:headEnd type="none" w="med" len="med"/>
+                      <a:tailEnd type="none" w="med" len="med"/>
+                    </a:lnR>
+                    <a:lnT w="6350" cap="flat" cmpd="sng" algn="ctr">
+                      <a:solidFill>
+                        <a:srgbClr val="000000"/>
+                      </a:solidFill>
+                      <a:prstDash val="solid"/>
+                      <a:round/>
+                      <a:headEnd type="none" w="med" len="med"/>
+                      <a:tailEnd type="none" w="med" len="med"/>
+                    </a:lnT>
+                    <a:lnB w="6350" cap="flat" cmpd="sng" algn="ctr">
+                      <a:solidFill>
+                        <a:srgbClr val="000000"/>
+                      </a:solidFill>
+                      <a:prstDash val="solid"/>
+                      <a:round/>
+                      <a:headEnd type="none" w="med" len="med"/>
+                      <a:tailEnd type="none" w="med" len="med"/>
+                    </a:lnB>
+                    <a:pattFill prst="ltUpDiag">
+                      <a:fgClr>
+                        <a:srgbClr val="000000"/>
+                      </a:fgClr>
+                      <a:bgClr>
+                        <a:srgbClr val="FFFFFF"/>
+                      </a:bgClr>
+                    </a:pattFill>
+                  </a:tcPr>
+                </a:tc>
+                <a:extLst>
+                  <a:ext uri="{0D108BD9-81ED-4DB2-BD59-A6C34878D82A}">
+                    <a16:rowId xmlns:a16="http://schemas.microsoft.com/office/drawing/2014/main" val="2085235720"/>
+                  </a:ext>
+                </a:extLst>
+              </a:tr>
+            </a:tbl>
+          </a:graphicData>
+        </a:graphic>
+      </p:graphicFrame>
       <p:sp>
         <p:nvSpPr>
-          <p:cNvPr id="2" name="Title 1">
+          <p:cNvPr id="4" name="Title 1">
             <a:extLst>
               <a:ext uri="{FF2B5EF4-FFF2-40B4-BE49-F238E27FC236}">
-                <a16:creationId xmlns:a16="http://schemas.microsoft.com/office/drawing/2014/main" id="{F51A67E6-3E8B-4133-94E8-DE76C5D47AE4}"/>
+                <a16:creationId xmlns:a16="http://schemas.microsoft.com/office/drawing/2014/main" id="{AAAB5388-DB4D-4869-AC74-75FF5ED42042}"/>
               </a:ext>
             </a:extLst>
           </p:cNvPr>
-          <p:cNvSpPr>
-            <a:spLocks noGrp="1"/>
+          <p:cNvSpPr txBox="1">
+            <a:spLocks/>
           </p:cNvSpPr>
-          <p:nvPr>
-            <p:ph type="title"/>
-          </p:nvPr>
+          <p:nvPr/>
         </p:nvSpPr>
-        <p:spPr/>
+        <p:spPr>
+          <a:xfrm>
+            <a:off x="745435" y="285612"/>
+            <a:ext cx="10515600" cy="1325563"/>
+          </a:xfrm>
+          <a:prstGeom prst="rect">
+            <a:avLst/>
+          </a:prstGeom>
+        </p:spPr>
         <p:txBody>
-          <a:bodyPr>
-            <a:normAutofit fontScale="90000"/>
+          <a:bodyPr vert="horz" lIns="91440" tIns="45720" rIns="91440" bIns="45720" rtlCol="0" anchor="b">
+            <a:normAutofit fontScale="92500" lnSpcReduction="10000"/>
           </a:bodyPr>
-          <a:lstStyle/>
-          <a:p>
+          <a:lstStyle>
+            <a:lvl1pPr algn="ctr" defTabSz="914400" rtl="0" eaLnBrk="1" latinLnBrk="0" hangingPunct="1">
+              <a:lnSpc>
+                <a:spcPct val="90000"/>
+              </a:lnSpc>
+              <a:spcBef>
+                <a:spcPct val="0"/>
+              </a:spcBef>
+              <a:buNone/>
+              <a:defRPr sz="6000" kern="1200">
+                <a:solidFill>
+                  <a:schemeClr val="tx1"/>
+                </a:solidFill>
+                <a:latin typeface="+mj-lt"/>
+                <a:ea typeface="+mj-ea"/>
+                <a:cs typeface="+mj-cs"/>
+              </a:defRPr>
+            </a:lvl1pPr>
+          </a:lstStyle>
+          <a:p>
+            <a:pPr algn="l"/>
             <a:r>
               <a:rPr lang="en-GB" sz="4400" b="1" dirty="0">
                 <a:solidFill>
                   <a:srgbClr val="2E2D2C"/>
                 </a:solidFill>
-                <a:effectLst/>
                 <a:latin typeface="Montserrat"/>
                 <a:ea typeface="Calibri" panose="020F0502020204030204" pitchFamily="34" charset="0"/>
                 <a:cs typeface="Symbol" panose="05050102010706020507" pitchFamily="18" charset="2"/>
               </a:rPr>
-              <a:t>Sprint review</a:t>
+              <a:t>Risk Matrix</a:t>
             </a:r>
             <a:r>
               <a:rPr lang="en-GB" sz="4400" b="1" dirty="0">
                 <a:solidFill>
                   <a:srgbClr val="2E2D2C"/>
                 </a:solidFill>
-                <a:effectLst/>
                 <a:latin typeface="Montserrat Light"/>
                 <a:ea typeface="Calibri" panose="020F0502020204030204" pitchFamily="34" charset="0"/>
                 <a:cs typeface="Symbol" panose="05050102010706020507" pitchFamily="18" charset="2"/>
               </a:rPr>
-              <a:t>: </a:t>
-            </a:r>
-            <a:r>
-              <a:rPr lang="en-GB" sz="4400" dirty="0">
-                <a:solidFill>
-                  <a:srgbClr val="2E2D2C"/>
-                </a:solidFill>
-                <a:effectLst/>
-                <a:latin typeface="Montserrat Light"/>
-                <a:ea typeface="Calibri" panose="020F0502020204030204" pitchFamily="34" charset="0"/>
-                <a:cs typeface="Symbol" panose="05050102010706020507" pitchFamily="18" charset="2"/>
-              </a:rPr>
-              <a:t>What did you complete? What got left behind?</a:t>
+              <a:t>:</a:t>
             </a:r>
             <a:br>
               <a:rPr lang="en-GB" sz="4400" dirty="0">
                 <a:solidFill>
                   <a:srgbClr val="2E2D2C"/>
                 </a:solidFill>
-                <a:effectLst/>
                 <a:latin typeface="Segoe UI" panose="020B0502040204020203" pitchFamily="34" charset="0"/>
                 <a:ea typeface="Calibri" panose="020F0502020204030204" pitchFamily="34" charset="0"/>
                 <a:cs typeface="Symbol" panose="05050102010706020507" pitchFamily="18" charset="2"/>
@@ -6913,66 +10925,10 @@
           </a:p>
         </p:txBody>
       </p:sp>
-      <p:sp>
-        <p:nvSpPr>
-          <p:cNvPr id="3" name="Content Placeholder 2">
-            <a:extLst>
-              <a:ext uri="{FF2B5EF4-FFF2-40B4-BE49-F238E27FC236}">
-                <a16:creationId xmlns:a16="http://schemas.microsoft.com/office/drawing/2014/main" id="{142DDB05-701E-4CAD-AA7E-83B1FC04A953}"/>
-              </a:ext>
-            </a:extLst>
-          </p:cNvPr>
-          <p:cNvSpPr>
-            <a:spLocks noGrp="1"/>
-          </p:cNvSpPr>
-          <p:nvPr>
-            <p:ph idx="1"/>
-          </p:nvPr>
-        </p:nvSpPr>
-        <p:spPr/>
-        <p:txBody>
-          <a:bodyPr>
-            <a:normAutofit/>
-          </a:bodyPr>
-          <a:lstStyle/>
-          <a:p>
-            <a:pPr>
-              <a:lnSpc>
-                <a:spcPct val="107000"/>
-              </a:lnSpc>
-              <a:spcAft>
-                <a:spcPts val="800"/>
-              </a:spcAft>
-            </a:pPr>
-            <a:r>
-              <a:rPr lang="en-GB" sz="1800" dirty="0">
-                <a:solidFill>
-                  <a:srgbClr val="2E2D2C"/>
-                </a:solidFill>
-                <a:effectLst/>
-                <a:latin typeface="Montserrat Light"/>
-                <a:ea typeface="Calibri" panose="020F0502020204030204" pitchFamily="34" charset="0"/>
-              </a:rPr>
-              <a:t> </a:t>
-            </a:r>
-            <a:endParaRPr lang="en-GB" sz="1800" dirty="0">
-              <a:solidFill>
-                <a:srgbClr val="2E2D2C"/>
-              </a:solidFill>
-              <a:effectLst/>
-              <a:latin typeface="Segoe UI" panose="020B0502040204020203" pitchFamily="34" charset="0"/>
-              <a:ea typeface="Calibri" panose="020F0502020204030204" pitchFamily="34" charset="0"/>
-            </a:endParaRPr>
-          </a:p>
-          <a:p>
-            <a:endParaRPr lang="en-GB" dirty="0"/>
-          </a:p>
-        </p:txBody>
-      </p:sp>
     </p:spTree>
     <p:extLst>
       <p:ext uri="{BB962C8B-B14F-4D97-AF65-F5344CB8AC3E}">
-        <p14:creationId xmlns:p14="http://schemas.microsoft.com/office/powerpoint/2010/main" val="1245832418"/>
+        <p14:creationId xmlns:p14="http://schemas.microsoft.com/office/powerpoint/2010/main" val="1022003681"/>
       </p:ext>
     </p:extLst>
   </p:cSld>
@@ -7001,69 +10957,79 @@
       </p:grpSpPr>
       <p:sp>
         <p:nvSpPr>
-          <p:cNvPr id="2" name="Title 1">
+          <p:cNvPr id="4" name="Title 1">
             <a:extLst>
               <a:ext uri="{FF2B5EF4-FFF2-40B4-BE49-F238E27FC236}">
-                <a16:creationId xmlns:a16="http://schemas.microsoft.com/office/drawing/2014/main" id="{F51A67E6-3E8B-4133-94E8-DE76C5D47AE4}"/>
+                <a16:creationId xmlns:a16="http://schemas.microsoft.com/office/drawing/2014/main" id="{AAAB5388-DB4D-4869-AC74-75FF5ED42042}"/>
               </a:ext>
             </a:extLst>
           </p:cNvPr>
-          <p:cNvSpPr>
-            <a:spLocks noGrp="1"/>
+          <p:cNvSpPr txBox="1">
+            <a:spLocks/>
           </p:cNvSpPr>
-          <p:nvPr>
-            <p:ph type="title"/>
-          </p:nvPr>
+          <p:nvPr/>
         </p:nvSpPr>
-        <p:spPr/>
+        <p:spPr>
+          <a:xfrm>
+            <a:off x="745435" y="285612"/>
+            <a:ext cx="10515600" cy="1325563"/>
+          </a:xfrm>
+          <a:prstGeom prst="rect">
+            <a:avLst/>
+          </a:prstGeom>
+        </p:spPr>
         <p:txBody>
-          <a:bodyPr>
-            <a:normAutofit fontScale="90000"/>
+          <a:bodyPr vert="horz" lIns="91440" tIns="45720" rIns="91440" bIns="45720" rtlCol="0" anchor="b">
+            <a:normAutofit fontScale="92500" lnSpcReduction="10000"/>
           </a:bodyPr>
-          <a:lstStyle/>
-          <a:p>
+          <a:lstStyle>
+            <a:lvl1pPr algn="ctr" defTabSz="914400" rtl="0" eaLnBrk="1" latinLnBrk="0" hangingPunct="1">
+              <a:lnSpc>
+                <a:spcPct val="90000"/>
+              </a:lnSpc>
+              <a:spcBef>
+                <a:spcPct val="0"/>
+              </a:spcBef>
+              <a:buNone/>
+              <a:defRPr sz="6000" kern="1200">
+                <a:solidFill>
+                  <a:schemeClr val="tx1"/>
+                </a:solidFill>
+                <a:latin typeface="+mj-lt"/>
+                <a:ea typeface="+mj-ea"/>
+                <a:cs typeface="+mj-cs"/>
+              </a:defRPr>
+            </a:lvl1pPr>
+          </a:lstStyle>
+          <a:p>
+            <a:pPr algn="l"/>
             <a:r>
               <a:rPr lang="en-GB" sz="4400" b="1" dirty="0">
                 <a:solidFill>
                   <a:srgbClr val="2E2D2C"/>
                 </a:solidFill>
-                <a:effectLst/>
                 <a:latin typeface="Montserrat"/>
                 <a:ea typeface="Calibri" panose="020F0502020204030204" pitchFamily="34" charset="0"/>
                 <a:cs typeface="Symbol" panose="05050102010706020507" pitchFamily="18" charset="2"/>
               </a:rPr>
-              <a:t>Sprint retrospective</a:t>
+              <a:t>Risk Matrix</a:t>
             </a:r>
             <a:r>
               <a:rPr lang="en-GB" sz="4400" b="1" dirty="0">
                 <a:solidFill>
                   <a:srgbClr val="2E2D2C"/>
                 </a:solidFill>
-                <a:effectLst/>
                 <a:latin typeface="Montserrat Light"/>
                 <a:ea typeface="Calibri" panose="020F0502020204030204" pitchFamily="34" charset="0"/>
                 <a:cs typeface="Symbol" panose="05050102010706020507" pitchFamily="18" charset="2"/>
               </a:rPr>
-              <a:t>: </a:t>
-            </a:r>
-            <a:r>
-              <a:rPr lang="en-GB" sz="4400" dirty="0">
-                <a:solidFill>
-                  <a:srgbClr val="2E2D2C"/>
-                </a:solidFill>
-                <a:effectLst/>
-                <a:latin typeface="Montserrat Light"/>
-                <a:ea typeface="Calibri" panose="020F0502020204030204" pitchFamily="34" charset="0"/>
-                <a:cs typeface="Symbol" panose="05050102010706020507" pitchFamily="18" charset="2"/>
-              </a:rPr>
-              <a:t>What went well? What could be improved?</a:t>
+              <a:t>:</a:t>
             </a:r>
             <a:br>
               <a:rPr lang="en-GB" sz="4400" dirty="0">
                 <a:solidFill>
                   <a:srgbClr val="2E2D2C"/>
                 </a:solidFill>
-                <a:effectLst/>
                 <a:latin typeface="Segoe UI" panose="020B0502040204020203" pitchFamily="34" charset="0"/>
                 <a:ea typeface="Calibri" panose="020F0502020204030204" pitchFamily="34" charset="0"/>
                 <a:cs typeface="Symbol" panose="05050102010706020507" pitchFamily="18" charset="2"/>
@@ -7073,66 +11039,2818 @@
           </a:p>
         </p:txBody>
       </p:sp>
-      <p:sp>
-        <p:nvSpPr>
-          <p:cNvPr id="3" name="Content Placeholder 2">
+      <p:graphicFrame>
+        <p:nvGraphicFramePr>
+          <p:cNvPr id="3" name="Table 2">
             <a:extLst>
               <a:ext uri="{FF2B5EF4-FFF2-40B4-BE49-F238E27FC236}">
-                <a16:creationId xmlns:a16="http://schemas.microsoft.com/office/drawing/2014/main" id="{142DDB05-701E-4CAD-AA7E-83B1FC04A953}"/>
+                <a16:creationId xmlns:a16="http://schemas.microsoft.com/office/drawing/2014/main" id="{094BA936-2250-4C5B-8B67-0E84BE49820D}"/>
               </a:ext>
             </a:extLst>
           </p:cNvPr>
-          <p:cNvSpPr>
-            <a:spLocks noGrp="1"/>
-          </p:cNvSpPr>
+          <p:cNvGraphicFramePr>
+            <a:graphicFrameLocks noGrp="1"/>
+          </p:cNvGraphicFramePr>
           <p:nvPr>
-            <p:ph idx="1"/>
+            <p:extLst>
+              <p:ext uri="{D42A27DB-BD31-4B8C-83A1-F6EECF244321}">
+                <p14:modId xmlns:p14="http://schemas.microsoft.com/office/powerpoint/2010/main" val="2486485451"/>
+              </p:ext>
+            </p:extLst>
           </p:nvPr>
-        </p:nvSpPr>
-        <p:spPr/>
-        <p:txBody>
-          <a:bodyPr>
-            <a:normAutofit/>
-          </a:bodyPr>
-          <a:lstStyle/>
-          <a:p>
-            <a:pPr>
-              <a:lnSpc>
-                <a:spcPct val="107000"/>
-              </a:lnSpc>
-              <a:spcAft>
-                <a:spcPts val="800"/>
-              </a:spcAft>
-            </a:pPr>
-            <a:r>
-              <a:rPr lang="en-GB" sz="1800" dirty="0">
-                <a:solidFill>
-                  <a:srgbClr val="2E2D2C"/>
-                </a:solidFill>
-                <a:effectLst/>
-                <a:latin typeface="Montserrat Light"/>
-                <a:ea typeface="Calibri" panose="020F0502020204030204" pitchFamily="34" charset="0"/>
-              </a:rPr>
-              <a:t> </a:t>
-            </a:r>
-            <a:endParaRPr lang="en-GB" sz="1800" dirty="0">
-              <a:solidFill>
-                <a:srgbClr val="2E2D2C"/>
-              </a:solidFill>
-              <a:effectLst/>
-              <a:latin typeface="Segoe UI" panose="020B0502040204020203" pitchFamily="34" charset="0"/>
-              <a:ea typeface="Calibri" panose="020F0502020204030204" pitchFamily="34" charset="0"/>
-            </a:endParaRPr>
-          </a:p>
-          <a:p>
-            <a:endParaRPr lang="en-GB" dirty="0"/>
-          </a:p>
-        </p:txBody>
-      </p:sp>
+        </p:nvGraphicFramePr>
+        <p:xfrm>
+          <a:off x="930965" y="1086228"/>
+          <a:ext cx="7643193" cy="5486157"/>
+        </p:xfrm>
+        <a:graphic>
+          <a:graphicData uri="http://schemas.openxmlformats.org/drawingml/2006/table">
+            <a:tbl>
+              <a:tblPr/>
+              <a:tblGrid>
+                <a:gridCol w="3114190">
+                  <a:extLst>
+                    <a:ext uri="{9D8B030D-6E8A-4147-A177-3AD203B41FA5}">
+                      <a16:colId xmlns:a16="http://schemas.microsoft.com/office/drawing/2014/main" val="1262422403"/>
+                    </a:ext>
+                  </a:extLst>
+                </a:gridCol>
+                <a:gridCol w="468933">
+                  <a:extLst>
+                    <a:ext uri="{9D8B030D-6E8A-4147-A177-3AD203B41FA5}">
+                      <a16:colId xmlns:a16="http://schemas.microsoft.com/office/drawing/2014/main" val="3211145593"/>
+                    </a:ext>
+                  </a:extLst>
+                </a:gridCol>
+                <a:gridCol w="661315">
+                  <a:extLst>
+                    <a:ext uri="{9D8B030D-6E8A-4147-A177-3AD203B41FA5}">
+                      <a16:colId xmlns:a16="http://schemas.microsoft.com/office/drawing/2014/main" val="3019721525"/>
+                    </a:ext>
+                  </a:extLst>
+                </a:gridCol>
+                <a:gridCol w="3398755">
+                  <a:extLst>
+                    <a:ext uri="{9D8B030D-6E8A-4147-A177-3AD203B41FA5}">
+                      <a16:colId xmlns:a16="http://schemas.microsoft.com/office/drawing/2014/main" val="696479095"/>
+                    </a:ext>
+                  </a:extLst>
+                </a:gridCol>
+              </a:tblGrid>
+              <a:tr h="429791">
+                <a:tc>
+                  <a:txBody>
+                    <a:bodyPr/>
+                    <a:lstStyle/>
+                    <a:p>
+                      <a:pPr algn="ctr" fontAlgn="ctr"/>
+                      <a:r>
+                        <a:rPr lang="en-GB" sz="1000" b="1" i="0" u="none" strike="noStrike">
+                          <a:effectLst/>
+                          <a:latin typeface="Calibri Light" panose="020F0302020204030204" pitchFamily="34" charset="0"/>
+                        </a:rPr>
+                        <a:t>Risk Category</a:t>
+                      </a:r>
+                    </a:p>
+                  </a:txBody>
+                  <a:tcPr marL="9525" marR="9525" marT="9525" marB="0" anchor="ctr">
+                    <a:lnL w="6350" cap="flat" cmpd="sng" algn="ctr">
+                      <a:solidFill>
+                        <a:srgbClr val="000000"/>
+                      </a:solidFill>
+                      <a:prstDash val="solid"/>
+                      <a:round/>
+                      <a:headEnd type="none" w="med" len="med"/>
+                      <a:tailEnd type="none" w="med" len="med"/>
+                    </a:lnL>
+                    <a:lnR w="6350" cap="flat" cmpd="sng" algn="ctr">
+                      <a:solidFill>
+                        <a:srgbClr val="000000"/>
+                      </a:solidFill>
+                      <a:prstDash val="solid"/>
+                      <a:round/>
+                      <a:headEnd type="none" w="med" len="med"/>
+                      <a:tailEnd type="none" w="med" len="med"/>
+                    </a:lnR>
+                    <a:lnT w="6350" cap="flat" cmpd="sng" algn="ctr">
+                      <a:solidFill>
+                        <a:srgbClr val="000000"/>
+                      </a:solidFill>
+                      <a:prstDash val="solid"/>
+                      <a:round/>
+                      <a:headEnd type="none" w="med" len="med"/>
+                      <a:tailEnd type="none" w="med" len="med"/>
+                    </a:lnT>
+                    <a:lnB w="6350" cap="flat" cmpd="sng" algn="ctr">
+                      <a:solidFill>
+                        <a:srgbClr val="000000"/>
+                      </a:solidFill>
+                      <a:prstDash val="solid"/>
+                      <a:round/>
+                      <a:headEnd type="none" w="med" len="med"/>
+                      <a:tailEnd type="none" w="med" len="med"/>
+                    </a:lnB>
+                  </a:tcPr>
+                </a:tc>
+                <a:tc>
+                  <a:txBody>
+                    <a:bodyPr/>
+                    <a:lstStyle/>
+                    <a:p>
+                      <a:pPr algn="ctr" fontAlgn="ctr"/>
+                      <a:r>
+                        <a:rPr lang="en-GB" sz="1000" b="1" i="0" u="none" strike="noStrike">
+                          <a:effectLst/>
+                          <a:latin typeface="Calibri Light" panose="020F0302020204030204" pitchFamily="34" charset="0"/>
+                        </a:rPr>
+                        <a:t>Score</a:t>
+                      </a:r>
+                    </a:p>
+                  </a:txBody>
+                  <a:tcPr marL="9525" marR="9525" marT="9525" marB="0" anchor="ctr">
+                    <a:lnL w="6350" cap="flat" cmpd="sng" algn="ctr">
+                      <a:solidFill>
+                        <a:srgbClr val="000000"/>
+                      </a:solidFill>
+                      <a:prstDash val="solid"/>
+                      <a:round/>
+                      <a:headEnd type="none" w="med" len="med"/>
+                      <a:tailEnd type="none" w="med" len="med"/>
+                    </a:lnL>
+                    <a:lnR w="6350" cap="flat" cmpd="sng" algn="ctr">
+                      <a:solidFill>
+                        <a:srgbClr val="000000"/>
+                      </a:solidFill>
+                      <a:prstDash val="solid"/>
+                      <a:round/>
+                      <a:headEnd type="none" w="med" len="med"/>
+                      <a:tailEnd type="none" w="med" len="med"/>
+                    </a:lnR>
+                    <a:lnT w="6350" cap="flat" cmpd="sng" algn="ctr">
+                      <a:solidFill>
+                        <a:srgbClr val="000000"/>
+                      </a:solidFill>
+                      <a:prstDash val="solid"/>
+                      <a:round/>
+                      <a:headEnd type="none" w="med" len="med"/>
+                      <a:tailEnd type="none" w="med" len="med"/>
+                    </a:lnT>
+                    <a:lnB w="6350" cap="flat" cmpd="sng" algn="ctr">
+                      <a:solidFill>
+                        <a:srgbClr val="000000"/>
+                      </a:solidFill>
+                      <a:prstDash val="solid"/>
+                      <a:round/>
+                      <a:headEnd type="none" w="med" len="med"/>
+                      <a:tailEnd type="none" w="med" len="med"/>
+                    </a:lnB>
+                  </a:tcPr>
+                </a:tc>
+                <a:tc>
+                  <a:txBody>
+                    <a:bodyPr/>
+                    <a:lstStyle/>
+                    <a:p>
+                      <a:pPr algn="ctr" fontAlgn="ctr"/>
+                      <a:r>
+                        <a:rPr lang="en-GB" sz="1000" b="1" i="0" u="none" strike="noStrike">
+                          <a:effectLst/>
+                          <a:latin typeface="Calibri Light" panose="020F0302020204030204" pitchFamily="34" charset="0"/>
+                        </a:rPr>
+                        <a:t>Ranking</a:t>
+                      </a:r>
+                    </a:p>
+                  </a:txBody>
+                  <a:tcPr marL="9525" marR="9525" marT="9525" marB="0" anchor="ctr">
+                    <a:lnL w="6350" cap="flat" cmpd="sng" algn="ctr">
+                      <a:solidFill>
+                        <a:srgbClr val="000000"/>
+                      </a:solidFill>
+                      <a:prstDash val="solid"/>
+                      <a:round/>
+                      <a:headEnd type="none" w="med" len="med"/>
+                      <a:tailEnd type="none" w="med" len="med"/>
+                    </a:lnL>
+                    <a:lnR w="6350" cap="flat" cmpd="sng" algn="ctr">
+                      <a:solidFill>
+                        <a:srgbClr val="000000"/>
+                      </a:solidFill>
+                      <a:prstDash val="solid"/>
+                      <a:round/>
+                      <a:headEnd type="none" w="med" len="med"/>
+                      <a:tailEnd type="none" w="med" len="med"/>
+                    </a:lnR>
+                    <a:lnT w="6350" cap="flat" cmpd="sng" algn="ctr">
+                      <a:solidFill>
+                        <a:srgbClr val="000000"/>
+                      </a:solidFill>
+                      <a:prstDash val="solid"/>
+                      <a:round/>
+                      <a:headEnd type="none" w="med" len="med"/>
+                      <a:tailEnd type="none" w="med" len="med"/>
+                    </a:lnT>
+                    <a:lnB w="6350" cap="flat" cmpd="sng" algn="ctr">
+                      <a:solidFill>
+                        <a:srgbClr val="000000"/>
+                      </a:solidFill>
+                      <a:prstDash val="solid"/>
+                      <a:round/>
+                      <a:headEnd type="none" w="med" len="med"/>
+                      <a:tailEnd type="none" w="med" len="med"/>
+                    </a:lnB>
+                  </a:tcPr>
+                </a:tc>
+                <a:tc>
+                  <a:txBody>
+                    <a:bodyPr/>
+                    <a:lstStyle/>
+                    <a:p>
+                      <a:pPr algn="ctr" fontAlgn="ctr"/>
+                      <a:r>
+                        <a:rPr lang="en-GB" sz="1000" b="1" i="0" u="none" strike="noStrike">
+                          <a:effectLst/>
+                          <a:latin typeface="Calibri Light" panose="020F0302020204030204" pitchFamily="34" charset="0"/>
+                        </a:rPr>
+                        <a:t>Risk Mitigation Strategy</a:t>
+                      </a:r>
+                    </a:p>
+                  </a:txBody>
+                  <a:tcPr marL="9525" marR="9525" marT="9525" marB="0" anchor="ctr">
+                    <a:lnL w="6350" cap="flat" cmpd="sng" algn="ctr">
+                      <a:solidFill>
+                        <a:srgbClr val="000000"/>
+                      </a:solidFill>
+                      <a:prstDash val="solid"/>
+                      <a:round/>
+                      <a:headEnd type="none" w="med" len="med"/>
+                      <a:tailEnd type="none" w="med" len="med"/>
+                    </a:lnL>
+                    <a:lnR w="6350" cap="flat" cmpd="sng" algn="ctr">
+                      <a:solidFill>
+                        <a:srgbClr val="000000"/>
+                      </a:solidFill>
+                      <a:prstDash val="solid"/>
+                      <a:round/>
+                      <a:headEnd type="none" w="med" len="med"/>
+                      <a:tailEnd type="none" w="med" len="med"/>
+                    </a:lnR>
+                    <a:lnT w="6350" cap="flat" cmpd="sng" algn="ctr">
+                      <a:solidFill>
+                        <a:srgbClr val="000000"/>
+                      </a:solidFill>
+                      <a:prstDash val="solid"/>
+                      <a:round/>
+                      <a:headEnd type="none" w="med" len="med"/>
+                      <a:tailEnd type="none" w="med" len="med"/>
+                    </a:lnT>
+                    <a:lnB w="6350" cap="flat" cmpd="sng" algn="ctr">
+                      <a:solidFill>
+                        <a:srgbClr val="000000"/>
+                      </a:solidFill>
+                      <a:prstDash val="solid"/>
+                      <a:round/>
+                      <a:headEnd type="none" w="med" len="med"/>
+                      <a:tailEnd type="none" w="med" len="med"/>
+                    </a:lnB>
+                  </a:tcPr>
+                </a:tc>
+                <a:extLst>
+                  <a:ext uri="{0D108BD9-81ED-4DB2-BD59-A6C34878D82A}">
+                    <a16:rowId xmlns:a16="http://schemas.microsoft.com/office/drawing/2014/main" val="928168888"/>
+                  </a:ext>
+                </a:extLst>
+              </a:tr>
+              <a:tr h="429791">
+                <a:tc>
+                  <a:txBody>
+                    <a:bodyPr/>
+                    <a:lstStyle/>
+                    <a:p>
+                      <a:pPr algn="l" fontAlgn="t"/>
+                      <a:r>
+                        <a:rPr lang="en-GB" sz="1000" b="1" i="0" u="none" strike="noStrike">
+                          <a:effectLst/>
+                          <a:latin typeface="Calibri Light" panose="020F0302020204030204" pitchFamily="34" charset="0"/>
+                        </a:rPr>
+                        <a:t>1)  Lack of planning</a:t>
+                      </a:r>
+                    </a:p>
+                  </a:txBody>
+                  <a:tcPr marL="9525" marR="9525" marT="9525" marB="0">
+                    <a:lnL w="6350" cap="flat" cmpd="sng" algn="ctr">
+                      <a:solidFill>
+                        <a:srgbClr val="000000"/>
+                      </a:solidFill>
+                      <a:prstDash val="solid"/>
+                      <a:round/>
+                      <a:headEnd type="none" w="med" len="med"/>
+                      <a:tailEnd type="none" w="med" len="med"/>
+                    </a:lnL>
+                    <a:lnR w="6350" cap="flat" cmpd="sng" algn="ctr">
+                      <a:solidFill>
+                        <a:srgbClr val="000000"/>
+                      </a:solidFill>
+                      <a:prstDash val="solid"/>
+                      <a:round/>
+                      <a:headEnd type="none" w="med" len="med"/>
+                      <a:tailEnd type="none" w="med" len="med"/>
+                    </a:lnR>
+                    <a:lnT w="6350" cap="flat" cmpd="sng" algn="ctr">
+                      <a:solidFill>
+                        <a:srgbClr val="000000"/>
+                      </a:solidFill>
+                      <a:prstDash val="solid"/>
+                      <a:round/>
+                      <a:headEnd type="none" w="med" len="med"/>
+                      <a:tailEnd type="none" w="med" len="med"/>
+                    </a:lnT>
+                    <a:lnB w="6350" cap="flat" cmpd="sng" algn="ctr">
+                      <a:solidFill>
+                        <a:srgbClr val="000000"/>
+                      </a:solidFill>
+                      <a:prstDash val="solid"/>
+                      <a:round/>
+                      <a:headEnd type="none" w="med" len="med"/>
+                      <a:tailEnd type="none" w="med" len="med"/>
+                    </a:lnB>
+                  </a:tcPr>
+                </a:tc>
+                <a:tc>
+                  <a:txBody>
+                    <a:bodyPr/>
+                    <a:lstStyle/>
+                    <a:p>
+                      <a:pPr algn="ctr" fontAlgn="t"/>
+                      <a:r>
+                        <a:rPr lang="en-GB" sz="1100" b="0" i="0" u="none" strike="noStrike">
+                          <a:effectLst/>
+                          <a:latin typeface="Calibri Light" panose="020F0302020204030204" pitchFamily="34" charset="0"/>
+                        </a:rPr>
+                        <a:t>8</a:t>
+                      </a:r>
+                    </a:p>
+                  </a:txBody>
+                  <a:tcPr marL="9525" marR="9525" marT="9525" marB="0">
+                    <a:lnL w="6350" cap="flat" cmpd="sng" algn="ctr">
+                      <a:solidFill>
+                        <a:srgbClr val="000000"/>
+                      </a:solidFill>
+                      <a:prstDash val="solid"/>
+                      <a:round/>
+                      <a:headEnd type="none" w="med" len="med"/>
+                      <a:tailEnd type="none" w="med" len="med"/>
+                    </a:lnL>
+                    <a:lnR w="6350" cap="flat" cmpd="sng" algn="ctr">
+                      <a:solidFill>
+                        <a:srgbClr val="000000"/>
+                      </a:solidFill>
+                      <a:prstDash val="solid"/>
+                      <a:round/>
+                      <a:headEnd type="none" w="med" len="med"/>
+                      <a:tailEnd type="none" w="med" len="med"/>
+                    </a:lnR>
+                    <a:lnT w="6350" cap="flat" cmpd="sng" algn="ctr">
+                      <a:solidFill>
+                        <a:srgbClr val="000000"/>
+                      </a:solidFill>
+                      <a:prstDash val="solid"/>
+                      <a:round/>
+                      <a:headEnd type="none" w="med" len="med"/>
+                      <a:tailEnd type="none" w="med" len="med"/>
+                    </a:lnT>
+                    <a:lnB w="6350" cap="flat" cmpd="sng" algn="ctr">
+                      <a:solidFill>
+                        <a:srgbClr val="000000"/>
+                      </a:solidFill>
+                      <a:prstDash val="solid"/>
+                      <a:round/>
+                      <a:headEnd type="none" w="med" len="med"/>
+                      <a:tailEnd type="none" w="med" len="med"/>
+                    </a:lnB>
+                    <a:solidFill>
+                      <a:srgbClr val="99CCFF"/>
+                    </a:solidFill>
+                  </a:tcPr>
+                </a:tc>
+                <a:tc>
+                  <a:txBody>
+                    <a:bodyPr/>
+                    <a:lstStyle/>
+                    <a:p>
+                      <a:pPr algn="ctr" fontAlgn="t"/>
+                      <a:r>
+                        <a:rPr lang="en-GB" sz="1100" b="0" i="0" u="none" strike="noStrike">
+                          <a:effectLst/>
+                          <a:latin typeface="Calibri Light" panose="020F0302020204030204" pitchFamily="34" charset="0"/>
+                        </a:rPr>
+                        <a:t>H</a:t>
+                      </a:r>
+                    </a:p>
+                  </a:txBody>
+                  <a:tcPr marL="9525" marR="9525" marT="9525" marB="0">
+                    <a:lnL w="6350" cap="flat" cmpd="sng" algn="ctr">
+                      <a:solidFill>
+                        <a:srgbClr val="000000"/>
+                      </a:solidFill>
+                      <a:prstDash val="solid"/>
+                      <a:round/>
+                      <a:headEnd type="none" w="med" len="med"/>
+                      <a:tailEnd type="none" w="med" len="med"/>
+                    </a:lnL>
+                    <a:lnR w="6350" cap="flat" cmpd="sng" algn="ctr">
+                      <a:solidFill>
+                        <a:srgbClr val="000000"/>
+                      </a:solidFill>
+                      <a:prstDash val="solid"/>
+                      <a:round/>
+                      <a:headEnd type="none" w="med" len="med"/>
+                      <a:tailEnd type="none" w="med" len="med"/>
+                    </a:lnR>
+                    <a:lnT w="6350" cap="flat" cmpd="sng" algn="ctr">
+                      <a:solidFill>
+                        <a:srgbClr val="000000"/>
+                      </a:solidFill>
+                      <a:prstDash val="solid"/>
+                      <a:round/>
+                      <a:headEnd type="none" w="med" len="med"/>
+                      <a:tailEnd type="none" w="med" len="med"/>
+                    </a:lnT>
+                    <a:lnB w="6350" cap="flat" cmpd="sng" algn="ctr">
+                      <a:solidFill>
+                        <a:srgbClr val="000000"/>
+                      </a:solidFill>
+                      <a:prstDash val="solid"/>
+                      <a:round/>
+                      <a:headEnd type="none" w="med" len="med"/>
+                      <a:tailEnd type="none" w="med" len="med"/>
+                    </a:lnB>
+                    <a:solidFill>
+                      <a:srgbClr val="FF0000"/>
+                    </a:solidFill>
+                  </a:tcPr>
+                </a:tc>
+                <a:tc>
+                  <a:txBody>
+                    <a:bodyPr/>
+                    <a:lstStyle/>
+                    <a:p>
+                      <a:pPr algn="l" fontAlgn="t"/>
+                      <a:r>
+                        <a:rPr lang="en-GB" sz="1000" b="0" i="0" u="none" strike="noStrike">
+                          <a:effectLst/>
+                          <a:latin typeface="Calibri Light" panose="020F0302020204030204" pitchFamily="34" charset="0"/>
+                        </a:rPr>
+                        <a:t>Project plan with Kanban board and continously update.  Establish clear goals.</a:t>
+                      </a:r>
+                    </a:p>
+                  </a:txBody>
+                  <a:tcPr marL="9525" marR="9525" marT="9525" marB="0">
+                    <a:lnL w="6350" cap="flat" cmpd="sng" algn="ctr">
+                      <a:solidFill>
+                        <a:srgbClr val="000000"/>
+                      </a:solidFill>
+                      <a:prstDash val="solid"/>
+                      <a:round/>
+                      <a:headEnd type="none" w="med" len="med"/>
+                      <a:tailEnd type="none" w="med" len="med"/>
+                    </a:lnL>
+                    <a:lnR w="6350" cap="flat" cmpd="sng" algn="ctr">
+                      <a:solidFill>
+                        <a:srgbClr val="000000"/>
+                      </a:solidFill>
+                      <a:prstDash val="solid"/>
+                      <a:round/>
+                      <a:headEnd type="none" w="med" len="med"/>
+                      <a:tailEnd type="none" w="med" len="med"/>
+                    </a:lnR>
+                    <a:lnT w="6350" cap="flat" cmpd="sng" algn="ctr">
+                      <a:solidFill>
+                        <a:srgbClr val="000000"/>
+                      </a:solidFill>
+                      <a:prstDash val="solid"/>
+                      <a:round/>
+                      <a:headEnd type="none" w="med" len="med"/>
+                      <a:tailEnd type="none" w="med" len="med"/>
+                    </a:lnT>
+                    <a:lnB w="6350" cap="flat" cmpd="sng" algn="ctr">
+                      <a:solidFill>
+                        <a:srgbClr val="000000"/>
+                      </a:solidFill>
+                      <a:prstDash val="solid"/>
+                      <a:round/>
+                      <a:headEnd type="none" w="med" len="med"/>
+                      <a:tailEnd type="none" w="med" len="med"/>
+                    </a:lnB>
+                  </a:tcPr>
+                </a:tc>
+                <a:extLst>
+                  <a:ext uri="{0D108BD9-81ED-4DB2-BD59-A6C34878D82A}">
+                    <a16:rowId xmlns:a16="http://schemas.microsoft.com/office/drawing/2014/main" val="2310572852"/>
+                  </a:ext>
+                </a:extLst>
+              </a:tr>
+              <a:tr h="429791">
+                <a:tc>
+                  <a:txBody>
+                    <a:bodyPr/>
+                    <a:lstStyle/>
+                    <a:p>
+                      <a:pPr algn="l" fontAlgn="t"/>
+                      <a:r>
+                        <a:rPr lang="en-GB" sz="1000" b="1" i="0" u="none" strike="noStrike">
+                          <a:effectLst/>
+                          <a:latin typeface="Calibri Light" panose="020F0302020204030204" pitchFamily="34" charset="0"/>
+                        </a:rPr>
+                        <a:t>2)  Unrealistic schedule</a:t>
+                      </a:r>
+                    </a:p>
+                  </a:txBody>
+                  <a:tcPr marL="9525" marR="9525" marT="9525" marB="0">
+                    <a:lnL w="6350" cap="flat" cmpd="sng" algn="ctr">
+                      <a:solidFill>
+                        <a:srgbClr val="000000"/>
+                      </a:solidFill>
+                      <a:prstDash val="solid"/>
+                      <a:round/>
+                      <a:headEnd type="none" w="med" len="med"/>
+                      <a:tailEnd type="none" w="med" len="med"/>
+                    </a:lnL>
+                    <a:lnR w="6350" cap="flat" cmpd="sng" algn="ctr">
+                      <a:solidFill>
+                        <a:srgbClr val="000000"/>
+                      </a:solidFill>
+                      <a:prstDash val="solid"/>
+                      <a:round/>
+                      <a:headEnd type="none" w="med" len="med"/>
+                      <a:tailEnd type="none" w="med" len="med"/>
+                    </a:lnR>
+                    <a:lnT w="6350" cap="flat" cmpd="sng" algn="ctr">
+                      <a:solidFill>
+                        <a:srgbClr val="000000"/>
+                      </a:solidFill>
+                      <a:prstDash val="solid"/>
+                      <a:round/>
+                      <a:headEnd type="none" w="med" len="med"/>
+                      <a:tailEnd type="none" w="med" len="med"/>
+                    </a:lnT>
+                    <a:lnB w="6350" cap="flat" cmpd="sng" algn="ctr">
+                      <a:solidFill>
+                        <a:srgbClr val="000000"/>
+                      </a:solidFill>
+                      <a:prstDash val="solid"/>
+                      <a:round/>
+                      <a:headEnd type="none" w="med" len="med"/>
+                      <a:tailEnd type="none" w="med" len="med"/>
+                    </a:lnB>
+                  </a:tcPr>
+                </a:tc>
+                <a:tc>
+                  <a:txBody>
+                    <a:bodyPr/>
+                    <a:lstStyle/>
+                    <a:p>
+                      <a:pPr algn="ctr" fontAlgn="t"/>
+                      <a:r>
+                        <a:rPr lang="en-GB" sz="1100" b="0" i="0" u="none" strike="noStrike">
+                          <a:effectLst/>
+                          <a:latin typeface="Calibri Light" panose="020F0302020204030204" pitchFamily="34" charset="0"/>
+                        </a:rPr>
+                        <a:t>6</a:t>
+                      </a:r>
+                    </a:p>
+                  </a:txBody>
+                  <a:tcPr marL="9525" marR="9525" marT="9525" marB="0">
+                    <a:lnL w="6350" cap="flat" cmpd="sng" algn="ctr">
+                      <a:solidFill>
+                        <a:srgbClr val="000000"/>
+                      </a:solidFill>
+                      <a:prstDash val="solid"/>
+                      <a:round/>
+                      <a:headEnd type="none" w="med" len="med"/>
+                      <a:tailEnd type="none" w="med" len="med"/>
+                    </a:lnL>
+                    <a:lnR w="6350" cap="flat" cmpd="sng" algn="ctr">
+                      <a:solidFill>
+                        <a:srgbClr val="000000"/>
+                      </a:solidFill>
+                      <a:prstDash val="solid"/>
+                      <a:round/>
+                      <a:headEnd type="none" w="med" len="med"/>
+                      <a:tailEnd type="none" w="med" len="med"/>
+                    </a:lnR>
+                    <a:lnT w="6350" cap="flat" cmpd="sng" algn="ctr">
+                      <a:solidFill>
+                        <a:srgbClr val="000000"/>
+                      </a:solidFill>
+                      <a:prstDash val="solid"/>
+                      <a:round/>
+                      <a:headEnd type="none" w="med" len="med"/>
+                      <a:tailEnd type="none" w="med" len="med"/>
+                    </a:lnT>
+                    <a:lnB w="6350" cap="flat" cmpd="sng" algn="ctr">
+                      <a:solidFill>
+                        <a:srgbClr val="000000"/>
+                      </a:solidFill>
+                      <a:prstDash val="solid"/>
+                      <a:round/>
+                      <a:headEnd type="none" w="med" len="med"/>
+                      <a:tailEnd type="none" w="med" len="med"/>
+                    </a:lnB>
+                    <a:solidFill>
+                      <a:srgbClr val="99CCFF"/>
+                    </a:solidFill>
+                  </a:tcPr>
+                </a:tc>
+                <a:tc>
+                  <a:txBody>
+                    <a:bodyPr/>
+                    <a:lstStyle/>
+                    <a:p>
+                      <a:pPr algn="ctr" fontAlgn="t"/>
+                      <a:r>
+                        <a:rPr lang="en-GB" sz="1100" b="0" i="0" u="none" strike="noStrike">
+                          <a:effectLst/>
+                          <a:latin typeface="Calibri Light" panose="020F0302020204030204" pitchFamily="34" charset="0"/>
+                        </a:rPr>
+                        <a:t>H</a:t>
+                      </a:r>
+                    </a:p>
+                  </a:txBody>
+                  <a:tcPr marL="9525" marR="9525" marT="9525" marB="0">
+                    <a:lnL w="6350" cap="flat" cmpd="sng" algn="ctr">
+                      <a:solidFill>
+                        <a:srgbClr val="000000"/>
+                      </a:solidFill>
+                      <a:prstDash val="solid"/>
+                      <a:round/>
+                      <a:headEnd type="none" w="med" len="med"/>
+                      <a:tailEnd type="none" w="med" len="med"/>
+                    </a:lnL>
+                    <a:lnR w="6350" cap="flat" cmpd="sng" algn="ctr">
+                      <a:solidFill>
+                        <a:srgbClr val="000000"/>
+                      </a:solidFill>
+                      <a:prstDash val="solid"/>
+                      <a:round/>
+                      <a:headEnd type="none" w="med" len="med"/>
+                      <a:tailEnd type="none" w="med" len="med"/>
+                    </a:lnR>
+                    <a:lnT w="6350" cap="flat" cmpd="sng" algn="ctr">
+                      <a:solidFill>
+                        <a:srgbClr val="000000"/>
+                      </a:solidFill>
+                      <a:prstDash val="solid"/>
+                      <a:round/>
+                      <a:headEnd type="none" w="med" len="med"/>
+                      <a:tailEnd type="none" w="med" len="med"/>
+                    </a:lnT>
+                    <a:lnB w="6350" cap="flat" cmpd="sng" algn="ctr">
+                      <a:solidFill>
+                        <a:srgbClr val="000000"/>
+                      </a:solidFill>
+                      <a:prstDash val="solid"/>
+                      <a:round/>
+                      <a:headEnd type="none" w="med" len="med"/>
+                      <a:tailEnd type="none" w="med" len="med"/>
+                    </a:lnB>
+                    <a:solidFill>
+                      <a:srgbClr val="FF0000"/>
+                    </a:solidFill>
+                  </a:tcPr>
+                </a:tc>
+                <a:tc>
+                  <a:txBody>
+                    <a:bodyPr/>
+                    <a:lstStyle/>
+                    <a:p>
+                      <a:pPr algn="l" fontAlgn="t"/>
+                      <a:r>
+                        <a:rPr lang="en-GB" sz="1000" b="0" i="0" u="none" strike="noStrike">
+                          <a:effectLst/>
+                          <a:latin typeface="Calibri Light" panose="020F0302020204030204" pitchFamily="34" charset="0"/>
+                        </a:rPr>
+                        <a:t>Make sure your allow adequate time for planning, design, testing, and documentation.</a:t>
+                      </a:r>
+                    </a:p>
+                  </a:txBody>
+                  <a:tcPr marL="9525" marR="9525" marT="9525" marB="0">
+                    <a:lnL w="6350" cap="flat" cmpd="sng" algn="ctr">
+                      <a:solidFill>
+                        <a:srgbClr val="000000"/>
+                      </a:solidFill>
+                      <a:prstDash val="solid"/>
+                      <a:round/>
+                      <a:headEnd type="none" w="med" len="med"/>
+                      <a:tailEnd type="none" w="med" len="med"/>
+                    </a:lnL>
+                    <a:lnR w="6350" cap="flat" cmpd="sng" algn="ctr">
+                      <a:solidFill>
+                        <a:srgbClr val="000000"/>
+                      </a:solidFill>
+                      <a:prstDash val="solid"/>
+                      <a:round/>
+                      <a:headEnd type="none" w="med" len="med"/>
+                      <a:tailEnd type="none" w="med" len="med"/>
+                    </a:lnR>
+                    <a:lnT w="6350" cap="flat" cmpd="sng" algn="ctr">
+                      <a:solidFill>
+                        <a:srgbClr val="000000"/>
+                      </a:solidFill>
+                      <a:prstDash val="solid"/>
+                      <a:round/>
+                      <a:headEnd type="none" w="med" len="med"/>
+                      <a:tailEnd type="none" w="med" len="med"/>
+                    </a:lnT>
+                    <a:lnB w="6350" cap="flat" cmpd="sng" algn="ctr">
+                      <a:solidFill>
+                        <a:srgbClr val="000000"/>
+                      </a:solidFill>
+                      <a:prstDash val="solid"/>
+                      <a:round/>
+                      <a:headEnd type="none" w="med" len="med"/>
+                      <a:tailEnd type="none" w="med" len="med"/>
+                    </a:lnB>
+                  </a:tcPr>
+                </a:tc>
+                <a:extLst>
+                  <a:ext uri="{0D108BD9-81ED-4DB2-BD59-A6C34878D82A}">
+                    <a16:rowId xmlns:a16="http://schemas.microsoft.com/office/drawing/2014/main" val="3509792683"/>
+                  </a:ext>
+                </a:extLst>
+              </a:tr>
+              <a:tr h="644687">
+                <a:tc>
+                  <a:txBody>
+                    <a:bodyPr/>
+                    <a:lstStyle/>
+                    <a:p>
+                      <a:pPr algn="l" fontAlgn="t"/>
+                      <a:r>
+                        <a:rPr lang="en-GB" sz="1000" b="1" i="0" u="none" strike="noStrike">
+                          <a:effectLst/>
+                          <a:latin typeface="Calibri Light" panose="020F0302020204030204" pitchFamily="34" charset="0"/>
+                        </a:rPr>
+                        <a:t>3) Hardware/ Software failure</a:t>
+                      </a:r>
+                    </a:p>
+                  </a:txBody>
+                  <a:tcPr marL="9525" marR="9525" marT="9525" marB="0">
+                    <a:lnL w="6350" cap="flat" cmpd="sng" algn="ctr">
+                      <a:solidFill>
+                        <a:srgbClr val="000000"/>
+                      </a:solidFill>
+                      <a:prstDash val="solid"/>
+                      <a:round/>
+                      <a:headEnd type="none" w="med" len="med"/>
+                      <a:tailEnd type="none" w="med" len="med"/>
+                    </a:lnL>
+                    <a:lnR w="6350" cap="flat" cmpd="sng" algn="ctr">
+                      <a:solidFill>
+                        <a:srgbClr val="000000"/>
+                      </a:solidFill>
+                      <a:prstDash val="solid"/>
+                      <a:round/>
+                      <a:headEnd type="none" w="med" len="med"/>
+                      <a:tailEnd type="none" w="med" len="med"/>
+                    </a:lnR>
+                    <a:lnT w="6350" cap="flat" cmpd="sng" algn="ctr">
+                      <a:solidFill>
+                        <a:srgbClr val="000000"/>
+                      </a:solidFill>
+                      <a:prstDash val="solid"/>
+                      <a:round/>
+                      <a:headEnd type="none" w="med" len="med"/>
+                      <a:tailEnd type="none" w="med" len="med"/>
+                    </a:lnT>
+                    <a:lnB w="6350" cap="flat" cmpd="sng" algn="ctr">
+                      <a:solidFill>
+                        <a:srgbClr val="000000"/>
+                      </a:solidFill>
+                      <a:prstDash val="solid"/>
+                      <a:round/>
+                      <a:headEnd type="none" w="med" len="med"/>
+                      <a:tailEnd type="none" w="med" len="med"/>
+                    </a:lnB>
+                  </a:tcPr>
+                </a:tc>
+                <a:tc>
+                  <a:txBody>
+                    <a:bodyPr/>
+                    <a:lstStyle/>
+                    <a:p>
+                      <a:pPr algn="ctr" fontAlgn="t"/>
+                      <a:r>
+                        <a:rPr lang="en-GB" sz="1100" b="0" i="0" u="none" strike="noStrike">
+                          <a:effectLst/>
+                          <a:latin typeface="Calibri Light" panose="020F0302020204030204" pitchFamily="34" charset="0"/>
+                        </a:rPr>
+                        <a:t>5</a:t>
+                      </a:r>
+                    </a:p>
+                  </a:txBody>
+                  <a:tcPr marL="9525" marR="9525" marT="9525" marB="0">
+                    <a:lnL w="6350" cap="flat" cmpd="sng" algn="ctr">
+                      <a:solidFill>
+                        <a:srgbClr val="000000"/>
+                      </a:solidFill>
+                      <a:prstDash val="solid"/>
+                      <a:round/>
+                      <a:headEnd type="none" w="med" len="med"/>
+                      <a:tailEnd type="none" w="med" len="med"/>
+                    </a:lnL>
+                    <a:lnR w="6350" cap="flat" cmpd="sng" algn="ctr">
+                      <a:solidFill>
+                        <a:srgbClr val="000000"/>
+                      </a:solidFill>
+                      <a:prstDash val="solid"/>
+                      <a:round/>
+                      <a:headEnd type="none" w="med" len="med"/>
+                      <a:tailEnd type="none" w="med" len="med"/>
+                    </a:lnR>
+                    <a:lnT w="6350" cap="flat" cmpd="sng" algn="ctr">
+                      <a:solidFill>
+                        <a:srgbClr val="000000"/>
+                      </a:solidFill>
+                      <a:prstDash val="solid"/>
+                      <a:round/>
+                      <a:headEnd type="none" w="med" len="med"/>
+                      <a:tailEnd type="none" w="med" len="med"/>
+                    </a:lnT>
+                    <a:lnB w="6350" cap="flat" cmpd="sng" algn="ctr">
+                      <a:solidFill>
+                        <a:srgbClr val="000000"/>
+                      </a:solidFill>
+                      <a:prstDash val="solid"/>
+                      <a:round/>
+                      <a:headEnd type="none" w="med" len="med"/>
+                      <a:tailEnd type="none" w="med" len="med"/>
+                    </a:lnB>
+                    <a:solidFill>
+                      <a:srgbClr val="99CCFF"/>
+                    </a:solidFill>
+                  </a:tcPr>
+                </a:tc>
+                <a:tc>
+                  <a:txBody>
+                    <a:bodyPr/>
+                    <a:lstStyle/>
+                    <a:p>
+                      <a:pPr algn="ctr" fontAlgn="t"/>
+                      <a:r>
+                        <a:rPr lang="en-GB" sz="1100" b="0" i="0" u="none" strike="noStrike">
+                          <a:effectLst/>
+                          <a:latin typeface="Calibri Light" panose="020F0302020204030204" pitchFamily="34" charset="0"/>
+                        </a:rPr>
+                        <a:t>M</a:t>
+                      </a:r>
+                    </a:p>
+                  </a:txBody>
+                  <a:tcPr marL="9525" marR="9525" marT="9525" marB="0">
+                    <a:lnL w="6350" cap="flat" cmpd="sng" algn="ctr">
+                      <a:solidFill>
+                        <a:srgbClr val="000000"/>
+                      </a:solidFill>
+                      <a:prstDash val="solid"/>
+                      <a:round/>
+                      <a:headEnd type="none" w="med" len="med"/>
+                      <a:tailEnd type="none" w="med" len="med"/>
+                    </a:lnL>
+                    <a:lnR w="6350" cap="flat" cmpd="sng" algn="ctr">
+                      <a:solidFill>
+                        <a:srgbClr val="000000"/>
+                      </a:solidFill>
+                      <a:prstDash val="solid"/>
+                      <a:round/>
+                      <a:headEnd type="none" w="med" len="med"/>
+                      <a:tailEnd type="none" w="med" len="med"/>
+                    </a:lnR>
+                    <a:lnT w="6350" cap="flat" cmpd="sng" algn="ctr">
+                      <a:solidFill>
+                        <a:srgbClr val="000000"/>
+                      </a:solidFill>
+                      <a:prstDash val="solid"/>
+                      <a:round/>
+                      <a:headEnd type="none" w="med" len="med"/>
+                      <a:tailEnd type="none" w="med" len="med"/>
+                    </a:lnT>
+                    <a:lnB w="6350" cap="flat" cmpd="sng" algn="ctr">
+                      <a:solidFill>
+                        <a:srgbClr val="000000"/>
+                      </a:solidFill>
+                      <a:prstDash val="solid"/>
+                      <a:round/>
+                      <a:headEnd type="none" w="med" len="med"/>
+                      <a:tailEnd type="none" w="med" len="med"/>
+                    </a:lnB>
+                    <a:solidFill>
+                      <a:srgbClr val="FFFF00"/>
+                    </a:solidFill>
+                  </a:tcPr>
+                </a:tc>
+                <a:tc>
+                  <a:txBody>
+                    <a:bodyPr/>
+                    <a:lstStyle/>
+                    <a:p>
+                      <a:pPr algn="l" fontAlgn="t"/>
+                      <a:r>
+                        <a:rPr lang="en-GB" sz="1000" b="0" i="0" u="none" strike="noStrike">
+                          <a:effectLst/>
+                          <a:latin typeface="Calibri Light" panose="020F0302020204030204" pitchFamily="34" charset="0"/>
+                        </a:rPr>
+                        <a:t>Ensure virus software installed and working.  Make sure all software programs are installed and tested early on in the project.</a:t>
+                      </a:r>
+                    </a:p>
+                  </a:txBody>
+                  <a:tcPr marL="9525" marR="9525" marT="9525" marB="0">
+                    <a:lnL w="6350" cap="flat" cmpd="sng" algn="ctr">
+                      <a:solidFill>
+                        <a:srgbClr val="000000"/>
+                      </a:solidFill>
+                      <a:prstDash val="solid"/>
+                      <a:round/>
+                      <a:headEnd type="none" w="med" len="med"/>
+                      <a:tailEnd type="none" w="med" len="med"/>
+                    </a:lnL>
+                    <a:lnR w="6350" cap="flat" cmpd="sng" algn="ctr">
+                      <a:solidFill>
+                        <a:srgbClr val="000000"/>
+                      </a:solidFill>
+                      <a:prstDash val="solid"/>
+                      <a:round/>
+                      <a:headEnd type="none" w="med" len="med"/>
+                      <a:tailEnd type="none" w="med" len="med"/>
+                    </a:lnR>
+                    <a:lnT w="6350" cap="flat" cmpd="sng" algn="ctr">
+                      <a:solidFill>
+                        <a:srgbClr val="000000"/>
+                      </a:solidFill>
+                      <a:prstDash val="solid"/>
+                      <a:round/>
+                      <a:headEnd type="none" w="med" len="med"/>
+                      <a:tailEnd type="none" w="med" len="med"/>
+                    </a:lnT>
+                    <a:lnB w="6350" cap="flat" cmpd="sng" algn="ctr">
+                      <a:solidFill>
+                        <a:srgbClr val="000000"/>
+                      </a:solidFill>
+                      <a:prstDash val="solid"/>
+                      <a:round/>
+                      <a:headEnd type="none" w="med" len="med"/>
+                      <a:tailEnd type="none" w="med" len="med"/>
+                    </a:lnB>
+                  </a:tcPr>
+                </a:tc>
+                <a:extLst>
+                  <a:ext uri="{0D108BD9-81ED-4DB2-BD59-A6C34878D82A}">
+                    <a16:rowId xmlns:a16="http://schemas.microsoft.com/office/drawing/2014/main" val="3105303879"/>
+                  </a:ext>
+                </a:extLst>
+              </a:tr>
+              <a:tr h="644687">
+                <a:tc>
+                  <a:txBody>
+                    <a:bodyPr/>
+                    <a:lstStyle/>
+                    <a:p>
+                      <a:pPr algn="l" fontAlgn="t"/>
+                      <a:r>
+                        <a:rPr lang="en-GB" sz="1000" b="1" i="0" u="none" strike="noStrike">
+                          <a:effectLst/>
+                          <a:latin typeface="Calibri Light" panose="020F0302020204030204" pitchFamily="34" charset="0"/>
+                        </a:rPr>
+                        <a:t>4)  Scope creep</a:t>
+                      </a:r>
+                    </a:p>
+                  </a:txBody>
+                  <a:tcPr marL="9525" marR="9525" marT="9525" marB="0">
+                    <a:lnL w="6350" cap="flat" cmpd="sng" algn="ctr">
+                      <a:solidFill>
+                        <a:srgbClr val="000000"/>
+                      </a:solidFill>
+                      <a:prstDash val="solid"/>
+                      <a:round/>
+                      <a:headEnd type="none" w="med" len="med"/>
+                      <a:tailEnd type="none" w="med" len="med"/>
+                    </a:lnL>
+                    <a:lnR w="6350" cap="flat" cmpd="sng" algn="ctr">
+                      <a:solidFill>
+                        <a:srgbClr val="000000"/>
+                      </a:solidFill>
+                      <a:prstDash val="solid"/>
+                      <a:round/>
+                      <a:headEnd type="none" w="med" len="med"/>
+                      <a:tailEnd type="none" w="med" len="med"/>
+                    </a:lnR>
+                    <a:lnT w="6350" cap="flat" cmpd="sng" algn="ctr">
+                      <a:solidFill>
+                        <a:srgbClr val="000000"/>
+                      </a:solidFill>
+                      <a:prstDash val="solid"/>
+                      <a:round/>
+                      <a:headEnd type="none" w="med" len="med"/>
+                      <a:tailEnd type="none" w="med" len="med"/>
+                    </a:lnT>
+                    <a:lnB w="6350" cap="flat" cmpd="sng" algn="ctr">
+                      <a:solidFill>
+                        <a:srgbClr val="000000"/>
+                      </a:solidFill>
+                      <a:prstDash val="solid"/>
+                      <a:round/>
+                      <a:headEnd type="none" w="med" len="med"/>
+                      <a:tailEnd type="none" w="med" len="med"/>
+                    </a:lnB>
+                  </a:tcPr>
+                </a:tc>
+                <a:tc>
+                  <a:txBody>
+                    <a:bodyPr/>
+                    <a:lstStyle/>
+                    <a:p>
+                      <a:pPr algn="ctr" fontAlgn="t"/>
+                      <a:r>
+                        <a:rPr lang="en-GB" sz="1100" b="0" i="0" u="none" strike="noStrike">
+                          <a:effectLst/>
+                          <a:latin typeface="Calibri Light" panose="020F0302020204030204" pitchFamily="34" charset="0"/>
+                        </a:rPr>
+                        <a:t>8</a:t>
+                      </a:r>
+                    </a:p>
+                  </a:txBody>
+                  <a:tcPr marL="9525" marR="9525" marT="9525" marB="0">
+                    <a:lnL w="6350" cap="flat" cmpd="sng" algn="ctr">
+                      <a:solidFill>
+                        <a:srgbClr val="000000"/>
+                      </a:solidFill>
+                      <a:prstDash val="solid"/>
+                      <a:round/>
+                      <a:headEnd type="none" w="med" len="med"/>
+                      <a:tailEnd type="none" w="med" len="med"/>
+                    </a:lnL>
+                    <a:lnR w="6350" cap="flat" cmpd="sng" algn="ctr">
+                      <a:solidFill>
+                        <a:srgbClr val="000000"/>
+                      </a:solidFill>
+                      <a:prstDash val="solid"/>
+                      <a:round/>
+                      <a:headEnd type="none" w="med" len="med"/>
+                      <a:tailEnd type="none" w="med" len="med"/>
+                    </a:lnR>
+                    <a:lnT w="6350" cap="flat" cmpd="sng" algn="ctr">
+                      <a:solidFill>
+                        <a:srgbClr val="000000"/>
+                      </a:solidFill>
+                      <a:prstDash val="solid"/>
+                      <a:round/>
+                      <a:headEnd type="none" w="med" len="med"/>
+                      <a:tailEnd type="none" w="med" len="med"/>
+                    </a:lnT>
+                    <a:lnB w="6350" cap="flat" cmpd="sng" algn="ctr">
+                      <a:solidFill>
+                        <a:srgbClr val="000000"/>
+                      </a:solidFill>
+                      <a:prstDash val="solid"/>
+                      <a:round/>
+                      <a:headEnd type="none" w="med" len="med"/>
+                      <a:tailEnd type="none" w="med" len="med"/>
+                    </a:lnB>
+                    <a:solidFill>
+                      <a:srgbClr val="99CCFF"/>
+                    </a:solidFill>
+                  </a:tcPr>
+                </a:tc>
+                <a:tc>
+                  <a:txBody>
+                    <a:bodyPr/>
+                    <a:lstStyle/>
+                    <a:p>
+                      <a:pPr algn="ctr" fontAlgn="t"/>
+                      <a:r>
+                        <a:rPr lang="en-GB" sz="1100" b="0" i="0" u="none" strike="noStrike">
+                          <a:effectLst/>
+                          <a:latin typeface="Calibri Light" panose="020F0302020204030204" pitchFamily="34" charset="0"/>
+                        </a:rPr>
+                        <a:t>H</a:t>
+                      </a:r>
+                    </a:p>
+                  </a:txBody>
+                  <a:tcPr marL="9525" marR="9525" marT="9525" marB="0">
+                    <a:lnL w="6350" cap="flat" cmpd="sng" algn="ctr">
+                      <a:solidFill>
+                        <a:srgbClr val="000000"/>
+                      </a:solidFill>
+                      <a:prstDash val="solid"/>
+                      <a:round/>
+                      <a:headEnd type="none" w="med" len="med"/>
+                      <a:tailEnd type="none" w="med" len="med"/>
+                    </a:lnL>
+                    <a:lnR w="6350" cap="flat" cmpd="sng" algn="ctr">
+                      <a:solidFill>
+                        <a:srgbClr val="000000"/>
+                      </a:solidFill>
+                      <a:prstDash val="solid"/>
+                      <a:round/>
+                      <a:headEnd type="none" w="med" len="med"/>
+                      <a:tailEnd type="none" w="med" len="med"/>
+                    </a:lnR>
+                    <a:lnT w="6350" cap="flat" cmpd="sng" algn="ctr">
+                      <a:solidFill>
+                        <a:srgbClr val="000000"/>
+                      </a:solidFill>
+                      <a:prstDash val="solid"/>
+                      <a:round/>
+                      <a:headEnd type="none" w="med" len="med"/>
+                      <a:tailEnd type="none" w="med" len="med"/>
+                    </a:lnT>
+                    <a:lnB w="6350" cap="flat" cmpd="sng" algn="ctr">
+                      <a:solidFill>
+                        <a:srgbClr val="000000"/>
+                      </a:solidFill>
+                      <a:prstDash val="solid"/>
+                      <a:round/>
+                      <a:headEnd type="none" w="med" len="med"/>
+                      <a:tailEnd type="none" w="med" len="med"/>
+                    </a:lnB>
+                    <a:solidFill>
+                      <a:srgbClr val="FF0000"/>
+                    </a:solidFill>
+                  </a:tcPr>
+                </a:tc>
+                <a:tc>
+                  <a:txBody>
+                    <a:bodyPr/>
+                    <a:lstStyle/>
+                    <a:p>
+                      <a:pPr algn="l" fontAlgn="t"/>
+                      <a:r>
+                        <a:rPr lang="en-GB" sz="1000" b="0" i="0" u="none" strike="noStrike">
+                          <a:effectLst/>
+                          <a:latin typeface="Calibri Light" panose="020F0302020204030204" pitchFamily="34" charset="0"/>
+                        </a:rPr>
+                        <a:t>Make sure each stage of the project is well planned and documented, and includes schecduled time for the design process.</a:t>
+                      </a:r>
+                    </a:p>
+                  </a:txBody>
+                  <a:tcPr marL="9525" marR="9525" marT="9525" marB="0">
+                    <a:lnL w="6350" cap="flat" cmpd="sng" algn="ctr">
+                      <a:solidFill>
+                        <a:srgbClr val="000000"/>
+                      </a:solidFill>
+                      <a:prstDash val="solid"/>
+                      <a:round/>
+                      <a:headEnd type="none" w="med" len="med"/>
+                      <a:tailEnd type="none" w="med" len="med"/>
+                    </a:lnL>
+                    <a:lnR w="6350" cap="flat" cmpd="sng" algn="ctr">
+                      <a:solidFill>
+                        <a:srgbClr val="000000"/>
+                      </a:solidFill>
+                      <a:prstDash val="solid"/>
+                      <a:round/>
+                      <a:headEnd type="none" w="med" len="med"/>
+                      <a:tailEnd type="none" w="med" len="med"/>
+                    </a:lnR>
+                    <a:lnT w="6350" cap="flat" cmpd="sng" algn="ctr">
+                      <a:solidFill>
+                        <a:srgbClr val="000000"/>
+                      </a:solidFill>
+                      <a:prstDash val="solid"/>
+                      <a:round/>
+                      <a:headEnd type="none" w="med" len="med"/>
+                      <a:tailEnd type="none" w="med" len="med"/>
+                    </a:lnT>
+                    <a:lnB w="6350" cap="flat" cmpd="sng" algn="ctr">
+                      <a:solidFill>
+                        <a:srgbClr val="000000"/>
+                      </a:solidFill>
+                      <a:prstDash val="solid"/>
+                      <a:round/>
+                      <a:headEnd type="none" w="med" len="med"/>
+                      <a:tailEnd type="none" w="med" len="med"/>
+                    </a:lnB>
+                  </a:tcPr>
+                </a:tc>
+                <a:extLst>
+                  <a:ext uri="{0D108BD9-81ED-4DB2-BD59-A6C34878D82A}">
+                    <a16:rowId xmlns:a16="http://schemas.microsoft.com/office/drawing/2014/main" val="2873872118"/>
+                  </a:ext>
+                </a:extLst>
+              </a:tr>
+              <a:tr h="429791">
+                <a:tc>
+                  <a:txBody>
+                    <a:bodyPr/>
+                    <a:lstStyle/>
+                    <a:p>
+                      <a:pPr algn="l" fontAlgn="t"/>
+                      <a:r>
+                        <a:rPr lang="en-GB" sz="1000" b="1" i="0" u="none" strike="noStrike">
+                          <a:effectLst/>
+                          <a:latin typeface="Calibri Light" panose="020F0302020204030204" pitchFamily="34" charset="0"/>
+                        </a:rPr>
+                        <a:t>5)  Tutor support</a:t>
+                      </a:r>
+                    </a:p>
+                  </a:txBody>
+                  <a:tcPr marL="9525" marR="9525" marT="9525" marB="0">
+                    <a:lnL w="6350" cap="flat" cmpd="sng" algn="ctr">
+                      <a:solidFill>
+                        <a:srgbClr val="000000"/>
+                      </a:solidFill>
+                      <a:prstDash val="solid"/>
+                      <a:round/>
+                      <a:headEnd type="none" w="med" len="med"/>
+                      <a:tailEnd type="none" w="med" len="med"/>
+                    </a:lnL>
+                    <a:lnR w="6350" cap="flat" cmpd="sng" algn="ctr">
+                      <a:solidFill>
+                        <a:srgbClr val="000000"/>
+                      </a:solidFill>
+                      <a:prstDash val="solid"/>
+                      <a:round/>
+                      <a:headEnd type="none" w="med" len="med"/>
+                      <a:tailEnd type="none" w="med" len="med"/>
+                    </a:lnR>
+                    <a:lnT w="6350" cap="flat" cmpd="sng" algn="ctr">
+                      <a:solidFill>
+                        <a:srgbClr val="000000"/>
+                      </a:solidFill>
+                      <a:prstDash val="solid"/>
+                      <a:round/>
+                      <a:headEnd type="none" w="med" len="med"/>
+                      <a:tailEnd type="none" w="med" len="med"/>
+                    </a:lnT>
+                    <a:lnB w="6350" cap="flat" cmpd="sng" algn="ctr">
+                      <a:solidFill>
+                        <a:srgbClr val="000000"/>
+                      </a:solidFill>
+                      <a:prstDash val="solid"/>
+                      <a:round/>
+                      <a:headEnd type="none" w="med" len="med"/>
+                      <a:tailEnd type="none" w="med" len="med"/>
+                    </a:lnB>
+                  </a:tcPr>
+                </a:tc>
+                <a:tc>
+                  <a:txBody>
+                    <a:bodyPr/>
+                    <a:lstStyle/>
+                    <a:p>
+                      <a:pPr algn="ctr" fontAlgn="t"/>
+                      <a:r>
+                        <a:rPr lang="en-GB" sz="1100" b="0" i="0" u="none" strike="noStrike">
+                          <a:effectLst/>
+                          <a:latin typeface="Calibri Light" panose="020F0302020204030204" pitchFamily="34" charset="0"/>
+                        </a:rPr>
+                        <a:t>4</a:t>
+                      </a:r>
+                    </a:p>
+                  </a:txBody>
+                  <a:tcPr marL="9525" marR="9525" marT="9525" marB="0">
+                    <a:lnL w="6350" cap="flat" cmpd="sng" algn="ctr">
+                      <a:solidFill>
+                        <a:srgbClr val="000000"/>
+                      </a:solidFill>
+                      <a:prstDash val="solid"/>
+                      <a:round/>
+                      <a:headEnd type="none" w="med" len="med"/>
+                      <a:tailEnd type="none" w="med" len="med"/>
+                    </a:lnL>
+                    <a:lnR w="6350" cap="flat" cmpd="sng" algn="ctr">
+                      <a:solidFill>
+                        <a:srgbClr val="000000"/>
+                      </a:solidFill>
+                      <a:prstDash val="solid"/>
+                      <a:round/>
+                      <a:headEnd type="none" w="med" len="med"/>
+                      <a:tailEnd type="none" w="med" len="med"/>
+                    </a:lnR>
+                    <a:lnT w="6350" cap="flat" cmpd="sng" algn="ctr">
+                      <a:solidFill>
+                        <a:srgbClr val="000000"/>
+                      </a:solidFill>
+                      <a:prstDash val="solid"/>
+                      <a:round/>
+                      <a:headEnd type="none" w="med" len="med"/>
+                      <a:tailEnd type="none" w="med" len="med"/>
+                    </a:lnT>
+                    <a:lnB w="6350" cap="flat" cmpd="sng" algn="ctr">
+                      <a:solidFill>
+                        <a:srgbClr val="000000"/>
+                      </a:solidFill>
+                      <a:prstDash val="solid"/>
+                      <a:round/>
+                      <a:headEnd type="none" w="med" len="med"/>
+                      <a:tailEnd type="none" w="med" len="med"/>
+                    </a:lnB>
+                    <a:solidFill>
+                      <a:srgbClr val="99CCFF"/>
+                    </a:solidFill>
+                  </a:tcPr>
+                </a:tc>
+                <a:tc>
+                  <a:txBody>
+                    <a:bodyPr/>
+                    <a:lstStyle/>
+                    <a:p>
+                      <a:pPr algn="ctr" fontAlgn="t"/>
+                      <a:r>
+                        <a:rPr lang="en-GB" sz="1100" b="0" i="0" u="none" strike="noStrike">
+                          <a:effectLst/>
+                          <a:latin typeface="Calibri Light" panose="020F0302020204030204" pitchFamily="34" charset="0"/>
+                        </a:rPr>
+                        <a:t>M</a:t>
+                      </a:r>
+                    </a:p>
+                  </a:txBody>
+                  <a:tcPr marL="9525" marR="9525" marT="9525" marB="0">
+                    <a:lnL w="6350" cap="flat" cmpd="sng" algn="ctr">
+                      <a:solidFill>
+                        <a:srgbClr val="000000"/>
+                      </a:solidFill>
+                      <a:prstDash val="solid"/>
+                      <a:round/>
+                      <a:headEnd type="none" w="med" len="med"/>
+                      <a:tailEnd type="none" w="med" len="med"/>
+                    </a:lnL>
+                    <a:lnR w="6350" cap="flat" cmpd="sng" algn="ctr">
+                      <a:solidFill>
+                        <a:srgbClr val="000000"/>
+                      </a:solidFill>
+                      <a:prstDash val="solid"/>
+                      <a:round/>
+                      <a:headEnd type="none" w="med" len="med"/>
+                      <a:tailEnd type="none" w="med" len="med"/>
+                    </a:lnR>
+                    <a:lnT w="6350" cap="flat" cmpd="sng" algn="ctr">
+                      <a:solidFill>
+                        <a:srgbClr val="000000"/>
+                      </a:solidFill>
+                      <a:prstDash val="solid"/>
+                      <a:round/>
+                      <a:headEnd type="none" w="med" len="med"/>
+                      <a:tailEnd type="none" w="med" len="med"/>
+                    </a:lnT>
+                    <a:lnB w="6350" cap="flat" cmpd="sng" algn="ctr">
+                      <a:solidFill>
+                        <a:srgbClr val="000000"/>
+                      </a:solidFill>
+                      <a:prstDash val="solid"/>
+                      <a:round/>
+                      <a:headEnd type="none" w="med" len="med"/>
+                      <a:tailEnd type="none" w="med" len="med"/>
+                    </a:lnB>
+                    <a:solidFill>
+                      <a:srgbClr val="FFFF00"/>
+                    </a:solidFill>
+                  </a:tcPr>
+                </a:tc>
+                <a:tc>
+                  <a:txBody>
+                    <a:bodyPr/>
+                    <a:lstStyle/>
+                    <a:p>
+                      <a:pPr algn="l" fontAlgn="t"/>
+                      <a:r>
+                        <a:rPr lang="en-GB" sz="1000" b="0" i="0" u="none" strike="noStrike">
+                          <a:effectLst/>
+                          <a:latin typeface="Calibri Light" panose="020F0302020204030204" pitchFamily="34" charset="0"/>
+                        </a:rPr>
+                        <a:t>Make sure all channels of communitcation are used to ensure support.</a:t>
+                      </a:r>
+                    </a:p>
+                  </a:txBody>
+                  <a:tcPr marL="9525" marR="9525" marT="9525" marB="0">
+                    <a:lnL w="6350" cap="flat" cmpd="sng" algn="ctr">
+                      <a:solidFill>
+                        <a:srgbClr val="000000"/>
+                      </a:solidFill>
+                      <a:prstDash val="solid"/>
+                      <a:round/>
+                      <a:headEnd type="none" w="med" len="med"/>
+                      <a:tailEnd type="none" w="med" len="med"/>
+                    </a:lnL>
+                    <a:lnR w="6350" cap="flat" cmpd="sng" algn="ctr">
+                      <a:solidFill>
+                        <a:srgbClr val="000000"/>
+                      </a:solidFill>
+                      <a:prstDash val="solid"/>
+                      <a:round/>
+                      <a:headEnd type="none" w="med" len="med"/>
+                      <a:tailEnd type="none" w="med" len="med"/>
+                    </a:lnR>
+                    <a:lnT w="6350" cap="flat" cmpd="sng" algn="ctr">
+                      <a:solidFill>
+                        <a:srgbClr val="000000"/>
+                      </a:solidFill>
+                      <a:prstDash val="solid"/>
+                      <a:round/>
+                      <a:headEnd type="none" w="med" len="med"/>
+                      <a:tailEnd type="none" w="med" len="med"/>
+                    </a:lnT>
+                    <a:lnB w="6350" cap="flat" cmpd="sng" algn="ctr">
+                      <a:solidFill>
+                        <a:srgbClr val="000000"/>
+                      </a:solidFill>
+                      <a:prstDash val="solid"/>
+                      <a:round/>
+                      <a:headEnd type="none" w="med" len="med"/>
+                      <a:tailEnd type="none" w="med" len="med"/>
+                    </a:lnB>
+                  </a:tcPr>
+                </a:tc>
+                <a:extLst>
+                  <a:ext uri="{0D108BD9-81ED-4DB2-BD59-A6C34878D82A}">
+                    <a16:rowId xmlns:a16="http://schemas.microsoft.com/office/drawing/2014/main" val="1752113818"/>
+                  </a:ext>
+                </a:extLst>
+              </a:tr>
+              <a:tr h="644687">
+                <a:tc>
+                  <a:txBody>
+                    <a:bodyPr/>
+                    <a:lstStyle/>
+                    <a:p>
+                      <a:pPr algn="l" fontAlgn="t"/>
+                      <a:r>
+                        <a:rPr lang="en-GB" sz="1000" b="1" i="0" u="none" strike="noStrike">
+                          <a:effectLst/>
+                          <a:latin typeface="Calibri Light" panose="020F0302020204030204" pitchFamily="34" charset="0"/>
+                        </a:rPr>
+                        <a:t>6)  Illness/unexpected events</a:t>
+                      </a:r>
+                    </a:p>
+                  </a:txBody>
+                  <a:tcPr marL="9525" marR="9525" marT="9525" marB="0">
+                    <a:lnL w="6350" cap="flat" cmpd="sng" algn="ctr">
+                      <a:solidFill>
+                        <a:srgbClr val="000000"/>
+                      </a:solidFill>
+                      <a:prstDash val="solid"/>
+                      <a:round/>
+                      <a:headEnd type="none" w="med" len="med"/>
+                      <a:tailEnd type="none" w="med" len="med"/>
+                    </a:lnL>
+                    <a:lnR w="6350" cap="flat" cmpd="sng" algn="ctr">
+                      <a:solidFill>
+                        <a:srgbClr val="000000"/>
+                      </a:solidFill>
+                      <a:prstDash val="solid"/>
+                      <a:round/>
+                      <a:headEnd type="none" w="med" len="med"/>
+                      <a:tailEnd type="none" w="med" len="med"/>
+                    </a:lnR>
+                    <a:lnT w="6350" cap="flat" cmpd="sng" algn="ctr">
+                      <a:solidFill>
+                        <a:srgbClr val="000000"/>
+                      </a:solidFill>
+                      <a:prstDash val="solid"/>
+                      <a:round/>
+                      <a:headEnd type="none" w="med" len="med"/>
+                      <a:tailEnd type="none" w="med" len="med"/>
+                    </a:lnT>
+                    <a:lnB w="6350" cap="flat" cmpd="sng" algn="ctr">
+                      <a:solidFill>
+                        <a:srgbClr val="000000"/>
+                      </a:solidFill>
+                      <a:prstDash val="solid"/>
+                      <a:round/>
+                      <a:headEnd type="none" w="med" len="med"/>
+                      <a:tailEnd type="none" w="med" len="med"/>
+                    </a:lnB>
+                  </a:tcPr>
+                </a:tc>
+                <a:tc>
+                  <a:txBody>
+                    <a:bodyPr/>
+                    <a:lstStyle/>
+                    <a:p>
+                      <a:pPr algn="ctr" fontAlgn="t"/>
+                      <a:r>
+                        <a:rPr lang="en-GB" sz="1100" b="0" i="0" u="none" strike="noStrike">
+                          <a:effectLst/>
+                          <a:latin typeface="Calibri Light" panose="020F0302020204030204" pitchFamily="34" charset="0"/>
+                        </a:rPr>
+                        <a:t>6</a:t>
+                      </a:r>
+                    </a:p>
+                  </a:txBody>
+                  <a:tcPr marL="9525" marR="9525" marT="9525" marB="0">
+                    <a:lnL w="6350" cap="flat" cmpd="sng" algn="ctr">
+                      <a:solidFill>
+                        <a:srgbClr val="000000"/>
+                      </a:solidFill>
+                      <a:prstDash val="solid"/>
+                      <a:round/>
+                      <a:headEnd type="none" w="med" len="med"/>
+                      <a:tailEnd type="none" w="med" len="med"/>
+                    </a:lnL>
+                    <a:lnR w="6350" cap="flat" cmpd="sng" algn="ctr">
+                      <a:solidFill>
+                        <a:srgbClr val="000000"/>
+                      </a:solidFill>
+                      <a:prstDash val="solid"/>
+                      <a:round/>
+                      <a:headEnd type="none" w="med" len="med"/>
+                      <a:tailEnd type="none" w="med" len="med"/>
+                    </a:lnR>
+                    <a:lnT w="6350" cap="flat" cmpd="sng" algn="ctr">
+                      <a:solidFill>
+                        <a:srgbClr val="000000"/>
+                      </a:solidFill>
+                      <a:prstDash val="solid"/>
+                      <a:round/>
+                      <a:headEnd type="none" w="med" len="med"/>
+                      <a:tailEnd type="none" w="med" len="med"/>
+                    </a:lnT>
+                    <a:lnB w="6350" cap="flat" cmpd="sng" algn="ctr">
+                      <a:solidFill>
+                        <a:srgbClr val="000000"/>
+                      </a:solidFill>
+                      <a:prstDash val="solid"/>
+                      <a:round/>
+                      <a:headEnd type="none" w="med" len="med"/>
+                      <a:tailEnd type="none" w="med" len="med"/>
+                    </a:lnB>
+                    <a:solidFill>
+                      <a:srgbClr val="99CCFF"/>
+                    </a:solidFill>
+                  </a:tcPr>
+                </a:tc>
+                <a:tc>
+                  <a:txBody>
+                    <a:bodyPr/>
+                    <a:lstStyle/>
+                    <a:p>
+                      <a:pPr algn="ctr" fontAlgn="t"/>
+                      <a:r>
+                        <a:rPr lang="en-GB" sz="1100" b="0" i="0" u="none" strike="noStrike">
+                          <a:effectLst/>
+                          <a:latin typeface="Calibri Light" panose="020F0302020204030204" pitchFamily="34" charset="0"/>
+                        </a:rPr>
+                        <a:t>H</a:t>
+                      </a:r>
+                    </a:p>
+                  </a:txBody>
+                  <a:tcPr marL="9525" marR="9525" marT="9525" marB="0">
+                    <a:lnL w="6350" cap="flat" cmpd="sng" algn="ctr">
+                      <a:solidFill>
+                        <a:srgbClr val="000000"/>
+                      </a:solidFill>
+                      <a:prstDash val="solid"/>
+                      <a:round/>
+                      <a:headEnd type="none" w="med" len="med"/>
+                      <a:tailEnd type="none" w="med" len="med"/>
+                    </a:lnL>
+                    <a:lnR w="6350" cap="flat" cmpd="sng" algn="ctr">
+                      <a:solidFill>
+                        <a:srgbClr val="000000"/>
+                      </a:solidFill>
+                      <a:prstDash val="solid"/>
+                      <a:round/>
+                      <a:headEnd type="none" w="med" len="med"/>
+                      <a:tailEnd type="none" w="med" len="med"/>
+                    </a:lnR>
+                    <a:lnT w="6350" cap="flat" cmpd="sng" algn="ctr">
+                      <a:solidFill>
+                        <a:srgbClr val="000000"/>
+                      </a:solidFill>
+                      <a:prstDash val="solid"/>
+                      <a:round/>
+                      <a:headEnd type="none" w="med" len="med"/>
+                      <a:tailEnd type="none" w="med" len="med"/>
+                    </a:lnT>
+                    <a:lnB w="6350" cap="flat" cmpd="sng" algn="ctr">
+                      <a:solidFill>
+                        <a:srgbClr val="000000"/>
+                      </a:solidFill>
+                      <a:prstDash val="solid"/>
+                      <a:round/>
+                      <a:headEnd type="none" w="med" len="med"/>
+                      <a:tailEnd type="none" w="med" len="med"/>
+                    </a:lnB>
+                    <a:solidFill>
+                      <a:srgbClr val="FF0000"/>
+                    </a:solidFill>
+                  </a:tcPr>
+                </a:tc>
+                <a:tc>
+                  <a:txBody>
+                    <a:bodyPr/>
+                    <a:lstStyle/>
+                    <a:p>
+                      <a:pPr algn="l" fontAlgn="t"/>
+                      <a:r>
+                        <a:rPr lang="en-GB" sz="1000" b="0" i="0" u="none" strike="noStrike">
+                          <a:effectLst/>
+                          <a:latin typeface="Calibri Light" panose="020F0302020204030204" pitchFamily="34" charset="0"/>
+                        </a:rPr>
+                        <a:t>Plan for disruptions.  Ensure Kanban board is well planned and is adjusted for any unforeseen circumstances.</a:t>
+                      </a:r>
+                    </a:p>
+                  </a:txBody>
+                  <a:tcPr marL="9525" marR="9525" marT="9525" marB="0">
+                    <a:lnL w="6350" cap="flat" cmpd="sng" algn="ctr">
+                      <a:solidFill>
+                        <a:srgbClr val="000000"/>
+                      </a:solidFill>
+                      <a:prstDash val="solid"/>
+                      <a:round/>
+                      <a:headEnd type="none" w="med" len="med"/>
+                      <a:tailEnd type="none" w="med" len="med"/>
+                    </a:lnL>
+                    <a:lnR w="6350" cap="flat" cmpd="sng" algn="ctr">
+                      <a:solidFill>
+                        <a:srgbClr val="000000"/>
+                      </a:solidFill>
+                      <a:prstDash val="solid"/>
+                      <a:round/>
+                      <a:headEnd type="none" w="med" len="med"/>
+                      <a:tailEnd type="none" w="med" len="med"/>
+                    </a:lnR>
+                    <a:lnT w="6350" cap="flat" cmpd="sng" algn="ctr">
+                      <a:solidFill>
+                        <a:srgbClr val="000000"/>
+                      </a:solidFill>
+                      <a:prstDash val="solid"/>
+                      <a:round/>
+                      <a:headEnd type="none" w="med" len="med"/>
+                      <a:tailEnd type="none" w="med" len="med"/>
+                    </a:lnT>
+                    <a:lnB w="6350" cap="flat" cmpd="sng" algn="ctr">
+                      <a:solidFill>
+                        <a:srgbClr val="000000"/>
+                      </a:solidFill>
+                      <a:prstDash val="solid"/>
+                      <a:round/>
+                      <a:headEnd type="none" w="med" len="med"/>
+                      <a:tailEnd type="none" w="med" len="med"/>
+                    </a:lnB>
+                  </a:tcPr>
+                </a:tc>
+                <a:extLst>
+                  <a:ext uri="{0D108BD9-81ED-4DB2-BD59-A6C34878D82A}">
+                    <a16:rowId xmlns:a16="http://schemas.microsoft.com/office/drawing/2014/main" val="4015622081"/>
+                  </a:ext>
+                </a:extLst>
+              </a:tr>
+              <a:tr h="644687">
+                <a:tc>
+                  <a:txBody>
+                    <a:bodyPr/>
+                    <a:lstStyle/>
+                    <a:p>
+                      <a:pPr algn="l" fontAlgn="t"/>
+                      <a:r>
+                        <a:rPr lang="en-GB" sz="1000" b="1" i="0" u="none" strike="noStrike">
+                          <a:effectLst/>
+                          <a:latin typeface="Calibri Light" panose="020F0302020204030204" pitchFamily="34" charset="0"/>
+                        </a:rPr>
+                        <a:t>7)  Broadband/wifi connection</a:t>
+                      </a:r>
+                    </a:p>
+                  </a:txBody>
+                  <a:tcPr marL="9525" marR="9525" marT="9525" marB="0">
+                    <a:lnL w="6350" cap="flat" cmpd="sng" algn="ctr">
+                      <a:solidFill>
+                        <a:srgbClr val="000000"/>
+                      </a:solidFill>
+                      <a:prstDash val="solid"/>
+                      <a:round/>
+                      <a:headEnd type="none" w="med" len="med"/>
+                      <a:tailEnd type="none" w="med" len="med"/>
+                    </a:lnL>
+                    <a:lnR w="6350" cap="flat" cmpd="sng" algn="ctr">
+                      <a:solidFill>
+                        <a:srgbClr val="000000"/>
+                      </a:solidFill>
+                      <a:prstDash val="solid"/>
+                      <a:round/>
+                      <a:headEnd type="none" w="med" len="med"/>
+                      <a:tailEnd type="none" w="med" len="med"/>
+                    </a:lnR>
+                    <a:lnT w="6350" cap="flat" cmpd="sng" algn="ctr">
+                      <a:solidFill>
+                        <a:srgbClr val="000000"/>
+                      </a:solidFill>
+                      <a:prstDash val="solid"/>
+                      <a:round/>
+                      <a:headEnd type="none" w="med" len="med"/>
+                      <a:tailEnd type="none" w="med" len="med"/>
+                    </a:lnT>
+                    <a:lnB w="6350" cap="flat" cmpd="sng" algn="ctr">
+                      <a:solidFill>
+                        <a:srgbClr val="000000"/>
+                      </a:solidFill>
+                      <a:prstDash val="solid"/>
+                      <a:round/>
+                      <a:headEnd type="none" w="med" len="med"/>
+                      <a:tailEnd type="none" w="med" len="med"/>
+                    </a:lnB>
+                  </a:tcPr>
+                </a:tc>
+                <a:tc>
+                  <a:txBody>
+                    <a:bodyPr/>
+                    <a:lstStyle/>
+                    <a:p>
+                      <a:pPr algn="ctr" fontAlgn="t"/>
+                      <a:r>
+                        <a:rPr lang="en-GB" sz="1100" b="0" i="0" u="none" strike="noStrike">
+                          <a:effectLst/>
+                          <a:latin typeface="Calibri Light" panose="020F0302020204030204" pitchFamily="34" charset="0"/>
+                        </a:rPr>
+                        <a:t>8</a:t>
+                      </a:r>
+                    </a:p>
+                  </a:txBody>
+                  <a:tcPr marL="9525" marR="9525" marT="9525" marB="0">
+                    <a:lnL w="6350" cap="flat" cmpd="sng" algn="ctr">
+                      <a:solidFill>
+                        <a:srgbClr val="000000"/>
+                      </a:solidFill>
+                      <a:prstDash val="solid"/>
+                      <a:round/>
+                      <a:headEnd type="none" w="med" len="med"/>
+                      <a:tailEnd type="none" w="med" len="med"/>
+                    </a:lnL>
+                    <a:lnR w="6350" cap="flat" cmpd="sng" algn="ctr">
+                      <a:solidFill>
+                        <a:srgbClr val="000000"/>
+                      </a:solidFill>
+                      <a:prstDash val="solid"/>
+                      <a:round/>
+                      <a:headEnd type="none" w="med" len="med"/>
+                      <a:tailEnd type="none" w="med" len="med"/>
+                    </a:lnR>
+                    <a:lnT w="6350" cap="flat" cmpd="sng" algn="ctr">
+                      <a:solidFill>
+                        <a:srgbClr val="000000"/>
+                      </a:solidFill>
+                      <a:prstDash val="solid"/>
+                      <a:round/>
+                      <a:headEnd type="none" w="med" len="med"/>
+                      <a:tailEnd type="none" w="med" len="med"/>
+                    </a:lnT>
+                    <a:lnB w="6350" cap="flat" cmpd="sng" algn="ctr">
+                      <a:solidFill>
+                        <a:srgbClr val="000000"/>
+                      </a:solidFill>
+                      <a:prstDash val="solid"/>
+                      <a:round/>
+                      <a:headEnd type="none" w="med" len="med"/>
+                      <a:tailEnd type="none" w="med" len="med"/>
+                    </a:lnB>
+                    <a:solidFill>
+                      <a:srgbClr val="99CCFF"/>
+                    </a:solidFill>
+                  </a:tcPr>
+                </a:tc>
+                <a:tc>
+                  <a:txBody>
+                    <a:bodyPr/>
+                    <a:lstStyle/>
+                    <a:p>
+                      <a:pPr algn="ctr" fontAlgn="t"/>
+                      <a:r>
+                        <a:rPr lang="en-GB" sz="1100" b="0" i="0" u="none" strike="noStrike">
+                          <a:effectLst/>
+                          <a:latin typeface="Calibri Light" panose="020F0302020204030204" pitchFamily="34" charset="0"/>
+                        </a:rPr>
+                        <a:t>H</a:t>
+                      </a:r>
+                    </a:p>
+                  </a:txBody>
+                  <a:tcPr marL="9525" marR="9525" marT="9525" marB="0">
+                    <a:lnL w="6350" cap="flat" cmpd="sng" algn="ctr">
+                      <a:solidFill>
+                        <a:srgbClr val="000000"/>
+                      </a:solidFill>
+                      <a:prstDash val="solid"/>
+                      <a:round/>
+                      <a:headEnd type="none" w="med" len="med"/>
+                      <a:tailEnd type="none" w="med" len="med"/>
+                    </a:lnL>
+                    <a:lnR w="6350" cap="flat" cmpd="sng" algn="ctr">
+                      <a:solidFill>
+                        <a:srgbClr val="000000"/>
+                      </a:solidFill>
+                      <a:prstDash val="solid"/>
+                      <a:round/>
+                      <a:headEnd type="none" w="med" len="med"/>
+                      <a:tailEnd type="none" w="med" len="med"/>
+                    </a:lnR>
+                    <a:lnT w="6350" cap="flat" cmpd="sng" algn="ctr">
+                      <a:solidFill>
+                        <a:srgbClr val="000000"/>
+                      </a:solidFill>
+                      <a:prstDash val="solid"/>
+                      <a:round/>
+                      <a:headEnd type="none" w="med" len="med"/>
+                      <a:tailEnd type="none" w="med" len="med"/>
+                    </a:lnT>
+                    <a:lnB w="6350" cap="flat" cmpd="sng" algn="ctr">
+                      <a:solidFill>
+                        <a:srgbClr val="000000"/>
+                      </a:solidFill>
+                      <a:prstDash val="solid"/>
+                      <a:round/>
+                      <a:headEnd type="none" w="med" len="med"/>
+                      <a:tailEnd type="none" w="med" len="med"/>
+                    </a:lnB>
+                    <a:solidFill>
+                      <a:srgbClr val="FF0000"/>
+                    </a:solidFill>
+                  </a:tcPr>
+                </a:tc>
+                <a:tc>
+                  <a:txBody>
+                    <a:bodyPr/>
+                    <a:lstStyle/>
+                    <a:p>
+                      <a:pPr algn="l" fontAlgn="t"/>
+                      <a:r>
+                        <a:rPr lang="en-GB" sz="1000" b="0" i="0" u="none" strike="noStrike">
+                          <a:effectLst/>
+                          <a:latin typeface="Calibri Light" panose="020F0302020204030204" pitchFamily="34" charset="0"/>
+                        </a:rPr>
+                        <a:t>Make sure there is a backup system in place, like a mobile hotspot, or a community space that supplies free wifi connection.</a:t>
+                      </a:r>
+                    </a:p>
+                  </a:txBody>
+                  <a:tcPr marL="9525" marR="9525" marT="9525" marB="0">
+                    <a:lnL w="6350" cap="flat" cmpd="sng" algn="ctr">
+                      <a:solidFill>
+                        <a:srgbClr val="000000"/>
+                      </a:solidFill>
+                      <a:prstDash val="solid"/>
+                      <a:round/>
+                      <a:headEnd type="none" w="med" len="med"/>
+                      <a:tailEnd type="none" w="med" len="med"/>
+                    </a:lnL>
+                    <a:lnR w="6350" cap="flat" cmpd="sng" algn="ctr">
+                      <a:solidFill>
+                        <a:srgbClr val="000000"/>
+                      </a:solidFill>
+                      <a:prstDash val="solid"/>
+                      <a:round/>
+                      <a:headEnd type="none" w="med" len="med"/>
+                      <a:tailEnd type="none" w="med" len="med"/>
+                    </a:lnR>
+                    <a:lnT w="6350" cap="flat" cmpd="sng" algn="ctr">
+                      <a:solidFill>
+                        <a:srgbClr val="000000"/>
+                      </a:solidFill>
+                      <a:prstDash val="solid"/>
+                      <a:round/>
+                      <a:headEnd type="none" w="med" len="med"/>
+                      <a:tailEnd type="none" w="med" len="med"/>
+                    </a:lnT>
+                    <a:lnB w="6350" cap="flat" cmpd="sng" algn="ctr">
+                      <a:solidFill>
+                        <a:srgbClr val="000000"/>
+                      </a:solidFill>
+                      <a:prstDash val="solid"/>
+                      <a:round/>
+                      <a:headEnd type="none" w="med" len="med"/>
+                      <a:tailEnd type="none" w="med" len="med"/>
+                    </a:lnB>
+                  </a:tcPr>
+                </a:tc>
+                <a:extLst>
+                  <a:ext uri="{0D108BD9-81ED-4DB2-BD59-A6C34878D82A}">
+                    <a16:rowId xmlns:a16="http://schemas.microsoft.com/office/drawing/2014/main" val="154588834"/>
+                  </a:ext>
+                </a:extLst>
+              </a:tr>
+              <a:tr h="252818">
+                <a:tc>
+                  <a:txBody>
+                    <a:bodyPr/>
+                    <a:lstStyle/>
+                    <a:p>
+                      <a:pPr algn="l" fontAlgn="t"/>
+                      <a:r>
+                        <a:rPr lang="en-GB" sz="1000" b="1" i="0" u="none" strike="noStrike">
+                          <a:effectLst/>
+                          <a:latin typeface="Calibri Light" panose="020F0302020204030204" pitchFamily="34" charset="0"/>
+                        </a:rPr>
+                        <a:t>8)  Complexity of communication</a:t>
+                      </a:r>
+                    </a:p>
+                  </a:txBody>
+                  <a:tcPr marL="9525" marR="9525" marT="9525" marB="0">
+                    <a:lnL w="6350" cap="flat" cmpd="sng" algn="ctr">
+                      <a:solidFill>
+                        <a:srgbClr val="000000"/>
+                      </a:solidFill>
+                      <a:prstDash val="solid"/>
+                      <a:round/>
+                      <a:headEnd type="none" w="med" len="med"/>
+                      <a:tailEnd type="none" w="med" len="med"/>
+                    </a:lnL>
+                    <a:lnR w="6350" cap="flat" cmpd="sng" algn="ctr">
+                      <a:solidFill>
+                        <a:srgbClr val="000000"/>
+                      </a:solidFill>
+                      <a:prstDash val="solid"/>
+                      <a:round/>
+                      <a:headEnd type="none" w="med" len="med"/>
+                      <a:tailEnd type="none" w="med" len="med"/>
+                    </a:lnR>
+                    <a:lnT w="6350" cap="flat" cmpd="sng" algn="ctr">
+                      <a:solidFill>
+                        <a:srgbClr val="000000"/>
+                      </a:solidFill>
+                      <a:prstDash val="solid"/>
+                      <a:round/>
+                      <a:headEnd type="none" w="med" len="med"/>
+                      <a:tailEnd type="none" w="med" len="med"/>
+                    </a:lnT>
+                    <a:lnB w="6350" cap="flat" cmpd="sng" algn="ctr">
+                      <a:solidFill>
+                        <a:srgbClr val="000000"/>
+                      </a:solidFill>
+                      <a:prstDash val="solid"/>
+                      <a:round/>
+                      <a:headEnd type="none" w="med" len="med"/>
+                      <a:tailEnd type="none" w="med" len="med"/>
+                    </a:lnB>
+                  </a:tcPr>
+                </a:tc>
+                <a:tc>
+                  <a:txBody>
+                    <a:bodyPr/>
+                    <a:lstStyle/>
+                    <a:p>
+                      <a:pPr algn="ctr" fontAlgn="t"/>
+                      <a:r>
+                        <a:rPr lang="en-GB" sz="1100" b="0" i="0" u="none" strike="noStrike">
+                          <a:effectLst/>
+                          <a:latin typeface="Calibri Light" panose="020F0302020204030204" pitchFamily="34" charset="0"/>
+                        </a:rPr>
+                        <a:t>5</a:t>
+                      </a:r>
+                    </a:p>
+                  </a:txBody>
+                  <a:tcPr marL="9525" marR="9525" marT="9525" marB="0">
+                    <a:lnL w="6350" cap="flat" cmpd="sng" algn="ctr">
+                      <a:solidFill>
+                        <a:srgbClr val="000000"/>
+                      </a:solidFill>
+                      <a:prstDash val="solid"/>
+                      <a:round/>
+                      <a:headEnd type="none" w="med" len="med"/>
+                      <a:tailEnd type="none" w="med" len="med"/>
+                    </a:lnL>
+                    <a:lnR w="6350" cap="flat" cmpd="sng" algn="ctr">
+                      <a:solidFill>
+                        <a:srgbClr val="000000"/>
+                      </a:solidFill>
+                      <a:prstDash val="solid"/>
+                      <a:round/>
+                      <a:headEnd type="none" w="med" len="med"/>
+                      <a:tailEnd type="none" w="med" len="med"/>
+                    </a:lnR>
+                    <a:lnT w="6350" cap="flat" cmpd="sng" algn="ctr">
+                      <a:solidFill>
+                        <a:srgbClr val="000000"/>
+                      </a:solidFill>
+                      <a:prstDash val="solid"/>
+                      <a:round/>
+                      <a:headEnd type="none" w="med" len="med"/>
+                      <a:tailEnd type="none" w="med" len="med"/>
+                    </a:lnT>
+                    <a:lnB w="6350" cap="flat" cmpd="sng" algn="ctr">
+                      <a:solidFill>
+                        <a:srgbClr val="000000"/>
+                      </a:solidFill>
+                      <a:prstDash val="solid"/>
+                      <a:round/>
+                      <a:headEnd type="none" w="med" len="med"/>
+                      <a:tailEnd type="none" w="med" len="med"/>
+                    </a:lnB>
+                    <a:solidFill>
+                      <a:srgbClr val="99CCFF"/>
+                    </a:solidFill>
+                  </a:tcPr>
+                </a:tc>
+                <a:tc>
+                  <a:txBody>
+                    <a:bodyPr/>
+                    <a:lstStyle/>
+                    <a:p>
+                      <a:pPr algn="ctr" fontAlgn="t"/>
+                      <a:r>
+                        <a:rPr lang="en-GB" sz="1100" b="0" i="0" u="none" strike="noStrike">
+                          <a:effectLst/>
+                          <a:latin typeface="Calibri Light" panose="020F0302020204030204" pitchFamily="34" charset="0"/>
+                        </a:rPr>
+                        <a:t>M</a:t>
+                      </a:r>
+                    </a:p>
+                  </a:txBody>
+                  <a:tcPr marL="9525" marR="9525" marT="9525" marB="0">
+                    <a:lnL w="6350" cap="flat" cmpd="sng" algn="ctr">
+                      <a:solidFill>
+                        <a:srgbClr val="000000"/>
+                      </a:solidFill>
+                      <a:prstDash val="solid"/>
+                      <a:round/>
+                      <a:headEnd type="none" w="med" len="med"/>
+                      <a:tailEnd type="none" w="med" len="med"/>
+                    </a:lnL>
+                    <a:lnR w="6350" cap="flat" cmpd="sng" algn="ctr">
+                      <a:solidFill>
+                        <a:srgbClr val="000000"/>
+                      </a:solidFill>
+                      <a:prstDash val="solid"/>
+                      <a:round/>
+                      <a:headEnd type="none" w="med" len="med"/>
+                      <a:tailEnd type="none" w="med" len="med"/>
+                    </a:lnR>
+                    <a:lnT w="6350" cap="flat" cmpd="sng" algn="ctr">
+                      <a:solidFill>
+                        <a:srgbClr val="000000"/>
+                      </a:solidFill>
+                      <a:prstDash val="solid"/>
+                      <a:round/>
+                      <a:headEnd type="none" w="med" len="med"/>
+                      <a:tailEnd type="none" w="med" len="med"/>
+                    </a:lnT>
+                    <a:lnB w="6350" cap="flat" cmpd="sng" algn="ctr">
+                      <a:solidFill>
+                        <a:srgbClr val="000000"/>
+                      </a:solidFill>
+                      <a:prstDash val="solid"/>
+                      <a:round/>
+                      <a:headEnd type="none" w="med" len="med"/>
+                      <a:tailEnd type="none" w="med" len="med"/>
+                    </a:lnB>
+                    <a:solidFill>
+                      <a:srgbClr val="FFFF00"/>
+                    </a:solidFill>
+                  </a:tcPr>
+                </a:tc>
+                <a:tc>
+                  <a:txBody>
+                    <a:bodyPr/>
+                    <a:lstStyle/>
+                    <a:p>
+                      <a:pPr algn="l" fontAlgn="t"/>
+                      <a:r>
+                        <a:rPr lang="en-GB" sz="1000" b="0" i="0" u="none" strike="noStrike">
+                          <a:effectLst/>
+                          <a:latin typeface="Calibri Light" panose="020F0302020204030204" pitchFamily="34" charset="0"/>
+                        </a:rPr>
+                        <a:t>Simplify complex ideas </a:t>
+                      </a:r>
+                    </a:p>
+                  </a:txBody>
+                  <a:tcPr marL="9525" marR="9525" marT="9525" marB="0">
+                    <a:lnL w="6350" cap="flat" cmpd="sng" algn="ctr">
+                      <a:solidFill>
+                        <a:srgbClr val="000000"/>
+                      </a:solidFill>
+                      <a:prstDash val="solid"/>
+                      <a:round/>
+                      <a:headEnd type="none" w="med" len="med"/>
+                      <a:tailEnd type="none" w="med" len="med"/>
+                    </a:lnL>
+                    <a:lnR w="6350" cap="flat" cmpd="sng" algn="ctr">
+                      <a:solidFill>
+                        <a:srgbClr val="000000"/>
+                      </a:solidFill>
+                      <a:prstDash val="solid"/>
+                      <a:round/>
+                      <a:headEnd type="none" w="med" len="med"/>
+                      <a:tailEnd type="none" w="med" len="med"/>
+                    </a:lnR>
+                    <a:lnT w="6350" cap="flat" cmpd="sng" algn="ctr">
+                      <a:solidFill>
+                        <a:srgbClr val="000000"/>
+                      </a:solidFill>
+                      <a:prstDash val="solid"/>
+                      <a:round/>
+                      <a:headEnd type="none" w="med" len="med"/>
+                      <a:tailEnd type="none" w="med" len="med"/>
+                    </a:lnT>
+                    <a:lnB w="6350" cap="flat" cmpd="sng" algn="ctr">
+                      <a:solidFill>
+                        <a:srgbClr val="000000"/>
+                      </a:solidFill>
+                      <a:prstDash val="solid"/>
+                      <a:round/>
+                      <a:headEnd type="none" w="med" len="med"/>
+                      <a:tailEnd type="none" w="med" len="med"/>
+                    </a:lnB>
+                  </a:tcPr>
+                </a:tc>
+                <a:extLst>
+                  <a:ext uri="{0D108BD9-81ED-4DB2-BD59-A6C34878D82A}">
+                    <a16:rowId xmlns:a16="http://schemas.microsoft.com/office/drawing/2014/main" val="986633830"/>
+                  </a:ext>
+                </a:extLst>
+              </a:tr>
+              <a:tr h="429791">
+                <a:tc>
+                  <a:txBody>
+                    <a:bodyPr/>
+                    <a:lstStyle/>
+                    <a:p>
+                      <a:pPr algn="l" fontAlgn="t"/>
+                      <a:r>
+                        <a:rPr lang="en-GB" sz="1000" b="1" i="0" u="none" strike="noStrike">
+                          <a:effectLst/>
+                          <a:latin typeface="Calibri Light" panose="020F0302020204030204" pitchFamily="34" charset="0"/>
+                        </a:rPr>
+                        <a:t>9) Unrealistic expectations/inexperience</a:t>
+                      </a:r>
+                    </a:p>
+                  </a:txBody>
+                  <a:tcPr marL="9525" marR="9525" marT="9525" marB="0">
+                    <a:lnL w="6350" cap="flat" cmpd="sng" algn="ctr">
+                      <a:solidFill>
+                        <a:srgbClr val="000000"/>
+                      </a:solidFill>
+                      <a:prstDash val="solid"/>
+                      <a:round/>
+                      <a:headEnd type="none" w="med" len="med"/>
+                      <a:tailEnd type="none" w="med" len="med"/>
+                    </a:lnL>
+                    <a:lnR w="6350" cap="flat" cmpd="sng" algn="ctr">
+                      <a:solidFill>
+                        <a:srgbClr val="000000"/>
+                      </a:solidFill>
+                      <a:prstDash val="solid"/>
+                      <a:round/>
+                      <a:headEnd type="none" w="med" len="med"/>
+                      <a:tailEnd type="none" w="med" len="med"/>
+                    </a:lnR>
+                    <a:lnT w="6350" cap="flat" cmpd="sng" algn="ctr">
+                      <a:solidFill>
+                        <a:srgbClr val="000000"/>
+                      </a:solidFill>
+                      <a:prstDash val="solid"/>
+                      <a:round/>
+                      <a:headEnd type="none" w="med" len="med"/>
+                      <a:tailEnd type="none" w="med" len="med"/>
+                    </a:lnT>
+                    <a:lnB w="6350" cap="flat" cmpd="sng" algn="ctr">
+                      <a:solidFill>
+                        <a:srgbClr val="000000"/>
+                      </a:solidFill>
+                      <a:prstDash val="solid"/>
+                      <a:round/>
+                      <a:headEnd type="none" w="med" len="med"/>
+                      <a:tailEnd type="none" w="med" len="med"/>
+                    </a:lnB>
+                  </a:tcPr>
+                </a:tc>
+                <a:tc>
+                  <a:txBody>
+                    <a:bodyPr/>
+                    <a:lstStyle/>
+                    <a:p>
+                      <a:pPr algn="ctr" fontAlgn="t"/>
+                      <a:r>
+                        <a:rPr lang="en-GB" sz="1100" b="0" i="0" u="none" strike="noStrike">
+                          <a:effectLst/>
+                          <a:latin typeface="Calibri Light" panose="020F0302020204030204" pitchFamily="34" charset="0"/>
+                        </a:rPr>
+                        <a:t>5</a:t>
+                      </a:r>
+                    </a:p>
+                  </a:txBody>
+                  <a:tcPr marL="9525" marR="9525" marT="9525" marB="0">
+                    <a:lnL w="6350" cap="flat" cmpd="sng" algn="ctr">
+                      <a:solidFill>
+                        <a:srgbClr val="000000"/>
+                      </a:solidFill>
+                      <a:prstDash val="solid"/>
+                      <a:round/>
+                      <a:headEnd type="none" w="med" len="med"/>
+                      <a:tailEnd type="none" w="med" len="med"/>
+                    </a:lnL>
+                    <a:lnR w="6350" cap="flat" cmpd="sng" algn="ctr">
+                      <a:solidFill>
+                        <a:srgbClr val="000000"/>
+                      </a:solidFill>
+                      <a:prstDash val="solid"/>
+                      <a:round/>
+                      <a:headEnd type="none" w="med" len="med"/>
+                      <a:tailEnd type="none" w="med" len="med"/>
+                    </a:lnR>
+                    <a:lnT w="6350" cap="flat" cmpd="sng" algn="ctr">
+                      <a:solidFill>
+                        <a:srgbClr val="000000"/>
+                      </a:solidFill>
+                      <a:prstDash val="solid"/>
+                      <a:round/>
+                      <a:headEnd type="none" w="med" len="med"/>
+                      <a:tailEnd type="none" w="med" len="med"/>
+                    </a:lnT>
+                    <a:lnB w="6350" cap="flat" cmpd="sng" algn="ctr">
+                      <a:solidFill>
+                        <a:srgbClr val="000000"/>
+                      </a:solidFill>
+                      <a:prstDash val="solid"/>
+                      <a:round/>
+                      <a:headEnd type="none" w="med" len="med"/>
+                      <a:tailEnd type="none" w="med" len="med"/>
+                    </a:lnB>
+                    <a:solidFill>
+                      <a:srgbClr val="99CCFF"/>
+                    </a:solidFill>
+                  </a:tcPr>
+                </a:tc>
+                <a:tc>
+                  <a:txBody>
+                    <a:bodyPr/>
+                    <a:lstStyle/>
+                    <a:p>
+                      <a:pPr algn="ctr" fontAlgn="t"/>
+                      <a:r>
+                        <a:rPr lang="en-GB" sz="1100" b="0" i="0" u="none" strike="noStrike">
+                          <a:effectLst/>
+                          <a:latin typeface="Calibri Light" panose="020F0302020204030204" pitchFamily="34" charset="0"/>
+                        </a:rPr>
+                        <a:t>M</a:t>
+                      </a:r>
+                    </a:p>
+                  </a:txBody>
+                  <a:tcPr marL="9525" marR="9525" marT="9525" marB="0">
+                    <a:lnL w="6350" cap="flat" cmpd="sng" algn="ctr">
+                      <a:solidFill>
+                        <a:srgbClr val="000000"/>
+                      </a:solidFill>
+                      <a:prstDash val="solid"/>
+                      <a:round/>
+                      <a:headEnd type="none" w="med" len="med"/>
+                      <a:tailEnd type="none" w="med" len="med"/>
+                    </a:lnL>
+                    <a:lnR w="6350" cap="flat" cmpd="sng" algn="ctr">
+                      <a:solidFill>
+                        <a:srgbClr val="000000"/>
+                      </a:solidFill>
+                      <a:prstDash val="solid"/>
+                      <a:round/>
+                      <a:headEnd type="none" w="med" len="med"/>
+                      <a:tailEnd type="none" w="med" len="med"/>
+                    </a:lnR>
+                    <a:lnT w="6350" cap="flat" cmpd="sng" algn="ctr">
+                      <a:solidFill>
+                        <a:srgbClr val="000000"/>
+                      </a:solidFill>
+                      <a:prstDash val="solid"/>
+                      <a:round/>
+                      <a:headEnd type="none" w="med" len="med"/>
+                      <a:tailEnd type="none" w="med" len="med"/>
+                    </a:lnT>
+                    <a:lnB w="6350" cap="flat" cmpd="sng" algn="ctr">
+                      <a:solidFill>
+                        <a:srgbClr val="000000"/>
+                      </a:solidFill>
+                      <a:prstDash val="solid"/>
+                      <a:round/>
+                      <a:headEnd type="none" w="med" len="med"/>
+                      <a:tailEnd type="none" w="med" len="med"/>
+                    </a:lnB>
+                    <a:solidFill>
+                      <a:srgbClr val="FFFF00"/>
+                    </a:solidFill>
+                  </a:tcPr>
+                </a:tc>
+                <a:tc>
+                  <a:txBody>
+                    <a:bodyPr/>
+                    <a:lstStyle/>
+                    <a:p>
+                      <a:pPr algn="l" fontAlgn="t"/>
+                      <a:r>
+                        <a:rPr lang="en-GB" sz="1000" b="0" i="0" u="none" strike="noStrike">
+                          <a:effectLst/>
+                          <a:latin typeface="Calibri Light" panose="020F0302020204030204" pitchFamily="34" charset="0"/>
+                        </a:rPr>
+                        <a:t>Consider cutting out some program features. Plan skills workshopping time.</a:t>
+                      </a:r>
+                    </a:p>
+                  </a:txBody>
+                  <a:tcPr marL="9525" marR="9525" marT="9525" marB="0">
+                    <a:lnL w="6350" cap="flat" cmpd="sng" algn="ctr">
+                      <a:solidFill>
+                        <a:srgbClr val="000000"/>
+                      </a:solidFill>
+                      <a:prstDash val="solid"/>
+                      <a:round/>
+                      <a:headEnd type="none" w="med" len="med"/>
+                      <a:tailEnd type="none" w="med" len="med"/>
+                    </a:lnL>
+                    <a:lnR w="6350" cap="flat" cmpd="sng" algn="ctr">
+                      <a:solidFill>
+                        <a:srgbClr val="000000"/>
+                      </a:solidFill>
+                      <a:prstDash val="solid"/>
+                      <a:round/>
+                      <a:headEnd type="none" w="med" len="med"/>
+                      <a:tailEnd type="none" w="med" len="med"/>
+                    </a:lnR>
+                    <a:lnT w="6350" cap="flat" cmpd="sng" algn="ctr">
+                      <a:solidFill>
+                        <a:srgbClr val="000000"/>
+                      </a:solidFill>
+                      <a:prstDash val="solid"/>
+                      <a:round/>
+                      <a:headEnd type="none" w="med" len="med"/>
+                      <a:tailEnd type="none" w="med" len="med"/>
+                    </a:lnT>
+                    <a:lnB w="6350" cap="flat" cmpd="sng" algn="ctr">
+                      <a:solidFill>
+                        <a:srgbClr val="000000"/>
+                      </a:solidFill>
+                      <a:prstDash val="solid"/>
+                      <a:round/>
+                      <a:headEnd type="none" w="med" len="med"/>
+                      <a:tailEnd type="none" w="med" len="med"/>
+                    </a:lnB>
+                  </a:tcPr>
+                </a:tc>
+                <a:extLst>
+                  <a:ext uri="{0D108BD9-81ED-4DB2-BD59-A6C34878D82A}">
+                    <a16:rowId xmlns:a16="http://schemas.microsoft.com/office/drawing/2014/main" val="178450753"/>
+                  </a:ext>
+                </a:extLst>
+              </a:tr>
+              <a:tr h="252818">
+                <a:tc>
+                  <a:txBody>
+                    <a:bodyPr/>
+                    <a:lstStyle/>
+                    <a:p>
+                      <a:pPr algn="l" fontAlgn="t"/>
+                      <a:r>
+                        <a:rPr lang="en-GB" sz="1000" b="1" i="0" u="none" strike="noStrike">
+                          <a:effectLst/>
+                          <a:latin typeface="Calibri Light" panose="020F0302020204030204" pitchFamily="34" charset="0"/>
+                        </a:rPr>
+                        <a:t>10) Natural/manmade disasters</a:t>
+                      </a:r>
+                    </a:p>
+                  </a:txBody>
+                  <a:tcPr marL="9525" marR="9525" marT="9525" marB="0">
+                    <a:lnL w="6350" cap="flat" cmpd="sng" algn="ctr">
+                      <a:solidFill>
+                        <a:srgbClr val="000000"/>
+                      </a:solidFill>
+                      <a:prstDash val="solid"/>
+                      <a:round/>
+                      <a:headEnd type="none" w="med" len="med"/>
+                      <a:tailEnd type="none" w="med" len="med"/>
+                    </a:lnL>
+                    <a:lnR w="6350" cap="flat" cmpd="sng" algn="ctr">
+                      <a:solidFill>
+                        <a:srgbClr val="000000"/>
+                      </a:solidFill>
+                      <a:prstDash val="solid"/>
+                      <a:round/>
+                      <a:headEnd type="none" w="med" len="med"/>
+                      <a:tailEnd type="none" w="med" len="med"/>
+                    </a:lnR>
+                    <a:lnT w="6350" cap="flat" cmpd="sng" algn="ctr">
+                      <a:solidFill>
+                        <a:srgbClr val="000000"/>
+                      </a:solidFill>
+                      <a:prstDash val="solid"/>
+                      <a:round/>
+                      <a:headEnd type="none" w="med" len="med"/>
+                      <a:tailEnd type="none" w="med" len="med"/>
+                    </a:lnT>
+                    <a:lnB w="6350" cap="flat" cmpd="sng" algn="ctr">
+                      <a:solidFill>
+                        <a:srgbClr val="000000"/>
+                      </a:solidFill>
+                      <a:prstDash val="solid"/>
+                      <a:round/>
+                      <a:headEnd type="none" w="med" len="med"/>
+                      <a:tailEnd type="none" w="med" len="med"/>
+                    </a:lnB>
+                  </a:tcPr>
+                </a:tc>
+                <a:tc>
+                  <a:txBody>
+                    <a:bodyPr/>
+                    <a:lstStyle/>
+                    <a:p>
+                      <a:pPr algn="ctr" fontAlgn="t"/>
+                      <a:r>
+                        <a:rPr lang="en-GB" sz="1100" b="0" i="0" u="none" strike="noStrike">
+                          <a:effectLst/>
+                          <a:latin typeface="Calibri Light" panose="020F0302020204030204" pitchFamily="34" charset="0"/>
+                        </a:rPr>
+                        <a:t>3</a:t>
+                      </a:r>
+                    </a:p>
+                  </a:txBody>
+                  <a:tcPr marL="9525" marR="9525" marT="9525" marB="0">
+                    <a:lnL w="6350" cap="flat" cmpd="sng" algn="ctr">
+                      <a:solidFill>
+                        <a:srgbClr val="000000"/>
+                      </a:solidFill>
+                      <a:prstDash val="solid"/>
+                      <a:round/>
+                      <a:headEnd type="none" w="med" len="med"/>
+                      <a:tailEnd type="none" w="med" len="med"/>
+                    </a:lnL>
+                    <a:lnR w="6350" cap="flat" cmpd="sng" algn="ctr">
+                      <a:solidFill>
+                        <a:srgbClr val="000000"/>
+                      </a:solidFill>
+                      <a:prstDash val="solid"/>
+                      <a:round/>
+                      <a:headEnd type="none" w="med" len="med"/>
+                      <a:tailEnd type="none" w="med" len="med"/>
+                    </a:lnR>
+                    <a:lnT w="6350" cap="flat" cmpd="sng" algn="ctr">
+                      <a:solidFill>
+                        <a:srgbClr val="000000"/>
+                      </a:solidFill>
+                      <a:prstDash val="solid"/>
+                      <a:round/>
+                      <a:headEnd type="none" w="med" len="med"/>
+                      <a:tailEnd type="none" w="med" len="med"/>
+                    </a:lnT>
+                    <a:lnB w="6350" cap="flat" cmpd="sng" algn="ctr">
+                      <a:solidFill>
+                        <a:srgbClr val="000000"/>
+                      </a:solidFill>
+                      <a:prstDash val="solid"/>
+                      <a:round/>
+                      <a:headEnd type="none" w="med" len="med"/>
+                      <a:tailEnd type="none" w="med" len="med"/>
+                    </a:lnB>
+                    <a:solidFill>
+                      <a:srgbClr val="99CCFF"/>
+                    </a:solidFill>
+                  </a:tcPr>
+                </a:tc>
+                <a:tc>
+                  <a:txBody>
+                    <a:bodyPr/>
+                    <a:lstStyle/>
+                    <a:p>
+                      <a:pPr algn="ctr" fontAlgn="t"/>
+                      <a:r>
+                        <a:rPr lang="en-GB" sz="1100" b="0" i="0" u="none" strike="noStrike">
+                          <a:effectLst/>
+                          <a:latin typeface="Calibri Light" panose="020F0302020204030204" pitchFamily="34" charset="0"/>
+                        </a:rPr>
+                        <a:t>L</a:t>
+                      </a:r>
+                    </a:p>
+                  </a:txBody>
+                  <a:tcPr marL="9525" marR="9525" marT="9525" marB="0">
+                    <a:lnL w="6350" cap="flat" cmpd="sng" algn="ctr">
+                      <a:solidFill>
+                        <a:srgbClr val="000000"/>
+                      </a:solidFill>
+                      <a:prstDash val="solid"/>
+                      <a:round/>
+                      <a:headEnd type="none" w="med" len="med"/>
+                      <a:tailEnd type="none" w="med" len="med"/>
+                    </a:lnL>
+                    <a:lnR w="6350" cap="flat" cmpd="sng" algn="ctr">
+                      <a:solidFill>
+                        <a:srgbClr val="000000"/>
+                      </a:solidFill>
+                      <a:prstDash val="solid"/>
+                      <a:round/>
+                      <a:headEnd type="none" w="med" len="med"/>
+                      <a:tailEnd type="none" w="med" len="med"/>
+                    </a:lnR>
+                    <a:lnT w="6350" cap="flat" cmpd="sng" algn="ctr">
+                      <a:solidFill>
+                        <a:srgbClr val="000000"/>
+                      </a:solidFill>
+                      <a:prstDash val="solid"/>
+                      <a:round/>
+                      <a:headEnd type="none" w="med" len="med"/>
+                      <a:tailEnd type="none" w="med" len="med"/>
+                    </a:lnT>
+                    <a:lnB w="6350" cap="flat" cmpd="sng" algn="ctr">
+                      <a:solidFill>
+                        <a:srgbClr val="000000"/>
+                      </a:solidFill>
+                      <a:prstDash val="solid"/>
+                      <a:round/>
+                      <a:headEnd type="none" w="med" len="med"/>
+                      <a:tailEnd type="none" w="med" len="med"/>
+                    </a:lnB>
+                    <a:solidFill>
+                      <a:srgbClr val="99CC00"/>
+                    </a:solidFill>
+                  </a:tcPr>
+                </a:tc>
+                <a:tc>
+                  <a:txBody>
+                    <a:bodyPr/>
+                    <a:lstStyle/>
+                    <a:p>
+                      <a:pPr algn="l" fontAlgn="t"/>
+                      <a:r>
+                        <a:rPr lang="en-GB" sz="1000" b="0" i="0" u="none" strike="noStrike">
+                          <a:effectLst/>
+                          <a:latin typeface="Calibri Light" panose="020F0302020204030204" pitchFamily="34" charset="0"/>
+                        </a:rPr>
+                        <a:t>Ensure back-up systems are in place.</a:t>
+                      </a:r>
+                    </a:p>
+                  </a:txBody>
+                  <a:tcPr marL="9525" marR="9525" marT="9525" marB="0">
+                    <a:lnL w="6350" cap="flat" cmpd="sng" algn="ctr">
+                      <a:solidFill>
+                        <a:srgbClr val="000000"/>
+                      </a:solidFill>
+                      <a:prstDash val="solid"/>
+                      <a:round/>
+                      <a:headEnd type="none" w="med" len="med"/>
+                      <a:tailEnd type="none" w="med" len="med"/>
+                    </a:lnL>
+                    <a:lnR w="6350" cap="flat" cmpd="sng" algn="ctr">
+                      <a:solidFill>
+                        <a:srgbClr val="000000"/>
+                      </a:solidFill>
+                      <a:prstDash val="solid"/>
+                      <a:round/>
+                      <a:headEnd type="none" w="med" len="med"/>
+                      <a:tailEnd type="none" w="med" len="med"/>
+                    </a:lnR>
+                    <a:lnT w="6350" cap="flat" cmpd="sng" algn="ctr">
+                      <a:solidFill>
+                        <a:srgbClr val="000000"/>
+                      </a:solidFill>
+                      <a:prstDash val="solid"/>
+                      <a:round/>
+                      <a:headEnd type="none" w="med" len="med"/>
+                      <a:tailEnd type="none" w="med" len="med"/>
+                    </a:lnT>
+                    <a:lnB w="6350" cap="flat" cmpd="sng" algn="ctr">
+                      <a:solidFill>
+                        <a:srgbClr val="000000"/>
+                      </a:solidFill>
+                      <a:prstDash val="solid"/>
+                      <a:round/>
+                      <a:headEnd type="none" w="med" len="med"/>
+                      <a:tailEnd type="none" w="med" len="med"/>
+                    </a:lnB>
+                  </a:tcPr>
+                </a:tc>
+                <a:extLst>
+                  <a:ext uri="{0D108BD9-81ED-4DB2-BD59-A6C34878D82A}">
+                    <a16:rowId xmlns:a16="http://schemas.microsoft.com/office/drawing/2014/main" val="3693311903"/>
+                  </a:ext>
+                </a:extLst>
+              </a:tr>
+              <a:tr h="252818">
+                <a:tc>
+                  <a:txBody>
+                    <a:bodyPr/>
+                    <a:lstStyle/>
+                    <a:p>
+                      <a:pPr algn="l" fontAlgn="ctr"/>
+                      <a:r>
+                        <a:rPr lang="en-GB" sz="1000" b="1" i="0" u="none" strike="noStrike">
+                          <a:effectLst/>
+                          <a:latin typeface="Calibri Light" panose="020F0302020204030204" pitchFamily="34" charset="0"/>
+                        </a:rPr>
+                        <a:t> </a:t>
+                      </a:r>
+                    </a:p>
+                  </a:txBody>
+                  <a:tcPr marL="9525" marR="9525" marT="9525" marB="0" anchor="ctr">
+                    <a:lnL w="6350" cap="flat" cmpd="sng" algn="ctr">
+                      <a:solidFill>
+                        <a:srgbClr val="000000"/>
+                      </a:solidFill>
+                      <a:prstDash val="solid"/>
+                      <a:round/>
+                      <a:headEnd type="none" w="med" len="med"/>
+                      <a:tailEnd type="none" w="med" len="med"/>
+                    </a:lnL>
+                    <a:lnR>
+                      <a:noFill/>
+                    </a:lnR>
+                    <a:lnT w="6350" cap="flat" cmpd="sng" algn="ctr">
+                      <a:solidFill>
+                        <a:srgbClr val="000000"/>
+                      </a:solidFill>
+                      <a:prstDash val="solid"/>
+                      <a:round/>
+                      <a:headEnd type="none" w="med" len="med"/>
+                      <a:tailEnd type="none" w="med" len="med"/>
+                    </a:lnT>
+                    <a:lnB w="6350" cap="flat" cmpd="sng" algn="ctr">
+                      <a:solidFill>
+                        <a:srgbClr val="000000"/>
+                      </a:solidFill>
+                      <a:prstDash val="solid"/>
+                      <a:round/>
+                      <a:headEnd type="none" w="med" len="med"/>
+                      <a:tailEnd type="none" w="med" len="med"/>
+                    </a:lnB>
+                    <a:pattFill prst="ltUpDiag">
+                      <a:fgClr>
+                        <a:srgbClr val="000000"/>
+                      </a:fgClr>
+                      <a:bgClr>
+                        <a:srgbClr val="FFFFFF"/>
+                      </a:bgClr>
+                    </a:pattFill>
+                  </a:tcPr>
+                </a:tc>
+                <a:tc>
+                  <a:txBody>
+                    <a:bodyPr/>
+                    <a:lstStyle/>
+                    <a:p>
+                      <a:pPr algn="ctr" fontAlgn="t"/>
+                      <a:r>
+                        <a:rPr lang="en-GB" sz="1100" b="0" i="0" u="none" strike="noStrike">
+                          <a:effectLst/>
+                          <a:latin typeface="Calibri Light" panose="020F0302020204030204" pitchFamily="34" charset="0"/>
+                        </a:rPr>
+                        <a:t>6</a:t>
+                      </a:r>
+                    </a:p>
+                  </a:txBody>
+                  <a:tcPr marL="9525" marR="9525" marT="9525" marB="0">
+                    <a:lnL>
+                      <a:noFill/>
+                    </a:lnL>
+                    <a:lnR w="6350" cap="flat" cmpd="sng" algn="ctr">
+                      <a:solidFill>
+                        <a:srgbClr val="000000"/>
+                      </a:solidFill>
+                      <a:prstDash val="solid"/>
+                      <a:round/>
+                      <a:headEnd type="none" w="med" len="med"/>
+                      <a:tailEnd type="none" w="med" len="med"/>
+                    </a:lnR>
+                    <a:lnT w="6350" cap="flat" cmpd="sng" algn="ctr">
+                      <a:solidFill>
+                        <a:srgbClr val="000000"/>
+                      </a:solidFill>
+                      <a:prstDash val="solid"/>
+                      <a:round/>
+                      <a:headEnd type="none" w="med" len="med"/>
+                      <a:tailEnd type="none" w="med" len="med"/>
+                    </a:lnT>
+                    <a:lnB w="6350" cap="flat" cmpd="sng" algn="ctr">
+                      <a:solidFill>
+                        <a:srgbClr val="000000"/>
+                      </a:solidFill>
+                      <a:prstDash val="solid"/>
+                      <a:round/>
+                      <a:headEnd type="none" w="med" len="med"/>
+                      <a:tailEnd type="none" w="med" len="med"/>
+                    </a:lnB>
+                    <a:solidFill>
+                      <a:srgbClr val="99CCFF"/>
+                    </a:solidFill>
+                  </a:tcPr>
+                </a:tc>
+                <a:tc>
+                  <a:txBody>
+                    <a:bodyPr/>
+                    <a:lstStyle/>
+                    <a:p>
+                      <a:pPr algn="ctr" fontAlgn="t"/>
+                      <a:r>
+                        <a:rPr lang="en-GB" sz="1100" b="0" i="0" u="none" strike="noStrike">
+                          <a:effectLst/>
+                          <a:latin typeface="Calibri Light" panose="020F0302020204030204" pitchFamily="34" charset="0"/>
+                        </a:rPr>
+                        <a:t>H</a:t>
+                      </a:r>
+                    </a:p>
+                  </a:txBody>
+                  <a:tcPr marL="9525" marR="9525" marT="9525" marB="0">
+                    <a:lnL w="6350" cap="flat" cmpd="sng" algn="ctr">
+                      <a:solidFill>
+                        <a:srgbClr val="000000"/>
+                      </a:solidFill>
+                      <a:prstDash val="solid"/>
+                      <a:round/>
+                      <a:headEnd type="none" w="med" len="med"/>
+                      <a:tailEnd type="none" w="med" len="med"/>
+                    </a:lnL>
+                    <a:lnR w="6350" cap="flat" cmpd="sng" algn="ctr">
+                      <a:solidFill>
+                        <a:srgbClr val="000000"/>
+                      </a:solidFill>
+                      <a:prstDash val="solid"/>
+                      <a:round/>
+                      <a:headEnd type="none" w="med" len="med"/>
+                      <a:tailEnd type="none" w="med" len="med"/>
+                    </a:lnR>
+                    <a:lnT w="6350" cap="flat" cmpd="sng" algn="ctr">
+                      <a:solidFill>
+                        <a:srgbClr val="000000"/>
+                      </a:solidFill>
+                      <a:prstDash val="solid"/>
+                      <a:round/>
+                      <a:headEnd type="none" w="med" len="med"/>
+                      <a:tailEnd type="none" w="med" len="med"/>
+                    </a:lnT>
+                    <a:lnB w="6350" cap="flat" cmpd="sng" algn="ctr">
+                      <a:solidFill>
+                        <a:srgbClr val="000000"/>
+                      </a:solidFill>
+                      <a:prstDash val="solid"/>
+                      <a:round/>
+                      <a:headEnd type="none" w="med" len="med"/>
+                      <a:tailEnd type="none" w="med" len="med"/>
+                    </a:lnB>
+                    <a:solidFill>
+                      <a:srgbClr val="FF0000"/>
+                    </a:solidFill>
+                  </a:tcPr>
+                </a:tc>
+                <a:tc>
+                  <a:txBody>
+                    <a:bodyPr/>
+                    <a:lstStyle/>
+                    <a:p>
+                      <a:pPr algn="l" fontAlgn="ctr"/>
+                      <a:r>
+                        <a:rPr lang="en-GB" sz="1100" b="0" i="0" u="none" strike="noStrike" dirty="0">
+                          <a:effectLst/>
+                          <a:latin typeface="Calibri Light" panose="020F0302020204030204" pitchFamily="34" charset="0"/>
+                        </a:rPr>
+                        <a:t> </a:t>
+                      </a:r>
+                    </a:p>
+                  </a:txBody>
+                  <a:tcPr marL="9525" marR="9525" marT="9525" marB="0" anchor="ctr">
+                    <a:lnL w="6350" cap="flat" cmpd="sng" algn="ctr">
+                      <a:solidFill>
+                        <a:srgbClr val="000000"/>
+                      </a:solidFill>
+                      <a:prstDash val="solid"/>
+                      <a:round/>
+                      <a:headEnd type="none" w="med" len="med"/>
+                      <a:tailEnd type="none" w="med" len="med"/>
+                    </a:lnL>
+                    <a:lnR w="6350" cap="flat" cmpd="sng" algn="ctr">
+                      <a:solidFill>
+                        <a:srgbClr val="000000"/>
+                      </a:solidFill>
+                      <a:prstDash val="solid"/>
+                      <a:round/>
+                      <a:headEnd type="none" w="med" len="med"/>
+                      <a:tailEnd type="none" w="med" len="med"/>
+                    </a:lnR>
+                    <a:lnT w="6350" cap="flat" cmpd="sng" algn="ctr">
+                      <a:solidFill>
+                        <a:srgbClr val="000000"/>
+                      </a:solidFill>
+                      <a:prstDash val="solid"/>
+                      <a:round/>
+                      <a:headEnd type="none" w="med" len="med"/>
+                      <a:tailEnd type="none" w="med" len="med"/>
+                    </a:lnT>
+                    <a:lnB w="6350" cap="flat" cmpd="sng" algn="ctr">
+                      <a:solidFill>
+                        <a:srgbClr val="000000"/>
+                      </a:solidFill>
+                      <a:prstDash val="solid"/>
+                      <a:round/>
+                      <a:headEnd type="none" w="med" len="med"/>
+                      <a:tailEnd type="none" w="med" len="med"/>
+                    </a:lnB>
+                    <a:pattFill prst="ltUpDiag">
+                      <a:fgClr>
+                        <a:srgbClr val="000000"/>
+                      </a:fgClr>
+                      <a:bgClr>
+                        <a:srgbClr val="FFFFFF"/>
+                      </a:bgClr>
+                    </a:pattFill>
+                  </a:tcPr>
+                </a:tc>
+                <a:extLst>
+                  <a:ext uri="{0D108BD9-81ED-4DB2-BD59-A6C34878D82A}">
+                    <a16:rowId xmlns:a16="http://schemas.microsoft.com/office/drawing/2014/main" val="1331327199"/>
+                  </a:ext>
+                </a:extLst>
+              </a:tr>
+            </a:tbl>
+          </a:graphicData>
+        </a:graphic>
+      </p:graphicFrame>
     </p:spTree>
     <p:extLst>
       <p:ext uri="{BB962C8B-B14F-4D97-AF65-F5344CB8AC3E}">
-        <p14:creationId xmlns:p14="http://schemas.microsoft.com/office/powerpoint/2010/main" val="86068722"/>
+        <p14:creationId xmlns:p14="http://schemas.microsoft.com/office/powerpoint/2010/main" val="1401318355"/>
       </p:ext>
     </p:extLst>
   </p:cSld>
